--- a/Raman_Final Presentation.pptx
+++ b/Raman_Final Presentation.pptx
@@ -5,7 +5,7 @@
     <p:sldMasterId id="2147483660" r:id="rId1"/>
   </p:sldMasterIdLst>
   <p:notesMasterIdLst>
-    <p:notesMasterId r:id="rId15"/>
+    <p:notesMasterId r:id="rId17"/>
   </p:notesMasterIdLst>
   <p:sldIdLst>
     <p:sldId id="279" r:id="rId2"/>
@@ -13,14 +13,16 @@
     <p:sldId id="323" r:id="rId4"/>
     <p:sldId id="328" r:id="rId5"/>
     <p:sldId id="313" r:id="rId6"/>
-    <p:sldId id="329" r:id="rId7"/>
-    <p:sldId id="319" r:id="rId8"/>
+    <p:sldId id="332" r:id="rId7"/>
+    <p:sldId id="329" r:id="rId8"/>
     <p:sldId id="330" r:id="rId9"/>
-    <p:sldId id="320" r:id="rId10"/>
-    <p:sldId id="321" r:id="rId11"/>
-    <p:sldId id="327" r:id="rId12"/>
-    <p:sldId id="293" r:id="rId13"/>
-    <p:sldId id="278" r:id="rId14"/>
+    <p:sldId id="319" r:id="rId10"/>
+    <p:sldId id="320" r:id="rId11"/>
+    <p:sldId id="331" r:id="rId12"/>
+    <p:sldId id="321" r:id="rId13"/>
+    <p:sldId id="327" r:id="rId14"/>
+    <p:sldId id="293" r:id="rId15"/>
+    <p:sldId id="278" r:id="rId16"/>
   </p:sldIdLst>
   <p:sldSz cx="12192000" cy="6858000"/>
   <p:notesSz cx="6858000" cy="9144000"/>
@@ -751,7 +753,7 @@
     </p:spTree>
     <p:extLst>
       <p:ext uri="{BB962C8B-B14F-4D97-AF65-F5344CB8AC3E}">
-        <p14:creationId xmlns:p14="http://schemas.microsoft.com/office/powerpoint/2010/main" val="1496054122"/>
+        <p14:creationId xmlns:p14="http://schemas.microsoft.com/office/powerpoint/2010/main" val="2917245951"/>
       </p:ext>
     </p:extLst>
   </p:cSld>
@@ -805,7 +807,7 @@
           <a:bodyPr/>
           <a:lstStyle/>
           <a:p>
-            <a:endParaRPr lang="en-US" altLang="ko-KR" dirty="0"/>
+            <a:endParaRPr lang="ko-KR" altLang="en-US" dirty="0"/>
           </a:p>
         </p:txBody>
       </p:sp>
@@ -826,7 +828,91 @@
           <a:p>
             <a:fld id="{46FAD282-DBE7-4289-AE62-AD15ECAF802B}" type="slidenum">
               <a:rPr lang="ko-KR" altLang="en-US" smtClean="0"/>
-              <a:t>12</a:t>
+              <a:t>7</a:t>
+            </a:fld>
+            <a:endParaRPr lang="ko-KR" altLang="en-US"/>
+          </a:p>
+        </p:txBody>
+      </p:sp>
+    </p:spTree>
+    <p:extLst>
+      <p:ext uri="{BB962C8B-B14F-4D97-AF65-F5344CB8AC3E}">
+        <p14:creationId xmlns:p14="http://schemas.microsoft.com/office/powerpoint/2010/main" val="1496054122"/>
+      </p:ext>
+    </p:extLst>
+  </p:cSld>
+  <p:clrMapOvr>
+    <a:masterClrMapping/>
+  </p:clrMapOvr>
+</p:notes>
+</file>
+
+<file path=ppt/notesSlides/notesSlide5.xml><?xml version="1.0" encoding="utf-8"?>
+<p:notes xmlns:a="http://schemas.openxmlformats.org/drawingml/2006/main" xmlns:r="http://schemas.openxmlformats.org/officeDocument/2006/relationships" xmlns:p="http://schemas.openxmlformats.org/presentationml/2006/main">
+  <p:cSld>
+    <p:spTree>
+      <p:nvGrpSpPr>
+        <p:cNvPr id="1" name=""/>
+        <p:cNvGrpSpPr/>
+        <p:nvPr/>
+      </p:nvGrpSpPr>
+      <p:grpSpPr>
+        <a:xfrm>
+          <a:off x="0" y="0"/>
+          <a:ext cx="0" cy="0"/>
+          <a:chOff x="0" y="0"/>
+          <a:chExt cx="0" cy="0"/>
+        </a:xfrm>
+      </p:grpSpPr>
+      <p:sp>
+        <p:nvSpPr>
+          <p:cNvPr id="2" name="슬라이드 이미지 개체 틀 1"/>
+          <p:cNvSpPr>
+            <a:spLocks noGrp="1" noRot="1" noChangeAspect="1"/>
+          </p:cNvSpPr>
+          <p:nvPr>
+            <p:ph type="sldImg"/>
+          </p:nvPr>
+        </p:nvSpPr>
+        <p:spPr/>
+      </p:sp>
+      <p:sp>
+        <p:nvSpPr>
+          <p:cNvPr id="3" name="슬라이드 노트 개체 틀 2"/>
+          <p:cNvSpPr>
+            <a:spLocks noGrp="1"/>
+          </p:cNvSpPr>
+          <p:nvPr>
+            <p:ph type="body" idx="1"/>
+          </p:nvPr>
+        </p:nvSpPr>
+        <p:spPr/>
+        <p:txBody>
+          <a:bodyPr/>
+          <a:lstStyle/>
+          <a:p>
+            <a:endParaRPr lang="en-US" altLang="ko-KR" dirty="0"/>
+          </a:p>
+        </p:txBody>
+      </p:sp>
+      <p:sp>
+        <p:nvSpPr>
+          <p:cNvPr id="4" name="슬라이드 번호 개체 틀 3"/>
+          <p:cNvSpPr>
+            <a:spLocks noGrp="1"/>
+          </p:cNvSpPr>
+          <p:nvPr>
+            <p:ph type="sldNum" sz="quarter" idx="5"/>
+          </p:nvPr>
+        </p:nvSpPr>
+        <p:spPr/>
+        <p:txBody>
+          <a:bodyPr/>
+          <a:lstStyle/>
+          <a:p>
+            <a:fld id="{46FAD282-DBE7-4289-AE62-AD15ECAF802B}" type="slidenum">
+              <a:rPr lang="ko-KR" altLang="en-US" smtClean="0"/>
+              <a:t>14</a:t>
             </a:fld>
             <a:endParaRPr lang="ko-KR" altLang="en-US"/>
           </a:p>
@@ -4212,10 +4298,10 @@
       </p:grpSpPr>
       <p:sp>
         <p:nvSpPr>
-          <p:cNvPr id="2" name="TextBox 1">
+          <p:cNvPr id="4" name="TextBox 3">
             <a:extLst>
               <a:ext uri="{FF2B5EF4-FFF2-40B4-BE49-F238E27FC236}">
-                <a16:creationId xmlns:a16="http://schemas.microsoft.com/office/drawing/2014/main" id="{74FF59ED-1B1F-4559-284F-32617AEC98C3}"/>
+                <a16:creationId xmlns:a16="http://schemas.microsoft.com/office/drawing/2014/main" id="{8A05AD63-D546-1C08-A20F-2F18332B8279}"/>
               </a:ext>
             </a:extLst>
           </p:cNvPr>
@@ -4224,8 +4310,8 @@
         </p:nvSpPr>
         <p:spPr>
           <a:xfrm>
-            <a:off x="1442882" y="772006"/>
-            <a:ext cx="10053718" cy="584775"/>
+            <a:off x="1631504" y="764704"/>
+            <a:ext cx="10053718" cy="677108"/>
           </a:xfrm>
           <a:prstGeom prst="rect">
             <a:avLst/>
@@ -4239,21 +4325,909 @@
           <a:lstStyle/>
           <a:p>
             <a:r>
-              <a:rPr lang="en-US" altLang="ko-KR" sz="3200" dirty="0">
+              <a:rPr lang="en-US" altLang="ko-KR" sz="3800" dirty="0">
                 <a:solidFill>
                   <a:srgbClr val="072A60"/>
                 </a:solidFill>
                 <a:latin typeface="Garamond" panose="02020404030301010803" pitchFamily="18" charset="0"/>
               </a:rPr>
-              <a:t>Raman Spectrum</a:t>
-            </a:r>
-          </a:p>
-        </p:txBody>
-      </p:sp>
+              <a:t>Ti2CTx</a:t>
+            </a:r>
+          </a:p>
+        </p:txBody>
+      </p:sp>
+      <p:grpSp>
+        <p:nvGrpSpPr>
+          <p:cNvPr id="12" name="그룹 11">
+            <a:extLst>
+              <a:ext uri="{FF2B5EF4-FFF2-40B4-BE49-F238E27FC236}">
+                <a16:creationId xmlns:a16="http://schemas.microsoft.com/office/drawing/2014/main" id="{76B29BB5-7467-8E03-EC67-444EDD39F7AF}"/>
+              </a:ext>
+            </a:extLst>
+          </p:cNvPr>
+          <p:cNvGrpSpPr/>
+          <p:nvPr/>
+        </p:nvGrpSpPr>
+        <p:grpSpPr>
+          <a:xfrm>
+            <a:off x="98010" y="1628800"/>
+            <a:ext cx="5709958" cy="4038160"/>
+            <a:chOff x="354252" y="1700808"/>
+            <a:chExt cx="5709958" cy="4038160"/>
+          </a:xfrm>
+        </p:grpSpPr>
+        <p:pic>
+          <p:nvPicPr>
+            <p:cNvPr id="3" name="그림 2">
+              <a:extLst>
+                <a:ext uri="{FF2B5EF4-FFF2-40B4-BE49-F238E27FC236}">
+                  <a16:creationId xmlns:a16="http://schemas.microsoft.com/office/drawing/2014/main" id="{2C605A49-5B6D-17B3-D818-BD4F3BFCFC44}"/>
+                </a:ext>
+              </a:extLst>
+            </p:cNvPr>
+            <p:cNvPicPr>
+              <a:picLocks noChangeAspect="1"/>
+            </p:cNvPicPr>
+            <p:nvPr/>
+          </p:nvPicPr>
+          <p:blipFill>
+            <a:blip r:embed="rId2">
+              <a:extLst>
+                <a:ext uri="{28A0092B-C50C-407E-A947-70E740481C1C}">
+                  <a14:useLocalDpi xmlns:a14="http://schemas.microsoft.com/office/drawing/2010/main" val="0"/>
+                </a:ext>
+              </a:extLst>
+            </a:blip>
+            <a:stretch>
+              <a:fillRect/>
+            </a:stretch>
+          </p:blipFill>
+          <p:spPr>
+            <a:xfrm>
+              <a:off x="354252" y="1700808"/>
+              <a:ext cx="5709958" cy="4038160"/>
+            </a:xfrm>
+            <a:prstGeom prst="rect">
+              <a:avLst/>
+            </a:prstGeom>
+          </p:spPr>
+        </p:pic>
+        <p:sp>
+          <p:nvSpPr>
+            <p:cNvPr id="7" name="TextBox 6">
+              <a:extLst>
+                <a:ext uri="{FF2B5EF4-FFF2-40B4-BE49-F238E27FC236}">
+                  <a16:creationId xmlns:a16="http://schemas.microsoft.com/office/drawing/2014/main" id="{A11A3D01-C5A2-A938-60AC-0DD678F9DA7B}"/>
+                </a:ext>
+              </a:extLst>
+            </p:cNvPr>
+            <p:cNvSpPr txBox="1"/>
+            <p:nvPr/>
+          </p:nvSpPr>
+          <p:spPr>
+            <a:xfrm>
+              <a:off x="1912626" y="2607919"/>
+              <a:ext cx="1023046" cy="477054"/>
+            </a:xfrm>
+            <a:prstGeom prst="rect">
+              <a:avLst/>
+            </a:prstGeom>
+            <a:noFill/>
+          </p:spPr>
+          <p:txBody>
+            <a:bodyPr wrap="square" rtlCol="0">
+              <a:spAutoFit/>
+            </a:bodyPr>
+            <a:lstStyle/>
+            <a:p>
+              <a:r>
+                <a:rPr lang="en-US" altLang="ko-KR" sz="2500" b="1" dirty="0">
+                  <a:solidFill>
+                    <a:srgbClr val="072A60"/>
+                  </a:solidFill>
+                  <a:latin typeface="Garamond" panose="02020404030301010803" pitchFamily="18" charset="0"/>
+                  <a:ea typeface="맑은 고딕" panose="020B0503020000020004" pitchFamily="50" charset="-127"/>
+                </a:rPr>
+                <a:t>ω3</a:t>
+              </a:r>
+              <a:endParaRPr lang="ko-KR" altLang="en-US" sz="2500" b="1" dirty="0"/>
+            </a:p>
+          </p:txBody>
+        </p:sp>
+        <p:sp>
+          <p:nvSpPr>
+            <p:cNvPr id="8" name="TextBox 7">
+              <a:extLst>
+                <a:ext uri="{FF2B5EF4-FFF2-40B4-BE49-F238E27FC236}">
+                  <a16:creationId xmlns:a16="http://schemas.microsoft.com/office/drawing/2014/main" id="{A97F6346-6A1D-146D-C3C9-45578DFCFF02}"/>
+                </a:ext>
+              </a:extLst>
+            </p:cNvPr>
+            <p:cNvSpPr txBox="1"/>
+            <p:nvPr/>
+          </p:nvSpPr>
+          <p:spPr>
+            <a:xfrm>
+              <a:off x="1631504" y="1701700"/>
+              <a:ext cx="1023046" cy="477054"/>
+            </a:xfrm>
+            <a:prstGeom prst="rect">
+              <a:avLst/>
+            </a:prstGeom>
+            <a:noFill/>
+          </p:spPr>
+          <p:txBody>
+            <a:bodyPr wrap="square" rtlCol="0">
+              <a:spAutoFit/>
+            </a:bodyPr>
+            <a:lstStyle/>
+            <a:p>
+              <a:r>
+                <a:rPr lang="en-US" altLang="ko-KR" sz="2500" b="1" dirty="0">
+                  <a:solidFill>
+                    <a:srgbClr val="072A60"/>
+                  </a:solidFill>
+                  <a:latin typeface="Garamond" panose="02020404030301010803" pitchFamily="18" charset="0"/>
+                  <a:ea typeface="맑은 고딕" panose="020B0503020000020004" pitchFamily="50" charset="-127"/>
+                </a:rPr>
+                <a:t>ω2</a:t>
+              </a:r>
+              <a:endParaRPr lang="ko-KR" altLang="en-US" sz="2500" b="1" dirty="0"/>
+            </a:p>
+          </p:txBody>
+        </p:sp>
+        <p:sp>
+          <p:nvSpPr>
+            <p:cNvPr id="9" name="TextBox 8">
+              <a:extLst>
+                <a:ext uri="{FF2B5EF4-FFF2-40B4-BE49-F238E27FC236}">
+                  <a16:creationId xmlns:a16="http://schemas.microsoft.com/office/drawing/2014/main" id="{5E2EFC6F-3D2A-72B0-B47B-771F566B8D58}"/>
+                </a:ext>
+              </a:extLst>
+            </p:cNvPr>
+            <p:cNvSpPr txBox="1"/>
+            <p:nvPr/>
+          </p:nvSpPr>
+          <p:spPr>
+            <a:xfrm>
+              <a:off x="1401103" y="3242834"/>
+              <a:ext cx="1023046" cy="477054"/>
+            </a:xfrm>
+            <a:prstGeom prst="rect">
+              <a:avLst/>
+            </a:prstGeom>
+            <a:noFill/>
+          </p:spPr>
+          <p:txBody>
+            <a:bodyPr wrap="square" rtlCol="0">
+              <a:spAutoFit/>
+            </a:bodyPr>
+            <a:lstStyle/>
+            <a:p>
+              <a:r>
+                <a:rPr lang="en-US" altLang="ko-KR" sz="2500" b="1" dirty="0">
+                  <a:solidFill>
+                    <a:srgbClr val="072A60"/>
+                  </a:solidFill>
+                  <a:latin typeface="Garamond" panose="02020404030301010803" pitchFamily="18" charset="0"/>
+                  <a:ea typeface="맑은 고딕" panose="020B0503020000020004" pitchFamily="50" charset="-127"/>
+                </a:rPr>
+                <a:t>ω1</a:t>
+              </a:r>
+              <a:endParaRPr lang="ko-KR" altLang="en-US" sz="2500" b="1" dirty="0"/>
+            </a:p>
+          </p:txBody>
+        </p:sp>
+        <p:sp>
+          <p:nvSpPr>
+            <p:cNvPr id="10" name="TextBox 9">
+              <a:extLst>
+                <a:ext uri="{FF2B5EF4-FFF2-40B4-BE49-F238E27FC236}">
+                  <a16:creationId xmlns:a16="http://schemas.microsoft.com/office/drawing/2014/main" id="{55AD6143-CEE2-141A-546C-9F0283A2BB72}"/>
+                </a:ext>
+              </a:extLst>
+            </p:cNvPr>
+            <p:cNvSpPr txBox="1"/>
+            <p:nvPr/>
+          </p:nvSpPr>
+          <p:spPr>
+            <a:xfrm>
+              <a:off x="2848395" y="4154671"/>
+              <a:ext cx="1023046" cy="400110"/>
+            </a:xfrm>
+            <a:prstGeom prst="rect">
+              <a:avLst/>
+            </a:prstGeom>
+            <a:noFill/>
+          </p:spPr>
+          <p:txBody>
+            <a:bodyPr wrap="square" rtlCol="0">
+              <a:spAutoFit/>
+            </a:bodyPr>
+            <a:lstStyle/>
+            <a:p>
+              <a:r>
+                <a:rPr lang="en-US" altLang="ko-KR" sz="2000" b="1" dirty="0">
+                  <a:solidFill>
+                    <a:srgbClr val="072A60"/>
+                  </a:solidFill>
+                  <a:latin typeface="Garamond" panose="02020404030301010803" pitchFamily="18" charset="0"/>
+                  <a:ea typeface="맑은 고딕" panose="020B0503020000020004" pitchFamily="50" charset="-127"/>
+                </a:rPr>
+                <a:t>D</a:t>
+              </a:r>
+              <a:endParaRPr lang="ko-KR" altLang="en-US" sz="2000" b="1" dirty="0"/>
+            </a:p>
+          </p:txBody>
+        </p:sp>
+        <p:sp>
+          <p:nvSpPr>
+            <p:cNvPr id="11" name="TextBox 10">
+              <a:extLst>
+                <a:ext uri="{FF2B5EF4-FFF2-40B4-BE49-F238E27FC236}">
+                  <a16:creationId xmlns:a16="http://schemas.microsoft.com/office/drawing/2014/main" id="{C683FE70-0F32-F00C-596D-4EFFBD69E059}"/>
+                </a:ext>
+              </a:extLst>
+            </p:cNvPr>
+            <p:cNvSpPr txBox="1"/>
+            <p:nvPr/>
+          </p:nvSpPr>
+          <p:spPr>
+            <a:xfrm>
+              <a:off x="3209231" y="4221088"/>
+              <a:ext cx="1023046" cy="400110"/>
+            </a:xfrm>
+            <a:prstGeom prst="rect">
+              <a:avLst/>
+            </a:prstGeom>
+            <a:noFill/>
+          </p:spPr>
+          <p:txBody>
+            <a:bodyPr wrap="square" rtlCol="0">
+              <a:spAutoFit/>
+            </a:bodyPr>
+            <a:lstStyle/>
+            <a:p>
+              <a:r>
+                <a:rPr lang="en-US" altLang="ko-KR" sz="2000" b="1" dirty="0">
+                  <a:solidFill>
+                    <a:srgbClr val="072A60"/>
+                  </a:solidFill>
+                  <a:latin typeface="Garamond" panose="02020404030301010803" pitchFamily="18" charset="0"/>
+                  <a:ea typeface="맑은 고딕" panose="020B0503020000020004" pitchFamily="50" charset="-127"/>
+                </a:rPr>
+                <a:t>G</a:t>
+              </a:r>
+              <a:endParaRPr lang="ko-KR" altLang="en-US" sz="2000" b="1" dirty="0"/>
+            </a:p>
+          </p:txBody>
+        </p:sp>
+      </p:grpSp>
+      <mc:AlternateContent xmlns:mc="http://schemas.openxmlformats.org/markup-compatibility/2006">
+        <mc:Choice xmlns:a14="http://schemas.microsoft.com/office/drawing/2010/main" Requires="a14">
+          <p:sp>
+            <p:nvSpPr>
+              <p:cNvPr id="5" name="TextBox 4">
+                <a:extLst>
+                  <a:ext uri="{FF2B5EF4-FFF2-40B4-BE49-F238E27FC236}">
+                    <a16:creationId xmlns:a16="http://schemas.microsoft.com/office/drawing/2014/main" id="{9187583A-ED7C-317E-B5D1-44AEEAAE1EE0}"/>
+                  </a:ext>
+                </a:extLst>
+              </p:cNvPr>
+              <p:cNvSpPr txBox="1"/>
+              <p:nvPr/>
+            </p:nvSpPr>
+            <p:spPr>
+              <a:xfrm>
+                <a:off x="5686146" y="1700808"/>
+                <a:ext cx="6505854" cy="3647152"/>
+              </a:xfrm>
+              <a:prstGeom prst="rect">
+                <a:avLst/>
+              </a:prstGeom>
+              <a:noFill/>
+            </p:spPr>
+            <p:txBody>
+              <a:bodyPr wrap="square">
+                <a:spAutoFit/>
+              </a:bodyPr>
+              <a:lstStyle/>
+              <a:p>
+                <a:pPr marL="342900" indent="-342900">
+                  <a:buFont typeface="Arial" panose="020B0604020202020204" pitchFamily="34" charset="0"/>
+                  <a:buChar char="•"/>
+                </a:pPr>
+                <a:r>
+                  <a:rPr lang="en-US" altLang="ko-KR" sz="2200" dirty="0">
+                    <a:solidFill>
+                      <a:srgbClr val="072A60"/>
+                    </a:solidFill>
+                    <a:latin typeface="Garamond" panose="02020404030301010803" pitchFamily="18" charset="0"/>
+                    <a:ea typeface="맑은 고딕" panose="020B0503020000020004" pitchFamily="50" charset="-127"/>
+                  </a:rPr>
+                  <a:t>ω1 : </a:t>
+                </a:r>
+                <a:r>
+                  <a:rPr lang="en-US" altLang="ko-KR" sz="2200" dirty="0">
+                    <a:solidFill>
+                      <a:srgbClr val="072A60"/>
+                    </a:solidFill>
+                    <a:latin typeface="Garamond" panose="02020404030301010803" pitchFamily="18" charset="0"/>
+                  </a:rPr>
+                  <a:t>279</a:t>
+                </a:r>
+                <a14:m>
+                  <m:oMath xmlns:m="http://schemas.openxmlformats.org/officeDocument/2006/math">
+                    <m:sSup>
+                      <m:sSupPr>
+                        <m:ctrlPr>
+                          <a:rPr lang="en-US" altLang="ko-KR" sz="2200" i="1">
+                            <a:solidFill>
+                              <a:srgbClr val="072A60"/>
+                            </a:solidFill>
+                            <a:latin typeface="Cambria Math" panose="02040503050406030204" pitchFamily="18" charset="0"/>
+                          </a:rPr>
+                        </m:ctrlPr>
+                      </m:sSupPr>
+                      <m:e>
+                        <m:r>
+                          <a:rPr lang="en-US" altLang="ko-KR" sz="2200" i="1">
+                            <a:solidFill>
+                              <a:srgbClr val="072A60"/>
+                            </a:solidFill>
+                            <a:latin typeface="Cambria Math" panose="02040503050406030204" pitchFamily="18" charset="0"/>
+                          </a:rPr>
+                          <m:t>𝑐𝑚</m:t>
+                        </m:r>
+                      </m:e>
+                      <m:sup>
+                        <m:r>
+                          <a:rPr lang="en-US" altLang="ko-KR" sz="2200" i="1">
+                            <a:solidFill>
+                              <a:srgbClr val="072A60"/>
+                            </a:solidFill>
+                            <a:latin typeface="Cambria Math" panose="02040503050406030204" pitchFamily="18" charset="0"/>
+                          </a:rPr>
+                          <m:t>−1</m:t>
+                        </m:r>
+                      </m:sup>
+                    </m:sSup>
+                  </m:oMath>
+                </a14:m>
+                <a:r>
+                  <a:rPr lang="en-US" altLang="ko-KR" sz="2200" dirty="0">
+                    <a:solidFill>
+                      <a:srgbClr val="072A60"/>
+                    </a:solidFill>
+                    <a:latin typeface="Garamond" panose="02020404030301010803" pitchFamily="18" charset="0"/>
+                    <a:ea typeface="맑은 고딕" panose="020B0503020000020004" pitchFamily="50" charset="-127"/>
+                  </a:rPr>
+                  <a:t>, ω3 : </a:t>
+                </a:r>
+                <a:r>
+                  <a:rPr lang="en-US" altLang="ko-KR" sz="2200" dirty="0">
+                    <a:solidFill>
+                      <a:srgbClr val="072A60"/>
+                    </a:solidFill>
+                    <a:latin typeface="Garamond" panose="02020404030301010803" pitchFamily="18" charset="0"/>
+                  </a:rPr>
+                  <a:t>615</a:t>
+                </a:r>
+                <a14:m>
+                  <m:oMath xmlns:m="http://schemas.openxmlformats.org/officeDocument/2006/math">
+                    <m:sSup>
+                      <m:sSupPr>
+                        <m:ctrlPr>
+                          <a:rPr lang="en-US" altLang="ko-KR" sz="2200" i="1">
+                            <a:solidFill>
+                              <a:srgbClr val="072A60"/>
+                            </a:solidFill>
+                            <a:latin typeface="Cambria Math" panose="02040503050406030204" pitchFamily="18" charset="0"/>
+                          </a:rPr>
+                        </m:ctrlPr>
+                      </m:sSupPr>
+                      <m:e>
+                        <m:r>
+                          <a:rPr lang="en-US" altLang="ko-KR" sz="2200" i="1">
+                            <a:solidFill>
+                              <a:srgbClr val="072A60"/>
+                            </a:solidFill>
+                            <a:latin typeface="Cambria Math" panose="02040503050406030204" pitchFamily="18" charset="0"/>
+                          </a:rPr>
+                          <m:t>𝑐𝑚</m:t>
+                        </m:r>
+                      </m:e>
+                      <m:sup>
+                        <m:r>
+                          <a:rPr lang="en-US" altLang="ko-KR" sz="2200" i="1">
+                            <a:solidFill>
+                              <a:srgbClr val="072A60"/>
+                            </a:solidFill>
+                            <a:latin typeface="Cambria Math" panose="02040503050406030204" pitchFamily="18" charset="0"/>
+                          </a:rPr>
+                          <m:t>−1</m:t>
+                        </m:r>
+                      </m:sup>
+                    </m:sSup>
+                  </m:oMath>
+                </a14:m>
+                <a:endParaRPr lang="en-US" altLang="ko-KR" sz="2200" dirty="0">
+                  <a:solidFill>
+                    <a:srgbClr val="072A60"/>
+                  </a:solidFill>
+                  <a:latin typeface="Garamond" panose="02020404030301010803" pitchFamily="18" charset="0"/>
+                </a:endParaRPr>
+              </a:p>
+              <a:p>
+                <a:r>
+                  <a:rPr lang="en-US" altLang="ko-KR" sz="2200" dirty="0">
+                    <a:solidFill>
+                      <a:srgbClr val="072A60"/>
+                    </a:solidFill>
+                    <a:latin typeface="Garamond" panose="02020404030301010803" pitchFamily="18" charset="0"/>
+                    <a:ea typeface="맑은 고딕" panose="020B0503020000020004" pitchFamily="50" charset="-127"/>
+                  </a:rPr>
+                  <a:t>	</a:t>
+                </a:r>
+                <a:r>
+                  <a:rPr lang="en-US" altLang="ko-KR" sz="2200" dirty="0">
+                    <a:solidFill>
+                      <a:srgbClr val="072A60"/>
+                    </a:solidFill>
+                    <a:latin typeface="맑은 고딕" panose="020B0503020000020004" pitchFamily="50" charset="-127"/>
+                    <a:ea typeface="맑은 고딕" panose="020B0503020000020004" pitchFamily="50" charset="-127"/>
+                  </a:rPr>
+                  <a:t>→ </a:t>
+                </a:r>
+                <a:r>
+                  <a:rPr lang="en-US" altLang="ko-KR" sz="2200" dirty="0">
+                    <a:solidFill>
+                      <a:srgbClr val="072A60"/>
+                    </a:solidFill>
+                    <a:latin typeface="Garamond" panose="02020404030301010803" pitchFamily="18" charset="0"/>
+                  </a:rPr>
+                  <a:t>vibration mode of </a:t>
+                </a:r>
+                <a:r>
+                  <a:rPr lang="en-US" altLang="ko-KR" sz="2200" dirty="0" err="1">
+                    <a:solidFill>
+                      <a:srgbClr val="072A60"/>
+                    </a:solidFill>
+                    <a:latin typeface="Garamond" panose="02020404030301010803" pitchFamily="18" charset="0"/>
+                  </a:rPr>
+                  <a:t>Ti</a:t>
+                </a:r>
+                <a:r>
+                  <a:rPr lang="en-US" altLang="ko-KR" sz="2200" dirty="0">
+                    <a:solidFill>
+                      <a:srgbClr val="072A60"/>
+                    </a:solidFill>
+                    <a:latin typeface="Garamond" panose="02020404030301010803" pitchFamily="18" charset="0"/>
+                  </a:rPr>
+                  <a:t>, C and surface </a:t>
+                </a:r>
+              </a:p>
+              <a:p>
+                <a:r>
+                  <a:rPr lang="en-US" altLang="ko-KR" sz="2200" dirty="0">
+                    <a:solidFill>
+                      <a:srgbClr val="072A60"/>
+                    </a:solidFill>
+                    <a:latin typeface="Garamond" panose="02020404030301010803" pitchFamily="18" charset="0"/>
+                  </a:rPr>
+                  <a:t>	     terminating functional groups(</a:t>
+                </a:r>
+                <a:r>
+                  <a:rPr lang="en-US" altLang="ko-KR" sz="2200" dirty="0" err="1">
+                    <a:solidFill>
+                      <a:srgbClr val="072A60"/>
+                    </a:solidFill>
+                    <a:latin typeface="Garamond" panose="02020404030301010803" pitchFamily="18" charset="0"/>
+                  </a:rPr>
+                  <a:t>Ti</a:t>
+                </a:r>
+                <a:r>
+                  <a:rPr lang="en-US" altLang="ko-KR" sz="2200" dirty="0">
+                    <a:solidFill>
+                      <a:srgbClr val="072A60"/>
+                    </a:solidFill>
+                    <a:latin typeface="Garamond" panose="02020404030301010803" pitchFamily="18" charset="0"/>
+                  </a:rPr>
+                  <a:t>-O, </a:t>
+                </a:r>
+                <a:r>
+                  <a:rPr lang="en-US" altLang="ko-KR" sz="2200" dirty="0" err="1">
+                    <a:solidFill>
+                      <a:srgbClr val="072A60"/>
+                    </a:solidFill>
+                    <a:latin typeface="Garamond" panose="02020404030301010803" pitchFamily="18" charset="0"/>
+                  </a:rPr>
+                  <a:t>Ti</a:t>
+                </a:r>
+                <a:r>
+                  <a:rPr lang="en-US" altLang="ko-KR" sz="2200" dirty="0">
+                    <a:solidFill>
+                      <a:srgbClr val="072A60"/>
+                    </a:solidFill>
+                    <a:latin typeface="Garamond" panose="02020404030301010803" pitchFamily="18" charset="0"/>
+                  </a:rPr>
+                  <a:t>-C, </a:t>
+                </a:r>
+                <a:r>
+                  <a:rPr lang="en-US" altLang="ko-KR" sz="2200" dirty="0" err="1">
+                    <a:solidFill>
+                      <a:srgbClr val="072A60"/>
+                    </a:solidFill>
+                    <a:latin typeface="Garamond" panose="02020404030301010803" pitchFamily="18" charset="0"/>
+                  </a:rPr>
+                  <a:t>Ti</a:t>
+                </a:r>
+                <a:r>
+                  <a:rPr lang="en-US" altLang="ko-KR" sz="2200" dirty="0">
+                    <a:solidFill>
+                      <a:srgbClr val="072A60"/>
+                    </a:solidFill>
+                    <a:latin typeface="Garamond" panose="02020404030301010803" pitchFamily="18" charset="0"/>
+                  </a:rPr>
+                  <a:t>-OH)</a:t>
+                </a:r>
+              </a:p>
+              <a:p>
+                <a:pPr marL="342900" indent="-342900">
+                  <a:lnSpc>
+                    <a:spcPct val="150000"/>
+                  </a:lnSpc>
+                  <a:buFont typeface="Arial" panose="020B0604020202020204" pitchFamily="34" charset="0"/>
+                  <a:buChar char="•"/>
+                </a:pPr>
+                <a:r>
+                  <a:rPr lang="en-US" altLang="ko-KR" sz="2200" dirty="0">
+                    <a:solidFill>
+                      <a:srgbClr val="072A60"/>
+                    </a:solidFill>
+                    <a:latin typeface="Garamond" panose="02020404030301010803" pitchFamily="18" charset="0"/>
+                    <a:ea typeface="맑은 고딕" panose="020B0503020000020004" pitchFamily="50" charset="-127"/>
+                  </a:rPr>
+                  <a:t>ω2 : 420</a:t>
+                </a:r>
+                <a14:m>
+                  <m:oMath xmlns:m="http://schemas.openxmlformats.org/officeDocument/2006/math">
+                    <m:sSup>
+                      <m:sSupPr>
+                        <m:ctrlPr>
+                          <a:rPr lang="en-US" altLang="ko-KR" sz="2200" i="1" smtClean="0">
+                            <a:solidFill>
+                              <a:srgbClr val="072A60"/>
+                            </a:solidFill>
+                            <a:latin typeface="Cambria Math" panose="02040503050406030204" pitchFamily="18" charset="0"/>
+                          </a:rPr>
+                        </m:ctrlPr>
+                      </m:sSupPr>
+                      <m:e>
+                        <m:r>
+                          <a:rPr lang="en-US" altLang="ko-KR" sz="2200" b="0" i="1" smtClean="0">
+                            <a:solidFill>
+                              <a:srgbClr val="072A60"/>
+                            </a:solidFill>
+                            <a:latin typeface="Cambria Math" panose="02040503050406030204" pitchFamily="18" charset="0"/>
+                          </a:rPr>
+                          <m:t>𝑐𝑚</m:t>
+                        </m:r>
+                      </m:e>
+                      <m:sup>
+                        <m:r>
+                          <a:rPr lang="en-US" altLang="ko-KR" sz="2200" b="0" i="1" smtClean="0">
+                            <a:solidFill>
+                              <a:srgbClr val="072A60"/>
+                            </a:solidFill>
+                            <a:latin typeface="Cambria Math" panose="02040503050406030204" pitchFamily="18" charset="0"/>
+                          </a:rPr>
+                          <m:t>−1</m:t>
+                        </m:r>
+                      </m:sup>
+                    </m:sSup>
+                  </m:oMath>
+                </a14:m>
+                <a:endParaRPr lang="en-US" altLang="ko-KR" sz="2200" dirty="0">
+                  <a:solidFill>
+                    <a:srgbClr val="072A60"/>
+                  </a:solidFill>
+                  <a:latin typeface="Garamond" panose="02020404030301010803" pitchFamily="18" charset="0"/>
+                </a:endParaRPr>
+              </a:p>
+              <a:p>
+                <a:r>
+                  <a:rPr lang="en-US" altLang="ko-KR" sz="2200" dirty="0">
+                    <a:solidFill>
+                      <a:srgbClr val="072A60"/>
+                    </a:solidFill>
+                    <a:latin typeface="Garamond" panose="02020404030301010803" pitchFamily="18" charset="0"/>
+                    <a:ea typeface="맑은 고딕" panose="020B0503020000020004" pitchFamily="50" charset="-127"/>
+                  </a:rPr>
+                  <a:t>	</a:t>
+                </a:r>
+                <a:r>
+                  <a:rPr lang="en-US" altLang="ko-KR" sz="2200" dirty="0">
+                    <a:solidFill>
+                      <a:srgbClr val="072A60"/>
+                    </a:solidFill>
+                    <a:latin typeface="맑은 고딕" panose="020B0503020000020004" pitchFamily="50" charset="-127"/>
+                    <a:ea typeface="맑은 고딕" panose="020B0503020000020004" pitchFamily="50" charset="-127"/>
+                  </a:rPr>
+                  <a:t>→ </a:t>
+                </a:r>
+                <a:r>
+                  <a:rPr lang="en-US" altLang="ko-KR" sz="2200" dirty="0">
+                    <a:solidFill>
+                      <a:srgbClr val="072A60"/>
+                    </a:solidFill>
+                    <a:latin typeface="Garamond" panose="02020404030301010803" pitchFamily="18" charset="0"/>
+                  </a:rPr>
+                  <a:t>vibration mode of </a:t>
+                </a:r>
+                <a:r>
+                  <a:rPr lang="en-US" altLang="ko-KR" sz="2200" dirty="0" err="1">
+                    <a:solidFill>
+                      <a:srgbClr val="072A60"/>
+                    </a:solidFill>
+                    <a:latin typeface="Garamond" panose="02020404030301010803" pitchFamily="18" charset="0"/>
+                  </a:rPr>
+                  <a:t>Ti</a:t>
+                </a:r>
+                <a:r>
+                  <a:rPr lang="en-US" altLang="ko-KR" sz="2200" dirty="0">
+                    <a:solidFill>
+                      <a:srgbClr val="072A60"/>
+                    </a:solidFill>
+                    <a:latin typeface="Garamond" panose="02020404030301010803" pitchFamily="18" charset="0"/>
+                  </a:rPr>
+                  <a:t> and Al in MAX phase</a:t>
+                </a:r>
+              </a:p>
+              <a:p>
+                <a:pPr marL="342900" indent="-342900">
+                  <a:lnSpc>
+                    <a:spcPct val="150000"/>
+                  </a:lnSpc>
+                  <a:buFont typeface="Arial" panose="020B0604020202020204" pitchFamily="34" charset="0"/>
+                  <a:buChar char="•"/>
+                </a:pPr>
+                <a:r>
+                  <a:rPr lang="en-US" altLang="ko-KR" sz="2200" dirty="0">
+                    <a:solidFill>
+                      <a:srgbClr val="072A60"/>
+                    </a:solidFill>
+                    <a:latin typeface="Garamond" panose="02020404030301010803" pitchFamily="18" charset="0"/>
+                  </a:rPr>
+                  <a:t>D peak : 1326</a:t>
+                </a:r>
+                <a14:m>
+                  <m:oMath xmlns:m="http://schemas.openxmlformats.org/officeDocument/2006/math">
+                    <m:sSup>
+                      <m:sSupPr>
+                        <m:ctrlPr>
+                          <a:rPr lang="en-US" altLang="ko-KR" sz="2200" i="1" smtClean="0">
+                            <a:solidFill>
+                              <a:srgbClr val="072A60"/>
+                            </a:solidFill>
+                            <a:latin typeface="Cambria Math" panose="02040503050406030204" pitchFamily="18" charset="0"/>
+                          </a:rPr>
+                        </m:ctrlPr>
+                      </m:sSupPr>
+                      <m:e>
+                        <m:r>
+                          <a:rPr lang="en-US" altLang="ko-KR" sz="2200" b="0" i="1" smtClean="0">
+                            <a:solidFill>
+                              <a:srgbClr val="072A60"/>
+                            </a:solidFill>
+                            <a:latin typeface="Cambria Math" panose="02040503050406030204" pitchFamily="18" charset="0"/>
+                          </a:rPr>
+                          <m:t>𝑐𝑚</m:t>
+                        </m:r>
+                      </m:e>
+                      <m:sup>
+                        <m:r>
+                          <a:rPr lang="en-US" altLang="ko-KR" sz="2200" b="0" i="1" smtClean="0">
+                            <a:solidFill>
+                              <a:srgbClr val="072A60"/>
+                            </a:solidFill>
+                            <a:latin typeface="Cambria Math" panose="02040503050406030204" pitchFamily="18" charset="0"/>
+                          </a:rPr>
+                          <m:t>−1</m:t>
+                        </m:r>
+                      </m:sup>
+                    </m:sSup>
+                  </m:oMath>
+                </a14:m>
+                <a:endParaRPr lang="en-US" altLang="ko-KR" sz="2200" dirty="0">
+                  <a:solidFill>
+                    <a:srgbClr val="072A60"/>
+                  </a:solidFill>
+                  <a:latin typeface="Garamond" panose="02020404030301010803" pitchFamily="18" charset="0"/>
+                </a:endParaRPr>
+              </a:p>
+              <a:p>
+                <a:r>
+                  <a:rPr lang="en-US" altLang="ko-KR" sz="2200" dirty="0">
+                    <a:solidFill>
+                      <a:srgbClr val="072A60"/>
+                    </a:solidFill>
+                    <a:latin typeface="Garamond" panose="02020404030301010803" pitchFamily="18" charset="0"/>
+                  </a:rPr>
+                  <a:t>	</a:t>
+                </a:r>
+                <a:r>
+                  <a:rPr lang="en-US" altLang="ko-KR" sz="2200" dirty="0">
+                    <a:solidFill>
+                      <a:srgbClr val="072A60"/>
+                    </a:solidFill>
+                    <a:latin typeface="맑은 고딕" panose="020B0503020000020004" pitchFamily="50" charset="-127"/>
+                    <a:ea typeface="맑은 고딕" panose="020B0503020000020004" pitchFamily="50" charset="-127"/>
+                  </a:rPr>
+                  <a:t>→ </a:t>
+                </a:r>
+                <a:r>
+                  <a:rPr lang="en-US" altLang="ko-KR" sz="2200" dirty="0">
+                    <a:solidFill>
+                      <a:srgbClr val="072A60"/>
+                    </a:solidFill>
+                    <a:latin typeface="Garamond" panose="02020404030301010803" pitchFamily="18" charset="0"/>
+                    <a:ea typeface="맑은 고딕" panose="020B0503020000020004" pitchFamily="50" charset="-127"/>
+                  </a:rPr>
+                  <a:t>breathing mode of six-atoms rings with a defect</a:t>
+                </a:r>
+                <a:endParaRPr lang="en-US" altLang="ko-KR" sz="2200" dirty="0">
+                  <a:solidFill>
+                    <a:srgbClr val="072A60"/>
+                  </a:solidFill>
+                  <a:latin typeface="Garamond" panose="02020404030301010803" pitchFamily="18" charset="0"/>
+                </a:endParaRPr>
+              </a:p>
+              <a:p>
+                <a:pPr marL="342900" indent="-342900">
+                  <a:lnSpc>
+                    <a:spcPct val="150000"/>
+                  </a:lnSpc>
+                  <a:buFont typeface="Arial" panose="020B0604020202020204" pitchFamily="34" charset="0"/>
+                  <a:buChar char="•"/>
+                </a:pPr>
+                <a:r>
+                  <a:rPr lang="en-US" altLang="ko-KR" sz="2200" dirty="0">
+                    <a:solidFill>
+                      <a:srgbClr val="072A60"/>
+                    </a:solidFill>
+                    <a:latin typeface="Garamond" panose="02020404030301010803" pitchFamily="18" charset="0"/>
+                  </a:rPr>
+                  <a:t>G peak : 1574</a:t>
+                </a:r>
+                <a14:m>
+                  <m:oMath xmlns:m="http://schemas.openxmlformats.org/officeDocument/2006/math">
+                    <m:sSup>
+                      <m:sSupPr>
+                        <m:ctrlPr>
+                          <a:rPr lang="en-US" altLang="ko-KR" sz="2200" i="1" smtClean="0">
+                            <a:solidFill>
+                              <a:srgbClr val="072A60"/>
+                            </a:solidFill>
+                            <a:latin typeface="Cambria Math" panose="02040503050406030204" pitchFamily="18" charset="0"/>
+                          </a:rPr>
+                        </m:ctrlPr>
+                      </m:sSupPr>
+                      <m:e>
+                        <m:r>
+                          <a:rPr lang="en-US" altLang="ko-KR" sz="2200" i="1">
+                            <a:solidFill>
+                              <a:srgbClr val="072A60"/>
+                            </a:solidFill>
+                            <a:latin typeface="Cambria Math" panose="02040503050406030204" pitchFamily="18" charset="0"/>
+                          </a:rPr>
+                          <m:t>𝑐𝑚</m:t>
+                        </m:r>
+                      </m:e>
+                      <m:sup>
+                        <m:r>
+                          <a:rPr lang="en-US" altLang="ko-KR" sz="2200" i="1">
+                            <a:solidFill>
+                              <a:srgbClr val="072A60"/>
+                            </a:solidFill>
+                            <a:latin typeface="Cambria Math" panose="02040503050406030204" pitchFamily="18" charset="0"/>
+                          </a:rPr>
+                          <m:t>−1</m:t>
+                        </m:r>
+                      </m:sup>
+                    </m:sSup>
+                  </m:oMath>
+                </a14:m>
+                <a:endParaRPr lang="en-US" altLang="ko-KR" sz="2200" dirty="0">
+                  <a:solidFill>
+                    <a:srgbClr val="072A60"/>
+                  </a:solidFill>
+                  <a:latin typeface="Garamond" panose="02020404030301010803" pitchFamily="18" charset="0"/>
+                </a:endParaRPr>
+              </a:p>
+              <a:p>
+                <a:r>
+                  <a:rPr lang="en-US" altLang="ko-KR" sz="2200" dirty="0">
+                    <a:solidFill>
+                      <a:srgbClr val="072A60"/>
+                    </a:solidFill>
+                    <a:latin typeface="Garamond" panose="02020404030301010803" pitchFamily="18" charset="0"/>
+                    <a:ea typeface="맑은 고딕" panose="020B0503020000020004" pitchFamily="50" charset="-127"/>
+                  </a:rPr>
+                  <a:t>	</a:t>
+                </a:r>
+                <a:r>
+                  <a:rPr lang="en-US" altLang="ko-KR" sz="2200" dirty="0">
+                    <a:solidFill>
+                      <a:srgbClr val="072A60"/>
+                    </a:solidFill>
+                    <a:latin typeface="맑은 고딕" panose="020B0503020000020004" pitchFamily="50" charset="-127"/>
+                    <a:ea typeface="맑은 고딕" panose="020B0503020000020004" pitchFamily="50" charset="-127"/>
+                  </a:rPr>
+                  <a:t>→ </a:t>
+                </a:r>
+                <a:r>
+                  <a:rPr lang="en-US" altLang="ko-KR" sz="2200" dirty="0">
+                    <a:solidFill>
+                      <a:srgbClr val="072A60"/>
+                    </a:solidFill>
+                    <a:latin typeface="Garamond" panose="02020404030301010803" pitchFamily="18" charset="0"/>
+                  </a:rPr>
+                  <a:t>a stretching C-C bonding</a:t>
+                </a:r>
+              </a:p>
+            </p:txBody>
+          </p:sp>
+        </mc:Choice>
+        <mc:Fallback>
+          <p:sp>
+            <p:nvSpPr>
+              <p:cNvPr id="5" name="TextBox 4">
+                <a:extLst>
+                  <a:ext uri="{FF2B5EF4-FFF2-40B4-BE49-F238E27FC236}">
+                    <a16:creationId xmlns:a16="http://schemas.microsoft.com/office/drawing/2014/main" id="{9187583A-ED7C-317E-B5D1-44AEEAAE1EE0}"/>
+                  </a:ext>
+                </a:extLst>
+              </p:cNvPr>
+              <p:cNvSpPr txBox="1">
+                <a:spLocks noRot="1" noChangeAspect="1" noMove="1" noResize="1" noEditPoints="1" noAdjustHandles="1" noChangeArrowheads="1" noChangeShapeType="1" noTextEdit="1"/>
+              </p:cNvSpPr>
+              <p:nvPr/>
+            </p:nvSpPr>
+            <p:spPr>
+              <a:xfrm>
+                <a:off x="5686146" y="1700808"/>
+                <a:ext cx="6505854" cy="3647152"/>
+              </a:xfrm>
+              <a:prstGeom prst="rect">
+                <a:avLst/>
+              </a:prstGeom>
+              <a:blipFill>
+                <a:blip r:embed="rId3"/>
+                <a:stretch>
+                  <a:fillRect l="-1125" t="-1003" b="-2676"/>
+                </a:stretch>
+              </a:blipFill>
+            </p:spPr>
+            <p:txBody>
+              <a:bodyPr/>
+              <a:lstStyle/>
+              <a:p>
+                <a:r>
+                  <a:rPr lang="ko-KR" altLang="en-US">
+                    <a:noFill/>
+                  </a:rPr>
+                  <a:t> </a:t>
+                </a:r>
+              </a:p>
+            </p:txBody>
+          </p:sp>
+        </mc:Fallback>
+      </mc:AlternateContent>
     </p:spTree>
     <p:extLst>
       <p:ext uri="{BB962C8B-B14F-4D97-AF65-F5344CB8AC3E}">
-        <p14:creationId xmlns:p14="http://schemas.microsoft.com/office/powerpoint/2010/main" val="997486219"/>
+        <p14:creationId xmlns:p14="http://schemas.microsoft.com/office/powerpoint/2010/main" val="3293098080"/>
       </p:ext>
     </p:extLst>
   </p:cSld>
@@ -4294,10 +5268,10 @@
       </p:grpSpPr>
       <p:sp>
         <p:nvSpPr>
-          <p:cNvPr id="2" name="TextBox 1">
+          <p:cNvPr id="4" name="TextBox 3">
             <a:extLst>
               <a:ext uri="{FF2B5EF4-FFF2-40B4-BE49-F238E27FC236}">
-                <a16:creationId xmlns:a16="http://schemas.microsoft.com/office/drawing/2014/main" id="{C284BCD3-743A-E0F6-51BB-D785D564D701}"/>
+                <a16:creationId xmlns:a16="http://schemas.microsoft.com/office/drawing/2014/main" id="{8A05AD63-D546-1C08-A20F-2F18332B8279}"/>
               </a:ext>
             </a:extLst>
           </p:cNvPr>
@@ -4306,8 +5280,8 @@
         </p:nvSpPr>
         <p:spPr>
           <a:xfrm>
-            <a:off x="1442882" y="772006"/>
-            <a:ext cx="10053718" cy="584775"/>
+            <a:off x="1631504" y="764704"/>
+            <a:ext cx="10053718" cy="677108"/>
           </a:xfrm>
           <a:prstGeom prst="rect">
             <a:avLst/>
@@ -4321,21 +5295,57 @@
           <a:lstStyle/>
           <a:p>
             <a:r>
-              <a:rPr lang="en-US" altLang="ko-KR" sz="3200" dirty="0">
+              <a:rPr lang="en-US" altLang="ko-KR" sz="3800" dirty="0">
                 <a:solidFill>
                   <a:srgbClr val="072A60"/>
                 </a:solidFill>
                 <a:latin typeface="Garamond" panose="02020404030301010803" pitchFamily="18" charset="0"/>
               </a:rPr>
-              <a:t>Conclusion</a:t>
-            </a:r>
-          </a:p>
-        </p:txBody>
-      </p:sp>
+              <a:t>Ti2CTx – Experiment Result</a:t>
+            </a:r>
+          </a:p>
+        </p:txBody>
+      </p:sp>
+      <p:pic>
+        <p:nvPicPr>
+          <p:cNvPr id="5" name="그림 4">
+            <a:extLst>
+              <a:ext uri="{FF2B5EF4-FFF2-40B4-BE49-F238E27FC236}">
+                <a16:creationId xmlns:a16="http://schemas.microsoft.com/office/drawing/2014/main" id="{87654996-BC1E-17E9-4086-E393E7268F39}"/>
+              </a:ext>
+            </a:extLst>
+          </p:cNvPr>
+          <p:cNvPicPr>
+            <a:picLocks noChangeAspect="1"/>
+          </p:cNvPicPr>
+          <p:nvPr/>
+        </p:nvPicPr>
+        <p:blipFill>
+          <a:blip r:embed="rId2">
+            <a:extLst>
+              <a:ext uri="{28A0092B-C50C-407E-A947-70E740481C1C}">
+                <a14:useLocalDpi xmlns:a14="http://schemas.microsoft.com/office/drawing/2010/main" val="0"/>
+              </a:ext>
+            </a:extLst>
+          </a:blip>
+          <a:stretch>
+            <a:fillRect/>
+          </a:stretch>
+        </p:blipFill>
+        <p:spPr>
+          <a:xfrm>
+            <a:off x="1055440" y="1556792"/>
+            <a:ext cx="6984776" cy="4742550"/>
+          </a:xfrm>
+          <a:prstGeom prst="rect">
+            <a:avLst/>
+          </a:prstGeom>
+        </p:spPr>
+      </p:pic>
     </p:spTree>
     <p:extLst>
       <p:ext uri="{BB962C8B-B14F-4D97-AF65-F5344CB8AC3E}">
-        <p14:creationId xmlns:p14="http://schemas.microsoft.com/office/powerpoint/2010/main" val="2341717629"/>
+        <p14:creationId xmlns:p14="http://schemas.microsoft.com/office/powerpoint/2010/main" val="3847048166"/>
       </p:ext>
     </p:extLst>
   </p:cSld>
@@ -4376,6 +5386,170 @@
       </p:grpSpPr>
       <p:sp>
         <p:nvSpPr>
+          <p:cNvPr id="2" name="TextBox 1">
+            <a:extLst>
+              <a:ext uri="{FF2B5EF4-FFF2-40B4-BE49-F238E27FC236}">
+                <a16:creationId xmlns:a16="http://schemas.microsoft.com/office/drawing/2014/main" id="{74FF59ED-1B1F-4559-284F-32617AEC98C3}"/>
+              </a:ext>
+            </a:extLst>
+          </p:cNvPr>
+          <p:cNvSpPr txBox="1"/>
+          <p:nvPr/>
+        </p:nvSpPr>
+        <p:spPr>
+          <a:xfrm>
+            <a:off x="1442882" y="772006"/>
+            <a:ext cx="10053718" cy="707886"/>
+          </a:xfrm>
+          <a:prstGeom prst="rect">
+            <a:avLst/>
+          </a:prstGeom>
+          <a:noFill/>
+        </p:spPr>
+        <p:txBody>
+          <a:bodyPr wrap="square" rtlCol="0">
+            <a:spAutoFit/>
+          </a:bodyPr>
+          <a:lstStyle/>
+          <a:p>
+            <a:r>
+              <a:rPr lang="en-US" altLang="ko-KR" sz="4000" dirty="0">
+                <a:solidFill>
+                  <a:srgbClr val="072A60"/>
+                </a:solidFill>
+                <a:latin typeface="Garamond" panose="02020404030301010803" pitchFamily="18" charset="0"/>
+              </a:rPr>
+              <a:t>Raman Spectrum</a:t>
+            </a:r>
+          </a:p>
+        </p:txBody>
+      </p:sp>
+    </p:spTree>
+    <p:extLst>
+      <p:ext uri="{BB962C8B-B14F-4D97-AF65-F5344CB8AC3E}">
+        <p14:creationId xmlns:p14="http://schemas.microsoft.com/office/powerpoint/2010/main" val="997486219"/>
+      </p:ext>
+    </p:extLst>
+  </p:cSld>
+  <p:clrMapOvr>
+    <a:masterClrMapping/>
+  </p:clrMapOvr>
+  <mc:AlternateContent xmlns:mc="http://schemas.openxmlformats.org/markup-compatibility/2006" xmlns:p14="http://schemas.microsoft.com/office/powerpoint/2010/main">
+    <mc:Choice Requires="p14">
+      <p:transition spd="med" p14:dur="700">
+        <p:fade/>
+      </p:transition>
+    </mc:Choice>
+    <mc:Fallback xmlns="">
+      <p:transition spd="med">
+        <p:fade/>
+      </p:transition>
+    </mc:Fallback>
+  </mc:AlternateContent>
+</p:sld>
+</file>
+
+<file path=ppt/slides/slide13.xml><?xml version="1.0" encoding="utf-8"?>
+<p:sld xmlns:a="http://schemas.openxmlformats.org/drawingml/2006/main" xmlns:r="http://schemas.openxmlformats.org/officeDocument/2006/relationships" xmlns:p="http://schemas.openxmlformats.org/presentationml/2006/main">
+  <p:cSld>
+    <p:spTree>
+      <p:nvGrpSpPr>
+        <p:cNvPr id="1" name=""/>
+        <p:cNvGrpSpPr/>
+        <p:nvPr/>
+      </p:nvGrpSpPr>
+      <p:grpSpPr>
+        <a:xfrm>
+          <a:off x="0" y="0"/>
+          <a:ext cx="0" cy="0"/>
+          <a:chOff x="0" y="0"/>
+          <a:chExt cx="0" cy="0"/>
+        </a:xfrm>
+      </p:grpSpPr>
+      <p:sp>
+        <p:nvSpPr>
+          <p:cNvPr id="2" name="TextBox 1">
+            <a:extLst>
+              <a:ext uri="{FF2B5EF4-FFF2-40B4-BE49-F238E27FC236}">
+                <a16:creationId xmlns:a16="http://schemas.microsoft.com/office/drawing/2014/main" id="{C284BCD3-743A-E0F6-51BB-D785D564D701}"/>
+              </a:ext>
+            </a:extLst>
+          </p:cNvPr>
+          <p:cNvSpPr txBox="1"/>
+          <p:nvPr/>
+        </p:nvSpPr>
+        <p:spPr>
+          <a:xfrm>
+            <a:off x="1514890" y="764704"/>
+            <a:ext cx="10053718" cy="707886"/>
+          </a:xfrm>
+          <a:prstGeom prst="rect">
+            <a:avLst/>
+          </a:prstGeom>
+          <a:noFill/>
+        </p:spPr>
+        <p:txBody>
+          <a:bodyPr wrap="square" rtlCol="0">
+            <a:spAutoFit/>
+          </a:bodyPr>
+          <a:lstStyle/>
+          <a:p>
+            <a:r>
+              <a:rPr lang="en-US" altLang="ko-KR" sz="4000" dirty="0">
+                <a:solidFill>
+                  <a:srgbClr val="072A60"/>
+                </a:solidFill>
+                <a:latin typeface="Garamond" panose="02020404030301010803" pitchFamily="18" charset="0"/>
+              </a:rPr>
+              <a:t>Conclusion</a:t>
+            </a:r>
+          </a:p>
+        </p:txBody>
+      </p:sp>
+    </p:spTree>
+    <p:extLst>
+      <p:ext uri="{BB962C8B-B14F-4D97-AF65-F5344CB8AC3E}">
+        <p14:creationId xmlns:p14="http://schemas.microsoft.com/office/powerpoint/2010/main" val="2341717629"/>
+      </p:ext>
+    </p:extLst>
+  </p:cSld>
+  <p:clrMapOvr>
+    <a:masterClrMapping/>
+  </p:clrMapOvr>
+  <mc:AlternateContent xmlns:mc="http://schemas.openxmlformats.org/markup-compatibility/2006" xmlns:p14="http://schemas.microsoft.com/office/powerpoint/2010/main">
+    <mc:Choice Requires="p14">
+      <p:transition spd="med" p14:dur="700">
+        <p:fade/>
+      </p:transition>
+    </mc:Choice>
+    <mc:Fallback xmlns="">
+      <p:transition spd="med">
+        <p:fade/>
+      </p:transition>
+    </mc:Fallback>
+  </mc:AlternateContent>
+</p:sld>
+</file>
+
+<file path=ppt/slides/slide14.xml><?xml version="1.0" encoding="utf-8"?>
+<p:sld xmlns:a="http://schemas.openxmlformats.org/drawingml/2006/main" xmlns:r="http://schemas.openxmlformats.org/officeDocument/2006/relationships" xmlns:p="http://schemas.openxmlformats.org/presentationml/2006/main">
+  <p:cSld>
+    <p:spTree>
+      <p:nvGrpSpPr>
+        <p:cNvPr id="1" name=""/>
+        <p:cNvGrpSpPr/>
+        <p:nvPr/>
+      </p:nvGrpSpPr>
+      <p:grpSpPr>
+        <a:xfrm>
+          <a:off x="0" y="0"/>
+          <a:ext cx="0" cy="0"/>
+          <a:chOff x="0" y="0"/>
+          <a:chExt cx="0" cy="0"/>
+        </a:xfrm>
+      </p:grpSpPr>
+      <p:sp>
+        <p:nvSpPr>
           <p:cNvPr id="13" name="TextBox 12">
             <a:extLst>
               <a:ext uri="{FF2B5EF4-FFF2-40B4-BE49-F238E27FC236}">
@@ -4388,8 +5562,8 @@
         </p:nvSpPr>
         <p:spPr>
           <a:xfrm>
-            <a:off x="1442882" y="772006"/>
-            <a:ext cx="5661230" cy="830997"/>
+            <a:off x="1514890" y="776898"/>
+            <a:ext cx="5661230" cy="707886"/>
           </a:xfrm>
           <a:prstGeom prst="rect">
             <a:avLst/>
@@ -4403,7 +5577,7 @@
           <a:lstStyle/>
           <a:p>
             <a:r>
-              <a:rPr lang="en-US" altLang="ko-KR" sz="4800" dirty="0">
+              <a:rPr lang="en-US" altLang="ko-KR" sz="4000" dirty="0">
                 <a:solidFill>
                   <a:srgbClr val="203864"/>
                 </a:solidFill>
@@ -4411,7 +5585,7 @@
               </a:rPr>
               <a:t>References</a:t>
             </a:r>
-            <a:endParaRPr lang="ko-KR" altLang="en-US" sz="4800" dirty="0">
+            <a:endParaRPr lang="ko-KR" altLang="en-US" sz="4000" dirty="0">
               <a:latin typeface="Garamond" panose="02020404030301010803" pitchFamily="18" charset="0"/>
             </a:endParaRPr>
           </a:p>
@@ -4503,8 +5677,8 @@
         </p:nvSpPr>
         <p:spPr>
           <a:xfrm>
-            <a:off x="623392" y="1484784"/>
-            <a:ext cx="10657184" cy="830997"/>
+            <a:off x="583475" y="1484784"/>
+            <a:ext cx="10657184" cy="4770537"/>
           </a:xfrm>
           <a:prstGeom prst="rect">
             <a:avLst/>
@@ -4521,16 +5695,321 @@
               <a:rPr lang="en-US" altLang="ko-KR" sz="2400" dirty="0">
                 <a:latin typeface="Garamond" panose="02020404030301010803" pitchFamily="18" charset="0"/>
               </a:rPr>
-              <a:t>[1]</a:t>
-            </a:r>
+              <a:t>[1] </a:t>
+            </a:r>
+            <a:r>
+              <a:rPr lang="en-US" altLang="ko-KR" sz="2400" b="0" i="0" dirty="0">
+                <a:solidFill>
+                  <a:srgbClr val="222222"/>
+                </a:solidFill>
+                <a:effectLst/>
+                <a:latin typeface="Garamond" panose="02020404030301010803" pitchFamily="18" charset="0"/>
+              </a:rPr>
+              <a:t>Ferrari, A., </a:t>
+            </a:r>
+            <a:r>
+              <a:rPr lang="en-US" altLang="ko-KR" sz="2400" b="0" i="0" dirty="0" err="1">
+                <a:solidFill>
+                  <a:srgbClr val="222222"/>
+                </a:solidFill>
+                <a:effectLst/>
+                <a:latin typeface="Garamond" panose="02020404030301010803" pitchFamily="18" charset="0"/>
+              </a:rPr>
+              <a:t>Basko</a:t>
+            </a:r>
+            <a:r>
+              <a:rPr lang="en-US" altLang="ko-KR" sz="2400" b="0" i="0" dirty="0">
+                <a:solidFill>
+                  <a:srgbClr val="222222"/>
+                </a:solidFill>
+                <a:effectLst/>
+                <a:latin typeface="Garamond" panose="02020404030301010803" pitchFamily="18" charset="0"/>
+              </a:rPr>
+              <a:t>, D. Raman spectroscopy as a versatile tool for studying the properties of graphene. </a:t>
+            </a:r>
+            <a:r>
+              <a:rPr lang="en-US" altLang="ko-KR" sz="2400" b="0" i="1" dirty="0">
+                <a:solidFill>
+                  <a:srgbClr val="222222"/>
+                </a:solidFill>
+                <a:effectLst/>
+                <a:latin typeface="Garamond" panose="02020404030301010803" pitchFamily="18" charset="0"/>
+              </a:rPr>
+              <a:t>Nature Nanotech</a:t>
+            </a:r>
+            <a:r>
+              <a:rPr lang="en-US" altLang="ko-KR" sz="2400" b="0" i="0" dirty="0">
+                <a:solidFill>
+                  <a:srgbClr val="222222"/>
+                </a:solidFill>
+                <a:effectLst/>
+                <a:latin typeface="Garamond" panose="02020404030301010803" pitchFamily="18" charset="0"/>
+              </a:rPr>
+              <a:t> </a:t>
+            </a:r>
+            <a:r>
+              <a:rPr lang="en-US" altLang="ko-KR" sz="2400" b="1" i="0" dirty="0">
+                <a:solidFill>
+                  <a:srgbClr val="222222"/>
+                </a:solidFill>
+                <a:effectLst/>
+                <a:latin typeface="Garamond" panose="02020404030301010803" pitchFamily="18" charset="0"/>
+              </a:rPr>
+              <a:t>8</a:t>
+            </a:r>
+            <a:r>
+              <a:rPr lang="en-US" altLang="ko-KR" sz="2400" b="0" i="0" dirty="0">
+                <a:solidFill>
+                  <a:srgbClr val="222222"/>
+                </a:solidFill>
+                <a:effectLst/>
+                <a:latin typeface="Garamond" panose="02020404030301010803" pitchFamily="18" charset="0"/>
+              </a:rPr>
+              <a:t>, 235–246 (2013)</a:t>
+            </a:r>
+            <a:endParaRPr lang="en-US" altLang="ko-KR" sz="2400" dirty="0">
+              <a:latin typeface="Garamond" panose="02020404030301010803" pitchFamily="18" charset="0"/>
+            </a:endParaRPr>
+          </a:p>
+          <a:p>
+            <a:endParaRPr lang="en-US" altLang="ko-KR" sz="1000" dirty="0">
+              <a:latin typeface="Garamond" panose="02020404030301010803" pitchFamily="18" charset="0"/>
+            </a:endParaRPr>
           </a:p>
           <a:p>
             <a:r>
               <a:rPr lang="en-US" altLang="ko-KR" sz="2400" dirty="0">
                 <a:latin typeface="Garamond" panose="02020404030301010803" pitchFamily="18" charset="0"/>
               </a:rPr>
-              <a:t>[2]</a:t>
-            </a:r>
+              <a:t>[2] </a:t>
+            </a:r>
+            <a:r>
+              <a:rPr lang="en-US" altLang="ko-KR" sz="2400" b="0" i="0" dirty="0">
+                <a:effectLst/>
+                <a:latin typeface="Garamond" panose="02020404030301010803" pitchFamily="18" charset="0"/>
+              </a:rPr>
+              <a:t>Lim, </a:t>
+            </a:r>
+            <a:r>
+              <a:rPr lang="en-US" altLang="ko-KR" sz="2400" b="0" i="0" dirty="0" err="1">
+                <a:effectLst/>
+                <a:latin typeface="Garamond" panose="02020404030301010803" pitchFamily="18" charset="0"/>
+              </a:rPr>
+              <a:t>Gim</a:t>
+            </a:r>
+            <a:r>
+              <a:rPr lang="en-US" altLang="ko-KR" sz="2400" b="0" i="0" dirty="0">
+                <a:effectLst/>
+                <a:latin typeface="Garamond" panose="02020404030301010803" pitchFamily="18" charset="0"/>
+              </a:rPr>
+              <a:t> Pao et al. “Synthesis, characterization and biophysical evaluation of the 2D Ti2CTx </a:t>
+            </a:r>
+            <a:r>
+              <a:rPr lang="en-US" altLang="ko-KR" sz="2400" b="0" i="0" dirty="0" err="1">
+                <a:effectLst/>
+                <a:latin typeface="Garamond" panose="02020404030301010803" pitchFamily="18" charset="0"/>
+              </a:rPr>
+              <a:t>MXene</a:t>
+            </a:r>
+            <a:r>
+              <a:rPr lang="en-US" altLang="ko-KR" sz="2400" b="0" i="0" dirty="0">
+                <a:effectLst/>
+                <a:latin typeface="Garamond" panose="02020404030301010803" pitchFamily="18" charset="0"/>
+              </a:rPr>
+              <a:t> using 3D spheroid-type cultures.” </a:t>
+            </a:r>
+            <a:r>
+              <a:rPr lang="en-US" altLang="ko-KR" sz="2400" b="0" i="1" dirty="0">
+                <a:effectLst/>
+                <a:latin typeface="Garamond" panose="02020404030301010803" pitchFamily="18" charset="0"/>
+              </a:rPr>
+              <a:t>Ceramics International</a:t>
+            </a:r>
+            <a:r>
+              <a:rPr lang="en-US" altLang="ko-KR" sz="2400" b="0" i="0" dirty="0">
+                <a:effectLst/>
+                <a:latin typeface="Garamond" panose="02020404030301010803" pitchFamily="18" charset="0"/>
+              </a:rPr>
+              <a:t> (2021)</a:t>
+            </a:r>
+          </a:p>
+          <a:p>
+            <a:endParaRPr lang="en-US" altLang="ko-KR" sz="1000" dirty="0">
+              <a:latin typeface="Garamond" panose="02020404030301010803" pitchFamily="18" charset="0"/>
+            </a:endParaRPr>
+          </a:p>
+          <a:p>
+            <a:r>
+              <a:rPr lang="en-US" altLang="ko-KR" sz="2400" dirty="0">
+                <a:latin typeface="Garamond" panose="02020404030301010803" pitchFamily="18" charset="0"/>
+              </a:rPr>
+              <a:t>[3] </a:t>
+            </a:r>
+            <a:r>
+              <a:rPr lang="en-US" altLang="ko-KR" sz="2400" b="0" i="0" dirty="0" err="1">
+                <a:effectLst/>
+                <a:latin typeface="Garamond" panose="02020404030301010803" pitchFamily="18" charset="0"/>
+              </a:rPr>
+              <a:t>Alhwaige</a:t>
+            </a:r>
+            <a:r>
+              <a:rPr lang="en-US" altLang="ko-KR" sz="2400" b="0" i="0" dirty="0">
+                <a:effectLst/>
+                <a:latin typeface="Garamond" panose="02020404030301010803" pitchFamily="18" charset="0"/>
+              </a:rPr>
+              <a:t>, </a:t>
+            </a:r>
+            <a:r>
+              <a:rPr lang="en-US" altLang="ko-KR" sz="2400" b="0" i="0" dirty="0" err="1">
+                <a:effectLst/>
+                <a:latin typeface="Garamond" panose="02020404030301010803" pitchFamily="18" charset="0"/>
+              </a:rPr>
+              <a:t>Almahdi</a:t>
+            </a:r>
+            <a:r>
+              <a:rPr lang="en-US" altLang="ko-KR" sz="2400" b="0" i="0" dirty="0">
+                <a:effectLst/>
+                <a:latin typeface="Garamond" panose="02020404030301010803" pitchFamily="18" charset="0"/>
+              </a:rPr>
+              <a:t> A. et al. “Interactions, morphology and thermal stability of graphene-oxide reinforced polymer aerogels derived from star-like </a:t>
+            </a:r>
+            <a:r>
+              <a:rPr lang="en-US" altLang="ko-KR" sz="2400" b="0" i="0" dirty="0" err="1">
+                <a:effectLst/>
+                <a:latin typeface="Garamond" panose="02020404030301010803" pitchFamily="18" charset="0"/>
+              </a:rPr>
+              <a:t>telechelic</a:t>
+            </a:r>
+            <a:r>
+              <a:rPr lang="en-US" altLang="ko-KR" sz="2400" b="0" i="0" dirty="0">
+                <a:effectLst/>
+                <a:latin typeface="Garamond" panose="02020404030301010803" pitchFamily="18" charset="0"/>
+              </a:rPr>
+              <a:t> aldehyde-terminal benzoxazine resin.” </a:t>
+            </a:r>
+            <a:r>
+              <a:rPr lang="en-US" altLang="ko-KR" sz="2400" b="0" i="1" dirty="0">
+                <a:effectLst/>
+                <a:latin typeface="Garamond" panose="02020404030301010803" pitchFamily="18" charset="0"/>
+              </a:rPr>
+              <a:t>RSC Advances</a:t>
+            </a:r>
+            <a:r>
+              <a:rPr lang="en-US" altLang="ko-KR" sz="2400" b="0" i="0" dirty="0">
+                <a:effectLst/>
+                <a:latin typeface="Garamond" panose="02020404030301010803" pitchFamily="18" charset="0"/>
+              </a:rPr>
+              <a:t> 5 (2015)</a:t>
+            </a:r>
+          </a:p>
+          <a:p>
+            <a:endParaRPr lang="en-US" altLang="ko-KR" sz="1000" dirty="0">
+              <a:latin typeface="Garamond" panose="02020404030301010803" pitchFamily="18" charset="0"/>
+            </a:endParaRPr>
+          </a:p>
+          <a:p>
+            <a:r>
+              <a:rPr lang="en-US" altLang="ko-KR" sz="2400" dirty="0">
+                <a:latin typeface="Garamond" panose="02020404030301010803" pitchFamily="18" charset="0"/>
+              </a:rPr>
+              <a:t>[4]</a:t>
+            </a:r>
+            <a:r>
+              <a:rPr lang="en-US" altLang="ko-KR" sz="2400" b="0" i="0" dirty="0">
+                <a:solidFill>
+                  <a:srgbClr val="2E414F"/>
+                </a:solidFill>
+                <a:effectLst/>
+                <a:latin typeface="Roboto" panose="02000000000000000000" pitchFamily="2" charset="0"/>
+              </a:rPr>
+              <a:t> </a:t>
+            </a:r>
+            <a:r>
+              <a:rPr lang="en-US" altLang="ko-KR" sz="2400" b="0" i="0" dirty="0" err="1">
+                <a:effectLst/>
+                <a:latin typeface="Garamond" panose="02020404030301010803" pitchFamily="18" charset="0"/>
+              </a:rPr>
+              <a:t>Hidayah</a:t>
+            </a:r>
+            <a:r>
+              <a:rPr lang="en-US" altLang="ko-KR" sz="2400" b="0" i="0" dirty="0">
+                <a:effectLst/>
+                <a:latin typeface="Garamond" panose="02020404030301010803" pitchFamily="18" charset="0"/>
+              </a:rPr>
+              <a:t>, N. M. S. et al. “Comparison on graphite, graphene oxide and reduced graphene oxide: Synthesis and characterization.” (2017)</a:t>
+            </a:r>
+            <a:r>
+              <a:rPr lang="en-US" altLang="ko-KR" sz="2400" dirty="0">
+                <a:latin typeface="Garamond" panose="02020404030301010803" pitchFamily="18" charset="0"/>
+              </a:rPr>
+              <a:t> </a:t>
+            </a:r>
+          </a:p>
+          <a:p>
+            <a:endParaRPr lang="en-US" altLang="ko-KR" sz="1000" dirty="0">
+              <a:latin typeface="Garamond" panose="02020404030301010803" pitchFamily="18" charset="0"/>
+            </a:endParaRPr>
+          </a:p>
+          <a:p>
+            <a:r>
+              <a:rPr lang="en-US" altLang="ko-KR" sz="2400" dirty="0">
+                <a:latin typeface="Garamond" panose="02020404030301010803" pitchFamily="18" charset="0"/>
+              </a:rPr>
+              <a:t>[5] </a:t>
+            </a:r>
+            <a:r>
+              <a:rPr lang="en-US" altLang="ko-KR" sz="2400" b="0" i="0" dirty="0">
+                <a:solidFill>
+                  <a:srgbClr val="222222"/>
+                </a:solidFill>
+                <a:effectLst/>
+                <a:latin typeface="Garamond" panose="02020404030301010803" pitchFamily="18" charset="0"/>
+              </a:rPr>
+              <a:t>Iqbal A, Hamdan NM. Investigation and Optimization of </a:t>
+            </a:r>
+            <a:r>
+              <a:rPr lang="en-US" altLang="ko-KR" sz="2400" b="0" i="0" dirty="0" err="1">
+                <a:solidFill>
+                  <a:srgbClr val="222222"/>
+                </a:solidFill>
+                <a:effectLst/>
+                <a:latin typeface="Garamond" panose="02020404030301010803" pitchFamily="18" charset="0"/>
+              </a:rPr>
+              <a:t>Mxene</a:t>
+            </a:r>
+            <a:r>
+              <a:rPr lang="en-US" altLang="ko-KR" sz="2400" b="0" i="0" dirty="0">
+                <a:solidFill>
+                  <a:srgbClr val="222222"/>
+                </a:solidFill>
+                <a:effectLst/>
+                <a:latin typeface="Garamond" panose="02020404030301010803" pitchFamily="18" charset="0"/>
+              </a:rPr>
+              <a:t> Functionalized Mesoporous Titania Films as Efficient Photoelectrodes. </a:t>
+            </a:r>
+            <a:r>
+              <a:rPr lang="en-US" altLang="ko-KR" sz="2400" b="0" i="1" dirty="0">
+                <a:solidFill>
+                  <a:srgbClr val="222222"/>
+                </a:solidFill>
+                <a:effectLst/>
+                <a:latin typeface="Garamond" panose="02020404030301010803" pitchFamily="18" charset="0"/>
+              </a:rPr>
+              <a:t>Materials</a:t>
+            </a:r>
+            <a:r>
+              <a:rPr lang="en-US" altLang="ko-KR" sz="2400" b="0" i="0" dirty="0">
+                <a:solidFill>
+                  <a:srgbClr val="222222"/>
+                </a:solidFill>
+                <a:effectLst/>
+                <a:latin typeface="Garamond" panose="02020404030301010803" pitchFamily="18" charset="0"/>
+              </a:rPr>
+              <a:t>. (2021)</a:t>
+            </a:r>
+            <a:endParaRPr lang="en-US" altLang="ko-KR" sz="2400" dirty="0">
+              <a:latin typeface="Garamond" panose="02020404030301010803" pitchFamily="18" charset="0"/>
+            </a:endParaRPr>
           </a:p>
         </p:txBody>
       </p:sp>
@@ -4559,7 +6038,7 @@
 </p:sld>
 </file>
 
-<file path=ppt/slides/slide13.xml><?xml version="1.0" encoding="utf-8"?>
+<file path=ppt/slides/slide15.xml><?xml version="1.0" encoding="utf-8"?>
 <p:sld xmlns:a="http://schemas.openxmlformats.org/drawingml/2006/main" xmlns:r="http://schemas.openxmlformats.org/officeDocument/2006/relationships" xmlns:p="http://schemas.openxmlformats.org/presentationml/2006/main">
   <p:cSld>
     <p:spTree>
@@ -4790,8 +6269,8 @@
         </p:nvSpPr>
         <p:spPr>
           <a:xfrm>
-            <a:off x="1442882" y="692696"/>
-            <a:ext cx="4941150" cy="856794"/>
+            <a:off x="1514890" y="764704"/>
+            <a:ext cx="4941150" cy="707886"/>
           </a:xfrm>
           <a:prstGeom prst="rect">
             <a:avLst/>
@@ -4805,12 +6284,12 @@
           <a:lstStyle/>
           <a:p>
             <a:r>
-              <a:rPr lang="en-US" altLang="ko-KR" sz="4800" dirty="0">
+              <a:rPr lang="en-US" altLang="ko-KR" sz="4000" dirty="0">
                 <a:latin typeface="Garamond" panose="02020404030301010803" pitchFamily="18" charset="0"/>
               </a:rPr>
               <a:t>Outline</a:t>
             </a:r>
-            <a:endParaRPr lang="ko-KR" altLang="en-US" sz="4800" dirty="0">
+            <a:endParaRPr lang="ko-KR" altLang="en-US" sz="4000" dirty="0">
               <a:latin typeface="Garamond" panose="02020404030301010803" pitchFamily="18" charset="0"/>
             </a:endParaRPr>
           </a:p>
@@ -4972,8 +6451,8 @@
         </p:nvSpPr>
         <p:spPr>
           <a:xfrm>
-            <a:off x="2507202" y="2229024"/>
-            <a:ext cx="5976664" cy="707886"/>
+            <a:off x="2507202" y="2125305"/>
+            <a:ext cx="5976664" cy="1015663"/>
           </a:xfrm>
           <a:prstGeom prst="rect">
             <a:avLst/>
@@ -5013,6 +6492,21 @@
                 <a:latin typeface="Garamond" panose="02020404030301010803" pitchFamily="18" charset="0"/>
               </a:rPr>
               <a:t>Graphene Phonon Mode</a:t>
+            </a:r>
+          </a:p>
+          <a:p>
+            <a:pPr marL="342900" indent="-342900">
+              <a:buFontTx/>
+              <a:buChar char="-"/>
+            </a:pPr>
+            <a:r>
+              <a:rPr lang="en-US" altLang="ko-KR" sz="2000" dirty="0">
+                <a:solidFill>
+                  <a:srgbClr val="203864"/>
+                </a:solidFill>
+                <a:latin typeface="Garamond" panose="02020404030301010803" pitchFamily="18" charset="0"/>
+              </a:rPr>
+              <a:t>Graphene Raman Spectrum</a:t>
             </a:r>
           </a:p>
         </p:txBody>
@@ -5031,7 +6525,7 @@
         </p:nvSpPr>
         <p:spPr>
           <a:xfrm>
-            <a:off x="2507202" y="5208064"/>
+            <a:off x="2522599" y="5362344"/>
             <a:ext cx="7187872" cy="400110"/>
           </a:xfrm>
           <a:prstGeom prst="rect">
@@ -5257,8 +6751,8 @@
         </p:nvSpPr>
         <p:spPr>
           <a:xfrm>
-            <a:off x="1442882" y="772006"/>
-            <a:ext cx="10053718" cy="584775"/>
+            <a:off x="1442882" y="776898"/>
+            <a:ext cx="10053718" cy="707886"/>
           </a:xfrm>
           <a:prstGeom prst="rect">
             <a:avLst/>
@@ -5272,7 +6766,7 @@
           <a:lstStyle/>
           <a:p>
             <a:r>
-              <a:rPr lang="en-US" altLang="ko-KR" sz="3200" dirty="0">
+              <a:rPr lang="en-US" altLang="ko-KR" sz="4000" dirty="0">
                 <a:solidFill>
                   <a:srgbClr val="072A60"/>
                 </a:solidFill>
@@ -5311,7 +6805,7 @@
         </p:blipFill>
         <p:spPr>
           <a:xfrm>
-            <a:off x="721968" y="1356781"/>
+            <a:off x="721968" y="1633620"/>
             <a:ext cx="1893844" cy="2659476"/>
           </a:xfrm>
           <a:prstGeom prst="rect">
@@ -5369,7 +6863,7 @@
         </p:nvSpPr>
         <p:spPr>
           <a:xfrm>
-            <a:off x="2644020" y="1356781"/>
+            <a:off x="2644020" y="1633620"/>
             <a:ext cx="6096000" cy="1138773"/>
           </a:xfrm>
           <a:prstGeom prst="rect">
@@ -5486,8 +6980,8 @@
         </p:nvSpPr>
         <p:spPr>
           <a:xfrm>
-            <a:off x="1442882" y="772006"/>
-            <a:ext cx="10053718" cy="584775"/>
+            <a:off x="1442882" y="764704"/>
+            <a:ext cx="10053718" cy="707886"/>
           </a:xfrm>
           <a:prstGeom prst="rect">
             <a:avLst/>
@@ -5501,7 +6995,7 @@
           <a:lstStyle/>
           <a:p>
             <a:r>
-              <a:rPr lang="en-US" altLang="ko-KR" sz="3200" dirty="0">
+              <a:rPr lang="en-US" altLang="ko-KR" sz="4000" dirty="0">
                 <a:solidFill>
                   <a:srgbClr val="072A60"/>
                 </a:solidFill>
@@ -6356,8 +7850,8 @@
         </p:nvSpPr>
         <p:spPr>
           <a:xfrm>
-            <a:off x="1442882" y="772006"/>
-            <a:ext cx="10053718" cy="584775"/>
+            <a:off x="1559496" y="764704"/>
+            <a:ext cx="10053718" cy="707886"/>
           </a:xfrm>
           <a:prstGeom prst="rect">
             <a:avLst/>
@@ -6371,7 +7865,411 @@
           <a:lstStyle/>
           <a:p>
             <a:r>
-              <a:rPr lang="en-US" altLang="ko-KR" sz="3200" dirty="0">
+              <a:rPr lang="en-US" altLang="ko-KR" sz="4000" dirty="0">
+                <a:solidFill>
+                  <a:srgbClr val="072A60"/>
+                </a:solidFill>
+                <a:latin typeface="Garamond" panose="02020404030301010803" pitchFamily="18" charset="0"/>
+              </a:rPr>
+              <a:t>Graphene</a:t>
+            </a:r>
+          </a:p>
+        </p:txBody>
+      </p:sp>
+      <p:pic>
+        <p:nvPicPr>
+          <p:cNvPr id="35" name="그림 34">
+            <a:extLst>
+              <a:ext uri="{FF2B5EF4-FFF2-40B4-BE49-F238E27FC236}">
+                <a16:creationId xmlns:a16="http://schemas.microsoft.com/office/drawing/2014/main" id="{DDEB1AC9-E417-4576-9B02-5668C69DB0D7}"/>
+              </a:ext>
+            </a:extLst>
+          </p:cNvPr>
+          <p:cNvPicPr>
+            <a:picLocks noChangeAspect="1"/>
+          </p:cNvPicPr>
+          <p:nvPr/>
+        </p:nvPicPr>
+        <p:blipFill>
+          <a:blip r:embed="rId3">
+            <a:extLst>
+              <a:ext uri="{28A0092B-C50C-407E-A947-70E740481C1C}">
+                <a14:useLocalDpi xmlns:a14="http://schemas.microsoft.com/office/drawing/2010/main" val="0"/>
+              </a:ext>
+            </a:extLst>
+          </a:blip>
+          <a:stretch>
+            <a:fillRect/>
+          </a:stretch>
+        </p:blipFill>
+        <p:spPr>
+          <a:xfrm>
+            <a:off x="479376" y="308463"/>
+            <a:ext cx="72008" cy="96201"/>
+          </a:xfrm>
+          <a:prstGeom prst="rect">
+            <a:avLst/>
+          </a:prstGeom>
+        </p:spPr>
+      </p:pic>
+      <mc:AlternateContent xmlns:mc="http://schemas.openxmlformats.org/markup-compatibility/2006">
+        <mc:Choice xmlns:a14="http://schemas.microsoft.com/office/drawing/2010/main" Requires="a14">
+          <p:sp>
+            <p:nvSpPr>
+              <p:cNvPr id="9" name="TextBox 8">
+                <a:extLst>
+                  <a:ext uri="{FF2B5EF4-FFF2-40B4-BE49-F238E27FC236}">
+                    <a16:creationId xmlns:a16="http://schemas.microsoft.com/office/drawing/2014/main" id="{9250E47A-CADC-313D-4F8D-B6915AA1C92B}"/>
+                  </a:ext>
+                </a:extLst>
+              </p:cNvPr>
+              <p:cNvSpPr txBox="1"/>
+              <p:nvPr/>
+            </p:nvSpPr>
+            <p:spPr>
+              <a:xfrm>
+                <a:off x="4583832" y="2132856"/>
+                <a:ext cx="6286839" cy="2015936"/>
+              </a:xfrm>
+              <a:prstGeom prst="rect">
+                <a:avLst/>
+              </a:prstGeom>
+              <a:noFill/>
+            </p:spPr>
+            <p:txBody>
+              <a:bodyPr wrap="square">
+                <a:spAutoFit/>
+              </a:bodyPr>
+              <a:lstStyle/>
+              <a:p>
+                <a:r>
+                  <a:rPr lang="en-US" altLang="ko-KR" sz="2500" dirty="0">
+                    <a:solidFill>
+                      <a:srgbClr val="072A60"/>
+                    </a:solidFill>
+                    <a:latin typeface="Garamond" panose="02020404030301010803" pitchFamily="18" charset="0"/>
+                  </a:rPr>
+                  <a:t>2d building block for </a:t>
+                </a:r>
+                <a14:m>
+                  <m:oMath xmlns:m="http://schemas.openxmlformats.org/officeDocument/2006/math">
+                    <m:sSup>
+                      <m:sSupPr>
+                        <m:ctrlPr>
+                          <a:rPr lang="en-US" altLang="ko-KR" sz="2500" i="1" smtClean="0">
+                            <a:solidFill>
+                              <a:srgbClr val="072A60"/>
+                            </a:solidFill>
+                            <a:latin typeface="Cambria Math" panose="02040503050406030204" pitchFamily="18" charset="0"/>
+                          </a:rPr>
+                        </m:ctrlPr>
+                      </m:sSupPr>
+                      <m:e>
+                        <m:r>
+                          <a:rPr lang="en-US" altLang="ko-KR" sz="2500" b="0" i="1" smtClean="0">
+                            <a:solidFill>
+                              <a:srgbClr val="072A60"/>
+                            </a:solidFill>
+                            <a:latin typeface="Cambria Math" panose="02040503050406030204" pitchFamily="18" charset="0"/>
+                          </a:rPr>
+                          <m:t>𝑠𝑝</m:t>
+                        </m:r>
+                      </m:e>
+                      <m:sup>
+                        <m:r>
+                          <a:rPr lang="en-US" altLang="ko-KR" sz="2500" b="0" i="1" smtClean="0">
+                            <a:solidFill>
+                              <a:srgbClr val="072A60"/>
+                            </a:solidFill>
+                            <a:latin typeface="Cambria Math" panose="02040503050406030204" pitchFamily="18" charset="0"/>
+                          </a:rPr>
+                          <m:t>2</m:t>
+                        </m:r>
+                      </m:sup>
+                    </m:sSup>
+                  </m:oMath>
+                </a14:m>
+                <a:r>
+                  <a:rPr lang="en-US" altLang="ko-KR" sz="2500" dirty="0">
+                    <a:solidFill>
+                      <a:srgbClr val="072A60"/>
+                    </a:solidFill>
+                    <a:latin typeface="Garamond" panose="02020404030301010803" pitchFamily="18" charset="0"/>
+                  </a:rPr>
+                  <a:t>carbon </a:t>
+                </a:r>
+                <a:r>
+                  <a:rPr lang="en-US" altLang="ko-KR" sz="2500" dirty="0" err="1">
+                    <a:solidFill>
+                      <a:srgbClr val="072A60"/>
+                    </a:solidFill>
+                    <a:latin typeface="Garamond" panose="02020404030301010803" pitchFamily="18" charset="0"/>
+                  </a:rPr>
+                  <a:t>allotrpes</a:t>
+                </a:r>
+                <a:r>
+                  <a:rPr lang="en-US" altLang="ko-KR" sz="2500" dirty="0">
+                    <a:solidFill>
+                      <a:srgbClr val="072A60"/>
+                    </a:solidFill>
+                    <a:latin typeface="Garamond" panose="02020404030301010803" pitchFamily="18" charset="0"/>
+                  </a:rPr>
+                  <a:t>. </a:t>
+                </a:r>
+              </a:p>
+              <a:p>
+                <a:endParaRPr lang="en-US" altLang="ko-KR" sz="2500" dirty="0">
+                  <a:solidFill>
+                    <a:srgbClr val="072A60"/>
+                  </a:solidFill>
+                  <a:latin typeface="Garamond" panose="02020404030301010803" pitchFamily="18" charset="0"/>
+                </a:endParaRPr>
+              </a:p>
+              <a:p>
+                <a:r>
+                  <a:rPr lang="en-US" altLang="ko-KR" sz="2500" i="1" dirty="0">
+                    <a:solidFill>
+                      <a:srgbClr val="072A60"/>
+                    </a:solidFill>
+                    <a:latin typeface="Garamond" panose="02020404030301010803" pitchFamily="18" charset="0"/>
+                  </a:rPr>
+                  <a:t>*</a:t>
+                </a:r>
+                <a:r>
+                  <a:rPr lang="en-US" altLang="ko-KR" sz="2500" dirty="0">
+                    <a:solidFill>
+                      <a:srgbClr val="072A60"/>
+                    </a:solidFill>
+                  </a:rPr>
+                  <a:t> </a:t>
+                </a:r>
+                <a14:m>
+                  <m:oMath xmlns:m="http://schemas.openxmlformats.org/officeDocument/2006/math">
+                    <m:sSup>
+                      <m:sSupPr>
+                        <m:ctrlPr>
+                          <a:rPr lang="en-US" altLang="ko-KR" sz="2500" i="1" smtClean="0">
+                            <a:solidFill>
+                              <a:srgbClr val="072A60"/>
+                            </a:solidFill>
+                            <a:latin typeface="Cambria Math" panose="02040503050406030204" pitchFamily="18" charset="0"/>
+                          </a:rPr>
+                        </m:ctrlPr>
+                      </m:sSupPr>
+                      <m:e>
+                        <m:r>
+                          <a:rPr lang="en-US" altLang="ko-KR" sz="2500" b="0" i="1" smtClean="0">
+                            <a:solidFill>
+                              <a:srgbClr val="072A60"/>
+                            </a:solidFill>
+                            <a:latin typeface="Cambria Math" panose="02040503050406030204" pitchFamily="18" charset="0"/>
+                          </a:rPr>
+                          <m:t>𝑠𝑝</m:t>
+                        </m:r>
+                      </m:e>
+                      <m:sup>
+                        <m:r>
+                          <a:rPr lang="en-US" altLang="ko-KR" sz="2500" b="0" i="1" smtClean="0">
+                            <a:solidFill>
+                              <a:srgbClr val="072A60"/>
+                            </a:solidFill>
+                            <a:latin typeface="Cambria Math" panose="02040503050406030204" pitchFamily="18" charset="0"/>
+                          </a:rPr>
+                          <m:t>2</m:t>
+                        </m:r>
+                      </m:sup>
+                    </m:sSup>
+                  </m:oMath>
+                </a14:m>
+                <a:r>
+                  <a:rPr lang="en-US" altLang="ko-KR" sz="2500" i="1" dirty="0">
+                    <a:solidFill>
+                      <a:srgbClr val="072A60"/>
+                    </a:solidFill>
+                    <a:latin typeface="Cambria Math" panose="02040503050406030204" pitchFamily="18" charset="0"/>
+                  </a:rPr>
+                  <a:t> </a:t>
+                </a:r>
+                <a:r>
+                  <a:rPr lang="en-US" altLang="ko-KR" sz="2500" dirty="0">
+                    <a:solidFill>
+                      <a:srgbClr val="072A60"/>
+                    </a:solidFill>
+                    <a:latin typeface="Cambria Math" panose="02040503050406030204" pitchFamily="18" charset="0"/>
+                  </a:rPr>
+                  <a:t>: </a:t>
+                </a:r>
+                <a:r>
+                  <a:rPr lang="en-US" altLang="ko-KR" sz="2500" dirty="0">
+                    <a:solidFill>
+                      <a:srgbClr val="072A60"/>
+                    </a:solidFill>
+                    <a:latin typeface="Garamond" panose="02020404030301010803" pitchFamily="18" charset="0"/>
+                  </a:rPr>
+                  <a:t>A carbon atom bound to three atoms and forms a flat trigonal or triangular arrangement with 120ºangles between bonds </a:t>
+                </a:r>
+                <a:endParaRPr lang="en-US" altLang="ko-KR" sz="2500" i="1" dirty="0">
+                  <a:solidFill>
+                    <a:srgbClr val="072A60"/>
+                  </a:solidFill>
+                  <a:latin typeface="Cambria Math" panose="02040503050406030204" pitchFamily="18" charset="0"/>
+                </a:endParaRPr>
+              </a:p>
+            </p:txBody>
+          </p:sp>
+        </mc:Choice>
+        <mc:Fallback>
+          <p:sp>
+            <p:nvSpPr>
+              <p:cNvPr id="9" name="TextBox 8">
+                <a:extLst>
+                  <a:ext uri="{FF2B5EF4-FFF2-40B4-BE49-F238E27FC236}">
+                    <a16:creationId xmlns:a16="http://schemas.microsoft.com/office/drawing/2014/main" id="{9250E47A-CADC-313D-4F8D-B6915AA1C92B}"/>
+                  </a:ext>
+                </a:extLst>
+              </p:cNvPr>
+              <p:cNvSpPr txBox="1">
+                <a:spLocks noRot="1" noChangeAspect="1" noMove="1" noResize="1" noEditPoints="1" noAdjustHandles="1" noChangeArrowheads="1" noChangeShapeType="1" noTextEdit="1"/>
+              </p:cNvSpPr>
+              <p:nvPr/>
+            </p:nvSpPr>
+            <p:spPr>
+              <a:xfrm>
+                <a:off x="4583832" y="2132856"/>
+                <a:ext cx="6286839" cy="2015936"/>
+              </a:xfrm>
+              <a:prstGeom prst="rect">
+                <a:avLst/>
+              </a:prstGeom>
+              <a:blipFill>
+                <a:blip r:embed="rId4"/>
+                <a:stretch>
+                  <a:fillRect l="-1649" t="-2115" r="-1552" b="-6647"/>
+                </a:stretch>
+              </a:blipFill>
+            </p:spPr>
+            <p:txBody>
+              <a:bodyPr/>
+              <a:lstStyle/>
+              <a:p>
+                <a:r>
+                  <a:rPr lang="ko-KR" altLang="en-US">
+                    <a:noFill/>
+                  </a:rPr>
+                  <a:t> </a:t>
+                </a:r>
+              </a:p>
+            </p:txBody>
+          </p:sp>
+        </mc:Fallback>
+      </mc:AlternateContent>
+      <p:pic>
+        <p:nvPicPr>
+          <p:cNvPr id="3" name="그림 2">
+            <a:extLst>
+              <a:ext uri="{FF2B5EF4-FFF2-40B4-BE49-F238E27FC236}">
+                <a16:creationId xmlns:a16="http://schemas.microsoft.com/office/drawing/2014/main" id="{490BAEEB-B02B-7C31-C34F-7F6C605AEBA3}"/>
+              </a:ext>
+            </a:extLst>
+          </p:cNvPr>
+          <p:cNvPicPr>
+            <a:picLocks noChangeAspect="1"/>
+          </p:cNvPicPr>
+          <p:nvPr/>
+        </p:nvPicPr>
+        <p:blipFill rotWithShape="1">
+          <a:blip r:embed="rId5">
+            <a:extLst>
+              <a:ext uri="{28A0092B-C50C-407E-A947-70E740481C1C}">
+                <a14:useLocalDpi xmlns:a14="http://schemas.microsoft.com/office/drawing/2010/main" val="0"/>
+              </a:ext>
+            </a:extLst>
+          </a:blip>
+          <a:srcRect l="28687" t="63297" r="40939" b="907"/>
+          <a:stretch/>
+        </p:blipFill>
+        <p:spPr>
+          <a:xfrm>
+            <a:off x="695400" y="1511399"/>
+            <a:ext cx="3262503" cy="2718752"/>
+          </a:xfrm>
+          <a:prstGeom prst="rect">
+            <a:avLst/>
+          </a:prstGeom>
+        </p:spPr>
+      </p:pic>
+    </p:spTree>
+    <p:extLst>
+      <p:ext uri="{BB962C8B-B14F-4D97-AF65-F5344CB8AC3E}">
+        <p14:creationId xmlns:p14="http://schemas.microsoft.com/office/powerpoint/2010/main" val="3675298034"/>
+      </p:ext>
+    </p:extLst>
+  </p:cSld>
+  <p:clrMapOvr>
+    <a:masterClrMapping/>
+  </p:clrMapOvr>
+  <mc:AlternateContent xmlns:mc="http://schemas.openxmlformats.org/markup-compatibility/2006" xmlns:p14="http://schemas.microsoft.com/office/powerpoint/2010/main">
+    <mc:Choice Requires="p14">
+      <p:transition spd="med" p14:dur="700">
+        <p:fade/>
+      </p:transition>
+    </mc:Choice>
+    <mc:Fallback xmlns="">
+      <p:transition spd="med">
+        <p:fade/>
+      </p:transition>
+    </mc:Fallback>
+  </mc:AlternateContent>
+</p:sld>
+</file>
+
+<file path=ppt/slides/slide6.xml><?xml version="1.0" encoding="utf-8"?>
+<p:sld xmlns:a="http://schemas.openxmlformats.org/drawingml/2006/main" xmlns:r="http://schemas.openxmlformats.org/officeDocument/2006/relationships" xmlns:p="http://schemas.openxmlformats.org/presentationml/2006/main">
+  <p:cSld>
+    <p:spTree>
+      <p:nvGrpSpPr>
+        <p:cNvPr id="1" name=""/>
+        <p:cNvGrpSpPr/>
+        <p:nvPr/>
+      </p:nvGrpSpPr>
+      <p:grpSpPr>
+        <a:xfrm>
+          <a:off x="0" y="0"/>
+          <a:ext cx="0" cy="0"/>
+          <a:chOff x="0" y="0"/>
+          <a:chExt cx="0" cy="0"/>
+        </a:xfrm>
+      </p:grpSpPr>
+      <p:sp>
+        <p:nvSpPr>
+          <p:cNvPr id="10" name="TextBox 9">
+            <a:extLst>
+              <a:ext uri="{FF2B5EF4-FFF2-40B4-BE49-F238E27FC236}">
+                <a16:creationId xmlns:a16="http://schemas.microsoft.com/office/drawing/2014/main" id="{4B372152-A126-4F72-8661-C3090D7701E4}"/>
+              </a:ext>
+            </a:extLst>
+          </p:cNvPr>
+          <p:cNvSpPr txBox="1"/>
+          <p:nvPr/>
+        </p:nvSpPr>
+        <p:spPr>
+          <a:xfrm>
+            <a:off x="1442882" y="692696"/>
+            <a:ext cx="10053718" cy="707886"/>
+          </a:xfrm>
+          <a:prstGeom prst="rect">
+            <a:avLst/>
+          </a:prstGeom>
+          <a:noFill/>
+        </p:spPr>
+        <p:txBody>
+          <a:bodyPr wrap="square" rtlCol="0">
+            <a:spAutoFit/>
+          </a:bodyPr>
+          <a:lstStyle/>
+          <a:p>
+            <a:r>
+              <a:rPr lang="en-US" altLang="ko-KR" sz="4000" dirty="0">
                 <a:solidFill>
                   <a:srgbClr val="072A60"/>
                 </a:solidFill>
@@ -6446,7 +8344,7 @@
         </p:blipFill>
         <p:spPr>
           <a:xfrm>
-            <a:off x="1139122" y="1356781"/>
+            <a:off x="1442621" y="1400582"/>
             <a:ext cx="3457131" cy="5311481"/>
           </a:xfrm>
           <a:prstGeom prst="rect">
@@ -6454,8 +8352,8 @@
           </a:prstGeom>
         </p:spPr>
       </p:pic>
-      <mc:AlternateContent xmlns:mc="http://schemas.openxmlformats.org/markup-compatibility/2006" xmlns:a14="http://schemas.microsoft.com/office/drawing/2010/main">
-        <mc:Choice Requires="a14">
+      <mc:AlternateContent xmlns:mc="http://schemas.openxmlformats.org/markup-compatibility/2006">
+        <mc:Choice xmlns:a14="http://schemas.microsoft.com/office/drawing/2010/main" Requires="a14">
           <p:sp>
             <p:nvSpPr>
               <p:cNvPr id="9" name="TextBox 8">
@@ -6470,7 +8368,7 @@
             </p:nvSpPr>
             <p:spPr>
               <a:xfrm>
-                <a:off x="5209601" y="1973601"/>
+                <a:off x="5231744" y="2204864"/>
                 <a:ext cx="6286999" cy="2910797"/>
               </a:xfrm>
               <a:prstGeom prst="rect">
@@ -6895,7 +8793,7 @@
             </p:txBody>
           </p:sp>
         </mc:Choice>
-        <mc:Fallback xmlns="">
+        <mc:Fallback>
           <p:sp>
             <p:nvSpPr>
               <p:cNvPr id="9" name="TextBox 8">
@@ -6912,7 +8810,7 @@
             </p:nvSpPr>
             <p:spPr>
               <a:xfrm>
-                <a:off x="5209601" y="1973601"/>
+                <a:off x="5231744" y="2204864"/>
                 <a:ext cx="6286999" cy="2910797"/>
               </a:xfrm>
               <a:prstGeom prst="rect">
@@ -6921,7 +8819,7 @@
               <a:blipFill>
                 <a:blip r:embed="rId5"/>
                 <a:stretch>
-                  <a:fillRect l="-1261" t="-1048" b="-3354"/>
+                  <a:fillRect l="-1260" t="-1048" b="-3354"/>
                 </a:stretch>
               </a:blipFill>
             </p:spPr>
@@ -6943,7 +8841,7 @@
     </p:spTree>
     <p:extLst>
       <p:ext uri="{BB962C8B-B14F-4D97-AF65-F5344CB8AC3E}">
-        <p14:creationId xmlns:p14="http://schemas.microsoft.com/office/powerpoint/2010/main" val="3675298034"/>
+        <p14:creationId xmlns:p14="http://schemas.microsoft.com/office/powerpoint/2010/main" val="3494528960"/>
       </p:ext>
     </p:extLst>
   </p:cSld>
@@ -6965,7 +8863,7 @@
 </p:sld>
 </file>
 
-<file path=ppt/slides/slide6.xml><?xml version="1.0" encoding="utf-8"?>
+<file path=ppt/slides/slide7.xml><?xml version="1.0" encoding="utf-8"?>
 <p:sld xmlns:a="http://schemas.openxmlformats.org/drawingml/2006/main" xmlns:r="http://schemas.openxmlformats.org/officeDocument/2006/relationships" xmlns:p="http://schemas.openxmlformats.org/presentationml/2006/main">
   <p:cSld>
     <p:spTree>
@@ -6996,8 +8894,8 @@
         </p:nvSpPr>
         <p:spPr>
           <a:xfrm>
-            <a:off x="1442882" y="772006"/>
-            <a:ext cx="10053718" cy="584775"/>
+            <a:off x="1442882" y="764704"/>
+            <a:ext cx="10053718" cy="707886"/>
           </a:xfrm>
           <a:prstGeom prst="rect">
             <a:avLst/>
@@ -7011,7 +8909,7 @@
           <a:lstStyle/>
           <a:p>
             <a:r>
-              <a:rPr lang="en-US" altLang="ko-KR" sz="3200" dirty="0">
+              <a:rPr lang="en-US" altLang="ko-KR" sz="4000" dirty="0">
                 <a:solidFill>
                   <a:srgbClr val="072A60"/>
                 </a:solidFill>
@@ -7058,8 +8956,44 @@
           </a:prstGeom>
         </p:spPr>
       </p:pic>
-      <mc:AlternateContent xmlns:mc="http://schemas.openxmlformats.org/markup-compatibility/2006" xmlns:a14="http://schemas.microsoft.com/office/drawing/2010/main">
-        <mc:Choice Requires="a14">
+      <p:pic>
+        <p:nvPicPr>
+          <p:cNvPr id="3" name="그림 2">
+            <a:extLst>
+              <a:ext uri="{FF2B5EF4-FFF2-40B4-BE49-F238E27FC236}">
+                <a16:creationId xmlns:a16="http://schemas.microsoft.com/office/drawing/2014/main" id="{75CA956C-EB64-CC28-9CAF-AD65505E1D4F}"/>
+              </a:ext>
+            </a:extLst>
+          </p:cNvPr>
+          <p:cNvPicPr>
+            <a:picLocks noChangeAspect="1"/>
+          </p:cNvPicPr>
+          <p:nvPr/>
+        </p:nvPicPr>
+        <p:blipFill>
+          <a:blip r:embed="rId4">
+            <a:extLst>
+              <a:ext uri="{28A0092B-C50C-407E-A947-70E740481C1C}">
+                <a14:useLocalDpi xmlns:a14="http://schemas.microsoft.com/office/drawing/2010/main" val="0"/>
+              </a:ext>
+            </a:extLst>
+          </a:blip>
+          <a:stretch>
+            <a:fillRect/>
+          </a:stretch>
+        </p:blipFill>
+        <p:spPr>
+          <a:xfrm>
+            <a:off x="-24680" y="1628800"/>
+            <a:ext cx="5231904" cy="4126107"/>
+          </a:xfrm>
+          <a:prstGeom prst="rect">
+            <a:avLst/>
+          </a:prstGeom>
+        </p:spPr>
+      </p:pic>
+      <mc:AlternateContent xmlns:mc="http://schemas.openxmlformats.org/markup-compatibility/2006">
+        <mc:Choice xmlns:a14="http://schemas.microsoft.com/office/drawing/2010/main" Requires="a14">
           <p:sp>
             <p:nvSpPr>
               <p:cNvPr id="9" name="TextBox 8">
@@ -7074,8 +9008,8 @@
             </p:nvSpPr>
             <p:spPr>
               <a:xfrm>
-                <a:off x="5072954" y="2367171"/>
-                <a:ext cx="6999710" cy="2123658"/>
+                <a:off x="5062209" y="1826079"/>
+                <a:ext cx="6999710" cy="3477875"/>
               </a:xfrm>
               <a:prstGeom prst="rect">
                 <a:avLst/>
@@ -7099,14 +9033,14 @@
                     </a:solidFill>
                     <a:latin typeface="Garamond" panose="02020404030301010803" pitchFamily="18" charset="0"/>
                   </a:rPr>
-                  <a:t>D peak : ~1330</a:t>
+                  <a:t>D peak : 1330</a:t>
                 </a:r>
                 <a14:m>
                   <m:oMath xmlns:m="http://schemas.openxmlformats.org/officeDocument/2006/math">
                     <m:sSup>
                       <m:sSupPr>
                         <m:ctrlPr>
-                          <a:rPr lang="en-US" altLang="ko-KR" sz="2200" i="1" smtClean="0">
+                          <a:rPr lang="en-US" altLang="ko-KR" sz="2200" b="0" smtClean="0">
                             <a:solidFill>
                               <a:srgbClr val="072A60"/>
                             </a:solidFill>
@@ -7116,18 +9050,21 @@
                       </m:sSupPr>
                       <m:e>
                         <m:r>
-                          <a:rPr lang="en-US" altLang="ko-KR" sz="2200" b="0" i="1" smtClean="0">
+                          <m:rPr>
+                            <m:sty m:val="p"/>
+                          </m:rPr>
+                          <a:rPr lang="en-US" altLang="ko-KR" sz="2200" b="0" i="0" smtClean="0">
                             <a:solidFill>
                               <a:srgbClr val="072A60"/>
                             </a:solidFill>
                             <a:latin typeface="Cambria Math" panose="02040503050406030204" pitchFamily="18" charset="0"/>
                           </a:rPr>
-                          <m:t>𝑐𝑚</m:t>
+                          <m:t>cm</m:t>
                         </m:r>
                       </m:e>
                       <m:sup>
                         <m:r>
-                          <a:rPr lang="en-US" altLang="ko-KR" sz="2200" b="0" i="1" smtClean="0">
+                          <a:rPr lang="en-US" altLang="ko-KR" sz="2200" b="0" i="0" smtClean="0">
                             <a:solidFill>
                               <a:srgbClr val="072A60"/>
                             </a:solidFill>
@@ -7178,7 +9115,22 @@
                 </a:r>
               </a:p>
               <a:p>
+                <a:pPr lvl="1"/>
+                <a:r>
+                  <a:rPr lang="en-US" altLang="ko-KR" sz="2200" dirty="0">
+                    <a:solidFill>
+                      <a:srgbClr val="072A60"/>
+                    </a:solidFill>
+                    <a:latin typeface="Garamond" panose="02020404030301010803" pitchFamily="18" charset="0"/>
+                  </a:rPr>
+                  <a:t>		Breathing modes of six-atoms ring with a defect</a:t>
+                </a:r>
+              </a:p>
+              <a:p>
                 <a:pPr marL="342900" indent="-342900">
+                  <a:lnSpc>
+                    <a:spcPct val="150000"/>
+                  </a:lnSpc>
                   <a:buFont typeface="Arial" panose="020B0604020202020204" pitchFamily="34" charset="0"/>
                   <a:buChar char="•"/>
                 </a:pPr>
@@ -7189,7 +9141,7 @@
                     </a:solidFill>
                     <a:latin typeface="Garamond" panose="02020404030301010803" pitchFamily="18" charset="0"/>
                   </a:rPr>
-                  <a:t>G peak : ~1577</a:t>
+                  <a:t>G peak : 1577</a:t>
                 </a:r>
                 <a14:m>
                   <m:oMath xmlns:m="http://schemas.openxmlformats.org/officeDocument/2006/math">
@@ -7206,13 +9158,16 @@
                       </m:sSupPr>
                       <m:e>
                         <m:r>
-                          <a:rPr lang="en-US" altLang="ko-KR" sz="2200" i="1">
+                          <m:rPr>
+                            <m:sty m:val="p"/>
+                          </m:rPr>
+                          <a:rPr lang="en-US" altLang="ko-KR" sz="2200" i="0">
                             <a:solidFill>
                               <a:srgbClr val="072A60"/>
                             </a:solidFill>
                             <a:latin typeface="Cambria Math" panose="02040503050406030204" pitchFamily="18" charset="0"/>
                           </a:rPr>
-                          <m:t>𝑐𝑚</m:t>
+                          <m:t>cm</m:t>
                         </m:r>
                       </m:e>
                       <m:sup>
@@ -7259,7 +9214,22 @@
                 </a:r>
               </a:p>
               <a:p>
+                <a:pPr lvl="2"/>
+                <a:r>
+                  <a:rPr lang="en-US" altLang="ko-KR" sz="2200" dirty="0">
+                    <a:solidFill>
+                      <a:srgbClr val="072A60"/>
+                    </a:solidFill>
+                    <a:latin typeface="Garamond" panose="02020404030301010803" pitchFamily="18" charset="0"/>
+                  </a:rPr>
+                  <a:t>	A Stretching C-C bonding</a:t>
+                </a:r>
+              </a:p>
+              <a:p>
                 <a:pPr marL="342900" indent="-342900">
+                  <a:lnSpc>
+                    <a:spcPct val="150000"/>
+                  </a:lnSpc>
                   <a:buFont typeface="Arial" panose="020B0604020202020204" pitchFamily="34" charset="0"/>
                   <a:buChar char="•"/>
                 </a:pPr>
@@ -7287,13 +9257,16 @@
                       </m:sSupPr>
                       <m:e>
                         <m:r>
-                          <a:rPr lang="en-US" altLang="ko-KR" sz="2200" i="1">
+                          <m:rPr>
+                            <m:sty m:val="p"/>
+                          </m:rPr>
+                          <a:rPr lang="en-US" altLang="ko-KR" sz="2200" i="0">
                             <a:solidFill>
                               <a:srgbClr val="072A60"/>
                             </a:solidFill>
                             <a:latin typeface="Cambria Math" panose="02040503050406030204" pitchFamily="18" charset="0"/>
                           </a:rPr>
-                          <m:t>𝑐𝑚</m:t>
+                          <m:t>cm</m:t>
                         </m:r>
                       </m:e>
                       <m:sup>
@@ -7337,7 +9310,36 @@
                     <a:latin typeface="맑은 고딕" panose="020B0503020000020004" pitchFamily="50" charset="-127"/>
                     <a:ea typeface="맑은 고딕" panose="020B0503020000020004" pitchFamily="50" charset="-127"/>
                   </a:rPr>
-                  <a:t>→ </a:t>
+                  <a:t>→ 	</a:t>
+                </a:r>
+                <a:r>
+                  <a:rPr lang="en-US" altLang="ko-KR" sz="2200" dirty="0">
+                    <a:solidFill>
+                      <a:srgbClr val="072A60"/>
+                    </a:solidFill>
+                    <a:latin typeface="Garamond" panose="02020404030301010803" pitchFamily="18" charset="0"/>
+                  </a:rPr>
+                  <a:t>It is always found in graphene </a:t>
+                </a:r>
+                <a:endParaRPr lang="en-US" altLang="ko-KR" sz="2200" dirty="0">
+                  <a:solidFill>
+                    <a:srgbClr val="072A60"/>
+                  </a:solidFill>
+                  <a:latin typeface="맑은 고딕" panose="020B0503020000020004" pitchFamily="50" charset="-127"/>
+                  <a:ea typeface="맑은 고딕" panose="020B0503020000020004" pitchFamily="50" charset="-127"/>
+                </a:endParaRPr>
+              </a:p>
+              <a:p>
+                <a:pPr lvl="1"/>
+                <a:r>
+                  <a:rPr lang="en-US" altLang="ko-KR" sz="2200" dirty="0">
+                    <a:solidFill>
+                      <a:srgbClr val="072A60"/>
+                    </a:solidFill>
+                    <a:latin typeface="맑은 고딕" panose="020B0503020000020004" pitchFamily="50" charset="-127"/>
+                    <a:ea typeface="맑은 고딕" panose="020B0503020000020004" pitchFamily="50" charset="-127"/>
+                  </a:rPr>
+                  <a:t>		</a:t>
                 </a:r>
                 <a:r>
                   <a:rPr lang="en-US" altLang="ko-KR" sz="2200" dirty="0">
@@ -7352,7 +9354,7 @@
             </p:txBody>
           </p:sp>
         </mc:Choice>
-        <mc:Fallback xmlns="">
+        <mc:Fallback>
           <p:sp>
             <p:nvSpPr>
               <p:cNvPr id="9" name="TextBox 8">
@@ -7369,16 +9371,16 @@
             </p:nvSpPr>
             <p:spPr>
               <a:xfrm>
-                <a:off x="5072954" y="2367171"/>
-                <a:ext cx="6999710" cy="2123658"/>
+                <a:off x="5062209" y="1826079"/>
+                <a:ext cx="6999710" cy="3477875"/>
               </a:xfrm>
               <a:prstGeom prst="rect">
                 <a:avLst/>
               </a:prstGeom>
               <a:blipFill>
-                <a:blip r:embed="rId4"/>
+                <a:blip r:embed="rId5"/>
                 <a:stretch>
-                  <a:fillRect l="-958" t="-1433" b="-5158"/>
+                  <a:fillRect l="-957" t="-1053" b="-2807"/>
                 </a:stretch>
               </a:blipFill>
             </p:spPr>
@@ -7397,163 +9399,10 @@
           </p:sp>
         </mc:Fallback>
       </mc:AlternateContent>
-      <p:pic>
-        <p:nvPicPr>
-          <p:cNvPr id="3" name="그림 2">
-            <a:extLst>
-              <a:ext uri="{FF2B5EF4-FFF2-40B4-BE49-F238E27FC236}">
-                <a16:creationId xmlns:a16="http://schemas.microsoft.com/office/drawing/2014/main" id="{75CA956C-EB64-CC28-9CAF-AD65505E1D4F}"/>
-              </a:ext>
-            </a:extLst>
-          </p:cNvPr>
-          <p:cNvPicPr>
-            <a:picLocks noChangeAspect="1"/>
-          </p:cNvPicPr>
-          <p:nvPr/>
-        </p:nvPicPr>
-        <p:blipFill>
-          <a:blip r:embed="rId5">
-            <a:extLst>
-              <a:ext uri="{28A0092B-C50C-407E-A947-70E740481C1C}">
-                <a14:useLocalDpi xmlns:a14="http://schemas.microsoft.com/office/drawing/2010/main" val="0"/>
-              </a:ext>
-            </a:extLst>
-          </a:blip>
-          <a:stretch>
-            <a:fillRect/>
-          </a:stretch>
-        </p:blipFill>
-        <p:spPr>
-          <a:xfrm>
-            <a:off x="119336" y="1682638"/>
-            <a:ext cx="4953618" cy="3906639"/>
-          </a:xfrm>
-          <a:prstGeom prst="rect">
-            <a:avLst/>
-          </a:prstGeom>
-        </p:spPr>
-      </p:pic>
     </p:spTree>
     <p:extLst>
       <p:ext uri="{BB962C8B-B14F-4D97-AF65-F5344CB8AC3E}">
         <p14:creationId xmlns:p14="http://schemas.microsoft.com/office/powerpoint/2010/main" val="802671624"/>
-      </p:ext>
-    </p:extLst>
-  </p:cSld>
-  <p:clrMapOvr>
-    <a:masterClrMapping/>
-  </p:clrMapOvr>
-  <mc:AlternateContent xmlns:mc="http://schemas.openxmlformats.org/markup-compatibility/2006" xmlns:p14="http://schemas.microsoft.com/office/powerpoint/2010/main">
-    <mc:Choice Requires="p14">
-      <p:transition spd="med" p14:dur="700">
-        <p:fade/>
-      </p:transition>
-    </mc:Choice>
-    <mc:Fallback xmlns="">
-      <p:transition spd="med">
-        <p:fade/>
-      </p:transition>
-    </mc:Fallback>
-  </mc:AlternateContent>
-</p:sld>
-</file>
-
-<file path=ppt/slides/slide7.xml><?xml version="1.0" encoding="utf-8"?>
-<p:sld xmlns:a="http://schemas.openxmlformats.org/drawingml/2006/main" xmlns:r="http://schemas.openxmlformats.org/officeDocument/2006/relationships" xmlns:p="http://schemas.openxmlformats.org/presentationml/2006/main">
-  <p:cSld>
-    <p:spTree>
-      <p:nvGrpSpPr>
-        <p:cNvPr id="1" name=""/>
-        <p:cNvGrpSpPr/>
-        <p:nvPr/>
-      </p:nvGrpSpPr>
-      <p:grpSpPr>
-        <a:xfrm>
-          <a:off x="0" y="0"/>
-          <a:ext cx="0" cy="0"/>
-          <a:chOff x="0" y="0"/>
-          <a:chExt cx="0" cy="0"/>
-        </a:xfrm>
-      </p:grpSpPr>
-      <p:sp>
-        <p:nvSpPr>
-          <p:cNvPr id="2" name="TextBox 1">
-            <a:extLst>
-              <a:ext uri="{FF2B5EF4-FFF2-40B4-BE49-F238E27FC236}">
-                <a16:creationId xmlns:a16="http://schemas.microsoft.com/office/drawing/2014/main" id="{1A0E440C-C7C9-48AA-EDF9-CAE74E276BA6}"/>
-              </a:ext>
-            </a:extLst>
-          </p:cNvPr>
-          <p:cNvSpPr txBox="1"/>
-          <p:nvPr/>
-        </p:nvSpPr>
-        <p:spPr>
-          <a:xfrm>
-            <a:off x="1442882" y="772006"/>
-            <a:ext cx="10053718" cy="584775"/>
-          </a:xfrm>
-          <a:prstGeom prst="rect">
-            <a:avLst/>
-          </a:prstGeom>
-          <a:noFill/>
-        </p:spPr>
-        <p:txBody>
-          <a:bodyPr wrap="square" rtlCol="0">
-            <a:spAutoFit/>
-          </a:bodyPr>
-          <a:lstStyle/>
-          <a:p>
-            <a:r>
-              <a:rPr lang="en-US" altLang="ko-KR" sz="3200" dirty="0">
-                <a:solidFill>
-                  <a:srgbClr val="072A60"/>
-                </a:solidFill>
-                <a:latin typeface="Garamond" panose="02020404030301010803" pitchFamily="18" charset="0"/>
-              </a:rPr>
-              <a:t>GO, RGO, Graphite</a:t>
-            </a:r>
-          </a:p>
-        </p:txBody>
-      </p:sp>
-      <p:pic>
-        <p:nvPicPr>
-          <p:cNvPr id="11" name="그림 10">
-            <a:extLst>
-              <a:ext uri="{FF2B5EF4-FFF2-40B4-BE49-F238E27FC236}">
-                <a16:creationId xmlns:a16="http://schemas.microsoft.com/office/drawing/2014/main" id="{737BFB5F-2554-280B-814A-9ADC5785CD09}"/>
-              </a:ext>
-            </a:extLst>
-          </p:cNvPr>
-          <p:cNvPicPr>
-            <a:picLocks noChangeAspect="1"/>
-          </p:cNvPicPr>
-          <p:nvPr/>
-        </p:nvPicPr>
-        <p:blipFill rotWithShape="1">
-          <a:blip r:embed="rId2">
-            <a:extLst>
-              <a:ext uri="{28A0092B-C50C-407E-A947-70E740481C1C}">
-                <a14:useLocalDpi xmlns:a14="http://schemas.microsoft.com/office/drawing/2010/main" val="0"/>
-              </a:ext>
-            </a:extLst>
-          </a:blip>
-          <a:srcRect l="2430" b="3626"/>
-          <a:stretch/>
-        </p:blipFill>
-        <p:spPr>
-          <a:xfrm>
-            <a:off x="1442882" y="1484785"/>
-            <a:ext cx="6885366" cy="4680520"/>
-          </a:xfrm>
-          <a:prstGeom prst="rect">
-            <a:avLst/>
-          </a:prstGeom>
-        </p:spPr>
-      </p:pic>
-    </p:spTree>
-    <p:extLst>
-      <p:ext uri="{BB962C8B-B14F-4D97-AF65-F5344CB8AC3E}">
-        <p14:creationId xmlns:p14="http://schemas.microsoft.com/office/powerpoint/2010/main" val="4039343015"/>
       </p:ext>
     </p:extLst>
   </p:cSld>
@@ -7606,8 +9455,8 @@
         </p:nvSpPr>
         <p:spPr>
           <a:xfrm>
-            <a:off x="1442882" y="772006"/>
-            <a:ext cx="10053718" cy="584775"/>
+            <a:off x="1487488" y="764704"/>
+            <a:ext cx="10053718" cy="707886"/>
           </a:xfrm>
           <a:prstGeom prst="rect">
             <a:avLst/>
@@ -7621,7 +9470,7 @@
           <a:lstStyle/>
           <a:p>
             <a:r>
-              <a:rPr lang="en-US" altLang="ko-KR" sz="3200" dirty="0">
+              <a:rPr lang="en-US" altLang="ko-KR" sz="4000" dirty="0">
                 <a:solidFill>
                   <a:srgbClr val="072A60"/>
                 </a:solidFill>
@@ -7632,6 +9481,192 @@
           </a:p>
         </p:txBody>
       </p:sp>
+      <p:pic>
+        <p:nvPicPr>
+          <p:cNvPr id="4" name="그림 3">
+            <a:extLst>
+              <a:ext uri="{FF2B5EF4-FFF2-40B4-BE49-F238E27FC236}">
+                <a16:creationId xmlns:a16="http://schemas.microsoft.com/office/drawing/2014/main" id="{93676ACD-5BED-7194-D83C-396BC4D0F3B3}"/>
+              </a:ext>
+            </a:extLst>
+          </p:cNvPr>
+          <p:cNvPicPr>
+            <a:picLocks noChangeAspect="1"/>
+          </p:cNvPicPr>
+          <p:nvPr/>
+        </p:nvPicPr>
+        <p:blipFill>
+          <a:blip r:embed="rId2"/>
+          <a:stretch>
+            <a:fillRect/>
+          </a:stretch>
+        </p:blipFill>
+        <p:spPr>
+          <a:xfrm>
+            <a:off x="551384" y="1700808"/>
+            <a:ext cx="5040560" cy="3889163"/>
+          </a:xfrm>
+          <a:prstGeom prst="rect">
+            <a:avLst/>
+          </a:prstGeom>
+        </p:spPr>
+      </p:pic>
+      <p:pic>
+        <p:nvPicPr>
+          <p:cNvPr id="6" name="그림 5">
+            <a:extLst>
+              <a:ext uri="{FF2B5EF4-FFF2-40B4-BE49-F238E27FC236}">
+                <a16:creationId xmlns:a16="http://schemas.microsoft.com/office/drawing/2014/main" id="{364B2754-9BB4-2A5A-7B1A-5E9E34DB0D0F}"/>
+              </a:ext>
+            </a:extLst>
+          </p:cNvPr>
+          <p:cNvPicPr>
+            <a:picLocks noChangeAspect="1"/>
+          </p:cNvPicPr>
+          <p:nvPr/>
+        </p:nvPicPr>
+        <p:blipFill>
+          <a:blip r:embed="rId3"/>
+          <a:stretch>
+            <a:fillRect/>
+          </a:stretch>
+        </p:blipFill>
+        <p:spPr>
+          <a:xfrm>
+            <a:off x="6240016" y="1700808"/>
+            <a:ext cx="4824536" cy="4097026"/>
+          </a:xfrm>
+          <a:prstGeom prst="rect">
+            <a:avLst/>
+          </a:prstGeom>
+        </p:spPr>
+      </p:pic>
+      <p:cxnSp>
+        <p:nvCxnSpPr>
+          <p:cNvPr id="8" name="직선 연결선 7">
+            <a:extLst>
+              <a:ext uri="{FF2B5EF4-FFF2-40B4-BE49-F238E27FC236}">
+                <a16:creationId xmlns:a16="http://schemas.microsoft.com/office/drawing/2014/main" id="{5F6D4ACA-8FAA-6B64-4900-9E60DFA4B009}"/>
+              </a:ext>
+            </a:extLst>
+          </p:cNvPr>
+          <p:cNvCxnSpPr/>
+          <p:nvPr/>
+        </p:nvCxnSpPr>
+        <p:spPr>
+          <a:xfrm>
+            <a:off x="2423592" y="1916832"/>
+            <a:ext cx="0" cy="3240360"/>
+          </a:xfrm>
+          <a:prstGeom prst="line">
+            <a:avLst/>
+          </a:prstGeom>
+          <a:ln w="12700">
+            <a:solidFill>
+              <a:srgbClr val="FF0000"/>
+            </a:solidFill>
+            <a:prstDash val="dash"/>
+          </a:ln>
+        </p:spPr>
+        <p:style>
+          <a:lnRef idx="1">
+            <a:schemeClr val="accent1"/>
+          </a:lnRef>
+          <a:fillRef idx="0">
+            <a:schemeClr val="accent1"/>
+          </a:fillRef>
+          <a:effectRef idx="0">
+            <a:schemeClr val="accent1"/>
+          </a:effectRef>
+          <a:fontRef idx="minor">
+            <a:schemeClr val="tx1"/>
+          </a:fontRef>
+        </p:style>
+      </p:cxnSp>
+      <p:cxnSp>
+        <p:nvCxnSpPr>
+          <p:cNvPr id="9" name="직선 연결선 8">
+            <a:extLst>
+              <a:ext uri="{FF2B5EF4-FFF2-40B4-BE49-F238E27FC236}">
+                <a16:creationId xmlns:a16="http://schemas.microsoft.com/office/drawing/2014/main" id="{24EB14D7-2706-0C8C-4949-DE47303CB446}"/>
+              </a:ext>
+            </a:extLst>
+          </p:cNvPr>
+          <p:cNvCxnSpPr/>
+          <p:nvPr/>
+        </p:nvCxnSpPr>
+        <p:spPr>
+          <a:xfrm>
+            <a:off x="2783632" y="1916832"/>
+            <a:ext cx="0" cy="3240360"/>
+          </a:xfrm>
+          <a:prstGeom prst="line">
+            <a:avLst/>
+          </a:prstGeom>
+          <a:ln w="12700">
+            <a:solidFill>
+              <a:srgbClr val="FF0000"/>
+            </a:solidFill>
+            <a:prstDash val="dash"/>
+          </a:ln>
+        </p:spPr>
+        <p:style>
+          <a:lnRef idx="1">
+            <a:schemeClr val="accent1"/>
+          </a:lnRef>
+          <a:fillRef idx="0">
+            <a:schemeClr val="accent1"/>
+          </a:fillRef>
+          <a:effectRef idx="0">
+            <a:schemeClr val="accent1"/>
+          </a:effectRef>
+          <a:fontRef idx="minor">
+            <a:schemeClr val="tx1"/>
+          </a:fontRef>
+        </p:style>
+      </p:cxnSp>
+      <p:cxnSp>
+        <p:nvCxnSpPr>
+          <p:cNvPr id="10" name="직선 연결선 9">
+            <a:extLst>
+              <a:ext uri="{FF2B5EF4-FFF2-40B4-BE49-F238E27FC236}">
+                <a16:creationId xmlns:a16="http://schemas.microsoft.com/office/drawing/2014/main" id="{E8432B5D-5FD5-6279-1921-0EE05AEB1B86}"/>
+              </a:ext>
+            </a:extLst>
+          </p:cNvPr>
+          <p:cNvCxnSpPr/>
+          <p:nvPr/>
+        </p:nvCxnSpPr>
+        <p:spPr>
+          <a:xfrm>
+            <a:off x="4223792" y="1916832"/>
+            <a:ext cx="0" cy="3240360"/>
+          </a:xfrm>
+          <a:prstGeom prst="line">
+            <a:avLst/>
+          </a:prstGeom>
+          <a:ln w="12700">
+            <a:solidFill>
+              <a:srgbClr val="FF0000"/>
+            </a:solidFill>
+            <a:prstDash val="dash"/>
+          </a:ln>
+        </p:spPr>
+        <p:style>
+          <a:lnRef idx="1">
+            <a:schemeClr val="accent1"/>
+          </a:lnRef>
+          <a:fillRef idx="0">
+            <a:schemeClr val="accent1"/>
+          </a:fillRef>
+          <a:effectRef idx="0">
+            <a:schemeClr val="accent1"/>
+          </a:effectRef>
+          <a:fontRef idx="minor">
+            <a:schemeClr val="tx1"/>
+          </a:fontRef>
+        </p:style>
+      </p:cxnSp>
     </p:spTree>
     <p:extLst>
       <p:ext uri="{BB962C8B-B14F-4D97-AF65-F5344CB8AC3E}">
@@ -7676,10 +9711,10 @@
       </p:grpSpPr>
       <p:sp>
         <p:nvSpPr>
-          <p:cNvPr id="4" name="TextBox 3">
+          <p:cNvPr id="2" name="TextBox 1">
             <a:extLst>
               <a:ext uri="{FF2B5EF4-FFF2-40B4-BE49-F238E27FC236}">
-                <a16:creationId xmlns:a16="http://schemas.microsoft.com/office/drawing/2014/main" id="{8A05AD63-D546-1C08-A20F-2F18332B8279}"/>
+                <a16:creationId xmlns:a16="http://schemas.microsoft.com/office/drawing/2014/main" id="{1A0E440C-C7C9-48AA-EDF9-CAE74E276BA6}"/>
               </a:ext>
             </a:extLst>
           </p:cNvPr>
@@ -7689,7 +9724,7 @@
         <p:spPr>
           <a:xfrm>
             <a:off x="1442882" y="772006"/>
-            <a:ext cx="10053718" cy="584775"/>
+            <a:ext cx="10053718" cy="677108"/>
           </a:xfrm>
           <a:prstGeom prst="rect">
             <a:avLst/>
@@ -7703,23 +9738,23 @@
           <a:lstStyle/>
           <a:p>
             <a:r>
-              <a:rPr lang="en-US" altLang="ko-KR" sz="3200" dirty="0">
+              <a:rPr lang="en-US" altLang="ko-KR" sz="3800" dirty="0">
                 <a:solidFill>
                   <a:srgbClr val="072A60"/>
                 </a:solidFill>
                 <a:latin typeface="Garamond" panose="02020404030301010803" pitchFamily="18" charset="0"/>
               </a:rPr>
-              <a:t>Ti2CTx</a:t>
+              <a:t>GO, RGO, Graphite – Experiment result</a:t>
             </a:r>
           </a:p>
         </p:txBody>
       </p:sp>
       <p:pic>
         <p:nvPicPr>
-          <p:cNvPr id="21" name="그림 20">
+          <p:cNvPr id="11" name="그림 10">
             <a:extLst>
               <a:ext uri="{FF2B5EF4-FFF2-40B4-BE49-F238E27FC236}">
-                <a16:creationId xmlns:a16="http://schemas.microsoft.com/office/drawing/2014/main" id="{9684B0A6-17D8-FA16-A0BF-8F0E9B956655}"/>
+                <a16:creationId xmlns:a16="http://schemas.microsoft.com/office/drawing/2014/main" id="{737BFB5F-2554-280B-814A-9ADC5785CD09}"/>
               </a:ext>
             </a:extLst>
           </p:cNvPr>
@@ -7736,13 +9771,13 @@
               </a:ext>
             </a:extLst>
           </a:blip>
-          <a:srcRect l="2479" b="3622"/>
+          <a:srcRect l="2430" b="3626"/>
           <a:stretch/>
         </p:blipFill>
         <p:spPr>
           <a:xfrm>
-            <a:off x="1442882" y="1562333"/>
-            <a:ext cx="6741350" cy="4523661"/>
+            <a:off x="1055440" y="1628800"/>
+            <a:ext cx="6885366" cy="4680520"/>
           </a:xfrm>
           <a:prstGeom prst="rect">
             <a:avLst/>
@@ -7752,7 +9787,7 @@
     </p:spTree>
     <p:extLst>
       <p:ext uri="{BB962C8B-B14F-4D97-AF65-F5344CB8AC3E}">
-        <p14:creationId xmlns:p14="http://schemas.microsoft.com/office/powerpoint/2010/main" val="3293098080"/>
+        <p14:creationId xmlns:p14="http://schemas.microsoft.com/office/powerpoint/2010/main" val="4039343015"/>
       </p:ext>
     </p:extLst>
   </p:cSld>

--- a/Raman_Final Presentation.pptx
+++ b/Raman_Final Presentation.pptx
@@ -4661,7 +4661,7 @@
                     <m:sSup>
                       <m:sSupPr>
                         <m:ctrlPr>
-                          <a:rPr lang="en-US" altLang="ko-KR" sz="2200" i="1">
+                          <a:rPr lang="en-US" altLang="ko-KR" sz="2200">
                             <a:solidFill>
                               <a:srgbClr val="072A60"/>
                             </a:solidFill>
@@ -4671,18 +4671,21 @@
                       </m:sSupPr>
                       <m:e>
                         <m:r>
-                          <a:rPr lang="en-US" altLang="ko-KR" sz="2200" i="1">
+                          <m:rPr>
+                            <m:sty m:val="p"/>
+                          </m:rPr>
+                          <a:rPr lang="en-US" altLang="ko-KR" sz="2200" i="0">
                             <a:solidFill>
                               <a:srgbClr val="072A60"/>
                             </a:solidFill>
                             <a:latin typeface="Cambria Math" panose="02040503050406030204" pitchFamily="18" charset="0"/>
                           </a:rPr>
-                          <m:t>𝑐𝑚</m:t>
+                          <m:t>cm</m:t>
                         </m:r>
                       </m:e>
                       <m:sup>
                         <m:r>
-                          <a:rPr lang="en-US" altLang="ko-KR" sz="2200" i="1">
+                          <a:rPr lang="en-US" altLang="ko-KR" sz="2200" i="0">
                             <a:solidFill>
                               <a:srgbClr val="072A60"/>
                             </a:solidFill>
@@ -4718,7 +4721,7 @@
                     <m:sSup>
                       <m:sSupPr>
                         <m:ctrlPr>
-                          <a:rPr lang="en-US" altLang="ko-KR" sz="2200" i="1">
+                          <a:rPr lang="en-US" altLang="ko-KR" sz="2200">
                             <a:solidFill>
                               <a:srgbClr val="072A60"/>
                             </a:solidFill>
@@ -4728,18 +4731,21 @@
                       </m:sSupPr>
                       <m:e>
                         <m:r>
-                          <a:rPr lang="en-US" altLang="ko-KR" sz="2200" i="1">
+                          <m:rPr>
+                            <m:sty m:val="p"/>
+                          </m:rPr>
+                          <a:rPr lang="en-US" altLang="ko-KR" sz="2200" i="0">
                             <a:solidFill>
                               <a:srgbClr val="072A60"/>
                             </a:solidFill>
                             <a:latin typeface="Cambria Math" panose="02040503050406030204" pitchFamily="18" charset="0"/>
                           </a:rPr>
-                          <m:t>𝑐𝑚</m:t>
+                          <m:t>cm</m:t>
                         </m:r>
                       </m:e>
                       <m:sup>
                         <m:r>
-                          <a:rPr lang="en-US" altLang="ko-KR" sz="2200" i="1">
+                          <a:rPr lang="en-US" altLang="ko-KR" sz="2200" i="0">
                             <a:solidFill>
                               <a:srgbClr val="072A60"/>
                             </a:solidFill>
@@ -4905,13 +4911,16 @@
                       </m:sSupPr>
                       <m:e>
                         <m:r>
-                          <a:rPr lang="en-US" altLang="ko-KR" sz="2200" b="0" i="1" smtClean="0">
+                          <m:rPr>
+                            <m:sty m:val="p"/>
+                          </m:rPr>
+                          <a:rPr lang="en-US" altLang="ko-KR" sz="2200" b="0" i="0" smtClean="0">
                             <a:solidFill>
                               <a:srgbClr val="072A60"/>
                             </a:solidFill>
                             <a:latin typeface="Cambria Math" panose="02040503050406030204" pitchFamily="18" charset="0"/>
                           </a:rPr>
-                          <m:t>𝑐𝑚</m:t>
+                          <m:t>cm</m:t>
                         </m:r>
                       </m:e>
                       <m:sup>
@@ -5016,13 +5025,16 @@
                       </m:sSupPr>
                       <m:e>
                         <m:r>
-                          <a:rPr lang="en-US" altLang="ko-KR" sz="2200" b="0" i="1" smtClean="0">
+                          <m:rPr>
+                            <m:sty m:val="p"/>
+                          </m:rPr>
+                          <a:rPr lang="en-US" altLang="ko-KR" sz="2200" b="0" i="0" smtClean="0">
                             <a:solidFill>
                               <a:srgbClr val="072A60"/>
                             </a:solidFill>
                             <a:latin typeface="Cambria Math" panose="02040503050406030204" pitchFamily="18" charset="0"/>
                           </a:rPr>
-                          <m:t>𝑐𝑚</m:t>
+                          <m:t>cm</m:t>
                         </m:r>
                       </m:e>
                       <m:sup>
@@ -5105,7 +5117,7 @@
                     <m:sSup>
                       <m:sSupPr>
                         <m:ctrlPr>
-                          <a:rPr lang="en-US" altLang="ko-KR" sz="2200" i="1" smtClean="0">
+                          <a:rPr lang="en-US" altLang="ko-KR" sz="2200" smtClean="0">
                             <a:solidFill>
                               <a:srgbClr val="072A60"/>
                             </a:solidFill>
@@ -5115,18 +5127,21 @@
                       </m:sSupPr>
                       <m:e>
                         <m:r>
-                          <a:rPr lang="en-US" altLang="ko-KR" sz="2200" i="1">
+                          <m:rPr>
+                            <m:sty m:val="p"/>
+                          </m:rPr>
+                          <a:rPr lang="en-US" altLang="ko-KR" sz="2200" i="0">
                             <a:solidFill>
                               <a:srgbClr val="072A60"/>
                             </a:solidFill>
                             <a:latin typeface="Cambria Math" panose="02040503050406030204" pitchFamily="18" charset="0"/>
                           </a:rPr>
-                          <m:t>𝑐𝑚</m:t>
+                          <m:t>cm</m:t>
                         </m:r>
                       </m:e>
                       <m:sup>
                         <m:r>
-                          <a:rPr lang="en-US" altLang="ko-KR" sz="2200" i="1">
+                          <a:rPr lang="en-US" altLang="ko-KR" sz="2200" i="0">
                             <a:solidFill>
                               <a:srgbClr val="072A60"/>
                             </a:solidFill>
@@ -5562,7 +5577,7 @@
         </p:nvSpPr>
         <p:spPr>
           <a:xfrm>
-            <a:off x="1514890" y="776898"/>
+            <a:off x="1514890" y="704890"/>
             <a:ext cx="5661230" cy="707886"/>
           </a:xfrm>
           <a:prstGeom prst="rect">
@@ -7912,8 +7927,8 @@
           </a:prstGeom>
         </p:spPr>
       </p:pic>
-      <mc:AlternateContent xmlns:mc="http://schemas.openxmlformats.org/markup-compatibility/2006">
-        <mc:Choice xmlns:a14="http://schemas.microsoft.com/office/drawing/2010/main" Requires="a14">
+      <mc:AlternateContent xmlns:mc="http://schemas.openxmlformats.org/markup-compatibility/2006" xmlns:a14="http://schemas.microsoft.com/office/drawing/2010/main">
+        <mc:Choice Requires="a14">
           <p:sp>
             <p:nvSpPr>
               <p:cNvPr id="9" name="TextBox 8">
@@ -8118,7 +8133,7 @@
             </p:txBody>
           </p:sp>
         </mc:Choice>
-        <mc:Fallback>
+        <mc:Fallback xmlns="">
           <p:sp>
             <p:nvSpPr>
               <p:cNvPr id="9" name="TextBox 8">
@@ -8352,8 +8367,8 @@
           </a:prstGeom>
         </p:spPr>
       </p:pic>
-      <mc:AlternateContent xmlns:mc="http://schemas.openxmlformats.org/markup-compatibility/2006">
-        <mc:Choice xmlns:a14="http://schemas.microsoft.com/office/drawing/2010/main" Requires="a14">
+      <mc:AlternateContent xmlns:mc="http://schemas.openxmlformats.org/markup-compatibility/2006" xmlns:a14="http://schemas.microsoft.com/office/drawing/2010/main">
+        <mc:Choice Requires="a14">
           <p:sp>
             <p:nvSpPr>
               <p:cNvPr id="9" name="TextBox 8">
@@ -8793,7 +8808,7 @@
             </p:txBody>
           </p:sp>
         </mc:Choice>
-        <mc:Fallback>
+        <mc:Fallback xmlns="">
           <p:sp>
             <p:nvSpPr>
               <p:cNvPr id="9" name="TextBox 8">
@@ -8992,8 +9007,8 @@
           </a:prstGeom>
         </p:spPr>
       </p:pic>
-      <mc:AlternateContent xmlns:mc="http://schemas.openxmlformats.org/markup-compatibility/2006">
-        <mc:Choice xmlns:a14="http://schemas.microsoft.com/office/drawing/2010/main" Requires="a14">
+      <mc:AlternateContent xmlns:mc="http://schemas.openxmlformats.org/markup-compatibility/2006" xmlns:a14="http://schemas.microsoft.com/office/drawing/2010/main">
+        <mc:Choice Requires="a14">
           <p:sp>
             <p:nvSpPr>
               <p:cNvPr id="9" name="TextBox 8">
@@ -9040,7 +9055,7 @@
                     <m:sSup>
                       <m:sSupPr>
                         <m:ctrlPr>
-                          <a:rPr lang="en-US" altLang="ko-KR" sz="2200" b="0" smtClean="0">
+                          <a:rPr lang="en-US" altLang="ko-KR" sz="2200" b="0" i="1" smtClean="0">
                             <a:solidFill>
                               <a:srgbClr val="072A60"/>
                             </a:solidFill>
@@ -9354,7 +9369,7 @@
             </p:txBody>
           </p:sp>
         </mc:Choice>
-        <mc:Fallback>
+        <mc:Fallback xmlns="">
           <p:sp>
             <p:nvSpPr>
               <p:cNvPr id="9" name="TextBox 8">

--- a/Raman_Final Presentation.pptx
+++ b/Raman_Final Presentation.pptx
@@ -15,10 +15,10 @@
     <p:sldId id="313" r:id="rId6"/>
     <p:sldId id="332" r:id="rId7"/>
     <p:sldId id="329" r:id="rId8"/>
-    <p:sldId id="330" r:id="rId9"/>
-    <p:sldId id="319" r:id="rId10"/>
-    <p:sldId id="320" r:id="rId11"/>
-    <p:sldId id="331" r:id="rId12"/>
+    <p:sldId id="319" r:id="rId9"/>
+    <p:sldId id="330" r:id="rId10"/>
+    <p:sldId id="331" r:id="rId11"/>
+    <p:sldId id="320" r:id="rId12"/>
     <p:sldId id="321" r:id="rId13"/>
     <p:sldId id="327" r:id="rId14"/>
     <p:sldId id="293" r:id="rId15"/>
@@ -222,7 +222,7 @@
           <a:p>
             <a:fld id="{B846FA5B-67FB-4835-A48C-92E0EAE684C7}" type="datetimeFigureOut">
               <a:rPr lang="ko-KR" altLang="en-US" smtClean="0"/>
-              <a:t>2022-11-27</a:t>
+              <a:t>2022-11-29</a:t>
             </a:fld>
             <a:endParaRPr lang="ko-KR" altLang="en-US"/>
           </a:p>
@@ -4171,42 +4171,6 @@
           </a:p>
         </p:txBody>
       </p:sp>
-      <p:pic>
-        <p:nvPicPr>
-          <p:cNvPr id="9" name="그림 8">
-            <a:extLst>
-              <a:ext uri="{FF2B5EF4-FFF2-40B4-BE49-F238E27FC236}">
-                <a16:creationId xmlns:a16="http://schemas.microsoft.com/office/drawing/2014/main" id="{46F2AD97-B239-4A6F-81EF-BE8785D2FB14}"/>
-              </a:ext>
-            </a:extLst>
-          </p:cNvPr>
-          <p:cNvPicPr>
-            <a:picLocks noChangeAspect="1"/>
-          </p:cNvPicPr>
-          <p:nvPr/>
-        </p:nvPicPr>
-        <p:blipFill>
-          <a:blip r:embed="rId4">
-            <a:extLst>
-              <a:ext uri="{28A0092B-C50C-407E-A947-70E740481C1C}">
-                <a14:useLocalDpi xmlns:a14="http://schemas.microsoft.com/office/drawing/2010/main" val="0"/>
-              </a:ext>
-            </a:extLst>
-          </a:blip>
-          <a:stretch>
-            <a:fillRect/>
-          </a:stretch>
-        </p:blipFill>
-        <p:spPr>
-          <a:xfrm>
-            <a:off x="1" y="6741368"/>
-            <a:ext cx="87301" cy="116632"/>
-          </a:xfrm>
-          <a:prstGeom prst="rect">
-            <a:avLst/>
-          </a:prstGeom>
-        </p:spPr>
-      </p:pic>
       <p:sp>
         <p:nvSpPr>
           <p:cNvPr id="10" name="TextBox 9">
@@ -4280,6 +4244,124 @@
 </file>
 
 <file path=ppt/slides/slide10.xml><?xml version="1.0" encoding="utf-8"?>
+<p:sld xmlns:a="http://schemas.openxmlformats.org/drawingml/2006/main" xmlns:r="http://schemas.openxmlformats.org/officeDocument/2006/relationships" xmlns:p="http://schemas.openxmlformats.org/presentationml/2006/main">
+  <p:cSld>
+    <p:spTree>
+      <p:nvGrpSpPr>
+        <p:cNvPr id="1" name=""/>
+        <p:cNvGrpSpPr/>
+        <p:nvPr/>
+      </p:nvGrpSpPr>
+      <p:grpSpPr>
+        <a:xfrm>
+          <a:off x="0" y="0"/>
+          <a:ext cx="0" cy="0"/>
+          <a:chOff x="0" y="0"/>
+          <a:chExt cx="0" cy="0"/>
+        </a:xfrm>
+      </p:grpSpPr>
+      <p:sp>
+        <p:nvSpPr>
+          <p:cNvPr id="4" name="TextBox 3">
+            <a:extLst>
+              <a:ext uri="{FF2B5EF4-FFF2-40B4-BE49-F238E27FC236}">
+                <a16:creationId xmlns:a16="http://schemas.microsoft.com/office/drawing/2014/main" id="{8A05AD63-D546-1C08-A20F-2F18332B8279}"/>
+              </a:ext>
+            </a:extLst>
+          </p:cNvPr>
+          <p:cNvSpPr txBox="1"/>
+          <p:nvPr/>
+        </p:nvSpPr>
+        <p:spPr>
+          <a:xfrm>
+            <a:off x="1631504" y="764704"/>
+            <a:ext cx="10053718" cy="677108"/>
+          </a:xfrm>
+          <a:prstGeom prst="rect">
+            <a:avLst/>
+          </a:prstGeom>
+          <a:noFill/>
+        </p:spPr>
+        <p:txBody>
+          <a:bodyPr wrap="square" rtlCol="0">
+            <a:spAutoFit/>
+          </a:bodyPr>
+          <a:lstStyle/>
+          <a:p>
+            <a:r>
+              <a:rPr lang="en-US" altLang="ko-KR" sz="3800" dirty="0">
+                <a:solidFill>
+                  <a:srgbClr val="072A60"/>
+                </a:solidFill>
+                <a:latin typeface="Garamond" panose="02020404030301010803" pitchFamily="18" charset="0"/>
+              </a:rPr>
+              <a:t>Ti2CTx – Experiment Result</a:t>
+            </a:r>
+          </a:p>
+        </p:txBody>
+      </p:sp>
+      <p:pic>
+        <p:nvPicPr>
+          <p:cNvPr id="5" name="그림 4">
+            <a:extLst>
+              <a:ext uri="{FF2B5EF4-FFF2-40B4-BE49-F238E27FC236}">
+                <a16:creationId xmlns:a16="http://schemas.microsoft.com/office/drawing/2014/main" id="{87654996-BC1E-17E9-4086-E393E7268F39}"/>
+              </a:ext>
+            </a:extLst>
+          </p:cNvPr>
+          <p:cNvPicPr>
+            <a:picLocks noChangeAspect="1"/>
+          </p:cNvPicPr>
+          <p:nvPr/>
+        </p:nvPicPr>
+        <p:blipFill>
+          <a:blip r:embed="rId2">
+            <a:extLst>
+              <a:ext uri="{28A0092B-C50C-407E-A947-70E740481C1C}">
+                <a14:useLocalDpi xmlns:a14="http://schemas.microsoft.com/office/drawing/2010/main" val="0"/>
+              </a:ext>
+            </a:extLst>
+          </a:blip>
+          <a:stretch>
+            <a:fillRect/>
+          </a:stretch>
+        </p:blipFill>
+        <p:spPr>
+          <a:xfrm>
+            <a:off x="1055440" y="1556792"/>
+            <a:ext cx="6984776" cy="4742550"/>
+          </a:xfrm>
+          <a:prstGeom prst="rect">
+            <a:avLst/>
+          </a:prstGeom>
+        </p:spPr>
+      </p:pic>
+    </p:spTree>
+    <p:extLst>
+      <p:ext uri="{BB962C8B-B14F-4D97-AF65-F5344CB8AC3E}">
+        <p14:creationId xmlns:p14="http://schemas.microsoft.com/office/powerpoint/2010/main" val="3847048166"/>
+      </p:ext>
+    </p:extLst>
+  </p:cSld>
+  <p:clrMapOvr>
+    <a:masterClrMapping/>
+  </p:clrMapOvr>
+  <mc:AlternateContent xmlns:mc="http://schemas.openxmlformats.org/markup-compatibility/2006" xmlns:p14="http://schemas.microsoft.com/office/powerpoint/2010/main">
+    <mc:Choice Requires="p14">
+      <p:transition spd="med" p14:dur="700">
+        <p:fade/>
+      </p:transition>
+    </mc:Choice>
+    <mc:Fallback xmlns="">
+      <p:transition spd="med">
+        <p:fade/>
+      </p:transition>
+    </mc:Fallback>
+  </mc:AlternateContent>
+</p:sld>
+</file>
+
+<file path=ppt/slides/slide11.xml><?xml version="1.0" encoding="utf-8"?>
 <p:sld xmlns:a="http://schemas.openxmlformats.org/drawingml/2006/main" xmlns:r="http://schemas.openxmlformats.org/officeDocument/2006/relationships" xmlns:p="http://schemas.openxmlformats.org/presentationml/2006/main">
   <p:cSld>
     <p:spTree>
@@ -4603,8 +4685,8 @@
           </p:txBody>
         </p:sp>
       </p:grpSp>
-      <mc:AlternateContent xmlns:mc="http://schemas.openxmlformats.org/markup-compatibility/2006">
-        <mc:Choice xmlns:a14="http://schemas.microsoft.com/office/drawing/2010/main" Requires="a14">
+      <mc:AlternateContent xmlns:mc="http://schemas.openxmlformats.org/markup-compatibility/2006" xmlns:a14="http://schemas.microsoft.com/office/drawing/2010/main">
+        <mc:Choice Requires="a14">
           <p:sp>
             <p:nvSpPr>
               <p:cNvPr id="5" name="TextBox 4">
@@ -4661,7 +4743,7 @@
                     <m:sSup>
                       <m:sSupPr>
                         <m:ctrlPr>
-                          <a:rPr lang="en-US" altLang="ko-KR" sz="2200">
+                          <a:rPr lang="en-US" altLang="ko-KR" sz="2200" i="1">
                             <a:solidFill>
                               <a:srgbClr val="072A60"/>
                             </a:solidFill>
@@ -4721,7 +4803,7 @@
                     <m:sSup>
                       <m:sSupPr>
                         <m:ctrlPr>
-                          <a:rPr lang="en-US" altLang="ko-KR" sz="2200">
+                          <a:rPr lang="en-US" altLang="ko-KR" sz="2200" i="1">
                             <a:solidFill>
                               <a:srgbClr val="072A60"/>
                             </a:solidFill>
@@ -5117,7 +5199,7 @@
                     <m:sSup>
                       <m:sSupPr>
                         <m:ctrlPr>
-                          <a:rPr lang="en-US" altLang="ko-KR" sz="2200" smtClean="0">
+                          <a:rPr lang="en-US" altLang="ko-KR" sz="2200" i="1" smtClean="0">
                             <a:solidFill>
                               <a:srgbClr val="072A60"/>
                             </a:solidFill>
@@ -5194,7 +5276,7 @@
             </p:txBody>
           </p:sp>
         </mc:Choice>
-        <mc:Fallback>
+        <mc:Fallback xmlns="">
           <p:sp>
             <p:nvSpPr>
               <p:cNvPr id="5" name="TextBox 4">
@@ -5264,124 +5346,6 @@
 </p:sld>
 </file>
 
-<file path=ppt/slides/slide11.xml><?xml version="1.0" encoding="utf-8"?>
-<p:sld xmlns:a="http://schemas.openxmlformats.org/drawingml/2006/main" xmlns:r="http://schemas.openxmlformats.org/officeDocument/2006/relationships" xmlns:p="http://schemas.openxmlformats.org/presentationml/2006/main">
-  <p:cSld>
-    <p:spTree>
-      <p:nvGrpSpPr>
-        <p:cNvPr id="1" name=""/>
-        <p:cNvGrpSpPr/>
-        <p:nvPr/>
-      </p:nvGrpSpPr>
-      <p:grpSpPr>
-        <a:xfrm>
-          <a:off x="0" y="0"/>
-          <a:ext cx="0" cy="0"/>
-          <a:chOff x="0" y="0"/>
-          <a:chExt cx="0" cy="0"/>
-        </a:xfrm>
-      </p:grpSpPr>
-      <p:sp>
-        <p:nvSpPr>
-          <p:cNvPr id="4" name="TextBox 3">
-            <a:extLst>
-              <a:ext uri="{FF2B5EF4-FFF2-40B4-BE49-F238E27FC236}">
-                <a16:creationId xmlns:a16="http://schemas.microsoft.com/office/drawing/2014/main" id="{8A05AD63-D546-1C08-A20F-2F18332B8279}"/>
-              </a:ext>
-            </a:extLst>
-          </p:cNvPr>
-          <p:cNvSpPr txBox="1"/>
-          <p:nvPr/>
-        </p:nvSpPr>
-        <p:spPr>
-          <a:xfrm>
-            <a:off x="1631504" y="764704"/>
-            <a:ext cx="10053718" cy="677108"/>
-          </a:xfrm>
-          <a:prstGeom prst="rect">
-            <a:avLst/>
-          </a:prstGeom>
-          <a:noFill/>
-        </p:spPr>
-        <p:txBody>
-          <a:bodyPr wrap="square" rtlCol="0">
-            <a:spAutoFit/>
-          </a:bodyPr>
-          <a:lstStyle/>
-          <a:p>
-            <a:r>
-              <a:rPr lang="en-US" altLang="ko-KR" sz="3800" dirty="0">
-                <a:solidFill>
-                  <a:srgbClr val="072A60"/>
-                </a:solidFill>
-                <a:latin typeface="Garamond" panose="02020404030301010803" pitchFamily="18" charset="0"/>
-              </a:rPr>
-              <a:t>Ti2CTx – Experiment Result</a:t>
-            </a:r>
-          </a:p>
-        </p:txBody>
-      </p:sp>
-      <p:pic>
-        <p:nvPicPr>
-          <p:cNvPr id="5" name="그림 4">
-            <a:extLst>
-              <a:ext uri="{FF2B5EF4-FFF2-40B4-BE49-F238E27FC236}">
-                <a16:creationId xmlns:a16="http://schemas.microsoft.com/office/drawing/2014/main" id="{87654996-BC1E-17E9-4086-E393E7268F39}"/>
-              </a:ext>
-            </a:extLst>
-          </p:cNvPr>
-          <p:cNvPicPr>
-            <a:picLocks noChangeAspect="1"/>
-          </p:cNvPicPr>
-          <p:nvPr/>
-        </p:nvPicPr>
-        <p:blipFill>
-          <a:blip r:embed="rId2">
-            <a:extLst>
-              <a:ext uri="{28A0092B-C50C-407E-A947-70E740481C1C}">
-                <a14:useLocalDpi xmlns:a14="http://schemas.microsoft.com/office/drawing/2010/main" val="0"/>
-              </a:ext>
-            </a:extLst>
-          </a:blip>
-          <a:stretch>
-            <a:fillRect/>
-          </a:stretch>
-        </p:blipFill>
-        <p:spPr>
-          <a:xfrm>
-            <a:off x="1055440" y="1556792"/>
-            <a:ext cx="6984776" cy="4742550"/>
-          </a:xfrm>
-          <a:prstGeom prst="rect">
-            <a:avLst/>
-          </a:prstGeom>
-        </p:spPr>
-      </p:pic>
-    </p:spTree>
-    <p:extLst>
-      <p:ext uri="{BB962C8B-B14F-4D97-AF65-F5344CB8AC3E}">
-        <p14:creationId xmlns:p14="http://schemas.microsoft.com/office/powerpoint/2010/main" val="3847048166"/>
-      </p:ext>
-    </p:extLst>
-  </p:cSld>
-  <p:clrMapOvr>
-    <a:masterClrMapping/>
-  </p:clrMapOvr>
-  <mc:AlternateContent xmlns:mc="http://schemas.openxmlformats.org/markup-compatibility/2006" xmlns:p14="http://schemas.microsoft.com/office/powerpoint/2010/main">
-    <mc:Choice Requires="p14">
-      <p:transition spd="med" p14:dur="700">
-        <p:fade/>
-      </p:transition>
-    </mc:Choice>
-    <mc:Fallback xmlns="">
-      <p:transition spd="med">
-        <p:fade/>
-      </p:transition>
-    </mc:Fallback>
-  </mc:AlternateContent>
-</p:sld>
-</file>
-
 <file path=ppt/slides/slide12.xml><?xml version="1.0" encoding="utf-8"?>
 <p:sld xmlns:a="http://schemas.openxmlformats.org/drawingml/2006/main" xmlns:r="http://schemas.openxmlformats.org/officeDocument/2006/relationships" xmlns:p="http://schemas.openxmlformats.org/presentationml/2006/main">
   <p:cSld>
@@ -5606,78 +5570,6 @@
           </a:p>
         </p:txBody>
       </p:sp>
-      <p:pic>
-        <p:nvPicPr>
-          <p:cNvPr id="9" name="그림 8">
-            <a:extLst>
-              <a:ext uri="{FF2B5EF4-FFF2-40B4-BE49-F238E27FC236}">
-                <a16:creationId xmlns:a16="http://schemas.microsoft.com/office/drawing/2014/main" id="{4CD0A3BD-64F1-45A5-ACC6-E3F919D6C82E}"/>
-              </a:ext>
-            </a:extLst>
-          </p:cNvPr>
-          <p:cNvPicPr>
-            <a:picLocks noChangeAspect="1"/>
-          </p:cNvPicPr>
-          <p:nvPr/>
-        </p:nvPicPr>
-        <p:blipFill>
-          <a:blip r:embed="rId3">
-            <a:extLst>
-              <a:ext uri="{28A0092B-C50C-407E-A947-70E740481C1C}">
-                <a14:useLocalDpi xmlns:a14="http://schemas.microsoft.com/office/drawing/2010/main" val="0"/>
-              </a:ext>
-            </a:extLst>
-          </a:blip>
-          <a:stretch>
-            <a:fillRect/>
-          </a:stretch>
-        </p:blipFill>
-        <p:spPr>
-          <a:xfrm>
-            <a:off x="479376" y="308463"/>
-            <a:ext cx="72008" cy="96201"/>
-          </a:xfrm>
-          <a:prstGeom prst="rect">
-            <a:avLst/>
-          </a:prstGeom>
-        </p:spPr>
-      </p:pic>
-      <p:pic>
-        <p:nvPicPr>
-          <p:cNvPr id="10" name="그림 9">
-            <a:extLst>
-              <a:ext uri="{FF2B5EF4-FFF2-40B4-BE49-F238E27FC236}">
-                <a16:creationId xmlns:a16="http://schemas.microsoft.com/office/drawing/2014/main" id="{57619BEE-8269-4915-A63E-2F8BB796D12D}"/>
-              </a:ext>
-            </a:extLst>
-          </p:cNvPr>
-          <p:cNvPicPr>
-            <a:picLocks noChangeAspect="1"/>
-          </p:cNvPicPr>
-          <p:nvPr/>
-        </p:nvPicPr>
-        <p:blipFill>
-          <a:blip r:embed="rId3">
-            <a:extLst>
-              <a:ext uri="{28A0092B-C50C-407E-A947-70E740481C1C}">
-                <a14:useLocalDpi xmlns:a14="http://schemas.microsoft.com/office/drawing/2010/main" val="0"/>
-              </a:ext>
-            </a:extLst>
-          </a:blip>
-          <a:stretch>
-            <a:fillRect/>
-          </a:stretch>
-        </p:blipFill>
-        <p:spPr>
-          <a:xfrm>
-            <a:off x="1" y="6741368"/>
-            <a:ext cx="87301" cy="116632"/>
-          </a:xfrm>
-          <a:prstGeom prst="rect">
-            <a:avLst/>
-          </a:prstGeom>
-        </p:spPr>
-      </p:pic>
       <p:sp>
         <p:nvSpPr>
           <p:cNvPr id="6" name="TextBox 5">
@@ -6427,7 +6319,7 @@
                 <a:latin typeface="나눔고딕" panose="020D0804000000000000" pitchFamily="50" charset="-127"/>
                 <a:ea typeface="나눔고딕" panose="020D0804000000000000" pitchFamily="50" charset="-127"/>
               </a:rPr>
-              <a:t>Intro</a:t>
+              <a:t>Introduction</a:t>
             </a:r>
           </a:p>
           <a:p>
@@ -8042,7 +7934,7 @@
               </a:p>
               <a:p>
                 <a:r>
-                  <a:rPr lang="en-US" altLang="ko-KR" sz="2500" i="1" dirty="0">
+                  <a:rPr lang="en-US" altLang="ko-KR" sz="2500" dirty="0">
                     <a:solidFill>
                       <a:srgbClr val="072A60"/>
                     </a:solidFill>
@@ -8290,7 +8182,7 @@
                 </a:solidFill>
                 <a:latin typeface="Garamond" panose="02020404030301010803" pitchFamily="18" charset="0"/>
               </a:rPr>
-              <a:t>Graphene Phonon Mode</a:t>
+              <a:t>Graphene Phonon Normal Mode</a:t>
             </a:r>
           </a:p>
         </p:txBody>
@@ -8367,8 +8259,8 @@
           </a:prstGeom>
         </p:spPr>
       </p:pic>
-      <mc:AlternateContent xmlns:mc="http://schemas.openxmlformats.org/markup-compatibility/2006" xmlns:a14="http://schemas.microsoft.com/office/drawing/2010/main">
-        <mc:Choice Requires="a14">
+      <mc:AlternateContent xmlns:mc="http://schemas.openxmlformats.org/markup-compatibility/2006">
+        <mc:Choice xmlns:a14="http://schemas.microsoft.com/office/drawing/2010/main" Requires="a14">
           <p:sp>
             <p:nvSpPr>
               <p:cNvPr id="9" name="TextBox 8">
@@ -8404,7 +8296,7 @@
                     </a:solidFill>
                     <a:latin typeface="Garamond" panose="02020404030301010803" pitchFamily="18" charset="0"/>
                   </a:rPr>
-                  <a:t>*</a:t>
+                  <a:t>* </a:t>
                 </a:r>
                 <a14:m>
                   <m:oMath xmlns:m="http://schemas.openxmlformats.org/officeDocument/2006/math">
@@ -8471,7 +8363,7 @@
                     </a:solidFill>
                     <a:latin typeface="Garamond" panose="02020404030301010803" pitchFamily="18" charset="0"/>
                   </a:rPr>
-                  <a:t>*</a:t>
+                  <a:t>* </a:t>
                 </a:r>
                 <a14:m>
                   <m:oMath xmlns:m="http://schemas.openxmlformats.org/officeDocument/2006/math">
@@ -8538,7 +8430,7 @@
                     </a:solidFill>
                     <a:latin typeface="Garamond" panose="02020404030301010803" pitchFamily="18" charset="0"/>
                   </a:rPr>
-                  <a:t>*</a:t>
+                  <a:t>* </a:t>
                 </a:r>
                 <a14:m>
                   <m:oMath xmlns:m="http://schemas.openxmlformats.org/officeDocument/2006/math">
@@ -8605,7 +8497,7 @@
                     </a:solidFill>
                     <a:latin typeface="Garamond" panose="02020404030301010803" pitchFamily="18" charset="0"/>
                   </a:rPr>
-                  <a:t>*</a:t>
+                  <a:t>* </a:t>
                 </a:r>
                 <a14:m>
                   <m:oMath xmlns:m="http://schemas.openxmlformats.org/officeDocument/2006/math">
@@ -8808,7 +8700,7 @@
             </p:txBody>
           </p:sp>
         </mc:Choice>
-        <mc:Fallback xmlns="">
+        <mc:Fallback>
           <p:sp>
             <p:nvSpPr>
               <p:cNvPr id="9" name="TextBox 8">
@@ -9470,6 +9362,123 @@
         </p:nvSpPr>
         <p:spPr>
           <a:xfrm>
+            <a:off x="1442882" y="772006"/>
+            <a:ext cx="10053718" cy="677108"/>
+          </a:xfrm>
+          <a:prstGeom prst="rect">
+            <a:avLst/>
+          </a:prstGeom>
+          <a:noFill/>
+        </p:spPr>
+        <p:txBody>
+          <a:bodyPr wrap="square" rtlCol="0">
+            <a:spAutoFit/>
+          </a:bodyPr>
+          <a:lstStyle/>
+          <a:p>
+            <a:r>
+              <a:rPr lang="en-US" altLang="ko-KR" sz="3800" dirty="0">
+                <a:solidFill>
+                  <a:srgbClr val="072A60"/>
+                </a:solidFill>
+                <a:latin typeface="Garamond" panose="02020404030301010803" pitchFamily="18" charset="0"/>
+              </a:rPr>
+              <a:t>GO, RGO, Graphite – Experiment result</a:t>
+            </a:r>
+          </a:p>
+        </p:txBody>
+      </p:sp>
+      <p:pic>
+        <p:nvPicPr>
+          <p:cNvPr id="11" name="그림 10">
+            <a:extLst>
+              <a:ext uri="{FF2B5EF4-FFF2-40B4-BE49-F238E27FC236}">
+                <a16:creationId xmlns:a16="http://schemas.microsoft.com/office/drawing/2014/main" id="{737BFB5F-2554-280B-814A-9ADC5785CD09}"/>
+              </a:ext>
+            </a:extLst>
+          </p:cNvPr>
+          <p:cNvPicPr>
+            <a:picLocks noChangeAspect="1"/>
+          </p:cNvPicPr>
+          <p:nvPr/>
+        </p:nvPicPr>
+        <p:blipFill rotWithShape="1">
+          <a:blip r:embed="rId2">
+            <a:extLst>
+              <a:ext uri="{28A0092B-C50C-407E-A947-70E740481C1C}">
+                <a14:useLocalDpi xmlns:a14="http://schemas.microsoft.com/office/drawing/2010/main" val="0"/>
+              </a:ext>
+            </a:extLst>
+          </a:blip>
+          <a:srcRect l="2430" b="3626"/>
+          <a:stretch/>
+        </p:blipFill>
+        <p:spPr>
+          <a:xfrm>
+            <a:off x="1055440" y="1628800"/>
+            <a:ext cx="6885366" cy="4680520"/>
+          </a:xfrm>
+          <a:prstGeom prst="rect">
+            <a:avLst/>
+          </a:prstGeom>
+        </p:spPr>
+      </p:pic>
+    </p:spTree>
+    <p:extLst>
+      <p:ext uri="{BB962C8B-B14F-4D97-AF65-F5344CB8AC3E}">
+        <p14:creationId xmlns:p14="http://schemas.microsoft.com/office/powerpoint/2010/main" val="4039343015"/>
+      </p:ext>
+    </p:extLst>
+  </p:cSld>
+  <p:clrMapOvr>
+    <a:masterClrMapping/>
+  </p:clrMapOvr>
+  <mc:AlternateContent xmlns:mc="http://schemas.openxmlformats.org/markup-compatibility/2006" xmlns:p14="http://schemas.microsoft.com/office/powerpoint/2010/main">
+    <mc:Choice Requires="p14">
+      <p:transition spd="med" p14:dur="700">
+        <p:fade/>
+      </p:transition>
+    </mc:Choice>
+    <mc:Fallback xmlns="">
+      <p:transition spd="med">
+        <p:fade/>
+      </p:transition>
+    </mc:Fallback>
+  </mc:AlternateContent>
+</p:sld>
+</file>
+
+<file path=ppt/slides/slide9.xml><?xml version="1.0" encoding="utf-8"?>
+<p:sld xmlns:a="http://schemas.openxmlformats.org/drawingml/2006/main" xmlns:r="http://schemas.openxmlformats.org/officeDocument/2006/relationships" xmlns:p="http://schemas.openxmlformats.org/presentationml/2006/main">
+  <p:cSld>
+    <p:spTree>
+      <p:nvGrpSpPr>
+        <p:cNvPr id="1" name=""/>
+        <p:cNvGrpSpPr/>
+        <p:nvPr/>
+      </p:nvGrpSpPr>
+      <p:grpSpPr>
+        <a:xfrm>
+          <a:off x="0" y="0"/>
+          <a:ext cx="0" cy="0"/>
+          <a:chOff x="0" y="0"/>
+          <a:chExt cx="0" cy="0"/>
+        </a:xfrm>
+      </p:grpSpPr>
+      <p:sp>
+        <p:nvSpPr>
+          <p:cNvPr id="2" name="TextBox 1">
+            <a:extLst>
+              <a:ext uri="{FF2B5EF4-FFF2-40B4-BE49-F238E27FC236}">
+                <a16:creationId xmlns:a16="http://schemas.microsoft.com/office/drawing/2014/main" id="{1A0E440C-C7C9-48AA-EDF9-CAE74E276BA6}"/>
+              </a:ext>
+            </a:extLst>
+          </p:cNvPr>
+          <p:cNvSpPr txBox="1"/>
+          <p:nvPr/>
+        </p:nvSpPr>
+        <p:spPr>
+          <a:xfrm>
             <a:off x="1487488" y="764704"/>
             <a:ext cx="10053718" cy="707886"/>
           </a:xfrm>
@@ -9686,123 +9695,6 @@
     <p:extLst>
       <p:ext uri="{BB962C8B-B14F-4D97-AF65-F5344CB8AC3E}">
         <p14:creationId xmlns:p14="http://schemas.microsoft.com/office/powerpoint/2010/main" val="3747576333"/>
-      </p:ext>
-    </p:extLst>
-  </p:cSld>
-  <p:clrMapOvr>
-    <a:masterClrMapping/>
-  </p:clrMapOvr>
-  <mc:AlternateContent xmlns:mc="http://schemas.openxmlformats.org/markup-compatibility/2006" xmlns:p14="http://schemas.microsoft.com/office/powerpoint/2010/main">
-    <mc:Choice Requires="p14">
-      <p:transition spd="med" p14:dur="700">
-        <p:fade/>
-      </p:transition>
-    </mc:Choice>
-    <mc:Fallback xmlns="">
-      <p:transition spd="med">
-        <p:fade/>
-      </p:transition>
-    </mc:Fallback>
-  </mc:AlternateContent>
-</p:sld>
-</file>
-
-<file path=ppt/slides/slide9.xml><?xml version="1.0" encoding="utf-8"?>
-<p:sld xmlns:a="http://schemas.openxmlformats.org/drawingml/2006/main" xmlns:r="http://schemas.openxmlformats.org/officeDocument/2006/relationships" xmlns:p="http://schemas.openxmlformats.org/presentationml/2006/main">
-  <p:cSld>
-    <p:spTree>
-      <p:nvGrpSpPr>
-        <p:cNvPr id="1" name=""/>
-        <p:cNvGrpSpPr/>
-        <p:nvPr/>
-      </p:nvGrpSpPr>
-      <p:grpSpPr>
-        <a:xfrm>
-          <a:off x="0" y="0"/>
-          <a:ext cx="0" cy="0"/>
-          <a:chOff x="0" y="0"/>
-          <a:chExt cx="0" cy="0"/>
-        </a:xfrm>
-      </p:grpSpPr>
-      <p:sp>
-        <p:nvSpPr>
-          <p:cNvPr id="2" name="TextBox 1">
-            <a:extLst>
-              <a:ext uri="{FF2B5EF4-FFF2-40B4-BE49-F238E27FC236}">
-                <a16:creationId xmlns:a16="http://schemas.microsoft.com/office/drawing/2014/main" id="{1A0E440C-C7C9-48AA-EDF9-CAE74E276BA6}"/>
-              </a:ext>
-            </a:extLst>
-          </p:cNvPr>
-          <p:cNvSpPr txBox="1"/>
-          <p:nvPr/>
-        </p:nvSpPr>
-        <p:spPr>
-          <a:xfrm>
-            <a:off x="1442882" y="772006"/>
-            <a:ext cx="10053718" cy="677108"/>
-          </a:xfrm>
-          <a:prstGeom prst="rect">
-            <a:avLst/>
-          </a:prstGeom>
-          <a:noFill/>
-        </p:spPr>
-        <p:txBody>
-          <a:bodyPr wrap="square" rtlCol="0">
-            <a:spAutoFit/>
-          </a:bodyPr>
-          <a:lstStyle/>
-          <a:p>
-            <a:r>
-              <a:rPr lang="en-US" altLang="ko-KR" sz="3800" dirty="0">
-                <a:solidFill>
-                  <a:srgbClr val="072A60"/>
-                </a:solidFill>
-                <a:latin typeface="Garamond" panose="02020404030301010803" pitchFamily="18" charset="0"/>
-              </a:rPr>
-              <a:t>GO, RGO, Graphite – Experiment result</a:t>
-            </a:r>
-          </a:p>
-        </p:txBody>
-      </p:sp>
-      <p:pic>
-        <p:nvPicPr>
-          <p:cNvPr id="11" name="그림 10">
-            <a:extLst>
-              <a:ext uri="{FF2B5EF4-FFF2-40B4-BE49-F238E27FC236}">
-                <a16:creationId xmlns:a16="http://schemas.microsoft.com/office/drawing/2014/main" id="{737BFB5F-2554-280B-814A-9ADC5785CD09}"/>
-              </a:ext>
-            </a:extLst>
-          </p:cNvPr>
-          <p:cNvPicPr>
-            <a:picLocks noChangeAspect="1"/>
-          </p:cNvPicPr>
-          <p:nvPr/>
-        </p:nvPicPr>
-        <p:blipFill rotWithShape="1">
-          <a:blip r:embed="rId2">
-            <a:extLst>
-              <a:ext uri="{28A0092B-C50C-407E-A947-70E740481C1C}">
-                <a14:useLocalDpi xmlns:a14="http://schemas.microsoft.com/office/drawing/2010/main" val="0"/>
-              </a:ext>
-            </a:extLst>
-          </a:blip>
-          <a:srcRect l="2430" b="3626"/>
-          <a:stretch/>
-        </p:blipFill>
-        <p:spPr>
-          <a:xfrm>
-            <a:off x="1055440" y="1628800"/>
-            <a:ext cx="6885366" cy="4680520"/>
-          </a:xfrm>
-          <a:prstGeom prst="rect">
-            <a:avLst/>
-          </a:prstGeom>
-        </p:spPr>
-      </p:pic>
-    </p:spTree>
-    <p:extLst>
-      <p:ext uri="{BB962C8B-B14F-4D97-AF65-F5344CB8AC3E}">
-        <p14:creationId xmlns:p14="http://schemas.microsoft.com/office/powerpoint/2010/main" val="4039343015"/>
       </p:ext>
     </p:extLst>
   </p:cSld>

--- a/Raman_Final Presentation.pptx
+++ b/Raman_Final Presentation.pptx
@@ -5,7 +5,7 @@
     <p:sldMasterId id="2147483660" r:id="rId1"/>
   </p:sldMasterIdLst>
   <p:notesMasterIdLst>
-    <p:notesMasterId r:id="rId17"/>
+    <p:notesMasterId r:id="rId19"/>
   </p:notesMasterIdLst>
   <p:sldIdLst>
     <p:sldId id="279" r:id="rId2"/>
@@ -15,14 +15,16 @@
     <p:sldId id="313" r:id="rId6"/>
     <p:sldId id="332" r:id="rId7"/>
     <p:sldId id="329" r:id="rId8"/>
-    <p:sldId id="319" r:id="rId9"/>
-    <p:sldId id="330" r:id="rId10"/>
-    <p:sldId id="331" r:id="rId11"/>
-    <p:sldId id="320" r:id="rId12"/>
-    <p:sldId id="321" r:id="rId13"/>
-    <p:sldId id="327" r:id="rId14"/>
-    <p:sldId id="293" r:id="rId15"/>
-    <p:sldId id="278" r:id="rId16"/>
+    <p:sldId id="335" r:id="rId9"/>
+    <p:sldId id="319" r:id="rId10"/>
+    <p:sldId id="330" r:id="rId11"/>
+    <p:sldId id="331" r:id="rId12"/>
+    <p:sldId id="320" r:id="rId13"/>
+    <p:sldId id="333" r:id="rId14"/>
+    <p:sldId id="334" r:id="rId15"/>
+    <p:sldId id="327" r:id="rId16"/>
+    <p:sldId id="293" r:id="rId17"/>
+    <p:sldId id="278" r:id="rId18"/>
   </p:sldIdLst>
   <p:sldSz cx="12192000" cy="6858000"/>
   <p:notesSz cx="6858000" cy="9144000"/>
@@ -891,7 +893,7 @@
           <a:bodyPr/>
           <a:lstStyle/>
           <a:p>
-            <a:endParaRPr lang="en-US" altLang="ko-KR" dirty="0"/>
+            <a:endParaRPr lang="ko-KR" altLang="en-US" dirty="0"/>
           </a:p>
         </p:txBody>
       </p:sp>
@@ -912,7 +914,91 @@
           <a:p>
             <a:fld id="{46FAD282-DBE7-4289-AE62-AD15ECAF802B}" type="slidenum">
               <a:rPr lang="ko-KR" altLang="en-US" smtClean="0"/>
-              <a:t>14</a:t>
+              <a:t>8</a:t>
+            </a:fld>
+            <a:endParaRPr lang="ko-KR" altLang="en-US"/>
+          </a:p>
+        </p:txBody>
+      </p:sp>
+    </p:spTree>
+    <p:extLst>
+      <p:ext uri="{BB962C8B-B14F-4D97-AF65-F5344CB8AC3E}">
+        <p14:creationId xmlns:p14="http://schemas.microsoft.com/office/powerpoint/2010/main" val="4184857750"/>
+      </p:ext>
+    </p:extLst>
+  </p:cSld>
+  <p:clrMapOvr>
+    <a:masterClrMapping/>
+  </p:clrMapOvr>
+</p:notes>
+</file>
+
+<file path=ppt/notesSlides/notesSlide6.xml><?xml version="1.0" encoding="utf-8"?>
+<p:notes xmlns:a="http://schemas.openxmlformats.org/drawingml/2006/main" xmlns:r="http://schemas.openxmlformats.org/officeDocument/2006/relationships" xmlns:p="http://schemas.openxmlformats.org/presentationml/2006/main">
+  <p:cSld>
+    <p:spTree>
+      <p:nvGrpSpPr>
+        <p:cNvPr id="1" name=""/>
+        <p:cNvGrpSpPr/>
+        <p:nvPr/>
+      </p:nvGrpSpPr>
+      <p:grpSpPr>
+        <a:xfrm>
+          <a:off x="0" y="0"/>
+          <a:ext cx="0" cy="0"/>
+          <a:chOff x="0" y="0"/>
+          <a:chExt cx="0" cy="0"/>
+        </a:xfrm>
+      </p:grpSpPr>
+      <p:sp>
+        <p:nvSpPr>
+          <p:cNvPr id="2" name="슬라이드 이미지 개체 틀 1"/>
+          <p:cNvSpPr>
+            <a:spLocks noGrp="1" noRot="1" noChangeAspect="1"/>
+          </p:cNvSpPr>
+          <p:nvPr>
+            <p:ph type="sldImg"/>
+          </p:nvPr>
+        </p:nvSpPr>
+        <p:spPr/>
+      </p:sp>
+      <p:sp>
+        <p:nvSpPr>
+          <p:cNvPr id="3" name="슬라이드 노트 개체 틀 2"/>
+          <p:cNvSpPr>
+            <a:spLocks noGrp="1"/>
+          </p:cNvSpPr>
+          <p:nvPr>
+            <p:ph type="body" idx="1"/>
+          </p:nvPr>
+        </p:nvSpPr>
+        <p:spPr/>
+        <p:txBody>
+          <a:bodyPr/>
+          <a:lstStyle/>
+          <a:p>
+            <a:endParaRPr lang="en-US" altLang="ko-KR" dirty="0"/>
+          </a:p>
+        </p:txBody>
+      </p:sp>
+      <p:sp>
+        <p:nvSpPr>
+          <p:cNvPr id="4" name="슬라이드 번호 개체 틀 3"/>
+          <p:cNvSpPr>
+            <a:spLocks noGrp="1"/>
+          </p:cNvSpPr>
+          <p:nvPr>
+            <p:ph type="sldNum" sz="quarter" idx="5"/>
+          </p:nvPr>
+        </p:nvSpPr>
+        <p:spPr/>
+        <p:txBody>
+          <a:bodyPr/>
+          <a:lstStyle/>
+          <a:p>
+            <a:fld id="{46FAD282-DBE7-4289-AE62-AD15ECAF802B}" type="slidenum">
+              <a:rPr lang="ko-KR" altLang="en-US" smtClean="0"/>
+              <a:t>16</a:t>
             </a:fld>
             <a:endParaRPr lang="ko-KR" altLang="en-US"/>
           </a:p>
@@ -4262,6 +4348,274 @@
       </p:grpSpPr>
       <p:sp>
         <p:nvSpPr>
+          <p:cNvPr id="2" name="TextBox 1">
+            <a:extLst>
+              <a:ext uri="{FF2B5EF4-FFF2-40B4-BE49-F238E27FC236}">
+                <a16:creationId xmlns:a16="http://schemas.microsoft.com/office/drawing/2014/main" id="{1A0E440C-C7C9-48AA-EDF9-CAE74E276BA6}"/>
+              </a:ext>
+            </a:extLst>
+          </p:cNvPr>
+          <p:cNvSpPr txBox="1"/>
+          <p:nvPr/>
+        </p:nvSpPr>
+        <p:spPr>
+          <a:xfrm>
+            <a:off x="1487488" y="764704"/>
+            <a:ext cx="10053718" cy="707886"/>
+          </a:xfrm>
+          <a:prstGeom prst="rect">
+            <a:avLst/>
+          </a:prstGeom>
+          <a:noFill/>
+        </p:spPr>
+        <p:txBody>
+          <a:bodyPr wrap="square" rtlCol="0">
+            <a:spAutoFit/>
+          </a:bodyPr>
+          <a:lstStyle/>
+          <a:p>
+            <a:r>
+              <a:rPr lang="en-US" altLang="ko-KR" sz="4000" dirty="0">
+                <a:solidFill>
+                  <a:srgbClr val="072A60"/>
+                </a:solidFill>
+                <a:latin typeface="Garamond" panose="02020404030301010803" pitchFamily="18" charset="0"/>
+              </a:rPr>
+              <a:t>GO, RGO, Graphite</a:t>
+            </a:r>
+          </a:p>
+        </p:txBody>
+      </p:sp>
+      <p:pic>
+        <p:nvPicPr>
+          <p:cNvPr id="4" name="그림 3">
+            <a:extLst>
+              <a:ext uri="{FF2B5EF4-FFF2-40B4-BE49-F238E27FC236}">
+                <a16:creationId xmlns:a16="http://schemas.microsoft.com/office/drawing/2014/main" id="{93676ACD-5BED-7194-D83C-396BC4D0F3B3}"/>
+              </a:ext>
+            </a:extLst>
+          </p:cNvPr>
+          <p:cNvPicPr>
+            <a:picLocks noChangeAspect="1"/>
+          </p:cNvPicPr>
+          <p:nvPr/>
+        </p:nvPicPr>
+        <p:blipFill>
+          <a:blip r:embed="rId2"/>
+          <a:stretch>
+            <a:fillRect/>
+          </a:stretch>
+        </p:blipFill>
+        <p:spPr>
+          <a:xfrm>
+            <a:off x="551384" y="1700808"/>
+            <a:ext cx="5040560" cy="3889163"/>
+          </a:xfrm>
+          <a:prstGeom prst="rect">
+            <a:avLst/>
+          </a:prstGeom>
+        </p:spPr>
+      </p:pic>
+      <p:pic>
+        <p:nvPicPr>
+          <p:cNvPr id="6" name="그림 5">
+            <a:extLst>
+              <a:ext uri="{FF2B5EF4-FFF2-40B4-BE49-F238E27FC236}">
+                <a16:creationId xmlns:a16="http://schemas.microsoft.com/office/drawing/2014/main" id="{364B2754-9BB4-2A5A-7B1A-5E9E34DB0D0F}"/>
+              </a:ext>
+            </a:extLst>
+          </p:cNvPr>
+          <p:cNvPicPr>
+            <a:picLocks noChangeAspect="1"/>
+          </p:cNvPicPr>
+          <p:nvPr/>
+        </p:nvPicPr>
+        <p:blipFill>
+          <a:blip r:embed="rId3"/>
+          <a:stretch>
+            <a:fillRect/>
+          </a:stretch>
+        </p:blipFill>
+        <p:spPr>
+          <a:xfrm>
+            <a:off x="6240016" y="1700808"/>
+            <a:ext cx="4824536" cy="4097026"/>
+          </a:xfrm>
+          <a:prstGeom prst="rect">
+            <a:avLst/>
+          </a:prstGeom>
+        </p:spPr>
+      </p:pic>
+      <p:cxnSp>
+        <p:nvCxnSpPr>
+          <p:cNvPr id="8" name="직선 연결선 7">
+            <a:extLst>
+              <a:ext uri="{FF2B5EF4-FFF2-40B4-BE49-F238E27FC236}">
+                <a16:creationId xmlns:a16="http://schemas.microsoft.com/office/drawing/2014/main" id="{5F6D4ACA-8FAA-6B64-4900-9E60DFA4B009}"/>
+              </a:ext>
+            </a:extLst>
+          </p:cNvPr>
+          <p:cNvCxnSpPr/>
+          <p:nvPr/>
+        </p:nvCxnSpPr>
+        <p:spPr>
+          <a:xfrm>
+            <a:off x="2423592" y="1916832"/>
+            <a:ext cx="0" cy="3240360"/>
+          </a:xfrm>
+          <a:prstGeom prst="line">
+            <a:avLst/>
+          </a:prstGeom>
+          <a:ln w="12700">
+            <a:solidFill>
+              <a:srgbClr val="FF0000"/>
+            </a:solidFill>
+            <a:prstDash val="dash"/>
+          </a:ln>
+        </p:spPr>
+        <p:style>
+          <a:lnRef idx="1">
+            <a:schemeClr val="accent1"/>
+          </a:lnRef>
+          <a:fillRef idx="0">
+            <a:schemeClr val="accent1"/>
+          </a:fillRef>
+          <a:effectRef idx="0">
+            <a:schemeClr val="accent1"/>
+          </a:effectRef>
+          <a:fontRef idx="minor">
+            <a:schemeClr val="tx1"/>
+          </a:fontRef>
+        </p:style>
+      </p:cxnSp>
+      <p:cxnSp>
+        <p:nvCxnSpPr>
+          <p:cNvPr id="9" name="직선 연결선 8">
+            <a:extLst>
+              <a:ext uri="{FF2B5EF4-FFF2-40B4-BE49-F238E27FC236}">
+                <a16:creationId xmlns:a16="http://schemas.microsoft.com/office/drawing/2014/main" id="{24EB14D7-2706-0C8C-4949-DE47303CB446}"/>
+              </a:ext>
+            </a:extLst>
+          </p:cNvPr>
+          <p:cNvCxnSpPr/>
+          <p:nvPr/>
+        </p:nvCxnSpPr>
+        <p:spPr>
+          <a:xfrm>
+            <a:off x="2783632" y="1916832"/>
+            <a:ext cx="0" cy="3240360"/>
+          </a:xfrm>
+          <a:prstGeom prst="line">
+            <a:avLst/>
+          </a:prstGeom>
+          <a:ln w="12700">
+            <a:solidFill>
+              <a:srgbClr val="FF0000"/>
+            </a:solidFill>
+            <a:prstDash val="dash"/>
+          </a:ln>
+        </p:spPr>
+        <p:style>
+          <a:lnRef idx="1">
+            <a:schemeClr val="accent1"/>
+          </a:lnRef>
+          <a:fillRef idx="0">
+            <a:schemeClr val="accent1"/>
+          </a:fillRef>
+          <a:effectRef idx="0">
+            <a:schemeClr val="accent1"/>
+          </a:effectRef>
+          <a:fontRef idx="minor">
+            <a:schemeClr val="tx1"/>
+          </a:fontRef>
+        </p:style>
+      </p:cxnSp>
+      <p:cxnSp>
+        <p:nvCxnSpPr>
+          <p:cNvPr id="10" name="직선 연결선 9">
+            <a:extLst>
+              <a:ext uri="{FF2B5EF4-FFF2-40B4-BE49-F238E27FC236}">
+                <a16:creationId xmlns:a16="http://schemas.microsoft.com/office/drawing/2014/main" id="{E8432B5D-5FD5-6279-1921-0EE05AEB1B86}"/>
+              </a:ext>
+            </a:extLst>
+          </p:cNvPr>
+          <p:cNvCxnSpPr/>
+          <p:nvPr/>
+        </p:nvCxnSpPr>
+        <p:spPr>
+          <a:xfrm>
+            <a:off x="4223792" y="1916832"/>
+            <a:ext cx="0" cy="3240360"/>
+          </a:xfrm>
+          <a:prstGeom prst="line">
+            <a:avLst/>
+          </a:prstGeom>
+          <a:ln w="12700">
+            <a:solidFill>
+              <a:srgbClr val="FF0000"/>
+            </a:solidFill>
+            <a:prstDash val="dash"/>
+          </a:ln>
+        </p:spPr>
+        <p:style>
+          <a:lnRef idx="1">
+            <a:schemeClr val="accent1"/>
+          </a:lnRef>
+          <a:fillRef idx="0">
+            <a:schemeClr val="accent1"/>
+          </a:fillRef>
+          <a:effectRef idx="0">
+            <a:schemeClr val="accent1"/>
+          </a:effectRef>
+          <a:fontRef idx="minor">
+            <a:schemeClr val="tx1"/>
+          </a:fontRef>
+        </p:style>
+      </p:cxnSp>
+    </p:spTree>
+    <p:extLst>
+      <p:ext uri="{BB962C8B-B14F-4D97-AF65-F5344CB8AC3E}">
+        <p14:creationId xmlns:p14="http://schemas.microsoft.com/office/powerpoint/2010/main" val="3747576333"/>
+      </p:ext>
+    </p:extLst>
+  </p:cSld>
+  <p:clrMapOvr>
+    <a:masterClrMapping/>
+  </p:clrMapOvr>
+  <mc:AlternateContent xmlns:mc="http://schemas.openxmlformats.org/markup-compatibility/2006" xmlns:p14="http://schemas.microsoft.com/office/powerpoint/2010/main">
+    <mc:Choice Requires="p14">
+      <p:transition spd="med" p14:dur="700">
+        <p:fade/>
+      </p:transition>
+    </mc:Choice>
+    <mc:Fallback xmlns="">
+      <p:transition spd="med">
+        <p:fade/>
+      </p:transition>
+    </mc:Fallback>
+  </mc:AlternateContent>
+</p:sld>
+</file>
+
+<file path=ppt/slides/slide11.xml><?xml version="1.0" encoding="utf-8"?>
+<p:sld xmlns:a="http://schemas.openxmlformats.org/drawingml/2006/main" xmlns:r="http://schemas.openxmlformats.org/officeDocument/2006/relationships" xmlns:p="http://schemas.openxmlformats.org/presentationml/2006/main">
+  <p:cSld>
+    <p:spTree>
+      <p:nvGrpSpPr>
+        <p:cNvPr id="1" name=""/>
+        <p:cNvGrpSpPr/>
+        <p:nvPr/>
+      </p:nvGrpSpPr>
+      <p:grpSpPr>
+        <a:xfrm>
+          <a:off x="0" y="0"/>
+          <a:ext cx="0" cy="0"/>
+          <a:chOff x="0" y="0"/>
+          <a:chExt cx="0" cy="0"/>
+        </a:xfrm>
+      </p:grpSpPr>
+      <p:sp>
+        <p:nvSpPr>
           <p:cNvPr id="4" name="TextBox 3">
             <a:extLst>
               <a:ext uri="{FF2B5EF4-FFF2-40B4-BE49-F238E27FC236}">
@@ -4328,8 +4682,8 @@
         </p:blipFill>
         <p:spPr>
           <a:xfrm>
-            <a:off x="1055440" y="1556792"/>
-            <a:ext cx="6984776" cy="4742550"/>
+            <a:off x="2190278" y="1441812"/>
+            <a:ext cx="7811444" cy="5303844"/>
           </a:xfrm>
           <a:prstGeom prst="rect">
             <a:avLst/>
@@ -4361,7 +4715,7 @@
 </p:sld>
 </file>
 
-<file path=ppt/slides/slide11.xml><?xml version="1.0" encoding="utf-8"?>
+<file path=ppt/slides/slide12.xml><?xml version="1.0" encoding="utf-8"?>
 <p:sld xmlns:a="http://schemas.openxmlformats.org/drawingml/2006/main" xmlns:r="http://schemas.openxmlformats.org/officeDocument/2006/relationships" xmlns:p="http://schemas.openxmlformats.org/presentationml/2006/main">
   <p:cSld>
     <p:spTree>
@@ -5346,7 +5700,7 @@
 </p:sld>
 </file>
 
-<file path=ppt/slides/slide12.xml><?xml version="1.0" encoding="utf-8"?>
+<file path=ppt/slides/slide13.xml><?xml version="1.0" encoding="utf-8"?>
 <p:sld xmlns:a="http://schemas.openxmlformats.org/drawingml/2006/main" xmlns:r="http://schemas.openxmlformats.org/officeDocument/2006/relationships" xmlns:p="http://schemas.openxmlformats.org/presentationml/2006/main">
   <p:cSld>
     <p:spTree>
@@ -5398,15 +5752,492 @@
                 </a:solidFill>
                 <a:latin typeface="Garamond" panose="02020404030301010803" pitchFamily="18" charset="0"/>
               </a:rPr>
-              <a:t>Raman Spectrum</a:t>
+              <a:t>Defects</a:t>
             </a:r>
           </a:p>
         </p:txBody>
       </p:sp>
+      <p:sp>
+        <p:nvSpPr>
+          <p:cNvPr id="3" name="TextBox 2">
+            <a:extLst>
+              <a:ext uri="{FF2B5EF4-FFF2-40B4-BE49-F238E27FC236}">
+                <a16:creationId xmlns:a16="http://schemas.microsoft.com/office/drawing/2014/main" id="{45B7D7B8-B942-B7BD-889E-0345DD8B6C0D}"/>
+              </a:ext>
+            </a:extLst>
+          </p:cNvPr>
+          <p:cNvSpPr txBox="1"/>
+          <p:nvPr/>
+        </p:nvSpPr>
+        <p:spPr>
+          <a:xfrm>
+            <a:off x="706620" y="1479892"/>
+            <a:ext cx="7200800" cy="892552"/>
+          </a:xfrm>
+          <a:prstGeom prst="rect">
+            <a:avLst/>
+          </a:prstGeom>
+          <a:noFill/>
+        </p:spPr>
+        <p:txBody>
+          <a:bodyPr wrap="square">
+            <a:spAutoFit/>
+          </a:bodyPr>
+          <a:lstStyle/>
+          <a:p>
+            <a:r>
+              <a:rPr lang="en-US" altLang="ko-KR" sz="2800" dirty="0">
+                <a:solidFill>
+                  <a:srgbClr val="072A60"/>
+                </a:solidFill>
+                <a:latin typeface="Garamond" panose="02020404030301010803" pitchFamily="18" charset="0"/>
+              </a:rPr>
+              <a:t>(Crystallographic) Defects are…</a:t>
+            </a:r>
+          </a:p>
+          <a:p>
+            <a:r>
+              <a:rPr lang="en-US" altLang="ko-KR" sz="2400" dirty="0">
+                <a:solidFill>
+                  <a:srgbClr val="072A60"/>
+                </a:solidFill>
+                <a:latin typeface="Garamond" panose="02020404030301010803" pitchFamily="18" charset="0"/>
+              </a:rPr>
+              <a:t>all the interruptions of regular patterns in crystalline solids.</a:t>
+            </a:r>
+          </a:p>
+        </p:txBody>
+      </p:sp>
+      <p:pic>
+        <p:nvPicPr>
+          <p:cNvPr id="5" name="그림 4">
+            <a:extLst>
+              <a:ext uri="{FF2B5EF4-FFF2-40B4-BE49-F238E27FC236}">
+                <a16:creationId xmlns:a16="http://schemas.microsoft.com/office/drawing/2014/main" id="{5E60F61B-9BF3-9A88-1F3C-DB52F8D965F8}"/>
+              </a:ext>
+            </a:extLst>
+          </p:cNvPr>
+          <p:cNvPicPr>
+            <a:picLocks noChangeAspect="1"/>
+          </p:cNvPicPr>
+          <p:nvPr/>
+        </p:nvPicPr>
+        <p:blipFill>
+          <a:blip r:embed="rId2"/>
+          <a:stretch>
+            <a:fillRect/>
+          </a:stretch>
+        </p:blipFill>
+        <p:spPr>
+          <a:xfrm>
+            <a:off x="8116170" y="772450"/>
+            <a:ext cx="3160460" cy="5678002"/>
+          </a:xfrm>
+          <a:prstGeom prst="rect">
+            <a:avLst/>
+          </a:prstGeom>
+        </p:spPr>
+      </p:pic>
+      <mc:AlternateContent xmlns:mc="http://schemas.openxmlformats.org/markup-compatibility/2006">
+        <mc:Choice xmlns:a14="http://schemas.microsoft.com/office/drawing/2010/main" Requires="a14">
+          <p:sp>
+            <p:nvSpPr>
+              <p:cNvPr id="6" name="TextBox 5">
+                <a:extLst>
+                  <a:ext uri="{FF2B5EF4-FFF2-40B4-BE49-F238E27FC236}">
+                    <a16:creationId xmlns:a16="http://schemas.microsoft.com/office/drawing/2014/main" id="{9A294FDC-C831-FD8C-74FC-FF54AF2DB902}"/>
+                  </a:ext>
+                </a:extLst>
+              </p:cNvPr>
+              <p:cNvSpPr txBox="1"/>
+              <p:nvPr/>
+            </p:nvSpPr>
+            <p:spPr>
+              <a:xfrm>
+                <a:off x="695400" y="2420775"/>
+                <a:ext cx="7200800" cy="1569660"/>
+              </a:xfrm>
+              <a:prstGeom prst="rect">
+                <a:avLst/>
+              </a:prstGeom>
+              <a:noFill/>
+            </p:spPr>
+            <p:txBody>
+              <a:bodyPr wrap="square">
+                <a:spAutoFit/>
+              </a:bodyPr>
+              <a:lstStyle/>
+              <a:p>
+                <a:pPr algn="just"/>
+                <a:r>
+                  <a:rPr lang="en-US" altLang="ko-KR" sz="2400" dirty="0">
+                    <a:solidFill>
+                      <a:srgbClr val="072A60"/>
+                    </a:solidFill>
+                    <a:latin typeface="Garamond" panose="02020404030301010803" pitchFamily="18" charset="0"/>
+                  </a:rPr>
+                  <a:t>In this experiment, defects occur due to extensive oxidation and due to the restoration of </a:t>
+                </a:r>
+                <a14:m>
+                  <m:oMath xmlns:m="http://schemas.openxmlformats.org/officeDocument/2006/math">
+                    <m:sSup>
+                      <m:sSupPr>
+                        <m:ctrlPr>
+                          <a:rPr lang="en-US" altLang="ko-KR" sz="2400" i="1" smtClean="0">
+                            <a:solidFill>
+                              <a:srgbClr val="072A60"/>
+                            </a:solidFill>
+                            <a:latin typeface="Cambria Math" panose="02040503050406030204" pitchFamily="18" charset="0"/>
+                          </a:rPr>
+                        </m:ctrlPr>
+                      </m:sSupPr>
+                      <m:e>
+                        <m:r>
+                          <a:rPr lang="en-US" altLang="ko-KR" sz="2400" b="0" i="1" smtClean="0">
+                            <a:solidFill>
+                              <a:srgbClr val="072A60"/>
+                            </a:solidFill>
+                            <a:latin typeface="Cambria Math" panose="02040503050406030204" pitchFamily="18" charset="0"/>
+                          </a:rPr>
+                          <m:t>𝑠𝑝</m:t>
+                        </m:r>
+                      </m:e>
+                      <m:sup>
+                        <m:r>
+                          <a:rPr lang="en-US" altLang="ko-KR" sz="2400" b="0" i="1" smtClean="0">
+                            <a:solidFill>
+                              <a:srgbClr val="072A60"/>
+                            </a:solidFill>
+                            <a:latin typeface="Cambria Math" panose="02040503050406030204" pitchFamily="18" charset="0"/>
+                          </a:rPr>
+                          <m:t>2</m:t>
+                        </m:r>
+                      </m:sup>
+                    </m:sSup>
+                  </m:oMath>
+                </a14:m>
+                <a:r>
+                  <a:rPr lang="en-US" altLang="ko-KR" sz="2400" dirty="0">
+                    <a:solidFill>
+                      <a:srgbClr val="072A60"/>
+                    </a:solidFill>
+                    <a:latin typeface="Garamond" panose="02020404030301010803" pitchFamily="18" charset="0"/>
+                  </a:rPr>
+                  <a:t> structure. The observable results in the Raman spectroscopy of GR, GO, RGO caused by defects are …</a:t>
+                </a:r>
+              </a:p>
+            </p:txBody>
+          </p:sp>
+        </mc:Choice>
+        <mc:Fallback>
+          <p:sp>
+            <p:nvSpPr>
+              <p:cNvPr id="6" name="TextBox 5">
+                <a:extLst>
+                  <a:ext uri="{FF2B5EF4-FFF2-40B4-BE49-F238E27FC236}">
+                    <a16:creationId xmlns:a16="http://schemas.microsoft.com/office/drawing/2014/main" id="{9A294FDC-C831-FD8C-74FC-FF54AF2DB902}"/>
+                  </a:ext>
+                </a:extLst>
+              </p:cNvPr>
+              <p:cNvSpPr txBox="1">
+                <a:spLocks noRot="1" noChangeAspect="1" noMove="1" noResize="1" noEditPoints="1" noAdjustHandles="1" noChangeArrowheads="1" noChangeShapeType="1" noTextEdit="1"/>
+              </p:cNvSpPr>
+              <p:nvPr/>
+            </p:nvSpPr>
+            <p:spPr>
+              <a:xfrm>
+                <a:off x="695400" y="2420775"/>
+                <a:ext cx="7200800" cy="1569660"/>
+              </a:xfrm>
+              <a:prstGeom prst="rect">
+                <a:avLst/>
+              </a:prstGeom>
+              <a:blipFill>
+                <a:blip r:embed="rId3"/>
+                <a:stretch>
+                  <a:fillRect l="-1270" t="-3101" r="-1355" b="-7752"/>
+                </a:stretch>
+              </a:blipFill>
+            </p:spPr>
+            <p:txBody>
+              <a:bodyPr/>
+              <a:lstStyle/>
+              <a:p>
+                <a:r>
+                  <a:rPr lang="ko-KR" altLang="en-US">
+                    <a:noFill/>
+                  </a:rPr>
+                  <a:t> </a:t>
+                </a:r>
+              </a:p>
+            </p:txBody>
+          </p:sp>
+        </mc:Fallback>
+      </mc:AlternateContent>
+      <mc:AlternateContent xmlns:mc="http://schemas.openxmlformats.org/markup-compatibility/2006">
+        <mc:Choice xmlns:a14="http://schemas.microsoft.com/office/drawing/2010/main" Requires="a14">
+          <p:sp>
+            <p:nvSpPr>
+              <p:cNvPr id="7" name="TextBox 6">
+                <a:extLst>
+                  <a:ext uri="{FF2B5EF4-FFF2-40B4-BE49-F238E27FC236}">
+                    <a16:creationId xmlns:a16="http://schemas.microsoft.com/office/drawing/2014/main" id="{1EA344DC-439E-877A-6832-8C0CC977176E}"/>
+                  </a:ext>
+                </a:extLst>
+              </p:cNvPr>
+              <p:cNvSpPr txBox="1"/>
+              <p:nvPr/>
+            </p:nvSpPr>
+            <p:spPr>
+              <a:xfrm>
+                <a:off x="695400" y="4038766"/>
+                <a:ext cx="6505854" cy="1401666"/>
+              </a:xfrm>
+              <a:prstGeom prst="rect">
+                <a:avLst/>
+              </a:prstGeom>
+              <a:noFill/>
+            </p:spPr>
+            <p:txBody>
+              <a:bodyPr wrap="square">
+                <a:spAutoFit/>
+              </a:bodyPr>
+              <a:lstStyle/>
+              <a:p>
+                <a:pPr marL="457200" indent="-457200">
+                  <a:buAutoNum type="arabicPeriod"/>
+                </a:pPr>
+                <a:r>
+                  <a:rPr lang="en-US" altLang="ko-KR" sz="2400" dirty="0">
+                    <a:solidFill>
+                      <a:srgbClr val="072A60"/>
+                    </a:solidFill>
+                    <a:latin typeface="Garamond" panose="02020404030301010803" pitchFamily="18" charset="0"/>
+                  </a:rPr>
+                  <a:t>D, D</a:t>
+                </a:r>
+                <a14:m>
+                  <m:oMath xmlns:m="http://schemas.openxmlformats.org/officeDocument/2006/math">
+                    <m:r>
+                      <a:rPr lang="en-US" altLang="ko-KR" sz="2400" b="0" i="1" smtClean="0">
+                        <a:solidFill>
+                          <a:srgbClr val="072A60"/>
+                        </a:solidFill>
+                        <a:latin typeface="Cambria Math" panose="02040503050406030204" pitchFamily="18" charset="0"/>
+                      </a:rPr>
+                      <m:t>′</m:t>
+                    </m:r>
+                  </m:oMath>
+                </a14:m>
+                <a:r>
+                  <a:rPr lang="en-US" altLang="ko-KR" sz="2400" dirty="0">
+                    <a:solidFill>
+                      <a:srgbClr val="072A60"/>
+                    </a:solidFill>
+                    <a:latin typeface="Garamond" panose="02020404030301010803" pitchFamily="18" charset="0"/>
+                  </a:rPr>
+                  <a:t>, D+D</a:t>
+                </a:r>
+                <a14:m>
+                  <m:oMath xmlns:m="http://schemas.openxmlformats.org/officeDocument/2006/math">
+                    <m:r>
+                      <a:rPr lang="en-US" altLang="ko-KR" sz="2400" i="1">
+                        <a:solidFill>
+                          <a:srgbClr val="072A60"/>
+                        </a:solidFill>
+                        <a:latin typeface="Cambria Math" panose="02040503050406030204" pitchFamily="18" charset="0"/>
+                      </a:rPr>
+                      <m:t>′</m:t>
+                    </m:r>
+                  </m:oMath>
+                </a14:m>
+                <a:r>
+                  <a:rPr lang="en-US" altLang="ko-KR" sz="2400" dirty="0">
+                    <a:solidFill>
+                      <a:srgbClr val="072A60"/>
+                    </a:solidFill>
+                    <a:latin typeface="Garamond" panose="02020404030301010803" pitchFamily="18" charset="0"/>
+                  </a:rPr>
+                  <a:t> peak appear.</a:t>
+                </a:r>
+              </a:p>
+              <a:p>
+                <a:pPr marL="457200" indent="-457200">
+                  <a:buAutoNum type="arabicPeriod"/>
+                </a:pPr>
+                <a:r>
+                  <a:rPr lang="en-US" altLang="ko-KR" sz="2400" dirty="0">
+                    <a:solidFill>
+                      <a:srgbClr val="072A60"/>
+                    </a:solidFill>
+                    <a:latin typeface="Garamond" panose="02020404030301010803" pitchFamily="18" charset="0"/>
+                  </a:rPr>
+                  <a:t>All peaks are broaden.</a:t>
+                </a:r>
+              </a:p>
+              <a:p>
+                <a:pPr marL="457200" indent="-457200">
+                  <a:buAutoNum type="arabicPeriod"/>
+                </a:pPr>
+                <a:r>
+                  <a:rPr lang="en-US" altLang="ko-KR" sz="2400" b="0" dirty="0">
+                    <a:solidFill>
+                      <a:srgbClr val="072A60"/>
+                    </a:solidFill>
+                    <a:latin typeface="Garamond" panose="02020404030301010803" pitchFamily="18" charset="0"/>
+                  </a:rPr>
+                  <a:t> </a:t>
+                </a:r>
+                <a14:m>
+                  <m:oMath xmlns:m="http://schemas.openxmlformats.org/officeDocument/2006/math">
+                    <m:f>
+                      <m:fPr>
+                        <m:ctrlPr>
+                          <a:rPr lang="en-US" altLang="ko-KR" sz="2400" b="0" i="1" smtClean="0">
+                            <a:solidFill>
+                              <a:srgbClr val="072A60"/>
+                            </a:solidFill>
+                            <a:latin typeface="Cambria Math" panose="02040503050406030204" pitchFamily="18" charset="0"/>
+                          </a:rPr>
+                        </m:ctrlPr>
+                      </m:fPr>
+                      <m:num>
+                        <m:sSub>
+                          <m:sSubPr>
+                            <m:ctrlPr>
+                              <a:rPr lang="en-US" altLang="ko-KR" sz="2400" b="0" i="1" smtClean="0">
+                                <a:solidFill>
+                                  <a:srgbClr val="072A60"/>
+                                </a:solidFill>
+                                <a:latin typeface="Cambria Math" panose="02040503050406030204" pitchFamily="18" charset="0"/>
+                              </a:rPr>
+                            </m:ctrlPr>
+                          </m:sSubPr>
+                          <m:e>
+                            <m:r>
+                              <a:rPr lang="en-US" altLang="ko-KR" sz="2400" b="0" i="1" smtClean="0">
+                                <a:solidFill>
+                                  <a:srgbClr val="072A60"/>
+                                </a:solidFill>
+                                <a:latin typeface="Cambria Math" panose="02040503050406030204" pitchFamily="18" charset="0"/>
+                              </a:rPr>
+                              <m:t>𝐼</m:t>
+                            </m:r>
+                          </m:e>
+                          <m:sub>
+                            <m:r>
+                              <a:rPr lang="en-US" altLang="ko-KR" sz="2400" b="0" i="1" smtClean="0">
+                                <a:solidFill>
+                                  <a:srgbClr val="072A60"/>
+                                </a:solidFill>
+                                <a:latin typeface="Cambria Math" panose="02040503050406030204" pitchFamily="18" charset="0"/>
+                              </a:rPr>
+                              <m:t>𝐷</m:t>
+                            </m:r>
+                          </m:sub>
+                        </m:sSub>
+                      </m:num>
+                      <m:den>
+                        <m:sSub>
+                          <m:sSubPr>
+                            <m:ctrlPr>
+                              <a:rPr lang="en-US" altLang="ko-KR" sz="2400" b="0" i="1" smtClean="0">
+                                <a:solidFill>
+                                  <a:srgbClr val="072A60"/>
+                                </a:solidFill>
+                                <a:latin typeface="Cambria Math" panose="02040503050406030204" pitchFamily="18" charset="0"/>
+                              </a:rPr>
+                            </m:ctrlPr>
+                          </m:sSubPr>
+                          <m:e>
+                            <m:r>
+                              <a:rPr lang="en-US" altLang="ko-KR" sz="2400" b="0" i="1" smtClean="0">
+                                <a:solidFill>
+                                  <a:srgbClr val="072A60"/>
+                                </a:solidFill>
+                                <a:latin typeface="Cambria Math" panose="02040503050406030204" pitchFamily="18" charset="0"/>
+                              </a:rPr>
+                              <m:t>𝐼</m:t>
+                            </m:r>
+                          </m:e>
+                          <m:sub>
+                            <m:r>
+                              <a:rPr lang="en-US" altLang="ko-KR" sz="2400" b="0" i="1" smtClean="0">
+                                <a:solidFill>
+                                  <a:srgbClr val="072A60"/>
+                                </a:solidFill>
+                                <a:latin typeface="Cambria Math" panose="02040503050406030204" pitchFamily="18" charset="0"/>
+                              </a:rPr>
+                              <m:t>𝐺</m:t>
+                            </m:r>
+                          </m:sub>
+                        </m:sSub>
+                      </m:den>
+                    </m:f>
+                  </m:oMath>
+                </a14:m>
+                <a:r>
+                  <a:rPr lang="en-US" altLang="ko-KR" sz="2400" dirty="0">
+                    <a:solidFill>
+                      <a:srgbClr val="072A60"/>
+                    </a:solidFill>
+                    <a:latin typeface="Garamond" panose="02020404030301010803" pitchFamily="18" charset="0"/>
+                  </a:rPr>
+                  <a:t> increases.</a:t>
+                </a:r>
+              </a:p>
+            </p:txBody>
+          </p:sp>
+        </mc:Choice>
+        <mc:Fallback>
+          <p:sp>
+            <p:nvSpPr>
+              <p:cNvPr id="7" name="TextBox 6">
+                <a:extLst>
+                  <a:ext uri="{FF2B5EF4-FFF2-40B4-BE49-F238E27FC236}">
+                    <a16:creationId xmlns:a16="http://schemas.microsoft.com/office/drawing/2014/main" id="{1EA344DC-439E-877A-6832-8C0CC977176E}"/>
+                  </a:ext>
+                </a:extLst>
+              </p:cNvPr>
+              <p:cNvSpPr txBox="1">
+                <a:spLocks noRot="1" noChangeAspect="1" noMove="1" noResize="1" noEditPoints="1" noAdjustHandles="1" noChangeArrowheads="1" noChangeShapeType="1" noTextEdit="1"/>
+              </p:cNvSpPr>
+              <p:nvPr/>
+            </p:nvSpPr>
+            <p:spPr>
+              <a:xfrm>
+                <a:off x="695400" y="4038766"/>
+                <a:ext cx="6505854" cy="1401666"/>
+              </a:xfrm>
+              <a:prstGeom prst="rect">
+                <a:avLst/>
+              </a:prstGeom>
+              <a:blipFill>
+                <a:blip r:embed="rId4"/>
+                <a:stretch>
+                  <a:fillRect l="-1218" t="-3493" b="-1310"/>
+                </a:stretch>
+              </a:blipFill>
+            </p:spPr>
+            <p:txBody>
+              <a:bodyPr/>
+              <a:lstStyle/>
+              <a:p>
+                <a:r>
+                  <a:rPr lang="ko-KR" altLang="en-US">
+                    <a:noFill/>
+                  </a:rPr>
+                  <a:t> </a:t>
+                </a:r>
+              </a:p>
+            </p:txBody>
+          </p:sp>
+        </mc:Fallback>
+      </mc:AlternateContent>
     </p:spTree>
     <p:extLst>
       <p:ext uri="{BB962C8B-B14F-4D97-AF65-F5344CB8AC3E}">
-        <p14:creationId xmlns:p14="http://schemas.microsoft.com/office/powerpoint/2010/main" val="997486219"/>
+        <p14:creationId xmlns:p14="http://schemas.microsoft.com/office/powerpoint/2010/main" val="1701815512"/>
       </p:ext>
     </p:extLst>
   </p:cSld>
@@ -5428,7 +6259,820 @@
 </p:sld>
 </file>
 
-<file path=ppt/slides/slide13.xml><?xml version="1.0" encoding="utf-8"?>
+<file path=ppt/slides/slide14.xml><?xml version="1.0" encoding="utf-8"?>
+<p:sld xmlns:a="http://schemas.openxmlformats.org/drawingml/2006/main" xmlns:r="http://schemas.openxmlformats.org/officeDocument/2006/relationships" xmlns:p="http://schemas.openxmlformats.org/presentationml/2006/main">
+  <p:cSld>
+    <p:spTree>
+      <p:nvGrpSpPr>
+        <p:cNvPr id="1" name=""/>
+        <p:cNvGrpSpPr/>
+        <p:nvPr/>
+      </p:nvGrpSpPr>
+      <p:grpSpPr>
+        <a:xfrm>
+          <a:off x="0" y="0"/>
+          <a:ext cx="0" cy="0"/>
+          <a:chOff x="0" y="0"/>
+          <a:chExt cx="0" cy="0"/>
+        </a:xfrm>
+      </p:grpSpPr>
+      <p:sp>
+        <p:nvSpPr>
+          <p:cNvPr id="2" name="TextBox 1">
+            <a:extLst>
+              <a:ext uri="{FF2B5EF4-FFF2-40B4-BE49-F238E27FC236}">
+                <a16:creationId xmlns:a16="http://schemas.microsoft.com/office/drawing/2014/main" id="{74FF59ED-1B1F-4559-284F-32617AEC98C3}"/>
+              </a:ext>
+            </a:extLst>
+          </p:cNvPr>
+          <p:cNvSpPr txBox="1"/>
+          <p:nvPr/>
+        </p:nvSpPr>
+        <p:spPr>
+          <a:xfrm>
+            <a:off x="1442882" y="772006"/>
+            <a:ext cx="10053718" cy="707886"/>
+          </a:xfrm>
+          <a:prstGeom prst="rect">
+            <a:avLst/>
+          </a:prstGeom>
+          <a:noFill/>
+        </p:spPr>
+        <p:txBody>
+          <a:bodyPr wrap="square" rtlCol="0">
+            <a:spAutoFit/>
+          </a:bodyPr>
+          <a:lstStyle/>
+          <a:p>
+            <a:r>
+              <a:rPr lang="en-US" altLang="ko-KR" sz="4000" dirty="0">
+                <a:solidFill>
+                  <a:srgbClr val="072A60"/>
+                </a:solidFill>
+                <a:latin typeface="Garamond" panose="02020404030301010803" pitchFamily="18" charset="0"/>
+              </a:rPr>
+              <a:t>Defects and Crystal Size</a:t>
+            </a:r>
+          </a:p>
+        </p:txBody>
+      </p:sp>
+      <mc:AlternateContent xmlns:mc="http://schemas.openxmlformats.org/markup-compatibility/2006">
+        <mc:Choice xmlns:a14="http://schemas.microsoft.com/office/drawing/2010/main" Requires="a14">
+          <p:sp>
+            <p:nvSpPr>
+              <p:cNvPr id="6" name="TextBox 5">
+                <a:extLst>
+                  <a:ext uri="{FF2B5EF4-FFF2-40B4-BE49-F238E27FC236}">
+                    <a16:creationId xmlns:a16="http://schemas.microsoft.com/office/drawing/2014/main" id="{9A294FDC-C831-FD8C-74FC-FF54AF2DB902}"/>
+                  </a:ext>
+                </a:extLst>
+              </p:cNvPr>
+              <p:cNvSpPr txBox="1"/>
+              <p:nvPr/>
+            </p:nvSpPr>
+            <p:spPr>
+              <a:xfrm>
+                <a:off x="551384" y="1479892"/>
+                <a:ext cx="11089232" cy="1406860"/>
+              </a:xfrm>
+              <a:prstGeom prst="rect">
+                <a:avLst/>
+              </a:prstGeom>
+              <a:noFill/>
+            </p:spPr>
+            <p:txBody>
+              <a:bodyPr wrap="square">
+                <a:spAutoFit/>
+              </a:bodyPr>
+              <a:lstStyle/>
+              <a:p>
+                <a:pPr algn="just"/>
+                <a14:m>
+                  <m:oMath xmlns:m="http://schemas.openxmlformats.org/officeDocument/2006/math">
+                    <m:f>
+                      <m:fPr>
+                        <m:ctrlPr>
+                          <a:rPr lang="en-US" altLang="ko-KR" sz="2400" b="0" i="1" smtClean="0">
+                            <a:solidFill>
+                              <a:srgbClr val="072A60"/>
+                            </a:solidFill>
+                            <a:latin typeface="Cambria Math" panose="02040503050406030204" pitchFamily="18" charset="0"/>
+                          </a:rPr>
+                        </m:ctrlPr>
+                      </m:fPr>
+                      <m:num>
+                        <m:sSub>
+                          <m:sSubPr>
+                            <m:ctrlPr>
+                              <a:rPr lang="en-US" altLang="ko-KR" sz="2400" b="0" i="1" smtClean="0">
+                                <a:solidFill>
+                                  <a:srgbClr val="072A60"/>
+                                </a:solidFill>
+                                <a:latin typeface="Cambria Math" panose="02040503050406030204" pitchFamily="18" charset="0"/>
+                              </a:rPr>
+                            </m:ctrlPr>
+                          </m:sSubPr>
+                          <m:e>
+                            <m:r>
+                              <a:rPr lang="en-US" altLang="ko-KR" sz="2400" b="0" i="1" smtClean="0">
+                                <a:solidFill>
+                                  <a:srgbClr val="072A60"/>
+                                </a:solidFill>
+                                <a:latin typeface="Cambria Math" panose="02040503050406030204" pitchFamily="18" charset="0"/>
+                              </a:rPr>
+                              <m:t>𝐼</m:t>
+                            </m:r>
+                          </m:e>
+                          <m:sub>
+                            <m:r>
+                              <a:rPr lang="en-US" altLang="ko-KR" sz="2400" b="0" i="1" smtClean="0">
+                                <a:solidFill>
+                                  <a:srgbClr val="072A60"/>
+                                </a:solidFill>
+                                <a:latin typeface="Cambria Math" panose="02040503050406030204" pitchFamily="18" charset="0"/>
+                              </a:rPr>
+                              <m:t>𝐷</m:t>
+                            </m:r>
+                          </m:sub>
+                        </m:sSub>
+                      </m:num>
+                      <m:den>
+                        <m:sSub>
+                          <m:sSubPr>
+                            <m:ctrlPr>
+                              <a:rPr lang="en-US" altLang="ko-KR" sz="2400" b="0" i="1" smtClean="0">
+                                <a:solidFill>
+                                  <a:srgbClr val="072A60"/>
+                                </a:solidFill>
+                                <a:latin typeface="Cambria Math" panose="02040503050406030204" pitchFamily="18" charset="0"/>
+                              </a:rPr>
+                            </m:ctrlPr>
+                          </m:sSubPr>
+                          <m:e>
+                            <m:r>
+                              <a:rPr lang="en-US" altLang="ko-KR" sz="2400" b="0" i="1" smtClean="0">
+                                <a:solidFill>
+                                  <a:srgbClr val="072A60"/>
+                                </a:solidFill>
+                                <a:latin typeface="Cambria Math" panose="02040503050406030204" pitchFamily="18" charset="0"/>
+                              </a:rPr>
+                              <m:t>𝐼</m:t>
+                            </m:r>
+                          </m:e>
+                          <m:sub>
+                            <m:r>
+                              <a:rPr lang="en-US" altLang="ko-KR" sz="2400" b="0" i="1" smtClean="0">
+                                <a:solidFill>
+                                  <a:srgbClr val="072A60"/>
+                                </a:solidFill>
+                                <a:latin typeface="Cambria Math" panose="02040503050406030204" pitchFamily="18" charset="0"/>
+                              </a:rPr>
+                              <m:t>𝐺</m:t>
+                            </m:r>
+                          </m:sub>
+                        </m:sSub>
+                      </m:den>
+                    </m:f>
+                    <m:r>
+                      <a:rPr lang="en-US" altLang="ko-KR" sz="2400" b="0" i="1" smtClean="0">
+                        <a:solidFill>
+                          <a:srgbClr val="072A60"/>
+                        </a:solidFill>
+                        <a:latin typeface="Cambria Math" panose="02040503050406030204" pitchFamily="18" charset="0"/>
+                      </a:rPr>
+                      <m:t> </m:t>
+                    </m:r>
+                  </m:oMath>
+                </a14:m>
+                <a:r>
+                  <a:rPr lang="en-US" altLang="ko-KR" sz="2400" dirty="0">
+                    <a:solidFill>
+                      <a:srgbClr val="072A60"/>
+                    </a:solidFill>
+                    <a:latin typeface="Garamond" panose="02020404030301010803" pitchFamily="18" charset="0"/>
+                  </a:rPr>
+                  <a:t> are known to be related to </a:t>
+                </a:r>
+                <a:r>
+                  <a:rPr lang="en-US" altLang="ko-KR" sz="2400" b="1" dirty="0">
+                    <a:solidFill>
+                      <a:srgbClr val="072A60"/>
+                    </a:solidFill>
+                    <a:latin typeface="Garamond" panose="02020404030301010803" pitchFamily="18" charset="0"/>
+                  </a:rPr>
+                  <a:t>crystal size </a:t>
+                </a:r>
+                <a14:m>
+                  <m:oMath xmlns:m="http://schemas.openxmlformats.org/officeDocument/2006/math">
+                    <m:sSub>
+                      <m:sSubPr>
+                        <m:ctrlPr>
+                          <a:rPr lang="en-US" altLang="ko-KR" sz="2400" i="1" smtClean="0">
+                            <a:solidFill>
+                              <a:srgbClr val="072A60"/>
+                            </a:solidFill>
+                            <a:latin typeface="Cambria Math" panose="02040503050406030204" pitchFamily="18" charset="0"/>
+                          </a:rPr>
+                        </m:ctrlPr>
+                      </m:sSubPr>
+                      <m:e>
+                        <m:r>
+                          <a:rPr lang="en-US" altLang="ko-KR" sz="2400" b="0" i="1" smtClean="0">
+                            <a:solidFill>
+                              <a:srgbClr val="072A60"/>
+                            </a:solidFill>
+                            <a:latin typeface="Cambria Math" panose="02040503050406030204" pitchFamily="18" charset="0"/>
+                          </a:rPr>
+                          <m:t>𝐿</m:t>
+                        </m:r>
+                      </m:e>
+                      <m:sub>
+                        <m:r>
+                          <a:rPr lang="en-US" altLang="ko-KR" sz="2400" b="0" i="1" smtClean="0">
+                            <a:solidFill>
+                              <a:srgbClr val="072A60"/>
+                            </a:solidFill>
+                            <a:latin typeface="Cambria Math" panose="02040503050406030204" pitchFamily="18" charset="0"/>
+                          </a:rPr>
+                          <m:t>𝐴</m:t>
+                        </m:r>
+                      </m:sub>
+                    </m:sSub>
+                  </m:oMath>
+                </a14:m>
+                <a:r>
+                  <a:rPr lang="en-US" altLang="ko-KR" sz="2400" b="1" dirty="0">
+                    <a:solidFill>
+                      <a:srgbClr val="072A60"/>
+                    </a:solidFill>
+                    <a:latin typeface="Garamond" panose="02020404030301010803" pitchFamily="18" charset="0"/>
+                  </a:rPr>
+                  <a:t>, defect distance </a:t>
+                </a:r>
+                <a14:m>
+                  <m:oMath xmlns:m="http://schemas.openxmlformats.org/officeDocument/2006/math">
+                    <m:sSub>
+                      <m:sSubPr>
+                        <m:ctrlPr>
+                          <a:rPr lang="en-US" altLang="ko-KR" sz="2400" i="1" smtClean="0">
+                            <a:solidFill>
+                              <a:srgbClr val="072A60"/>
+                            </a:solidFill>
+                            <a:latin typeface="Cambria Math" panose="02040503050406030204" pitchFamily="18" charset="0"/>
+                          </a:rPr>
+                        </m:ctrlPr>
+                      </m:sSubPr>
+                      <m:e>
+                        <m:r>
+                          <a:rPr lang="en-US" altLang="ko-KR" sz="2400" b="0" i="1" smtClean="0">
+                            <a:solidFill>
+                              <a:srgbClr val="072A60"/>
+                            </a:solidFill>
+                            <a:latin typeface="Cambria Math" panose="02040503050406030204" pitchFamily="18" charset="0"/>
+                          </a:rPr>
+                          <m:t>𝐿</m:t>
+                        </m:r>
+                      </m:e>
+                      <m:sub>
+                        <m:r>
+                          <a:rPr lang="en-US" altLang="ko-KR" sz="2400" b="0" i="1" smtClean="0">
+                            <a:solidFill>
+                              <a:srgbClr val="072A60"/>
+                            </a:solidFill>
+                            <a:latin typeface="Cambria Math" panose="02040503050406030204" pitchFamily="18" charset="0"/>
+                          </a:rPr>
+                          <m:t>𝐷</m:t>
+                        </m:r>
+                      </m:sub>
+                    </m:sSub>
+                  </m:oMath>
+                </a14:m>
+                <a:r>
+                  <a:rPr lang="en-US" altLang="ko-KR" sz="2400" dirty="0">
+                    <a:solidFill>
+                      <a:srgbClr val="072A60"/>
+                    </a:solidFill>
+                    <a:latin typeface="Garamond" panose="02020404030301010803" pitchFamily="18" charset="0"/>
+                  </a:rPr>
+                  <a:t>. The ratio of its intensity to that of the G peak varied inversely with </a:t>
+                </a:r>
+                <a14:m>
+                  <m:oMath xmlns:m="http://schemas.openxmlformats.org/officeDocument/2006/math">
+                    <m:sSub>
+                      <m:sSubPr>
+                        <m:ctrlPr>
+                          <a:rPr lang="en-US" altLang="ko-KR" sz="2400" b="0" i="1" smtClean="0">
+                            <a:solidFill>
+                              <a:srgbClr val="072A60"/>
+                            </a:solidFill>
+                            <a:latin typeface="Cambria Math" panose="02040503050406030204" pitchFamily="18" charset="0"/>
+                          </a:rPr>
+                        </m:ctrlPr>
+                      </m:sSubPr>
+                      <m:e>
+                        <m:r>
+                          <a:rPr lang="en-US" altLang="ko-KR" sz="2400" b="0" i="1" smtClean="0">
+                            <a:solidFill>
+                              <a:srgbClr val="072A60"/>
+                            </a:solidFill>
+                            <a:latin typeface="Cambria Math" panose="02040503050406030204" pitchFamily="18" charset="0"/>
+                          </a:rPr>
+                          <m:t>𝐿</m:t>
+                        </m:r>
+                      </m:e>
+                      <m:sub>
+                        <m:r>
+                          <a:rPr lang="en-US" altLang="ko-KR" sz="2400" b="0" i="1" smtClean="0">
+                            <a:solidFill>
+                              <a:srgbClr val="072A60"/>
+                            </a:solidFill>
+                            <a:latin typeface="Cambria Math" panose="02040503050406030204" pitchFamily="18" charset="0"/>
+                          </a:rPr>
+                          <m:t>𝐴</m:t>
+                        </m:r>
+                      </m:sub>
+                    </m:sSub>
+                  </m:oMath>
+                </a14:m>
+                <a:r>
+                  <a:rPr lang="en-US" altLang="ko-KR" sz="2400" b="0" dirty="0">
+                    <a:solidFill>
+                      <a:srgbClr val="072A60"/>
+                    </a:solidFill>
+                    <a:latin typeface="Garamond" panose="02020404030301010803" pitchFamily="18" charset="0"/>
+                  </a:rPr>
+                  <a:t> and </a:t>
+                </a:r>
+                <a14:m>
+                  <m:oMath xmlns:m="http://schemas.openxmlformats.org/officeDocument/2006/math">
+                    <m:sSubSup>
+                      <m:sSubSupPr>
+                        <m:ctrlPr>
+                          <a:rPr lang="en-US" altLang="ko-KR" sz="2400" b="0" i="1" smtClean="0">
+                            <a:solidFill>
+                              <a:srgbClr val="072A60"/>
+                            </a:solidFill>
+                            <a:latin typeface="Cambria Math" panose="02040503050406030204" pitchFamily="18" charset="0"/>
+                          </a:rPr>
+                        </m:ctrlPr>
+                      </m:sSubSupPr>
+                      <m:e>
+                        <m:r>
+                          <a:rPr lang="en-US" altLang="ko-KR" sz="2400" b="0" i="1" smtClean="0">
+                            <a:solidFill>
+                              <a:srgbClr val="072A60"/>
+                            </a:solidFill>
+                            <a:latin typeface="Cambria Math" panose="02040503050406030204" pitchFamily="18" charset="0"/>
+                          </a:rPr>
+                          <m:t>𝐿</m:t>
+                        </m:r>
+                      </m:e>
+                      <m:sub>
+                        <m:r>
+                          <a:rPr lang="en-US" altLang="ko-KR" sz="2400" b="0" i="1" smtClean="0">
+                            <a:solidFill>
+                              <a:srgbClr val="072A60"/>
+                            </a:solidFill>
+                            <a:latin typeface="Cambria Math" panose="02040503050406030204" pitchFamily="18" charset="0"/>
+                          </a:rPr>
+                          <m:t>𝐷</m:t>
+                        </m:r>
+                      </m:sub>
+                      <m:sup>
+                        <m:r>
+                          <a:rPr lang="en-US" altLang="ko-KR" sz="2400" b="0" i="1" smtClean="0">
+                            <a:solidFill>
+                              <a:srgbClr val="072A60"/>
+                            </a:solidFill>
+                            <a:latin typeface="Cambria Math" panose="02040503050406030204" pitchFamily="18" charset="0"/>
+                          </a:rPr>
+                          <m:t>2</m:t>
+                        </m:r>
+                      </m:sup>
+                    </m:sSubSup>
+                  </m:oMath>
+                </a14:m>
+                <a:r>
+                  <a:rPr lang="en-US" altLang="ko-KR" sz="2400" b="0" dirty="0">
+                    <a:solidFill>
+                      <a:srgbClr val="072A60"/>
+                    </a:solidFill>
+                    <a:latin typeface="Garamond" panose="02020404030301010803" pitchFamily="18" charset="0"/>
+                  </a:rPr>
+                  <a:t>. </a:t>
+                </a:r>
+              </a:p>
+              <a:p>
+                <a:pPr algn="just"/>
+                <a:endParaRPr lang="en-US" altLang="ko-KR" sz="2400" dirty="0">
+                  <a:solidFill>
+                    <a:srgbClr val="072A60"/>
+                  </a:solidFill>
+                  <a:latin typeface="Garamond" panose="02020404030301010803" pitchFamily="18" charset="0"/>
+                </a:endParaRPr>
+              </a:p>
+            </p:txBody>
+          </p:sp>
+        </mc:Choice>
+        <mc:Fallback>
+          <p:sp>
+            <p:nvSpPr>
+              <p:cNvPr id="6" name="TextBox 5">
+                <a:extLst>
+                  <a:ext uri="{FF2B5EF4-FFF2-40B4-BE49-F238E27FC236}">
+                    <a16:creationId xmlns:a16="http://schemas.microsoft.com/office/drawing/2014/main" id="{9A294FDC-C831-FD8C-74FC-FF54AF2DB902}"/>
+                  </a:ext>
+                </a:extLst>
+              </p:cNvPr>
+              <p:cNvSpPr txBox="1">
+                <a:spLocks noRot="1" noChangeAspect="1" noMove="1" noResize="1" noEditPoints="1" noAdjustHandles="1" noChangeArrowheads="1" noChangeShapeType="1" noTextEdit="1"/>
+              </p:cNvSpPr>
+              <p:nvPr/>
+            </p:nvSpPr>
+            <p:spPr>
+              <a:xfrm>
+                <a:off x="551384" y="1479892"/>
+                <a:ext cx="11089232" cy="1406860"/>
+              </a:xfrm>
+              <a:prstGeom prst="rect">
+                <a:avLst/>
+              </a:prstGeom>
+              <a:blipFill>
+                <a:blip r:embed="rId2"/>
+                <a:stretch>
+                  <a:fillRect l="-824" r="-824"/>
+                </a:stretch>
+              </a:blipFill>
+            </p:spPr>
+            <p:txBody>
+              <a:bodyPr/>
+              <a:lstStyle/>
+              <a:p>
+                <a:r>
+                  <a:rPr lang="ko-KR" altLang="en-US">
+                    <a:noFill/>
+                  </a:rPr>
+                  <a:t> </a:t>
+                </a:r>
+              </a:p>
+            </p:txBody>
+          </p:sp>
+        </mc:Fallback>
+      </mc:AlternateContent>
+      <p:pic>
+        <p:nvPicPr>
+          <p:cNvPr id="4" name="그림 3">
+            <a:extLst>
+              <a:ext uri="{FF2B5EF4-FFF2-40B4-BE49-F238E27FC236}">
+                <a16:creationId xmlns:a16="http://schemas.microsoft.com/office/drawing/2014/main" id="{F9863A12-A53C-86DF-2753-6DF47EB519F1}"/>
+              </a:ext>
+            </a:extLst>
+          </p:cNvPr>
+          <p:cNvPicPr>
+            <a:picLocks noChangeAspect="1"/>
+          </p:cNvPicPr>
+          <p:nvPr/>
+        </p:nvPicPr>
+        <p:blipFill rotWithShape="1">
+          <a:blip r:embed="rId3">
+            <a:extLst>
+              <a:ext uri="{28A0092B-C50C-407E-A947-70E740481C1C}">
+                <a14:useLocalDpi xmlns:a14="http://schemas.microsoft.com/office/drawing/2010/main" val="0"/>
+              </a:ext>
+            </a:extLst>
+          </a:blip>
+          <a:srcRect l="2430" b="3626"/>
+          <a:stretch/>
+        </p:blipFill>
+        <p:spPr>
+          <a:xfrm>
+            <a:off x="623392" y="2636912"/>
+            <a:ext cx="5791079" cy="3936648"/>
+          </a:xfrm>
+          <a:prstGeom prst="rect">
+            <a:avLst/>
+          </a:prstGeom>
+        </p:spPr>
+      </p:pic>
+      <mc:AlternateContent xmlns:mc="http://schemas.openxmlformats.org/markup-compatibility/2006">
+        <mc:Choice xmlns:a14="http://schemas.microsoft.com/office/drawing/2010/main" Requires="a14">
+          <p:sp>
+            <p:nvSpPr>
+              <p:cNvPr id="8" name="TextBox 7">
+                <a:extLst>
+                  <a:ext uri="{FF2B5EF4-FFF2-40B4-BE49-F238E27FC236}">
+                    <a16:creationId xmlns:a16="http://schemas.microsoft.com/office/drawing/2014/main" id="{260A4F1E-B2D7-8D27-CAED-AADC66D537B8}"/>
+                  </a:ext>
+                </a:extLst>
+              </p:cNvPr>
+              <p:cNvSpPr txBox="1"/>
+              <p:nvPr/>
+            </p:nvSpPr>
+            <p:spPr>
+              <a:xfrm>
+                <a:off x="6744072" y="2849178"/>
+                <a:ext cx="2707985" cy="572786"/>
+              </a:xfrm>
+              <a:prstGeom prst="rect">
+                <a:avLst/>
+              </a:prstGeom>
+              <a:noFill/>
+            </p:spPr>
+            <p:txBody>
+              <a:bodyPr wrap="none" lIns="0" tIns="0" rIns="0" bIns="0" rtlCol="0">
+                <a:spAutoFit/>
+              </a:bodyPr>
+              <a:lstStyle/>
+              <a:p>
+                <a14:m>
+                  <m:oMath xmlns:m="http://schemas.openxmlformats.org/officeDocument/2006/math">
+                    <m:f>
+                      <m:fPr>
+                        <m:ctrlPr>
+                          <a:rPr lang="en-US" altLang="ko-KR" sz="2400" i="1">
+                            <a:solidFill>
+                              <a:srgbClr val="072A60"/>
+                            </a:solidFill>
+                            <a:latin typeface="Cambria Math" panose="02040503050406030204" pitchFamily="18" charset="0"/>
+                            <a:ea typeface="Cambria Math" panose="02040503050406030204" pitchFamily="18" charset="0"/>
+                          </a:rPr>
+                        </m:ctrlPr>
+                      </m:fPr>
+                      <m:num>
+                        <m:sSub>
+                          <m:sSubPr>
+                            <m:ctrlPr>
+                              <a:rPr lang="en-US" altLang="ko-KR" sz="2400" i="1">
+                                <a:solidFill>
+                                  <a:srgbClr val="072A60"/>
+                                </a:solidFill>
+                                <a:latin typeface="Cambria Math" panose="02040503050406030204" pitchFamily="18" charset="0"/>
+                                <a:ea typeface="Cambria Math" panose="02040503050406030204" pitchFamily="18" charset="0"/>
+                              </a:rPr>
+                            </m:ctrlPr>
+                          </m:sSubPr>
+                          <m:e>
+                            <m:r>
+                              <a:rPr lang="en-US" altLang="ko-KR" sz="2400" i="1">
+                                <a:solidFill>
+                                  <a:srgbClr val="072A60"/>
+                                </a:solidFill>
+                                <a:latin typeface="Cambria Math" panose="02040503050406030204" pitchFamily="18" charset="0"/>
+                                <a:ea typeface="Cambria Math" panose="02040503050406030204" pitchFamily="18" charset="0"/>
+                              </a:rPr>
+                              <m:t>𝐼</m:t>
+                            </m:r>
+                          </m:e>
+                          <m:sub>
+                            <m:r>
+                              <a:rPr lang="en-US" altLang="ko-KR" sz="2400" i="1">
+                                <a:solidFill>
+                                  <a:srgbClr val="072A60"/>
+                                </a:solidFill>
+                                <a:latin typeface="Cambria Math" panose="02040503050406030204" pitchFamily="18" charset="0"/>
+                                <a:ea typeface="Cambria Math" panose="02040503050406030204" pitchFamily="18" charset="0"/>
+                              </a:rPr>
+                              <m:t>𝐷</m:t>
+                            </m:r>
+                          </m:sub>
+                        </m:sSub>
+                      </m:num>
+                      <m:den>
+                        <m:sSub>
+                          <m:sSubPr>
+                            <m:ctrlPr>
+                              <a:rPr lang="en-US" altLang="ko-KR" sz="2400" i="1">
+                                <a:solidFill>
+                                  <a:srgbClr val="072A60"/>
+                                </a:solidFill>
+                                <a:latin typeface="Cambria Math" panose="02040503050406030204" pitchFamily="18" charset="0"/>
+                                <a:ea typeface="Cambria Math" panose="02040503050406030204" pitchFamily="18" charset="0"/>
+                              </a:rPr>
+                            </m:ctrlPr>
+                          </m:sSubPr>
+                          <m:e>
+                            <m:r>
+                              <a:rPr lang="en-US" altLang="ko-KR" sz="2400" i="1">
+                                <a:solidFill>
+                                  <a:srgbClr val="072A60"/>
+                                </a:solidFill>
+                                <a:latin typeface="Cambria Math" panose="02040503050406030204" pitchFamily="18" charset="0"/>
+                                <a:ea typeface="Cambria Math" panose="02040503050406030204" pitchFamily="18" charset="0"/>
+                              </a:rPr>
+                              <m:t>𝐼</m:t>
+                            </m:r>
+                          </m:e>
+                          <m:sub>
+                            <m:r>
+                              <a:rPr lang="en-US" altLang="ko-KR" sz="2400" i="1">
+                                <a:solidFill>
+                                  <a:srgbClr val="072A60"/>
+                                </a:solidFill>
+                                <a:latin typeface="Cambria Math" panose="02040503050406030204" pitchFamily="18" charset="0"/>
+                                <a:ea typeface="Cambria Math" panose="02040503050406030204" pitchFamily="18" charset="0"/>
+                              </a:rPr>
+                              <m:t>𝐺</m:t>
+                            </m:r>
+                          </m:sub>
+                        </m:sSub>
+                      </m:den>
+                    </m:f>
+                    <m:r>
+                      <a:rPr lang="en-US" altLang="ko-KR" sz="2400" i="1">
+                        <a:solidFill>
+                          <a:srgbClr val="072A60"/>
+                        </a:solidFill>
+                        <a:latin typeface="Cambria Math" panose="02040503050406030204" pitchFamily="18" charset="0"/>
+                        <a:ea typeface="Cambria Math" panose="02040503050406030204" pitchFamily="18" charset="0"/>
+                      </a:rPr>
+                      <m:t>=</m:t>
+                    </m:r>
+                    <m:f>
+                      <m:fPr>
+                        <m:ctrlPr>
+                          <a:rPr lang="en-US" altLang="ko-KR" sz="2400" i="1">
+                            <a:solidFill>
+                              <a:srgbClr val="072A60"/>
+                            </a:solidFill>
+                            <a:latin typeface="Cambria Math" panose="02040503050406030204" pitchFamily="18" charset="0"/>
+                            <a:ea typeface="Cambria Math" panose="02040503050406030204" pitchFamily="18" charset="0"/>
+                          </a:rPr>
+                        </m:ctrlPr>
+                      </m:fPr>
+                      <m:num>
+                        <m:r>
+                          <a:rPr lang="en-US" altLang="ko-KR" sz="2400" i="1">
+                            <a:solidFill>
+                              <a:srgbClr val="072A60"/>
+                            </a:solidFill>
+                            <a:latin typeface="Cambria Math" panose="02040503050406030204" pitchFamily="18" charset="0"/>
+                            <a:ea typeface="Cambria Math" panose="02040503050406030204" pitchFamily="18" charset="0"/>
+                          </a:rPr>
+                          <m:t>𝐶</m:t>
+                        </m:r>
+                      </m:num>
+                      <m:den>
+                        <m:sSub>
+                          <m:sSubPr>
+                            <m:ctrlPr>
+                              <a:rPr lang="en-US" altLang="ko-KR" sz="2400" i="1">
+                                <a:solidFill>
+                                  <a:srgbClr val="072A60"/>
+                                </a:solidFill>
+                                <a:latin typeface="Cambria Math" panose="02040503050406030204" pitchFamily="18" charset="0"/>
+                                <a:ea typeface="Cambria Math" panose="02040503050406030204" pitchFamily="18" charset="0"/>
+                              </a:rPr>
+                            </m:ctrlPr>
+                          </m:sSubPr>
+                          <m:e>
+                            <m:r>
+                              <a:rPr lang="en-US" altLang="ko-KR" sz="2400" i="1">
+                                <a:solidFill>
+                                  <a:srgbClr val="072A60"/>
+                                </a:solidFill>
+                                <a:latin typeface="Cambria Math" panose="02040503050406030204" pitchFamily="18" charset="0"/>
+                                <a:ea typeface="Cambria Math" panose="02040503050406030204" pitchFamily="18" charset="0"/>
+                              </a:rPr>
+                              <m:t>𝐿</m:t>
+                            </m:r>
+                          </m:e>
+                          <m:sub>
+                            <m:r>
+                              <a:rPr lang="en-US" altLang="ko-KR" sz="2400" i="1">
+                                <a:solidFill>
+                                  <a:srgbClr val="072A60"/>
+                                </a:solidFill>
+                                <a:latin typeface="Cambria Math" panose="02040503050406030204" pitchFamily="18" charset="0"/>
+                                <a:ea typeface="Cambria Math" panose="02040503050406030204" pitchFamily="18" charset="0"/>
+                              </a:rPr>
+                              <m:t>𝐴</m:t>
+                            </m:r>
+                          </m:sub>
+                        </m:sSub>
+                      </m:den>
+                    </m:f>
+                    <m:r>
+                      <a:rPr lang="en-US" altLang="ko-KR" sz="2400" i="1">
+                        <a:solidFill>
+                          <a:srgbClr val="072A60"/>
+                        </a:solidFill>
+                        <a:latin typeface="Cambria Math" panose="02040503050406030204" pitchFamily="18" charset="0"/>
+                        <a:ea typeface="Cambria Math" panose="02040503050406030204" pitchFamily="18" charset="0"/>
+                      </a:rPr>
+                      <m:t>, </m:t>
+                    </m:r>
+                    <m:r>
+                      <a:rPr lang="en-US" altLang="ko-KR" sz="2400" i="1">
+                        <a:solidFill>
+                          <a:srgbClr val="072A60"/>
+                        </a:solidFill>
+                        <a:latin typeface="Cambria Math" panose="02040503050406030204" pitchFamily="18" charset="0"/>
+                        <a:ea typeface="Cambria Math" panose="02040503050406030204" pitchFamily="18" charset="0"/>
+                      </a:rPr>
+                      <m:t>𝐶</m:t>
+                    </m:r>
+                    <m:r>
+                      <a:rPr lang="en-US" altLang="ko-KR" sz="2400" i="1">
+                        <a:solidFill>
+                          <a:srgbClr val="072A60"/>
+                        </a:solidFill>
+                        <a:latin typeface="Cambria Math" panose="02040503050406030204" pitchFamily="18" charset="0"/>
+                        <a:ea typeface="Cambria Math" panose="02040503050406030204" pitchFamily="18" charset="0"/>
+                      </a:rPr>
+                      <m:t>≅4.4 </m:t>
+                    </m:r>
+                  </m:oMath>
+                </a14:m>
+                <a:r>
+                  <a:rPr lang="en-US" altLang="ko-KR" sz="2400" dirty="0">
+                    <a:solidFill>
+                      <a:srgbClr val="072A60"/>
+                    </a:solidFill>
+                    <a:latin typeface="Garamond" panose="02020404030301010803" pitchFamily="18" charset="0"/>
+                  </a:rPr>
+                  <a:t>[nm]</a:t>
+                </a:r>
+                <a:endParaRPr lang="ko-KR" altLang="en-US" sz="2400" dirty="0">
+                  <a:solidFill>
+                    <a:srgbClr val="072A60"/>
+                  </a:solidFill>
+                  <a:latin typeface="Garamond" panose="02020404030301010803" pitchFamily="18" charset="0"/>
+                </a:endParaRPr>
+              </a:p>
+            </p:txBody>
+          </p:sp>
+        </mc:Choice>
+        <mc:Fallback>
+          <p:sp>
+            <p:nvSpPr>
+              <p:cNvPr id="8" name="TextBox 7">
+                <a:extLst>
+                  <a:ext uri="{FF2B5EF4-FFF2-40B4-BE49-F238E27FC236}">
+                    <a16:creationId xmlns:a16="http://schemas.microsoft.com/office/drawing/2014/main" id="{260A4F1E-B2D7-8D27-CAED-AADC66D537B8}"/>
+                  </a:ext>
+                </a:extLst>
+              </p:cNvPr>
+              <p:cNvSpPr txBox="1">
+                <a:spLocks noRot="1" noChangeAspect="1" noMove="1" noResize="1" noEditPoints="1" noAdjustHandles="1" noChangeArrowheads="1" noChangeShapeType="1" noTextEdit="1"/>
+              </p:cNvSpPr>
+              <p:nvPr/>
+            </p:nvSpPr>
+            <p:spPr>
+              <a:xfrm>
+                <a:off x="6744072" y="2849178"/>
+                <a:ext cx="2707985" cy="572786"/>
+              </a:xfrm>
+              <a:prstGeom prst="rect">
+                <a:avLst/>
+              </a:prstGeom>
+              <a:blipFill>
+                <a:blip r:embed="rId4"/>
+                <a:stretch>
+                  <a:fillRect t="-1064" r="-6292" b="-11702"/>
+                </a:stretch>
+              </a:blipFill>
+            </p:spPr>
+            <p:txBody>
+              <a:bodyPr/>
+              <a:lstStyle/>
+              <a:p>
+                <a:r>
+                  <a:rPr lang="ko-KR" altLang="en-US">
+                    <a:noFill/>
+                  </a:rPr>
+                  <a:t> </a:t>
+                </a:r>
+              </a:p>
+            </p:txBody>
+          </p:sp>
+        </mc:Fallback>
+      </mc:AlternateContent>
+    </p:spTree>
+    <p:extLst>
+      <p:ext uri="{BB962C8B-B14F-4D97-AF65-F5344CB8AC3E}">
+        <p14:creationId xmlns:p14="http://schemas.microsoft.com/office/powerpoint/2010/main" val="3114055802"/>
+      </p:ext>
+    </p:extLst>
+  </p:cSld>
+  <p:clrMapOvr>
+    <a:masterClrMapping/>
+  </p:clrMapOvr>
+  <mc:AlternateContent xmlns:mc="http://schemas.openxmlformats.org/markup-compatibility/2006" xmlns:p14="http://schemas.microsoft.com/office/powerpoint/2010/main">
+    <mc:Choice Requires="p14">
+      <p:transition spd="med" p14:dur="700">
+        <p:fade/>
+      </p:transition>
+    </mc:Choice>
+    <mc:Fallback xmlns="">
+      <p:transition spd="med">
+        <p:fade/>
+      </p:transition>
+    </mc:Fallback>
+  </mc:AlternateContent>
+</p:sld>
+</file>
+
+<file path=ppt/slides/slide15.xml><?xml version="1.0" encoding="utf-8"?>
 <p:sld xmlns:a="http://schemas.openxmlformats.org/drawingml/2006/main" xmlns:r="http://schemas.openxmlformats.org/officeDocument/2006/relationships" xmlns:p="http://schemas.openxmlformats.org/presentationml/2006/main">
   <p:cSld>
     <p:spTree>
@@ -5510,7 +7154,7 @@
 </p:sld>
 </file>
 
-<file path=ppt/slides/slide14.xml><?xml version="1.0" encoding="utf-8"?>
+<file path=ppt/slides/slide16.xml><?xml version="1.0" encoding="utf-8"?>
 <p:sld xmlns:a="http://schemas.openxmlformats.org/drawingml/2006/main" xmlns:r="http://schemas.openxmlformats.org/officeDocument/2006/relationships" xmlns:p="http://schemas.openxmlformats.org/presentationml/2006/main">
   <p:cSld>
     <p:spTree>
@@ -5945,7 +7589,7 @@
 </p:sld>
 </file>
 
-<file path=ppt/slides/slide15.xml><?xml version="1.0" encoding="utf-8"?>
+<file path=ppt/slides/slide17.xml><?xml version="1.0" encoding="utf-8"?>
 <p:sld xmlns:a="http://schemas.openxmlformats.org/drawingml/2006/main" xmlns:r="http://schemas.openxmlformats.org/officeDocument/2006/relationships" xmlns:p="http://schemas.openxmlformats.org/presentationml/2006/main">
   <p:cSld>
     <p:spTree>
@@ -9306,6 +10950,358 @@
           </p:sp>
         </mc:Fallback>
       </mc:AlternateContent>
+      <p:pic>
+        <p:nvPicPr>
+          <p:cNvPr id="4" name="그림 3">
+            <a:extLst>
+              <a:ext uri="{FF2B5EF4-FFF2-40B4-BE49-F238E27FC236}">
+                <a16:creationId xmlns:a16="http://schemas.microsoft.com/office/drawing/2014/main" id="{7A229102-77A5-D609-9507-0BADA59FA0A8}"/>
+              </a:ext>
+            </a:extLst>
+          </p:cNvPr>
+          <p:cNvPicPr>
+            <a:picLocks noChangeAspect="1"/>
+          </p:cNvPicPr>
+          <p:nvPr/>
+        </p:nvPicPr>
+        <p:blipFill rotWithShape="1">
+          <a:blip r:embed="rId6">
+            <a:extLst>
+              <a:ext uri="{BEBA8EAE-BF5A-486C-A8C5-ECC9F3942E4B}">
+                <a14:imgProps xmlns:a14="http://schemas.microsoft.com/office/drawing/2010/main">
+                  <a14:imgLayer r:embed="rId7">
+                    <a14:imgEffect>
+                      <a14:backgroundRemoval t="3911" b="41341" l="1914" r="92344">
+                        <a14:foregroundMark x1="40191" y1="32030" x2="72727" y2="33333"/>
+                        <a14:foregroundMark x1="72727" y1="33333" x2="81818" y2="14711"/>
+                        <a14:foregroundMark x1="81818" y1="14711" x2="58852" y2="6518"/>
+                        <a14:foregroundMark x1="58852" y1="6518" x2="49282" y2="28678"/>
+                        <a14:foregroundMark x1="49282" y1="28678" x2="55024" y2="33147"/>
+                        <a14:foregroundMark x1="10590" y1="39981" x2="29364" y2="39855"/>
+                        <a14:foregroundMark x1="29364" y1="39505" x2="10064" y2="37443"/>
+                        <a14:foregroundMark x1="10587" y1="39964" x2="16029" y2="40223"/>
+                        <a14:foregroundMark x1="10885" y1="41823" x2="29364" y2="41041"/>
+                        <a14:foregroundMark x1="29364" y1="40404" x2="17464" y2="38734"/>
+                        <a14:foregroundMark x1="17464" y1="38734" x2="29364" y2="39335"/>
+                        <a14:foregroundMark x1="29364" y1="38920" x2="26794" y2="38920"/>
+                        <a14:foregroundMark x1="26794" y1="38920" x2="29364" y2="38833"/>
+                        <a14:foregroundMark x1="29364" y1="38535" x2="21292" y2="37989"/>
+                        <a14:foregroundMark x1="40909" y1="4655" x2="81100" y2="6890"/>
+                        <a14:foregroundMark x1="38756" y1="4283" x2="67943" y2="4469"/>
+                        <a14:foregroundMark x1="67943" y1="4469" x2="90431" y2="4283"/>
+                        <a14:foregroundMark x1="90431" y1="4283" x2="41866" y2="3911"/>
+                        <a14:foregroundMark x1="41866" y1="3911" x2="38278" y2="4469"/>
+                        <a14:foregroundMark x1="65072" y1="22160" x2="57895" y2="23464"/>
+                        <a14:foregroundMark x1="39474" y1="33147" x2="78469" y2="33706"/>
+                        <a14:foregroundMark x1="78469" y1="33706" x2="48086" y2="31471"/>
+                        <a14:foregroundMark x1="65311" y1="32775" x2="90191" y2="32402"/>
+                        <a14:foregroundMark x1="90191" y1="32402" x2="74163" y2="32030"/>
+                        <a14:foregroundMark x1="74163" y1="32030" x2="87321" y2="32775"/>
+                        <a14:foregroundMark x1="87321" y1="32775" x2="81579" y2="35382"/>
+                        <a14:foregroundMark x1="81579" y1="35382" x2="92344" y2="32961"/>
+                        <a14:backgroundMark x1="4785" y1="36872" x2="5502" y2="40223"/>
+                        <a14:backgroundMark x1="5502" y1="40223" x2="5981" y2="43203"/>
+                        <a14:backgroundMark x1="36603" y1="38175" x2="40431" y2="40782"/>
+                        <a14:backgroundMark x1="35646" y1="42458" x2="34450" y2="36685"/>
+                        <a14:backgroundMark x1="34450" y1="37244" x2="34450" y2="44320"/>
+                      </a14:backgroundRemoval>
+                    </a14:imgEffect>
+                  </a14:imgLayer>
+                </a14:imgProps>
+              </a:ext>
+            </a:extLst>
+          </a:blip>
+          <a:srcRect t="34437" r="63329" b="54420"/>
+          <a:stretch/>
+        </p:blipFill>
+        <p:spPr>
+          <a:xfrm>
+            <a:off x="767408" y="2174312"/>
+            <a:ext cx="1019522" cy="397990"/>
+          </a:xfrm>
+          <a:prstGeom prst="rect">
+            <a:avLst/>
+          </a:prstGeom>
+        </p:spPr>
+      </p:pic>
+      <p:pic>
+        <p:nvPicPr>
+          <p:cNvPr id="5" name="그림 4">
+            <a:extLst>
+              <a:ext uri="{FF2B5EF4-FFF2-40B4-BE49-F238E27FC236}">
+                <a16:creationId xmlns:a16="http://schemas.microsoft.com/office/drawing/2014/main" id="{6F4F3CD6-23F2-9ABE-AE43-40FCBE090769}"/>
+              </a:ext>
+            </a:extLst>
+          </p:cNvPr>
+          <p:cNvPicPr>
+            <a:picLocks noChangeAspect="1"/>
+          </p:cNvPicPr>
+          <p:nvPr/>
+        </p:nvPicPr>
+        <p:blipFill rotWithShape="1">
+          <a:blip r:embed="rId8">
+            <a:extLst>
+              <a:ext uri="{BEBA8EAE-BF5A-486C-A8C5-ECC9F3942E4B}">
+                <a14:imgProps xmlns:a14="http://schemas.microsoft.com/office/drawing/2010/main">
+                  <a14:imgLayer r:embed="rId7">
+                    <a14:imgEffect>
+                      <a14:backgroundRemoval t="47300" b="99441" l="9091" r="99761">
+                        <a14:foregroundMark x1="58852" y1="75791" x2="58852" y2="75791"/>
+                        <a14:foregroundMark x1="35646" y1="70577" x2="52325" y2="73174"/>
+                        <a14:foregroundMark x1="53944" y1="85139" x2="54067" y2="89199"/>
+                        <a14:foregroundMark x1="54067" y1="89199" x2="68900" y2="80261"/>
+                        <a14:foregroundMark x1="68900" y1="80261" x2="86364" y2="88268"/>
+                        <a14:foregroundMark x1="92300" y1="73328" x2="93541" y2="70205"/>
+                        <a14:foregroundMark x1="86364" y1="88268" x2="87653" y2="85025"/>
+                        <a14:foregroundMark x1="93541" y1="70205" x2="72409" y2="57748"/>
+                        <a14:foregroundMark x1="66338" y1="56510" x2="74402" y2="64804"/>
+                        <a14:foregroundMark x1="74402" y1="64804" x2="61483" y2="66108"/>
+                        <a14:foregroundMark x1="61483" y1="66108" x2="57895" y2="72439"/>
+                        <a14:foregroundMark x1="57895" y1="72439" x2="77512" y2="70950"/>
+                        <a14:foregroundMark x1="77512" y1="70950" x2="84224" y2="76828"/>
+                        <a14:foregroundMark x1="93286" y1="74265" x2="96890" y2="71322"/>
+                        <a14:foregroundMark x1="96890" y1="71322" x2="96890" y2="71322"/>
+                        <a14:foregroundMark x1="96890" y1="71322" x2="93780" y2="70019"/>
+                        <a14:foregroundMark x1="93780" y1="70019" x2="94737" y2="69646"/>
+                        <a14:foregroundMark x1="89474" y1="68343" x2="99043" y2="70019"/>
+                        <a14:foregroundMark x1="75329" y1="58343" x2="69378" y2="65549"/>
+                        <a14:foregroundMark x1="77990" y1="55121" x2="75477" y2="58164"/>
+                        <a14:foregroundMark x1="73923" y1="61825" x2="75120" y2="58659"/>
+                        <a14:foregroundMark x1="58373" y1="59777" x2="49043" y2="49534"/>
+                        <a14:foregroundMark x1="62913" y1="57987" x2="63397" y2="58287"/>
+                        <a14:foregroundMark x1="60670" y1="56599" x2="62723" y2="57870"/>
+                        <a14:foregroundMark x1="52871" y1="51769" x2="57470" y2="54617"/>
+                        <a14:foregroundMark x1="59592" y1="52492" x2="57895" y2="49907"/>
+                        <a14:foregroundMark x1="62893" y1="57520" x2="61876" y2="55970"/>
+                        <a14:foregroundMark x1="63397" y1="58287" x2="63060" y2="57773"/>
+                        <a14:foregroundMark x1="57895" y1="49907" x2="48086" y2="47672"/>
+                        <a14:foregroundMark x1="75723" y1="58423" x2="79187" y2="62197"/>
+                        <a14:foregroundMark x1="79187" y1="62197" x2="78947" y2="48976"/>
+                        <a14:foregroundMark x1="78947" y1="48976" x2="86124" y2="52142"/>
+                        <a14:foregroundMark x1="86124" y1="52142" x2="80383" y2="60521"/>
+                        <a14:foregroundMark x1="74194" y1="56340" x2="81818" y2="50093"/>
+                        <a14:foregroundMark x1="81818" y1="50093" x2="86842" y2="49162"/>
+                        <a14:foregroundMark x1="86842" y1="49162" x2="82536" y2="48045"/>
+                        <a14:foregroundMark x1="50718" y1="88454" x2="55502" y2="90689"/>
+                        <a14:foregroundMark x1="51435" y1="89013" x2="53920" y2="85144"/>
+                        <a14:foregroundMark x1="36603" y1="69088" x2="53828" y2="68343"/>
+                        <a14:foregroundMark x1="82536" y1="89199" x2="86603" y2="91248"/>
+                        <a14:foregroundMark x1="84211" y1="90130" x2="79426" y2="85475"/>
+                        <a14:foregroundMark x1="95455" y1="68156" x2="99761" y2="69460"/>
+                        <a14:foregroundMark x1="86842" y1="51024" x2="86364" y2="49721"/>
+                        <a14:foregroundMark x1="49043" y1="96834" x2="11005" y2="97579"/>
+                        <a14:foregroundMark x1="11005" y1="97579" x2="10766" y2="97207"/>
+                        <a14:foregroundMark x1="10766" y1="97207" x2="38517" y2="95531"/>
+                        <a14:foregroundMark x1="38517" y1="95531" x2="9330" y2="95717"/>
+                        <a14:foregroundMark x1="9330" y1="95717" x2="12201" y2="99441"/>
+                        <a14:foregroundMark x1="16507" y1="99441" x2="50478" y2="97393"/>
+                        <a14:foregroundMark x1="50478" y1="97393" x2="52153" y2="97393"/>
+                        <a14:foregroundMark x1="52392" y1="95717" x2="40431" y2="96648"/>
+                        <a14:foregroundMark x1="49043" y1="98696" x2="52153" y2="97952"/>
+                        <a14:backgroundMark x1="50239" y1="74302" x2="53828" y2="77654"/>
+                        <a14:backgroundMark x1="56699" y1="80819" x2="38995" y2="84358"/>
+                        <a14:backgroundMark x1="82536" y1="81378" x2="91148" y2="81750"/>
+                        <a14:backgroundMark x1="63876" y1="55493" x2="67464" y2="50279"/>
+                        <a14:backgroundMark x1="73206" y1="54935" x2="63158" y2="52886"/>
+                        <a14:backgroundMark x1="63158" y1="52886" x2="69139" y2="47858"/>
+                        <a14:backgroundMark x1="59569" y1="52514" x2="65311" y2="53818"/>
+                        <a14:backgroundMark x1="87560" y1="75047" x2="91866" y2="79143"/>
+                      </a14:backgroundRemoval>
+                    </a14:imgEffect>
+                  </a14:imgLayer>
+                </a14:imgProps>
+              </a:ext>
+            </a:extLst>
+          </a:blip>
+          <a:srcRect l="33908" t="47211" b="8547"/>
+          <a:stretch/>
+        </p:blipFill>
+        <p:spPr>
+          <a:xfrm>
+            <a:off x="1391073" y="3372087"/>
+            <a:ext cx="1800000" cy="1547921"/>
+          </a:xfrm>
+          <a:prstGeom prst="rect">
+            <a:avLst/>
+          </a:prstGeom>
+        </p:spPr>
+      </p:pic>
+      <p:pic>
+        <p:nvPicPr>
+          <p:cNvPr id="6" name="그림 5">
+            <a:extLst>
+              <a:ext uri="{FF2B5EF4-FFF2-40B4-BE49-F238E27FC236}">
+                <a16:creationId xmlns:a16="http://schemas.microsoft.com/office/drawing/2014/main" id="{A409F981-4B17-751F-6F08-3B3F5109C59F}"/>
+              </a:ext>
+            </a:extLst>
+          </p:cNvPr>
+          <p:cNvPicPr>
+            <a:picLocks noChangeAspect="1"/>
+          </p:cNvPicPr>
+          <p:nvPr/>
+        </p:nvPicPr>
+        <p:blipFill rotWithShape="1">
+          <a:blip r:embed="rId8">
+            <a:extLst>
+              <a:ext uri="{BEBA8EAE-BF5A-486C-A8C5-ECC9F3942E4B}">
+                <a14:imgProps xmlns:a14="http://schemas.microsoft.com/office/drawing/2010/main">
+                  <a14:imgLayer r:embed="rId7">
+                    <a14:imgEffect>
+                      <a14:backgroundRemoval t="47300" b="99441" l="9091" r="99761">
+                        <a14:foregroundMark x1="58852" y1="75791" x2="58852" y2="75791"/>
+                        <a14:foregroundMark x1="35646" y1="70577" x2="52325" y2="73174"/>
+                        <a14:foregroundMark x1="53944" y1="85139" x2="54067" y2="89199"/>
+                        <a14:foregroundMark x1="54067" y1="89199" x2="68900" y2="80261"/>
+                        <a14:foregroundMark x1="68900" y1="80261" x2="86364" y2="88268"/>
+                        <a14:foregroundMark x1="92300" y1="73328" x2="93541" y2="70205"/>
+                        <a14:foregroundMark x1="86364" y1="88268" x2="87653" y2="85025"/>
+                        <a14:foregroundMark x1="93541" y1="70205" x2="72409" y2="57748"/>
+                        <a14:foregroundMark x1="66338" y1="56510" x2="74402" y2="64804"/>
+                        <a14:foregroundMark x1="74402" y1="64804" x2="61483" y2="66108"/>
+                        <a14:foregroundMark x1="61483" y1="66108" x2="57895" y2="72439"/>
+                        <a14:foregroundMark x1="57895" y1="72439" x2="77512" y2="70950"/>
+                        <a14:foregroundMark x1="77512" y1="70950" x2="84224" y2="76828"/>
+                        <a14:foregroundMark x1="93286" y1="74265" x2="96890" y2="71322"/>
+                        <a14:foregroundMark x1="96890" y1="71322" x2="96890" y2="71322"/>
+                        <a14:foregroundMark x1="96890" y1="71322" x2="93780" y2="70019"/>
+                        <a14:foregroundMark x1="93780" y1="70019" x2="94737" y2="69646"/>
+                        <a14:foregroundMark x1="89474" y1="68343" x2="99043" y2="70019"/>
+                        <a14:foregroundMark x1="75329" y1="58343" x2="69378" y2="65549"/>
+                        <a14:foregroundMark x1="77990" y1="55121" x2="75477" y2="58164"/>
+                        <a14:foregroundMark x1="73923" y1="61825" x2="75120" y2="58659"/>
+                        <a14:foregroundMark x1="58373" y1="59777" x2="49043" y2="49534"/>
+                        <a14:foregroundMark x1="62913" y1="57987" x2="63397" y2="58287"/>
+                        <a14:foregroundMark x1="60670" y1="56599" x2="62723" y2="57870"/>
+                        <a14:foregroundMark x1="52871" y1="51769" x2="57470" y2="54617"/>
+                        <a14:foregroundMark x1="59592" y1="52492" x2="57895" y2="49907"/>
+                        <a14:foregroundMark x1="62893" y1="57520" x2="61876" y2="55970"/>
+                        <a14:foregroundMark x1="63397" y1="58287" x2="63060" y2="57773"/>
+                        <a14:foregroundMark x1="57895" y1="49907" x2="48086" y2="47672"/>
+                        <a14:foregroundMark x1="75723" y1="58423" x2="79187" y2="62197"/>
+                        <a14:foregroundMark x1="79187" y1="62197" x2="78947" y2="48976"/>
+                        <a14:foregroundMark x1="78947" y1="48976" x2="86124" y2="52142"/>
+                        <a14:foregroundMark x1="86124" y1="52142" x2="80383" y2="60521"/>
+                        <a14:foregroundMark x1="74194" y1="56340" x2="81818" y2="50093"/>
+                        <a14:foregroundMark x1="81818" y1="50093" x2="86842" y2="49162"/>
+                        <a14:foregroundMark x1="86842" y1="49162" x2="82536" y2="48045"/>
+                        <a14:foregroundMark x1="50718" y1="88454" x2="55502" y2="90689"/>
+                        <a14:foregroundMark x1="51435" y1="89013" x2="53920" y2="85144"/>
+                        <a14:foregroundMark x1="36603" y1="69088" x2="53828" y2="68343"/>
+                        <a14:foregroundMark x1="82536" y1="89199" x2="86603" y2="91248"/>
+                        <a14:foregroundMark x1="84211" y1="90130" x2="79426" y2="85475"/>
+                        <a14:foregroundMark x1="95455" y1="68156" x2="99761" y2="69460"/>
+                        <a14:foregroundMark x1="86842" y1="51024" x2="86364" y2="49721"/>
+                        <a14:foregroundMark x1="49043" y1="96834" x2="11005" y2="97579"/>
+                        <a14:foregroundMark x1="11005" y1="97579" x2="10766" y2="97207"/>
+                        <a14:foregroundMark x1="10766" y1="97207" x2="38517" y2="95531"/>
+                        <a14:foregroundMark x1="38517" y1="95531" x2="9330" y2="95717"/>
+                        <a14:foregroundMark x1="9330" y1="95717" x2="12201" y2="99441"/>
+                        <a14:foregroundMark x1="16507" y1="99441" x2="50478" y2="97393"/>
+                        <a14:foregroundMark x1="50478" y1="97393" x2="52153" y2="97393"/>
+                        <a14:foregroundMark x1="52392" y1="95717" x2="40431" y2="96648"/>
+                        <a14:foregroundMark x1="49043" y1="98696" x2="52153" y2="97952"/>
+                        <a14:backgroundMark x1="50239" y1="74302" x2="53828" y2="77654"/>
+                        <a14:backgroundMark x1="56699" y1="80819" x2="38995" y2="84358"/>
+                        <a14:backgroundMark x1="82536" y1="81378" x2="91148" y2="81750"/>
+                        <a14:backgroundMark x1="63876" y1="55493" x2="67464" y2="50279"/>
+                        <a14:backgroundMark x1="73206" y1="54935" x2="63158" y2="52886"/>
+                        <a14:backgroundMark x1="63158" y1="52886" x2="69139" y2="47858"/>
+                        <a14:backgroundMark x1="59569" y1="52514" x2="65311" y2="53818"/>
+                        <a14:backgroundMark x1="87560" y1="75047" x2="91866" y2="79143"/>
+                      </a14:backgroundRemoval>
+                    </a14:imgEffect>
+                  </a14:imgLayer>
+                </a14:imgProps>
+              </a:ext>
+            </a:extLst>
+          </a:blip>
+          <a:srcRect l="10023" t="93781" r="45225"/>
+          <a:stretch/>
+        </p:blipFill>
+        <p:spPr>
+          <a:xfrm>
+            <a:off x="1283305" y="3761389"/>
+            <a:ext cx="1235460" cy="220567"/>
+          </a:xfrm>
+          <a:prstGeom prst="rect">
+            <a:avLst/>
+          </a:prstGeom>
+        </p:spPr>
+      </p:pic>
+      <p:pic>
+        <p:nvPicPr>
+          <p:cNvPr id="7" name="그림 6">
+            <a:extLst>
+              <a:ext uri="{FF2B5EF4-FFF2-40B4-BE49-F238E27FC236}">
+                <a16:creationId xmlns:a16="http://schemas.microsoft.com/office/drawing/2014/main" id="{9662485E-F5B5-B0EB-F28C-B69985ECA340}"/>
+              </a:ext>
+            </a:extLst>
+          </p:cNvPr>
+          <p:cNvPicPr>
+            <a:picLocks noChangeAspect="1"/>
+          </p:cNvPicPr>
+          <p:nvPr/>
+        </p:nvPicPr>
+        <p:blipFill rotWithShape="1">
+          <a:blip r:embed="rId6">
+            <a:extLst>
+              <a:ext uri="{BEBA8EAE-BF5A-486C-A8C5-ECC9F3942E4B}">
+                <a14:imgProps xmlns:a14="http://schemas.microsoft.com/office/drawing/2010/main">
+                  <a14:imgLayer r:embed="rId7">
+                    <a14:imgEffect>
+                      <a14:backgroundRemoval t="3911" b="41341" l="1914" r="92344">
+                        <a14:foregroundMark x1="40191" y1="32030" x2="72727" y2="33333"/>
+                        <a14:foregroundMark x1="72727" y1="33333" x2="81818" y2="14711"/>
+                        <a14:foregroundMark x1="81818" y1="14711" x2="58852" y2="6518"/>
+                        <a14:foregroundMark x1="58852" y1="6518" x2="49282" y2="28678"/>
+                        <a14:foregroundMark x1="49282" y1="28678" x2="55024" y2="33147"/>
+                        <a14:foregroundMark x1="10590" y1="39981" x2="29364" y2="39855"/>
+                        <a14:foregroundMark x1="29364" y1="39505" x2="10064" y2="37443"/>
+                        <a14:foregroundMark x1="10587" y1="39964" x2="16029" y2="40223"/>
+                        <a14:foregroundMark x1="10885" y1="41823" x2="29364" y2="41041"/>
+                        <a14:foregroundMark x1="29364" y1="40404" x2="17464" y2="38734"/>
+                        <a14:foregroundMark x1="17464" y1="38734" x2="29364" y2="39335"/>
+                        <a14:foregroundMark x1="29364" y1="38920" x2="26794" y2="38920"/>
+                        <a14:foregroundMark x1="26794" y1="38920" x2="29364" y2="38833"/>
+                        <a14:foregroundMark x1="29364" y1="38535" x2="21292" y2="37989"/>
+                        <a14:foregroundMark x1="40909" y1="4655" x2="81100" y2="6890"/>
+                        <a14:foregroundMark x1="38756" y1="4283" x2="67943" y2="4469"/>
+                        <a14:foregroundMark x1="67943" y1="4469" x2="90431" y2="4283"/>
+                        <a14:foregroundMark x1="90431" y1="4283" x2="41866" y2="3911"/>
+                        <a14:foregroundMark x1="41866" y1="3911" x2="38278" y2="4469"/>
+                        <a14:foregroundMark x1="65072" y1="22160" x2="57895" y2="23464"/>
+                        <a14:foregroundMark x1="39474" y1="33147" x2="78469" y2="33706"/>
+                        <a14:foregroundMark x1="78469" y1="33706" x2="48086" y2="31471"/>
+                        <a14:foregroundMark x1="65311" y1="32775" x2="90191" y2="32402"/>
+                        <a14:foregroundMark x1="90191" y1="32402" x2="74163" y2="32030"/>
+                        <a14:foregroundMark x1="74163" y1="32030" x2="87321" y2="32775"/>
+                        <a14:foregroundMark x1="87321" y1="32775" x2="81579" y2="35382"/>
+                        <a14:foregroundMark x1="81579" y1="35382" x2="92344" y2="32961"/>
+                        <a14:backgroundMark x1="4785" y1="36872" x2="5502" y2="40223"/>
+                        <a14:backgroundMark x1="5502" y1="40223" x2="5981" y2="43203"/>
+                        <a14:backgroundMark x1="36603" y1="38175" x2="40431" y2="40782"/>
+                        <a14:backgroundMark x1="35646" y1="42458" x2="34450" y2="36685"/>
+                        <a14:backgroundMark x1="34450" y1="37244" x2="34450" y2="44320"/>
+                      </a14:backgroundRemoval>
+                    </a14:imgEffect>
+                  </a14:imgLayer>
+                </a14:imgProps>
+              </a:ext>
+            </a:extLst>
+          </a:blip>
+          <a:srcRect l="34938" t="1" b="63069"/>
+          <a:stretch/>
+        </p:blipFill>
+        <p:spPr>
+          <a:xfrm>
+            <a:off x="1527551" y="1903291"/>
+            <a:ext cx="1800000" cy="1312586"/>
+          </a:xfrm>
+          <a:prstGeom prst="rect">
+            <a:avLst/>
+          </a:prstGeom>
+        </p:spPr>
+      </p:pic>
     </p:spTree>
     <p:extLst>
       <p:ext uri="{BB962C8B-B14F-4D97-AF65-F5344CB8AC3E}">
@@ -9350,10 +11346,10 @@
       </p:grpSpPr>
       <p:sp>
         <p:nvSpPr>
-          <p:cNvPr id="2" name="TextBox 1">
+          <p:cNvPr id="10" name="TextBox 9">
             <a:extLst>
               <a:ext uri="{FF2B5EF4-FFF2-40B4-BE49-F238E27FC236}">
-                <a16:creationId xmlns:a16="http://schemas.microsoft.com/office/drawing/2014/main" id="{1A0E440C-C7C9-48AA-EDF9-CAE74E276BA6}"/>
+                <a16:creationId xmlns:a16="http://schemas.microsoft.com/office/drawing/2014/main" id="{4B372152-A126-4F72-8661-C3090D7701E4}"/>
               </a:ext>
             </a:extLst>
           </p:cNvPr>
@@ -9362,8 +11358,8 @@
         </p:nvSpPr>
         <p:spPr>
           <a:xfrm>
-            <a:off x="1442882" y="772006"/>
-            <a:ext cx="10053718" cy="677108"/>
+            <a:off x="1442882" y="764704"/>
+            <a:ext cx="10053718" cy="707886"/>
           </a:xfrm>
           <a:prstGeom prst="rect">
             <a:avLst/>
@@ -9377,23 +11373,29 @@
           <a:lstStyle/>
           <a:p>
             <a:r>
-              <a:rPr lang="en-US" altLang="ko-KR" sz="3800" dirty="0">
+              <a:rPr lang="en-US" altLang="ko-KR" sz="4000" dirty="0" err="1">
                 <a:solidFill>
                   <a:srgbClr val="072A60"/>
                 </a:solidFill>
                 <a:latin typeface="Garamond" panose="02020404030301010803" pitchFamily="18" charset="0"/>
               </a:rPr>
-              <a:t>GO, RGO, Graphite – Experiment result</a:t>
-            </a:r>
+              <a:t>MXenes</a:t>
+            </a:r>
+            <a:endParaRPr lang="en-US" altLang="ko-KR" sz="4000" dirty="0">
+              <a:solidFill>
+                <a:srgbClr val="072A60"/>
+              </a:solidFill>
+              <a:latin typeface="Garamond" panose="02020404030301010803" pitchFamily="18" charset="0"/>
+            </a:endParaRPr>
           </a:p>
         </p:txBody>
       </p:sp>
       <p:pic>
         <p:nvPicPr>
-          <p:cNvPr id="11" name="그림 10">
+          <p:cNvPr id="35" name="그림 34">
             <a:extLst>
               <a:ext uri="{FF2B5EF4-FFF2-40B4-BE49-F238E27FC236}">
-                <a16:creationId xmlns:a16="http://schemas.microsoft.com/office/drawing/2014/main" id="{737BFB5F-2554-280B-814A-9ADC5785CD09}"/>
+                <a16:creationId xmlns:a16="http://schemas.microsoft.com/office/drawing/2014/main" id="{DDEB1AC9-E417-4576-9B02-5668C69DB0D7}"/>
               </a:ext>
             </a:extLst>
           </p:cNvPr>
@@ -9402,21 +11404,471 @@
           </p:cNvPicPr>
           <p:nvPr/>
         </p:nvPicPr>
-        <p:blipFill rotWithShape="1">
-          <a:blip r:embed="rId2">
+        <p:blipFill>
+          <a:blip r:embed="rId3">
             <a:extLst>
               <a:ext uri="{28A0092B-C50C-407E-A947-70E740481C1C}">
                 <a14:useLocalDpi xmlns:a14="http://schemas.microsoft.com/office/drawing/2010/main" val="0"/>
               </a:ext>
             </a:extLst>
           </a:blip>
-          <a:srcRect l="2430" b="3626"/>
-          <a:stretch/>
+          <a:stretch>
+            <a:fillRect/>
+          </a:stretch>
         </p:blipFill>
         <p:spPr>
           <a:xfrm>
-            <a:off x="1055440" y="1628800"/>
-            <a:ext cx="6885366" cy="4680520"/>
+            <a:off x="479376" y="308463"/>
+            <a:ext cx="72008" cy="96201"/>
+          </a:xfrm>
+          <a:prstGeom prst="rect">
+            <a:avLst/>
+          </a:prstGeom>
+        </p:spPr>
+      </p:pic>
+      <mc:AlternateContent xmlns:mc="http://schemas.openxmlformats.org/markup-compatibility/2006">
+        <mc:Choice xmlns:a14="http://schemas.microsoft.com/office/drawing/2010/main" Requires="a14">
+          <p:sp>
+            <p:nvSpPr>
+              <p:cNvPr id="9" name="TextBox 8">
+                <a:extLst>
+                  <a:ext uri="{FF2B5EF4-FFF2-40B4-BE49-F238E27FC236}">
+                    <a16:creationId xmlns:a16="http://schemas.microsoft.com/office/drawing/2014/main" id="{9250E47A-CADC-313D-4F8D-B6915AA1C92B}"/>
+                  </a:ext>
+                </a:extLst>
+              </p:cNvPr>
+              <p:cNvSpPr txBox="1"/>
+              <p:nvPr/>
+            </p:nvSpPr>
+            <p:spPr>
+              <a:xfrm>
+                <a:off x="5797295" y="1761502"/>
+                <a:ext cx="5400600" cy="3046988"/>
+              </a:xfrm>
+              <a:prstGeom prst="rect">
+                <a:avLst/>
+              </a:prstGeom>
+              <a:noFill/>
+            </p:spPr>
+            <p:txBody>
+              <a:bodyPr wrap="square">
+                <a:spAutoFit/>
+              </a:bodyPr>
+              <a:lstStyle/>
+              <a:p>
+                <a:pPr algn="just"/>
+                <a:r>
+                  <a:rPr lang="en-US" altLang="ko-KR" sz="2400" dirty="0">
+                    <a:solidFill>
+                      <a:srgbClr val="072A60"/>
+                    </a:solidFill>
+                    <a:latin typeface="Garamond" panose="02020404030301010803" pitchFamily="18" charset="0"/>
+                  </a:rPr>
+                  <a:t>MXenes are produced by selective etching of the A element from the MAX phases.</a:t>
+                </a:r>
+              </a:p>
+              <a:p>
+                <a:pPr marL="342900" indent="-342900" algn="just">
+                  <a:buFont typeface="Arial" panose="020B0604020202020204" pitchFamily="34" charset="0"/>
+                  <a:buChar char="•"/>
+                </a:pPr>
+                <a:endParaRPr lang="en-US" altLang="ko-KR" sz="2400" dirty="0">
+                  <a:solidFill>
+                    <a:srgbClr val="072A60"/>
+                  </a:solidFill>
+                  <a:latin typeface="Garamond" panose="02020404030301010803" pitchFamily="18" charset="0"/>
+                </a:endParaRPr>
+              </a:p>
+              <a:p>
+                <a:pPr marL="342900" indent="-342900" algn="just">
+                  <a:buFont typeface="Arial" panose="020B0604020202020204" pitchFamily="34" charset="0"/>
+                  <a:buChar char="•"/>
+                </a:pPr>
+                <a:r>
+                  <a:rPr lang="en-US" altLang="ko-KR" sz="2400" dirty="0">
+                    <a:solidFill>
+                      <a:srgbClr val="072A60"/>
+                    </a:solidFill>
+                    <a:latin typeface="Garamond" panose="02020404030301010803" pitchFamily="18" charset="0"/>
+                  </a:rPr>
+                  <a:t>M : an early transition metal</a:t>
+                </a:r>
+              </a:p>
+              <a:p>
+                <a:pPr marL="342900" indent="-342900" algn="just">
+                  <a:buFont typeface="Arial" panose="020B0604020202020204" pitchFamily="34" charset="0"/>
+                  <a:buChar char="•"/>
+                </a:pPr>
+                <a:r>
+                  <a:rPr lang="en-US" altLang="ko-KR" sz="2400" dirty="0">
+                    <a:solidFill>
+                      <a:srgbClr val="072A60"/>
+                    </a:solidFill>
+                    <a:latin typeface="Garamond" panose="02020404030301010803" pitchFamily="18" charset="0"/>
+                  </a:rPr>
+                  <a:t>A : A-group(mostly 13, 14 groups)</a:t>
+                </a:r>
+              </a:p>
+              <a:p>
+                <a:pPr marL="342900" indent="-342900" algn="just">
+                  <a:buFont typeface="Arial" panose="020B0604020202020204" pitchFamily="34" charset="0"/>
+                  <a:buChar char="•"/>
+                </a:pPr>
+                <a:r>
+                  <a:rPr lang="en-US" altLang="ko-KR" sz="2400" dirty="0">
+                    <a:solidFill>
+                      <a:srgbClr val="072A60"/>
+                    </a:solidFill>
+                    <a:latin typeface="Garamond" panose="02020404030301010803" pitchFamily="18" charset="0"/>
+                  </a:rPr>
+                  <a:t>X : C or N</a:t>
+                </a:r>
+              </a:p>
+              <a:p>
+                <a:pPr algn="just"/>
+                <a:endParaRPr lang="en-US" altLang="ko-KR" sz="2400" dirty="0">
+                  <a:solidFill>
+                    <a:srgbClr val="072A60"/>
+                  </a:solidFill>
+                  <a:latin typeface="Garamond" panose="02020404030301010803" pitchFamily="18" charset="0"/>
+                </a:endParaRPr>
+              </a:p>
+              <a:p>
+                <a:pPr algn="just"/>
+                <a:r>
+                  <a:rPr lang="en-US" altLang="ko-KR" sz="2400" dirty="0">
+                    <a:solidFill>
+                      <a:srgbClr val="072A60"/>
+                    </a:solidFill>
+                    <a:latin typeface="Garamond" panose="02020404030301010803" pitchFamily="18" charset="0"/>
+                  </a:rPr>
+                  <a:t>Ex) </a:t>
+                </a:r>
+                <a14:m>
+                  <m:oMath xmlns:m="http://schemas.openxmlformats.org/officeDocument/2006/math">
+                    <m:r>
+                      <m:rPr>
+                        <m:sty m:val="p"/>
+                      </m:rPr>
+                      <a:rPr lang="en-US" altLang="ko-KR" sz="2400" b="0" i="0" smtClean="0">
+                        <a:solidFill>
+                          <a:srgbClr val="072A60"/>
+                        </a:solidFill>
+                        <a:latin typeface="Cambria Math" panose="02040503050406030204" pitchFamily="18" charset="0"/>
+                      </a:rPr>
+                      <m:t>T</m:t>
+                    </m:r>
+                    <m:sSub>
+                      <m:sSubPr>
+                        <m:ctrlPr>
+                          <a:rPr lang="en-US" altLang="ko-KR" sz="2400" b="0" smtClean="0">
+                            <a:solidFill>
+                              <a:srgbClr val="072A60"/>
+                            </a:solidFill>
+                            <a:latin typeface="Cambria Math" panose="02040503050406030204" pitchFamily="18" charset="0"/>
+                          </a:rPr>
+                        </m:ctrlPr>
+                      </m:sSubPr>
+                      <m:e>
+                        <m:r>
+                          <m:rPr>
+                            <m:sty m:val="p"/>
+                          </m:rPr>
+                          <a:rPr lang="en-US" altLang="ko-KR" sz="2400" b="0" i="0" smtClean="0">
+                            <a:solidFill>
+                              <a:srgbClr val="072A60"/>
+                            </a:solidFill>
+                            <a:latin typeface="Cambria Math" panose="02040503050406030204" pitchFamily="18" charset="0"/>
+                          </a:rPr>
+                          <m:t>i</m:t>
+                        </m:r>
+                      </m:e>
+                      <m:sub>
+                        <m:r>
+                          <a:rPr lang="en-US" altLang="ko-KR" sz="2400" b="0" i="0" smtClean="0">
+                            <a:solidFill>
+                              <a:srgbClr val="072A60"/>
+                            </a:solidFill>
+                            <a:latin typeface="Cambria Math" panose="02040503050406030204" pitchFamily="18" charset="0"/>
+                          </a:rPr>
+                          <m:t>2</m:t>
+                        </m:r>
+                      </m:sub>
+                    </m:sSub>
+                    <m:r>
+                      <m:rPr>
+                        <m:sty m:val="p"/>
+                      </m:rPr>
+                      <a:rPr lang="en-US" altLang="ko-KR" sz="2400" b="0" i="0" smtClean="0">
+                        <a:solidFill>
+                          <a:srgbClr val="072A60"/>
+                        </a:solidFill>
+                        <a:latin typeface="Cambria Math" panose="02040503050406030204" pitchFamily="18" charset="0"/>
+                      </a:rPr>
+                      <m:t>AlC</m:t>
+                    </m:r>
+                    <m:r>
+                      <a:rPr lang="en-US" altLang="ko-KR" sz="2400" b="0" i="0" smtClean="0">
+                        <a:solidFill>
+                          <a:srgbClr val="072A60"/>
+                        </a:solidFill>
+                        <a:latin typeface="Cambria Math" panose="02040503050406030204" pitchFamily="18" charset="0"/>
+                      </a:rPr>
+                      <m:t>, </m:t>
+                    </m:r>
+                    <m:sSub>
+                      <m:sSubPr>
+                        <m:ctrlPr>
+                          <a:rPr lang="en-US" altLang="ko-KR" sz="2400" b="0" i="0" smtClean="0">
+                            <a:solidFill>
+                              <a:srgbClr val="072A60"/>
+                            </a:solidFill>
+                            <a:latin typeface="Cambria Math" panose="02040503050406030204" pitchFamily="18" charset="0"/>
+                          </a:rPr>
+                        </m:ctrlPr>
+                      </m:sSubPr>
+                      <m:e>
+                        <m:r>
+                          <a:rPr lang="en-US" altLang="ko-KR" sz="2400" b="0" i="0" smtClean="0">
+                            <a:solidFill>
+                              <a:srgbClr val="072A60"/>
+                            </a:solidFill>
+                            <a:latin typeface="Cambria Math" panose="02040503050406030204" pitchFamily="18" charset="0"/>
+                          </a:rPr>
+                          <m:t> </m:t>
+                        </m:r>
+                        <m:r>
+                          <m:rPr>
+                            <m:sty m:val="p"/>
+                          </m:rPr>
+                          <a:rPr lang="en-US" altLang="ko-KR" sz="2400" b="0" i="0" smtClean="0">
+                            <a:solidFill>
+                              <a:srgbClr val="072A60"/>
+                            </a:solidFill>
+                            <a:latin typeface="Cambria Math" panose="02040503050406030204" pitchFamily="18" charset="0"/>
+                          </a:rPr>
+                          <m:t>Ti</m:t>
+                        </m:r>
+                      </m:e>
+                      <m:sub>
+                        <m:r>
+                          <a:rPr lang="en-US" altLang="ko-KR" sz="2400" b="0" i="0" smtClean="0">
+                            <a:solidFill>
+                              <a:srgbClr val="072A60"/>
+                            </a:solidFill>
+                            <a:latin typeface="Cambria Math" panose="02040503050406030204" pitchFamily="18" charset="0"/>
+                          </a:rPr>
+                          <m:t>3</m:t>
+                        </m:r>
+                      </m:sub>
+                    </m:sSub>
+                    <m:sSub>
+                      <m:sSubPr>
+                        <m:ctrlPr>
+                          <a:rPr lang="en-US" altLang="ko-KR" sz="2400" b="0" i="0" smtClean="0">
+                            <a:solidFill>
+                              <a:srgbClr val="072A60"/>
+                            </a:solidFill>
+                            <a:latin typeface="Cambria Math" panose="02040503050406030204" pitchFamily="18" charset="0"/>
+                          </a:rPr>
+                        </m:ctrlPr>
+                      </m:sSubPr>
+                      <m:e>
+                        <m:r>
+                          <m:rPr>
+                            <m:sty m:val="p"/>
+                          </m:rPr>
+                          <a:rPr lang="en-US" altLang="ko-KR" sz="2400" b="0" i="0" smtClean="0">
+                            <a:solidFill>
+                              <a:srgbClr val="072A60"/>
+                            </a:solidFill>
+                            <a:latin typeface="Cambria Math" panose="02040503050406030204" pitchFamily="18" charset="0"/>
+                          </a:rPr>
+                          <m:t>AlC</m:t>
+                        </m:r>
+                      </m:e>
+                      <m:sub>
+                        <m:r>
+                          <a:rPr lang="en-US" altLang="ko-KR" sz="2400" b="0" i="0" smtClean="0">
+                            <a:solidFill>
+                              <a:srgbClr val="072A60"/>
+                            </a:solidFill>
+                            <a:latin typeface="Cambria Math" panose="02040503050406030204" pitchFamily="18" charset="0"/>
+                          </a:rPr>
+                          <m:t>2</m:t>
+                        </m:r>
+                      </m:sub>
+                    </m:sSub>
+                    <m:r>
+                      <a:rPr lang="en-US" altLang="ko-KR" sz="2400" b="0" i="0" smtClean="0">
+                        <a:solidFill>
+                          <a:srgbClr val="072A60"/>
+                        </a:solidFill>
+                        <a:latin typeface="Cambria Math" panose="02040503050406030204" pitchFamily="18" charset="0"/>
+                      </a:rPr>
+                      <m:t>,  </m:t>
+                    </m:r>
+                    <m:sSub>
+                      <m:sSubPr>
+                        <m:ctrlPr>
+                          <a:rPr lang="en-US" altLang="ko-KR" sz="2400" b="0" i="0" smtClean="0">
+                            <a:solidFill>
+                              <a:srgbClr val="072A60"/>
+                            </a:solidFill>
+                            <a:latin typeface="Cambria Math" panose="02040503050406030204" pitchFamily="18" charset="0"/>
+                          </a:rPr>
+                        </m:ctrlPr>
+                      </m:sSubPr>
+                      <m:e>
+                        <m:r>
+                          <m:rPr>
+                            <m:sty m:val="p"/>
+                          </m:rPr>
+                          <a:rPr lang="en-US" altLang="ko-KR" sz="2400" b="0" i="0" smtClean="0">
+                            <a:solidFill>
+                              <a:srgbClr val="072A60"/>
+                            </a:solidFill>
+                            <a:latin typeface="Cambria Math" panose="02040503050406030204" pitchFamily="18" charset="0"/>
+                          </a:rPr>
+                          <m:t>Ta</m:t>
+                        </m:r>
+                      </m:e>
+                      <m:sub>
+                        <m:r>
+                          <a:rPr lang="en-US" altLang="ko-KR" sz="2400" b="0" i="0" smtClean="0">
+                            <a:solidFill>
+                              <a:srgbClr val="072A60"/>
+                            </a:solidFill>
+                            <a:latin typeface="Cambria Math" panose="02040503050406030204" pitchFamily="18" charset="0"/>
+                          </a:rPr>
+                          <m:t>4</m:t>
+                        </m:r>
+                      </m:sub>
+                    </m:sSub>
+                    <m:sSub>
+                      <m:sSubPr>
+                        <m:ctrlPr>
+                          <a:rPr lang="en-US" altLang="ko-KR" sz="2400" b="0" i="0" smtClean="0">
+                            <a:solidFill>
+                              <a:srgbClr val="072A60"/>
+                            </a:solidFill>
+                            <a:latin typeface="Cambria Math" panose="02040503050406030204" pitchFamily="18" charset="0"/>
+                          </a:rPr>
+                        </m:ctrlPr>
+                      </m:sSubPr>
+                      <m:e>
+                        <m:r>
+                          <m:rPr>
+                            <m:sty m:val="p"/>
+                          </m:rPr>
+                          <a:rPr lang="en-US" altLang="ko-KR" sz="2400" b="0" i="0" smtClean="0">
+                            <a:solidFill>
+                              <a:srgbClr val="072A60"/>
+                            </a:solidFill>
+                            <a:latin typeface="Cambria Math" panose="02040503050406030204" pitchFamily="18" charset="0"/>
+                          </a:rPr>
+                          <m:t>AlC</m:t>
+                        </m:r>
+                      </m:e>
+                      <m:sub>
+                        <m:r>
+                          <a:rPr lang="en-US" altLang="ko-KR" sz="2400" b="0" i="0" smtClean="0">
+                            <a:solidFill>
+                              <a:srgbClr val="072A60"/>
+                            </a:solidFill>
+                            <a:latin typeface="Cambria Math" panose="02040503050406030204" pitchFamily="18" charset="0"/>
+                          </a:rPr>
+                          <m:t>3</m:t>
+                        </m:r>
+                      </m:sub>
+                    </m:sSub>
+                  </m:oMath>
+                </a14:m>
+                <a:endParaRPr lang="en-US" altLang="ko-KR" sz="2400" dirty="0">
+                  <a:solidFill>
+                    <a:srgbClr val="072A60"/>
+                  </a:solidFill>
+                  <a:latin typeface="Garamond" panose="02020404030301010803" pitchFamily="18" charset="0"/>
+                </a:endParaRPr>
+              </a:p>
+            </p:txBody>
+          </p:sp>
+        </mc:Choice>
+        <mc:Fallback>
+          <p:sp>
+            <p:nvSpPr>
+              <p:cNvPr id="9" name="TextBox 8">
+                <a:extLst>
+                  <a:ext uri="{FF2B5EF4-FFF2-40B4-BE49-F238E27FC236}">
+                    <a16:creationId xmlns:a16="http://schemas.microsoft.com/office/drawing/2014/main" id="{9250E47A-CADC-313D-4F8D-B6915AA1C92B}"/>
+                  </a:ext>
+                </a:extLst>
+              </p:cNvPr>
+              <p:cNvSpPr txBox="1">
+                <a:spLocks noRot="1" noChangeAspect="1" noMove="1" noResize="1" noEditPoints="1" noAdjustHandles="1" noChangeArrowheads="1" noChangeShapeType="1" noTextEdit="1"/>
+              </p:cNvSpPr>
+              <p:nvPr/>
+            </p:nvSpPr>
+            <p:spPr>
+              <a:xfrm>
+                <a:off x="5797295" y="1761502"/>
+                <a:ext cx="5400600" cy="3046988"/>
+              </a:xfrm>
+              <a:prstGeom prst="rect">
+                <a:avLst/>
+              </a:prstGeom>
+              <a:blipFill>
+                <a:blip r:embed="rId4"/>
+                <a:stretch>
+                  <a:fillRect l="-1693" t="-1600" r="-1693" b="-3600"/>
+                </a:stretch>
+              </a:blipFill>
+            </p:spPr>
+            <p:txBody>
+              <a:bodyPr/>
+              <a:lstStyle/>
+              <a:p>
+                <a:r>
+                  <a:rPr lang="ko-KR" altLang="en-US">
+                    <a:noFill/>
+                  </a:rPr>
+                  <a:t> </a:t>
+                </a:r>
+              </a:p>
+            </p:txBody>
+          </p:sp>
+        </mc:Fallback>
+      </mc:AlternateContent>
+      <p:pic>
+        <p:nvPicPr>
+          <p:cNvPr id="8" name="그림 7">
+            <a:extLst>
+              <a:ext uri="{FF2B5EF4-FFF2-40B4-BE49-F238E27FC236}">
+                <a16:creationId xmlns:a16="http://schemas.microsoft.com/office/drawing/2014/main" id="{F2CA0273-492B-7E87-AD98-A65869CC816E}"/>
+              </a:ext>
+            </a:extLst>
+          </p:cNvPr>
+          <p:cNvPicPr>
+            <a:picLocks noChangeAspect="1"/>
+          </p:cNvPicPr>
+          <p:nvPr/>
+        </p:nvPicPr>
+        <p:blipFill>
+          <a:blip r:embed="rId5">
+            <a:extLst>
+              <a:ext uri="{28A0092B-C50C-407E-A947-70E740481C1C}">
+                <a14:useLocalDpi xmlns:a14="http://schemas.microsoft.com/office/drawing/2010/main" val="0"/>
+              </a:ext>
+            </a:extLst>
+          </a:blip>
+          <a:stretch>
+            <a:fillRect/>
+          </a:stretch>
+        </p:blipFill>
+        <p:spPr>
+          <a:xfrm>
+            <a:off x="695400" y="1501934"/>
+            <a:ext cx="4633362" cy="4397121"/>
           </a:xfrm>
           <a:prstGeom prst="rect">
             <a:avLst/>
@@ -9426,20 +11878,20 @@
     </p:spTree>
     <p:extLst>
       <p:ext uri="{BB962C8B-B14F-4D97-AF65-F5344CB8AC3E}">
-        <p14:creationId xmlns:p14="http://schemas.microsoft.com/office/powerpoint/2010/main" val="4039343015"/>
+        <p14:creationId xmlns:p14="http://schemas.microsoft.com/office/powerpoint/2010/main" val="2587943892"/>
       </p:ext>
     </p:extLst>
   </p:cSld>
   <p:clrMapOvr>
     <a:masterClrMapping/>
   </p:clrMapOvr>
-  <mc:AlternateContent xmlns:mc="http://schemas.openxmlformats.org/markup-compatibility/2006" xmlns:p14="http://schemas.microsoft.com/office/powerpoint/2010/main">
-    <mc:Choice Requires="p14">
+  <mc:AlternateContent xmlns:mc="http://schemas.openxmlformats.org/markup-compatibility/2006">
+    <mc:Choice xmlns:p14="http://schemas.microsoft.com/office/powerpoint/2010/main" Requires="p14">
       <p:transition spd="med" p14:dur="700">
         <p:fade/>
       </p:transition>
     </mc:Choice>
-    <mc:Fallback xmlns="">
+    <mc:Fallback>
       <p:transition spd="med">
         <p:fade/>
       </p:transition>
@@ -9479,8 +11931,8 @@
         </p:nvSpPr>
         <p:spPr>
           <a:xfrm>
-            <a:off x="1487488" y="764704"/>
-            <a:ext cx="10053718" cy="707886"/>
+            <a:off x="1442882" y="772006"/>
+            <a:ext cx="10053718" cy="677108"/>
           </a:xfrm>
           <a:prstGeom prst="rect">
             <a:avLst/>
@@ -9494,23 +11946,23 @@
           <a:lstStyle/>
           <a:p>
             <a:r>
-              <a:rPr lang="en-US" altLang="ko-KR" sz="4000" dirty="0">
+              <a:rPr lang="en-US" altLang="ko-KR" sz="3800" dirty="0">
                 <a:solidFill>
                   <a:srgbClr val="072A60"/>
                 </a:solidFill>
                 <a:latin typeface="Garamond" panose="02020404030301010803" pitchFamily="18" charset="0"/>
               </a:rPr>
-              <a:t>GO, RGO, Graphite</a:t>
+              <a:t>GO, RGO, Graphite – Experiment result</a:t>
             </a:r>
           </a:p>
         </p:txBody>
       </p:sp>
       <p:pic>
         <p:nvPicPr>
-          <p:cNvPr id="4" name="그림 3">
+          <p:cNvPr id="11" name="그림 10">
             <a:extLst>
               <a:ext uri="{FF2B5EF4-FFF2-40B4-BE49-F238E27FC236}">
-                <a16:creationId xmlns:a16="http://schemas.microsoft.com/office/drawing/2014/main" id="{93676ACD-5BED-7194-D83C-396BC4D0F3B3}"/>
+                <a16:creationId xmlns:a16="http://schemas.microsoft.com/office/drawing/2014/main" id="{737BFB5F-2554-280B-814A-9ADC5785CD09}"/>
               </a:ext>
             </a:extLst>
           </p:cNvPr>
@@ -9519,182 +11971,31 @@
           </p:cNvPicPr>
           <p:nvPr/>
         </p:nvPicPr>
-        <p:blipFill>
-          <a:blip r:embed="rId2"/>
-          <a:stretch>
-            <a:fillRect/>
-          </a:stretch>
+        <p:blipFill rotWithShape="1">
+          <a:blip r:embed="rId2">
+            <a:extLst>
+              <a:ext uri="{28A0092B-C50C-407E-A947-70E740481C1C}">
+                <a14:useLocalDpi xmlns:a14="http://schemas.microsoft.com/office/drawing/2010/main" val="0"/>
+              </a:ext>
+            </a:extLst>
+          </a:blip>
+          <a:srcRect l="2430" b="3626"/>
+          <a:stretch/>
         </p:blipFill>
         <p:spPr>
           <a:xfrm>
-            <a:off x="551384" y="1700808"/>
-            <a:ext cx="5040560" cy="3889163"/>
+            <a:off x="2177129" y="1449114"/>
+            <a:ext cx="7837742" cy="5327924"/>
           </a:xfrm>
           <a:prstGeom prst="rect">
             <a:avLst/>
           </a:prstGeom>
         </p:spPr>
       </p:pic>
-      <p:pic>
-        <p:nvPicPr>
-          <p:cNvPr id="6" name="그림 5">
-            <a:extLst>
-              <a:ext uri="{FF2B5EF4-FFF2-40B4-BE49-F238E27FC236}">
-                <a16:creationId xmlns:a16="http://schemas.microsoft.com/office/drawing/2014/main" id="{364B2754-9BB4-2A5A-7B1A-5E9E34DB0D0F}"/>
-              </a:ext>
-            </a:extLst>
-          </p:cNvPr>
-          <p:cNvPicPr>
-            <a:picLocks noChangeAspect="1"/>
-          </p:cNvPicPr>
-          <p:nvPr/>
-        </p:nvPicPr>
-        <p:blipFill>
-          <a:blip r:embed="rId3"/>
-          <a:stretch>
-            <a:fillRect/>
-          </a:stretch>
-        </p:blipFill>
-        <p:spPr>
-          <a:xfrm>
-            <a:off x="6240016" y="1700808"/>
-            <a:ext cx="4824536" cy="4097026"/>
-          </a:xfrm>
-          <a:prstGeom prst="rect">
-            <a:avLst/>
-          </a:prstGeom>
-        </p:spPr>
-      </p:pic>
-      <p:cxnSp>
-        <p:nvCxnSpPr>
-          <p:cNvPr id="8" name="직선 연결선 7">
-            <a:extLst>
-              <a:ext uri="{FF2B5EF4-FFF2-40B4-BE49-F238E27FC236}">
-                <a16:creationId xmlns:a16="http://schemas.microsoft.com/office/drawing/2014/main" id="{5F6D4ACA-8FAA-6B64-4900-9E60DFA4B009}"/>
-              </a:ext>
-            </a:extLst>
-          </p:cNvPr>
-          <p:cNvCxnSpPr/>
-          <p:nvPr/>
-        </p:nvCxnSpPr>
-        <p:spPr>
-          <a:xfrm>
-            <a:off x="2423592" y="1916832"/>
-            <a:ext cx="0" cy="3240360"/>
-          </a:xfrm>
-          <a:prstGeom prst="line">
-            <a:avLst/>
-          </a:prstGeom>
-          <a:ln w="12700">
-            <a:solidFill>
-              <a:srgbClr val="FF0000"/>
-            </a:solidFill>
-            <a:prstDash val="dash"/>
-          </a:ln>
-        </p:spPr>
-        <p:style>
-          <a:lnRef idx="1">
-            <a:schemeClr val="accent1"/>
-          </a:lnRef>
-          <a:fillRef idx="0">
-            <a:schemeClr val="accent1"/>
-          </a:fillRef>
-          <a:effectRef idx="0">
-            <a:schemeClr val="accent1"/>
-          </a:effectRef>
-          <a:fontRef idx="minor">
-            <a:schemeClr val="tx1"/>
-          </a:fontRef>
-        </p:style>
-      </p:cxnSp>
-      <p:cxnSp>
-        <p:nvCxnSpPr>
-          <p:cNvPr id="9" name="직선 연결선 8">
-            <a:extLst>
-              <a:ext uri="{FF2B5EF4-FFF2-40B4-BE49-F238E27FC236}">
-                <a16:creationId xmlns:a16="http://schemas.microsoft.com/office/drawing/2014/main" id="{24EB14D7-2706-0C8C-4949-DE47303CB446}"/>
-              </a:ext>
-            </a:extLst>
-          </p:cNvPr>
-          <p:cNvCxnSpPr/>
-          <p:nvPr/>
-        </p:nvCxnSpPr>
-        <p:spPr>
-          <a:xfrm>
-            <a:off x="2783632" y="1916832"/>
-            <a:ext cx="0" cy="3240360"/>
-          </a:xfrm>
-          <a:prstGeom prst="line">
-            <a:avLst/>
-          </a:prstGeom>
-          <a:ln w="12700">
-            <a:solidFill>
-              <a:srgbClr val="FF0000"/>
-            </a:solidFill>
-            <a:prstDash val="dash"/>
-          </a:ln>
-        </p:spPr>
-        <p:style>
-          <a:lnRef idx="1">
-            <a:schemeClr val="accent1"/>
-          </a:lnRef>
-          <a:fillRef idx="0">
-            <a:schemeClr val="accent1"/>
-          </a:fillRef>
-          <a:effectRef idx="0">
-            <a:schemeClr val="accent1"/>
-          </a:effectRef>
-          <a:fontRef idx="minor">
-            <a:schemeClr val="tx1"/>
-          </a:fontRef>
-        </p:style>
-      </p:cxnSp>
-      <p:cxnSp>
-        <p:nvCxnSpPr>
-          <p:cNvPr id="10" name="직선 연결선 9">
-            <a:extLst>
-              <a:ext uri="{FF2B5EF4-FFF2-40B4-BE49-F238E27FC236}">
-                <a16:creationId xmlns:a16="http://schemas.microsoft.com/office/drawing/2014/main" id="{E8432B5D-5FD5-6279-1921-0EE05AEB1B86}"/>
-              </a:ext>
-            </a:extLst>
-          </p:cNvPr>
-          <p:cNvCxnSpPr/>
-          <p:nvPr/>
-        </p:nvCxnSpPr>
-        <p:spPr>
-          <a:xfrm>
-            <a:off x="4223792" y="1916832"/>
-            <a:ext cx="0" cy="3240360"/>
-          </a:xfrm>
-          <a:prstGeom prst="line">
-            <a:avLst/>
-          </a:prstGeom>
-          <a:ln w="12700">
-            <a:solidFill>
-              <a:srgbClr val="FF0000"/>
-            </a:solidFill>
-            <a:prstDash val="dash"/>
-          </a:ln>
-        </p:spPr>
-        <p:style>
-          <a:lnRef idx="1">
-            <a:schemeClr val="accent1"/>
-          </a:lnRef>
-          <a:fillRef idx="0">
-            <a:schemeClr val="accent1"/>
-          </a:fillRef>
-          <a:effectRef idx="0">
-            <a:schemeClr val="accent1"/>
-          </a:effectRef>
-          <a:fontRef idx="minor">
-            <a:schemeClr val="tx1"/>
-          </a:fontRef>
-        </p:style>
-      </p:cxnSp>
     </p:spTree>
     <p:extLst>
       <p:ext uri="{BB962C8B-B14F-4D97-AF65-F5344CB8AC3E}">
-        <p14:creationId xmlns:p14="http://schemas.microsoft.com/office/powerpoint/2010/main" val="3747576333"/>
+        <p14:creationId xmlns:p14="http://schemas.microsoft.com/office/powerpoint/2010/main" val="4039343015"/>
       </p:ext>
     </p:extLst>
   </p:cSld>

--- a/Raman_Final Presentation.pptx
+++ b/Raman_Final Presentation.pptx
@@ -224,7 +224,7 @@
           <a:p>
             <a:fld id="{B846FA5B-67FB-4835-A48C-92E0EAE684C7}" type="datetimeFigureOut">
               <a:rPr lang="ko-KR" altLang="en-US" smtClean="0"/>
-              <a:t>2022-11-29</a:t>
+              <a:t>2022-11-30</a:t>
             </a:fld>
             <a:endParaRPr lang="ko-KR" altLang="en-US"/>
           </a:p>
@@ -5838,8 +5838,8 @@
           </a:prstGeom>
         </p:spPr>
       </p:pic>
-      <mc:AlternateContent xmlns:mc="http://schemas.openxmlformats.org/markup-compatibility/2006">
-        <mc:Choice xmlns:a14="http://schemas.microsoft.com/office/drawing/2010/main" Requires="a14">
+      <mc:AlternateContent xmlns:mc="http://schemas.openxmlformats.org/markup-compatibility/2006" xmlns:a14="http://schemas.microsoft.com/office/drawing/2010/main">
+        <mc:Choice Requires="a14">
           <p:sp>
             <p:nvSpPr>
               <p:cNvPr id="6" name="TextBox 5">
@@ -5929,7 +5929,7 @@
             </p:txBody>
           </p:sp>
         </mc:Choice>
-        <mc:Fallback>
+        <mc:Fallback xmlns="">
           <p:sp>
             <p:nvSpPr>
               <p:cNvPr id="6" name="TextBox 5">
@@ -5974,8 +5974,8 @@
           </p:sp>
         </mc:Fallback>
       </mc:AlternateContent>
-      <mc:AlternateContent xmlns:mc="http://schemas.openxmlformats.org/markup-compatibility/2006">
-        <mc:Choice xmlns:a14="http://schemas.microsoft.com/office/drawing/2010/main" Requires="a14">
+      <mc:AlternateContent xmlns:mc="http://schemas.openxmlformats.org/markup-compatibility/2006" xmlns:a14="http://schemas.microsoft.com/office/drawing/2010/main">
+        <mc:Choice Requires="a14">
           <p:sp>
             <p:nvSpPr>
               <p:cNvPr id="7" name="TextBox 6">
@@ -6189,7 +6189,7 @@
             </p:txBody>
           </p:sp>
         </mc:Choice>
-        <mc:Fallback>
+        <mc:Fallback xmlns="">
           <p:sp>
             <p:nvSpPr>
               <p:cNvPr id="7" name="TextBox 6">
@@ -6316,8 +6316,8 @@
           </a:p>
         </p:txBody>
       </p:sp>
-      <mc:AlternateContent xmlns:mc="http://schemas.openxmlformats.org/markup-compatibility/2006">
-        <mc:Choice xmlns:a14="http://schemas.microsoft.com/office/drawing/2010/main" Requires="a14">
+      <mc:AlternateContent xmlns:mc="http://schemas.openxmlformats.org/markup-compatibility/2006" xmlns:a14="http://schemas.microsoft.com/office/drawing/2010/main">
+        <mc:Choice Requires="a14">
           <p:sp>
             <p:nvSpPr>
               <p:cNvPr id="6" name="TextBox 5">
@@ -6674,7 +6674,7 @@
             </p:txBody>
           </p:sp>
         </mc:Choice>
-        <mc:Fallback>
+        <mc:Fallback xmlns="">
           <p:sp>
             <p:nvSpPr>
               <p:cNvPr id="6" name="TextBox 5">
@@ -6754,8 +6754,8 @@
           </a:prstGeom>
         </p:spPr>
       </p:pic>
-      <mc:AlternateContent xmlns:mc="http://schemas.openxmlformats.org/markup-compatibility/2006">
-        <mc:Choice xmlns:a14="http://schemas.microsoft.com/office/drawing/2010/main" Requires="a14">
+      <mc:AlternateContent xmlns:mc="http://schemas.openxmlformats.org/markup-compatibility/2006" xmlns:a14="http://schemas.microsoft.com/office/drawing/2010/main">
+        <mc:Choice Requires="a14">
           <p:sp>
             <p:nvSpPr>
               <p:cNvPr id="8" name="TextBox 7">
@@ -7002,7 +7002,7 @@
             </p:txBody>
           </p:sp>
         </mc:Choice>
-        <mc:Fallback>
+        <mc:Fallback xmlns="">
           <p:sp>
             <p:nvSpPr>
               <p:cNvPr id="8" name="TextBox 7">
@@ -7647,42 +7647,6 @@
           </a:p>
         </p:txBody>
       </p:sp>
-      <p:pic>
-        <p:nvPicPr>
-          <p:cNvPr id="14" name="그림 13">
-            <a:extLst>
-              <a:ext uri="{FF2B5EF4-FFF2-40B4-BE49-F238E27FC236}">
-                <a16:creationId xmlns:a16="http://schemas.microsoft.com/office/drawing/2014/main" id="{736A4560-88DE-4342-9836-8356B4EC9DDB}"/>
-              </a:ext>
-            </a:extLst>
-          </p:cNvPr>
-          <p:cNvPicPr>
-            <a:picLocks noChangeAspect="1"/>
-          </p:cNvPicPr>
-          <p:nvPr/>
-        </p:nvPicPr>
-        <p:blipFill>
-          <a:blip r:embed="rId2">
-            <a:extLst>
-              <a:ext uri="{28A0092B-C50C-407E-A947-70E740481C1C}">
-                <a14:useLocalDpi xmlns:a14="http://schemas.microsoft.com/office/drawing/2010/main" val="0"/>
-              </a:ext>
-            </a:extLst>
-          </a:blip>
-          <a:stretch>
-            <a:fillRect/>
-          </a:stretch>
-        </p:blipFill>
-        <p:spPr>
-          <a:xfrm>
-            <a:off x="479376" y="308463"/>
-            <a:ext cx="72008" cy="96201"/>
-          </a:xfrm>
-          <a:prstGeom prst="rect">
-            <a:avLst/>
-          </a:prstGeom>
-        </p:spPr>
-      </p:pic>
     </p:spTree>
     <p:extLst>
       <p:ext uri="{BB962C8B-B14F-4D97-AF65-F5344CB8AC3E}">
@@ -9903,8 +9867,8 @@
           </a:prstGeom>
         </p:spPr>
       </p:pic>
-      <mc:AlternateContent xmlns:mc="http://schemas.openxmlformats.org/markup-compatibility/2006">
-        <mc:Choice xmlns:a14="http://schemas.microsoft.com/office/drawing/2010/main" Requires="a14">
+      <mc:AlternateContent xmlns:mc="http://schemas.openxmlformats.org/markup-compatibility/2006" xmlns:a14="http://schemas.microsoft.com/office/drawing/2010/main">
+        <mc:Choice Requires="a14">
           <p:sp>
             <p:nvSpPr>
               <p:cNvPr id="9" name="TextBox 8">
@@ -10344,7 +10308,7 @@
             </p:txBody>
           </p:sp>
         </mc:Choice>
-        <mc:Fallback>
+        <mc:Fallback xmlns="">
           <p:sp>
             <p:nvSpPr>
               <p:cNvPr id="9" name="TextBox 8">
@@ -11426,8 +11390,8 @@
           </a:prstGeom>
         </p:spPr>
       </p:pic>
-      <mc:AlternateContent xmlns:mc="http://schemas.openxmlformats.org/markup-compatibility/2006">
-        <mc:Choice xmlns:a14="http://schemas.microsoft.com/office/drawing/2010/main" Requires="a14">
+      <mc:AlternateContent xmlns:mc="http://schemas.openxmlformats.org/markup-compatibility/2006" xmlns:a14="http://schemas.microsoft.com/office/drawing/2010/main">
+        <mc:Choice Requires="a14">
           <p:sp>
             <p:nvSpPr>
               <p:cNvPr id="9" name="TextBox 8">
@@ -11561,7 +11525,7 @@
                     <m:sSub>
                       <m:sSubPr>
                         <m:ctrlPr>
-                          <a:rPr lang="en-US" altLang="ko-KR" sz="2400" b="0" smtClean="0">
+                          <a:rPr lang="en-US" altLang="ko-KR" sz="2400" b="0" i="1" smtClean="0">
                             <a:solidFill>
                               <a:srgbClr val="072A60"/>
                             </a:solidFill>
@@ -11619,7 +11583,7 @@
                     <m:sSub>
                       <m:sSubPr>
                         <m:ctrlPr>
-                          <a:rPr lang="en-US" altLang="ko-KR" sz="2400" b="0" i="0" smtClean="0">
+                          <a:rPr lang="en-US" altLang="ko-KR" sz="2400" b="0" i="1" smtClean="0">
                             <a:solidFill>
                               <a:srgbClr val="072A60"/>
                             </a:solidFill>
@@ -11665,7 +11629,7 @@
                     <m:sSub>
                       <m:sSubPr>
                         <m:ctrlPr>
-                          <a:rPr lang="en-US" altLang="ko-KR" sz="2400" b="0" i="0" smtClean="0">
+                          <a:rPr lang="en-US" altLang="ko-KR" sz="2400" b="0" i="1" smtClean="0">
                             <a:solidFill>
                               <a:srgbClr val="072A60"/>
                             </a:solidFill>
@@ -11711,7 +11675,7 @@
                     <m:sSub>
                       <m:sSubPr>
                         <m:ctrlPr>
-                          <a:rPr lang="en-US" altLang="ko-KR" sz="2400" b="0" i="0" smtClean="0">
+                          <a:rPr lang="en-US" altLang="ko-KR" sz="2400" b="0" i="1" smtClean="0">
                             <a:solidFill>
                               <a:srgbClr val="072A60"/>
                             </a:solidFill>
@@ -11748,7 +11712,7 @@
                     <m:sSub>
                       <m:sSubPr>
                         <m:ctrlPr>
-                          <a:rPr lang="en-US" altLang="ko-KR" sz="2400" b="0" i="0" smtClean="0">
+                          <a:rPr lang="en-US" altLang="ko-KR" sz="2400" b="0" i="1" smtClean="0">
                             <a:solidFill>
                               <a:srgbClr val="072A60"/>
                             </a:solidFill>
@@ -11794,7 +11758,7 @@
             </p:txBody>
           </p:sp>
         </mc:Choice>
-        <mc:Fallback>
+        <mc:Fallback xmlns="">
           <p:sp>
             <p:nvSpPr>
               <p:cNvPr id="9" name="TextBox 8">
@@ -11885,13 +11849,13 @@
   <p:clrMapOvr>
     <a:masterClrMapping/>
   </p:clrMapOvr>
-  <mc:AlternateContent xmlns:mc="http://schemas.openxmlformats.org/markup-compatibility/2006">
-    <mc:Choice xmlns:p14="http://schemas.microsoft.com/office/powerpoint/2010/main" Requires="p14">
+  <mc:AlternateContent xmlns:mc="http://schemas.openxmlformats.org/markup-compatibility/2006" xmlns:p14="http://schemas.microsoft.com/office/powerpoint/2010/main">
+    <mc:Choice Requires="p14">
       <p:transition spd="med" p14:dur="700">
         <p:fade/>
       </p:transition>
     </mc:Choice>
-    <mc:Fallback>
+    <mc:Fallback xmlns="">
       <p:transition spd="med">
         <p:fade/>
       </p:transition>

--- a/Raman_Final Presentation.pptx
+++ b/Raman_Final Presentation.pptx
@@ -4614,46 +4614,187 @@
           <a:chExt cx="0" cy="0"/>
         </a:xfrm>
       </p:grpSpPr>
-      <p:sp>
-        <p:nvSpPr>
-          <p:cNvPr id="4" name="TextBox 3">
-            <a:extLst>
-              <a:ext uri="{FF2B5EF4-FFF2-40B4-BE49-F238E27FC236}">
-                <a16:creationId xmlns:a16="http://schemas.microsoft.com/office/drawing/2014/main" id="{8A05AD63-D546-1C08-A20F-2F18332B8279}"/>
-              </a:ext>
-            </a:extLst>
-          </p:cNvPr>
-          <p:cNvSpPr txBox="1"/>
-          <p:nvPr/>
-        </p:nvSpPr>
-        <p:spPr>
-          <a:xfrm>
-            <a:off x="1631504" y="764704"/>
-            <a:ext cx="10053718" cy="677108"/>
-          </a:xfrm>
-          <a:prstGeom prst="rect">
-            <a:avLst/>
-          </a:prstGeom>
-          <a:noFill/>
-        </p:spPr>
-        <p:txBody>
-          <a:bodyPr wrap="square" rtlCol="0">
-            <a:spAutoFit/>
-          </a:bodyPr>
-          <a:lstStyle/>
-          <a:p>
-            <a:r>
-              <a:rPr lang="en-US" altLang="ko-KR" sz="3800" dirty="0">
-                <a:solidFill>
-                  <a:srgbClr val="072A60"/>
-                </a:solidFill>
-                <a:latin typeface="Garamond" panose="02020404030301010803" pitchFamily="18" charset="0"/>
-              </a:rPr>
-              <a:t>Ti2CTx – Experiment Result</a:t>
-            </a:r>
-          </a:p>
-        </p:txBody>
-      </p:sp>
+      <mc:AlternateContent xmlns:mc="http://schemas.openxmlformats.org/markup-compatibility/2006" xmlns:a14="http://schemas.microsoft.com/office/drawing/2010/main">
+        <mc:Choice Requires="a14">
+          <p:sp>
+            <p:nvSpPr>
+              <p:cNvPr id="4" name="TextBox 3">
+                <a:extLst>
+                  <a:ext uri="{FF2B5EF4-FFF2-40B4-BE49-F238E27FC236}">
+                    <a16:creationId xmlns:a16="http://schemas.microsoft.com/office/drawing/2014/main" id="{8A05AD63-D546-1C08-A20F-2F18332B8279}"/>
+                  </a:ext>
+                </a:extLst>
+              </p:cNvPr>
+              <p:cNvSpPr txBox="1"/>
+              <p:nvPr/>
+            </p:nvSpPr>
+            <p:spPr>
+              <a:xfrm>
+                <a:off x="1631504" y="764704"/>
+                <a:ext cx="10053718" cy="693716"/>
+              </a:xfrm>
+              <a:prstGeom prst="rect">
+                <a:avLst/>
+              </a:prstGeom>
+              <a:noFill/>
+            </p:spPr>
+            <p:txBody>
+              <a:bodyPr wrap="square" rtlCol="0">
+                <a:spAutoFit/>
+              </a:bodyPr>
+              <a:lstStyle/>
+              <a:p>
+                <a14:m>
+                  <m:oMath xmlns:m="http://schemas.openxmlformats.org/officeDocument/2006/math">
+                    <m:sSub>
+                      <m:sSubPr>
+                        <m:ctrlPr>
+                          <a:rPr lang="en-US" altLang="ko-KR" sz="4000" i="1" smtClean="0">
+                            <a:solidFill>
+                              <a:srgbClr val="203864"/>
+                            </a:solidFill>
+                            <a:latin typeface="Cambria Math" panose="02040503050406030204" pitchFamily="18" charset="0"/>
+                          </a:rPr>
+                        </m:ctrlPr>
+                      </m:sSubPr>
+                      <m:e>
+                        <m:r>
+                          <m:rPr>
+                            <m:sty m:val="p"/>
+                          </m:rPr>
+                          <a:rPr lang="en-US" altLang="ko-KR" sz="4000" b="0" i="0" smtClean="0">
+                            <a:solidFill>
+                              <a:srgbClr val="203864"/>
+                            </a:solidFill>
+                            <a:latin typeface="Cambria Math" panose="02040503050406030204" pitchFamily="18" charset="0"/>
+                          </a:rPr>
+                          <m:t>Ti</m:t>
+                        </m:r>
+                      </m:e>
+                      <m:sub>
+                        <m:r>
+                          <a:rPr lang="en-US" altLang="ko-KR" sz="4000" b="0" i="0" smtClean="0">
+                            <a:solidFill>
+                              <a:srgbClr val="203864"/>
+                            </a:solidFill>
+                            <a:latin typeface="Cambria Math" panose="02040503050406030204" pitchFamily="18" charset="0"/>
+                          </a:rPr>
+                          <m:t>2</m:t>
+                        </m:r>
+                      </m:sub>
+                    </m:sSub>
+                    <m:r>
+                      <m:rPr>
+                        <m:sty m:val="p"/>
+                      </m:rPr>
+                      <a:rPr lang="en-US" altLang="ko-KR" sz="4000" b="0" i="0" smtClean="0">
+                        <a:solidFill>
+                          <a:srgbClr val="203864"/>
+                        </a:solidFill>
+                        <a:latin typeface="Cambria Math" panose="02040503050406030204" pitchFamily="18" charset="0"/>
+                      </a:rPr>
+                      <m:t>C</m:t>
+                    </m:r>
+                    <m:sSub>
+                      <m:sSubPr>
+                        <m:ctrlPr>
+                          <a:rPr lang="en-US" altLang="ko-KR" sz="4000" b="0" i="1" smtClean="0">
+                            <a:solidFill>
+                              <a:srgbClr val="203864"/>
+                            </a:solidFill>
+                            <a:latin typeface="Cambria Math" panose="02040503050406030204" pitchFamily="18" charset="0"/>
+                          </a:rPr>
+                        </m:ctrlPr>
+                      </m:sSubPr>
+                      <m:e>
+                        <m:r>
+                          <m:rPr>
+                            <m:sty m:val="p"/>
+                          </m:rPr>
+                          <a:rPr lang="en-US" altLang="ko-KR" sz="4000" b="0" i="0" smtClean="0">
+                            <a:solidFill>
+                              <a:srgbClr val="203864"/>
+                            </a:solidFill>
+                            <a:latin typeface="Cambria Math" panose="02040503050406030204" pitchFamily="18" charset="0"/>
+                          </a:rPr>
+                          <m:t>T</m:t>
+                        </m:r>
+                      </m:e>
+                      <m:sub>
+                        <m:r>
+                          <m:rPr>
+                            <m:sty m:val="p"/>
+                          </m:rPr>
+                          <a:rPr lang="en-US" altLang="ko-KR" sz="4000" b="0" i="0" smtClean="0">
+                            <a:solidFill>
+                              <a:srgbClr val="203864"/>
+                            </a:solidFill>
+                            <a:latin typeface="Cambria Math" panose="02040503050406030204" pitchFamily="18" charset="0"/>
+                          </a:rPr>
+                          <m:t>x</m:t>
+                        </m:r>
+                      </m:sub>
+                    </m:sSub>
+                  </m:oMath>
+                </a14:m>
+                <a:r>
+                  <a:rPr lang="en-US" altLang="ko-KR" sz="3800" dirty="0">
+                    <a:solidFill>
+                      <a:srgbClr val="072A60"/>
+                    </a:solidFill>
+                    <a:latin typeface="Garamond" panose="02020404030301010803" pitchFamily="18" charset="0"/>
+                  </a:rPr>
+                  <a:t> – Experiment Result</a:t>
+                </a:r>
+              </a:p>
+            </p:txBody>
+          </p:sp>
+        </mc:Choice>
+        <mc:Fallback xmlns="">
+          <p:sp>
+            <p:nvSpPr>
+              <p:cNvPr id="4" name="TextBox 3">
+                <a:extLst>
+                  <a:ext uri="{FF2B5EF4-FFF2-40B4-BE49-F238E27FC236}">
+                    <a16:creationId xmlns:a16="http://schemas.microsoft.com/office/drawing/2014/main" id="{8A05AD63-D546-1C08-A20F-2F18332B8279}"/>
+                  </a:ext>
+                </a:extLst>
+              </p:cNvPr>
+              <p:cNvSpPr txBox="1">
+                <a:spLocks noRot="1" noChangeAspect="1" noMove="1" noResize="1" noEditPoints="1" noAdjustHandles="1" noChangeArrowheads="1" noChangeShapeType="1" noTextEdit="1"/>
+              </p:cNvSpPr>
+              <p:nvPr/>
+            </p:nvSpPr>
+            <p:spPr>
+              <a:xfrm>
+                <a:off x="1631504" y="764704"/>
+                <a:ext cx="10053718" cy="693716"/>
+              </a:xfrm>
+              <a:prstGeom prst="rect">
+                <a:avLst/>
+              </a:prstGeom>
+              <a:blipFill>
+                <a:blip r:embed="rId2"/>
+                <a:stretch>
+                  <a:fillRect t="-11404" b="-35088"/>
+                </a:stretch>
+              </a:blipFill>
+            </p:spPr>
+            <p:txBody>
+              <a:bodyPr/>
+              <a:lstStyle/>
+              <a:p>
+                <a:r>
+                  <a:rPr lang="ko-KR" altLang="en-US">
+                    <a:noFill/>
+                  </a:rPr>
+                  <a:t> </a:t>
+                </a:r>
+              </a:p>
+            </p:txBody>
+          </p:sp>
+        </mc:Fallback>
+      </mc:AlternateContent>
       <p:pic>
         <p:nvPicPr>
           <p:cNvPr id="5" name="그림 4">
@@ -4669,7 +4810,7 @@
           <p:nvPr/>
         </p:nvPicPr>
         <p:blipFill>
-          <a:blip r:embed="rId2">
+          <a:blip r:embed="rId3">
             <a:extLst>
               <a:ext uri="{28A0092B-C50C-407E-A947-70E740481C1C}">
                 <a14:useLocalDpi xmlns:a14="http://schemas.microsoft.com/office/drawing/2010/main" val="0"/>
@@ -4732,46 +4873,190 @@
           <a:chExt cx="0" cy="0"/>
         </a:xfrm>
       </p:grpSpPr>
-      <p:sp>
-        <p:nvSpPr>
-          <p:cNvPr id="4" name="TextBox 3">
-            <a:extLst>
-              <a:ext uri="{FF2B5EF4-FFF2-40B4-BE49-F238E27FC236}">
-                <a16:creationId xmlns:a16="http://schemas.microsoft.com/office/drawing/2014/main" id="{8A05AD63-D546-1C08-A20F-2F18332B8279}"/>
-              </a:ext>
-            </a:extLst>
-          </p:cNvPr>
-          <p:cNvSpPr txBox="1"/>
-          <p:nvPr/>
-        </p:nvSpPr>
-        <p:spPr>
-          <a:xfrm>
-            <a:off x="1631504" y="764704"/>
-            <a:ext cx="10053718" cy="677108"/>
-          </a:xfrm>
-          <a:prstGeom prst="rect">
-            <a:avLst/>
-          </a:prstGeom>
-          <a:noFill/>
-        </p:spPr>
-        <p:txBody>
-          <a:bodyPr wrap="square" rtlCol="0">
-            <a:spAutoFit/>
-          </a:bodyPr>
-          <a:lstStyle/>
-          <a:p>
-            <a:r>
-              <a:rPr lang="en-US" altLang="ko-KR" sz="3800" dirty="0">
-                <a:solidFill>
-                  <a:srgbClr val="072A60"/>
-                </a:solidFill>
-                <a:latin typeface="Garamond" panose="02020404030301010803" pitchFamily="18" charset="0"/>
-              </a:rPr>
-              <a:t>Ti2CTx</a:t>
-            </a:r>
-          </a:p>
-        </p:txBody>
-      </p:sp>
+      <mc:AlternateContent xmlns:mc="http://schemas.openxmlformats.org/markup-compatibility/2006" xmlns:a14="http://schemas.microsoft.com/office/drawing/2010/main">
+        <mc:Choice Requires="a14">
+          <p:sp>
+            <p:nvSpPr>
+              <p:cNvPr id="4" name="TextBox 3">
+                <a:extLst>
+                  <a:ext uri="{FF2B5EF4-FFF2-40B4-BE49-F238E27FC236}">
+                    <a16:creationId xmlns:a16="http://schemas.microsoft.com/office/drawing/2014/main" id="{8A05AD63-D546-1C08-A20F-2F18332B8279}"/>
+                  </a:ext>
+                </a:extLst>
+              </p:cNvPr>
+              <p:cNvSpPr txBox="1"/>
+              <p:nvPr/>
+            </p:nvSpPr>
+            <p:spPr>
+              <a:xfrm>
+                <a:off x="1631504" y="764704"/>
+                <a:ext cx="10053718" cy="707886"/>
+              </a:xfrm>
+              <a:prstGeom prst="rect">
+                <a:avLst/>
+              </a:prstGeom>
+              <a:noFill/>
+            </p:spPr>
+            <p:txBody>
+              <a:bodyPr wrap="square" rtlCol="0">
+                <a:spAutoFit/>
+              </a:bodyPr>
+              <a:lstStyle/>
+              <a:p>
+                <a:pPr/>
+                <a14:m>
+                  <m:oMathPara xmlns:m="http://schemas.openxmlformats.org/officeDocument/2006/math">
+                    <m:oMathParaPr>
+                      <m:jc m:val="left"/>
+                    </m:oMathParaPr>
+                    <m:oMath xmlns:m="http://schemas.openxmlformats.org/officeDocument/2006/math">
+                      <m:sSub>
+                        <m:sSubPr>
+                          <m:ctrlPr>
+                            <a:rPr lang="en-US" altLang="ko-KR" sz="4000" i="1" smtClean="0">
+                              <a:solidFill>
+                                <a:srgbClr val="203864"/>
+                              </a:solidFill>
+                              <a:latin typeface="Cambria Math" panose="02040503050406030204" pitchFamily="18" charset="0"/>
+                            </a:rPr>
+                          </m:ctrlPr>
+                        </m:sSubPr>
+                        <m:e>
+                          <m:r>
+                            <m:rPr>
+                              <m:sty m:val="p"/>
+                            </m:rPr>
+                            <a:rPr lang="en-US" altLang="ko-KR" sz="4000" b="0" i="0" smtClean="0">
+                              <a:solidFill>
+                                <a:srgbClr val="203864"/>
+                              </a:solidFill>
+                              <a:latin typeface="Cambria Math" panose="02040503050406030204" pitchFamily="18" charset="0"/>
+                            </a:rPr>
+                            <m:t>Ti</m:t>
+                          </m:r>
+                        </m:e>
+                        <m:sub>
+                          <m:r>
+                            <a:rPr lang="en-US" altLang="ko-KR" sz="4000" b="0" i="0" smtClean="0">
+                              <a:solidFill>
+                                <a:srgbClr val="203864"/>
+                              </a:solidFill>
+                              <a:latin typeface="Cambria Math" panose="02040503050406030204" pitchFamily="18" charset="0"/>
+                            </a:rPr>
+                            <m:t>2</m:t>
+                          </m:r>
+                        </m:sub>
+                      </m:sSub>
+                      <m:r>
+                        <m:rPr>
+                          <m:sty m:val="p"/>
+                        </m:rPr>
+                        <a:rPr lang="en-US" altLang="ko-KR" sz="4000" b="0" i="0" smtClean="0">
+                          <a:solidFill>
+                            <a:srgbClr val="203864"/>
+                          </a:solidFill>
+                          <a:latin typeface="Cambria Math" panose="02040503050406030204" pitchFamily="18" charset="0"/>
+                        </a:rPr>
+                        <m:t>C</m:t>
+                      </m:r>
+                      <m:sSub>
+                        <m:sSubPr>
+                          <m:ctrlPr>
+                            <a:rPr lang="en-US" altLang="ko-KR" sz="4000" b="0" i="1" smtClean="0">
+                              <a:solidFill>
+                                <a:srgbClr val="203864"/>
+                              </a:solidFill>
+                              <a:latin typeface="Cambria Math" panose="02040503050406030204" pitchFamily="18" charset="0"/>
+                            </a:rPr>
+                          </m:ctrlPr>
+                        </m:sSubPr>
+                        <m:e>
+                          <m:r>
+                            <m:rPr>
+                              <m:sty m:val="p"/>
+                            </m:rPr>
+                            <a:rPr lang="en-US" altLang="ko-KR" sz="4000" b="0" i="0" smtClean="0">
+                              <a:solidFill>
+                                <a:srgbClr val="203864"/>
+                              </a:solidFill>
+                              <a:latin typeface="Cambria Math" panose="02040503050406030204" pitchFamily="18" charset="0"/>
+                            </a:rPr>
+                            <m:t>T</m:t>
+                          </m:r>
+                        </m:e>
+                        <m:sub>
+                          <m:r>
+                            <m:rPr>
+                              <m:sty m:val="p"/>
+                            </m:rPr>
+                            <a:rPr lang="en-US" altLang="ko-KR" sz="4000" b="0" i="0" smtClean="0">
+                              <a:solidFill>
+                                <a:srgbClr val="203864"/>
+                              </a:solidFill>
+                              <a:latin typeface="Cambria Math" panose="02040503050406030204" pitchFamily="18" charset="0"/>
+                            </a:rPr>
+                            <m:t>x</m:t>
+                          </m:r>
+                        </m:sub>
+                      </m:sSub>
+                    </m:oMath>
+                  </m:oMathPara>
+                </a14:m>
+                <a:endParaRPr lang="en-US" altLang="ko-KR" sz="3800" dirty="0">
+                  <a:solidFill>
+                    <a:srgbClr val="072A60"/>
+                  </a:solidFill>
+                  <a:latin typeface="Garamond" panose="02020404030301010803" pitchFamily="18" charset="0"/>
+                </a:endParaRPr>
+              </a:p>
+            </p:txBody>
+          </p:sp>
+        </mc:Choice>
+        <mc:Fallback xmlns="">
+          <p:sp>
+            <p:nvSpPr>
+              <p:cNvPr id="4" name="TextBox 3">
+                <a:extLst>
+                  <a:ext uri="{FF2B5EF4-FFF2-40B4-BE49-F238E27FC236}">
+                    <a16:creationId xmlns:a16="http://schemas.microsoft.com/office/drawing/2014/main" id="{8A05AD63-D546-1C08-A20F-2F18332B8279}"/>
+                  </a:ext>
+                </a:extLst>
+              </p:cNvPr>
+              <p:cNvSpPr txBox="1">
+                <a:spLocks noRot="1" noChangeAspect="1" noMove="1" noResize="1" noEditPoints="1" noAdjustHandles="1" noChangeArrowheads="1" noChangeShapeType="1" noTextEdit="1"/>
+              </p:cNvSpPr>
+              <p:nvPr/>
+            </p:nvSpPr>
+            <p:spPr>
+              <a:xfrm>
+                <a:off x="1631504" y="764704"/>
+                <a:ext cx="10053718" cy="707886"/>
+              </a:xfrm>
+              <a:prstGeom prst="rect">
+                <a:avLst/>
+              </a:prstGeom>
+              <a:blipFill>
+                <a:blip r:embed="rId2"/>
+                <a:stretch>
+                  <a:fillRect/>
+                </a:stretch>
+              </a:blipFill>
+            </p:spPr>
+            <p:txBody>
+              <a:bodyPr/>
+              <a:lstStyle/>
+              <a:p>
+                <a:r>
+                  <a:rPr lang="ko-KR" altLang="en-US">
+                    <a:noFill/>
+                  </a:rPr>
+                  <a:t> </a:t>
+                </a:r>
+              </a:p>
+            </p:txBody>
+          </p:sp>
+        </mc:Fallback>
+      </mc:AlternateContent>
       <p:grpSp>
         <p:nvGrpSpPr>
           <p:cNvPr id="12" name="그룹 11">
@@ -4807,7 +5092,7 @@
             <p:nvPr/>
           </p:nvPicPr>
           <p:blipFill>
-            <a:blip r:embed="rId2">
+            <a:blip r:embed="rId3">
               <a:extLst>
                 <a:ext uri="{28A0092B-C50C-407E-A947-70E740481C1C}">
                   <a14:useLocalDpi xmlns:a14="http://schemas.microsoft.com/office/drawing/2010/main" val="0"/>
@@ -5654,7 +5939,7 @@
                 <a:avLst/>
               </a:prstGeom>
               <a:blipFill>
-                <a:blip r:embed="rId3"/>
+                <a:blip r:embed="rId4"/>
                 <a:stretch>
                   <a:fillRect l="-1125" t="-1003" b="-2676"/>
                 </a:stretch>
@@ -7966,8 +8251,8 @@
         </p:nvSpPr>
         <p:spPr>
           <a:xfrm>
-            <a:off x="2507202" y="2125305"/>
-            <a:ext cx="5976664" cy="1015663"/>
+            <a:off x="2475338" y="1921620"/>
+            <a:ext cx="5976664" cy="1323439"/>
           </a:xfrm>
           <a:prstGeom prst="rect">
             <a:avLst/>
@@ -8023,6 +8308,27 @@
               </a:rPr>
               <a:t>Graphene Raman Spectrum</a:t>
             </a:r>
+          </a:p>
+          <a:p>
+            <a:pPr marL="342900" indent="-342900">
+              <a:buFontTx/>
+              <a:buChar char="-"/>
+            </a:pPr>
+            <a:r>
+              <a:rPr lang="en-US" altLang="ko-KR" sz="2000" dirty="0" err="1">
+                <a:solidFill>
+                  <a:srgbClr val="203864"/>
+                </a:solidFill>
+                <a:latin typeface="Garamond" panose="02020404030301010803" pitchFamily="18" charset="0"/>
+              </a:rPr>
+              <a:t>MXenes</a:t>
+            </a:r>
+            <a:endParaRPr lang="en-US" altLang="ko-KR" sz="2000" dirty="0">
+              <a:solidFill>
+                <a:srgbClr val="203864"/>
+              </a:solidFill>
+              <a:latin typeface="Garamond" panose="02020404030301010803" pitchFamily="18" charset="0"/>
+            </a:endParaRPr>
           </a:p>
         </p:txBody>
       </p:sp>
@@ -8040,8 +8346,8 @@
         </p:nvSpPr>
         <p:spPr>
           <a:xfrm>
-            <a:off x="2522599" y="5362344"/>
-            <a:ext cx="7187872" cy="400110"/>
+            <a:off x="2507202" y="5004318"/>
+            <a:ext cx="7187872" cy="1323439"/>
           </a:xfrm>
           <a:prstGeom prst="rect">
             <a:avLst/>
@@ -8065,38 +8371,9 @@
                 </a:solidFill>
                 <a:latin typeface="Garamond" panose="02020404030301010803" pitchFamily="18" charset="0"/>
               </a:rPr>
-              <a:t>Raman Spectrum</a:t>
-            </a:r>
-          </a:p>
-        </p:txBody>
-      </p:sp>
-      <p:sp>
-        <p:nvSpPr>
-          <p:cNvPr id="23" name="TextBox 22">
-            <a:extLst>
-              <a:ext uri="{FF2B5EF4-FFF2-40B4-BE49-F238E27FC236}">
-                <a16:creationId xmlns:a16="http://schemas.microsoft.com/office/drawing/2014/main" id="{735E16BF-8532-B684-3AFC-F456817F75F7}"/>
-              </a:ext>
-            </a:extLst>
-          </p:cNvPr>
-          <p:cNvSpPr txBox="1"/>
-          <p:nvPr/>
-        </p:nvSpPr>
-        <p:spPr>
-          <a:xfrm>
-            <a:off x="2507202" y="3717032"/>
-            <a:ext cx="5976664" cy="707886"/>
-          </a:xfrm>
-          <a:prstGeom prst="rect">
-            <a:avLst/>
-          </a:prstGeom>
-          <a:noFill/>
-        </p:spPr>
-        <p:txBody>
-          <a:bodyPr wrap="square" rtlCol="0">
-            <a:spAutoFit/>
-          </a:bodyPr>
-          <a:lstStyle/>
+              <a:t>Defects</a:t>
+            </a:r>
+          </a:p>
           <a:p>
             <a:pPr marL="342900" indent="-342900">
               <a:buFontTx/>
@@ -8109,7 +8386,7 @@
                 </a:solidFill>
                 <a:latin typeface="Garamond" panose="02020404030301010803" pitchFamily="18" charset="0"/>
               </a:rPr>
-              <a:t>GO, RGO, Graphite</a:t>
+              <a:t>Defects and Crystal Size</a:t>
             </a:r>
           </a:p>
           <a:p>
@@ -8124,11 +8401,220 @@
                 </a:solidFill>
                 <a:latin typeface="Garamond" panose="02020404030301010803" pitchFamily="18" charset="0"/>
               </a:rPr>
-              <a:t>Ti2CTx</a:t>
-            </a:r>
+              <a:t>Conclusion</a:t>
+            </a:r>
+          </a:p>
+          <a:p>
+            <a:pPr marL="342900" indent="-342900">
+              <a:buFontTx/>
+              <a:buChar char="-"/>
+            </a:pPr>
+            <a:endParaRPr lang="en-US" altLang="ko-KR" sz="2000" dirty="0">
+              <a:solidFill>
+                <a:srgbClr val="203864"/>
+              </a:solidFill>
+              <a:latin typeface="Garamond" panose="02020404030301010803" pitchFamily="18" charset="0"/>
+            </a:endParaRPr>
           </a:p>
         </p:txBody>
       </p:sp>
+      <mc:AlternateContent xmlns:mc="http://schemas.openxmlformats.org/markup-compatibility/2006" xmlns:a14="http://schemas.microsoft.com/office/drawing/2010/main">
+        <mc:Choice Requires="a14">
+          <p:sp>
+            <p:nvSpPr>
+              <p:cNvPr id="23" name="TextBox 22">
+                <a:extLst>
+                  <a:ext uri="{FF2B5EF4-FFF2-40B4-BE49-F238E27FC236}">
+                    <a16:creationId xmlns:a16="http://schemas.microsoft.com/office/drawing/2014/main" id="{735E16BF-8532-B684-3AFC-F456817F75F7}"/>
+                  </a:ext>
+                </a:extLst>
+              </p:cNvPr>
+              <p:cNvSpPr txBox="1"/>
+              <p:nvPr/>
+            </p:nvSpPr>
+            <p:spPr>
+              <a:xfrm>
+                <a:off x="2507202" y="3717032"/>
+                <a:ext cx="5976664" cy="707886"/>
+              </a:xfrm>
+              <a:prstGeom prst="rect">
+                <a:avLst/>
+              </a:prstGeom>
+              <a:noFill/>
+            </p:spPr>
+            <p:txBody>
+              <a:bodyPr wrap="square" rtlCol="0">
+                <a:spAutoFit/>
+              </a:bodyPr>
+              <a:lstStyle/>
+              <a:p>
+                <a:pPr marL="342900" indent="-342900">
+                  <a:buFontTx/>
+                  <a:buChar char="-"/>
+                </a:pPr>
+                <a:r>
+                  <a:rPr lang="en-US" altLang="ko-KR" sz="2000" dirty="0">
+                    <a:solidFill>
+                      <a:srgbClr val="203864"/>
+                    </a:solidFill>
+                    <a:latin typeface="Garamond" panose="02020404030301010803" pitchFamily="18" charset="0"/>
+                  </a:rPr>
+                  <a:t>GO, RGO, Graphite</a:t>
+                </a:r>
+              </a:p>
+              <a:p>
+                <a:pPr marL="342900" indent="-342900">
+                  <a:buFontTx/>
+                  <a:buChar char="-"/>
+                </a:pPr>
+                <a14:m>
+                  <m:oMath xmlns:m="http://schemas.openxmlformats.org/officeDocument/2006/math">
+                    <m:sSub>
+                      <m:sSubPr>
+                        <m:ctrlPr>
+                          <a:rPr lang="en-US" altLang="ko-KR" sz="2000" i="1" smtClean="0">
+                            <a:solidFill>
+                              <a:srgbClr val="203864"/>
+                            </a:solidFill>
+                            <a:latin typeface="Cambria Math" panose="02040503050406030204" pitchFamily="18" charset="0"/>
+                          </a:rPr>
+                        </m:ctrlPr>
+                      </m:sSubPr>
+                      <m:e>
+                        <m:r>
+                          <m:rPr>
+                            <m:sty m:val="p"/>
+                          </m:rPr>
+                          <a:rPr lang="en-US" altLang="ko-KR" sz="2000" b="0" i="0" smtClean="0">
+                            <a:solidFill>
+                              <a:srgbClr val="203864"/>
+                            </a:solidFill>
+                            <a:latin typeface="Cambria Math" panose="02040503050406030204" pitchFamily="18" charset="0"/>
+                          </a:rPr>
+                          <m:t>Ti</m:t>
+                        </m:r>
+                      </m:e>
+                      <m:sub>
+                        <m:r>
+                          <a:rPr lang="en-US" altLang="ko-KR" sz="2000" b="0" i="0" smtClean="0">
+                            <a:solidFill>
+                              <a:srgbClr val="203864"/>
+                            </a:solidFill>
+                            <a:latin typeface="Cambria Math" panose="02040503050406030204" pitchFamily="18" charset="0"/>
+                          </a:rPr>
+                          <m:t>2</m:t>
+                        </m:r>
+                      </m:sub>
+                    </m:sSub>
+                    <m:r>
+                      <m:rPr>
+                        <m:sty m:val="p"/>
+                      </m:rPr>
+                      <a:rPr lang="en-US" altLang="ko-KR" sz="2000" b="0" i="0" smtClean="0">
+                        <a:solidFill>
+                          <a:srgbClr val="203864"/>
+                        </a:solidFill>
+                        <a:latin typeface="Cambria Math" panose="02040503050406030204" pitchFamily="18" charset="0"/>
+                      </a:rPr>
+                      <m:t>C</m:t>
+                    </m:r>
+                    <m:sSub>
+                      <m:sSubPr>
+                        <m:ctrlPr>
+                          <a:rPr lang="en-US" altLang="ko-KR" sz="2000" b="0" i="1" smtClean="0">
+                            <a:solidFill>
+                              <a:srgbClr val="203864"/>
+                            </a:solidFill>
+                            <a:latin typeface="Cambria Math" panose="02040503050406030204" pitchFamily="18" charset="0"/>
+                          </a:rPr>
+                        </m:ctrlPr>
+                      </m:sSubPr>
+                      <m:e>
+                        <m:r>
+                          <m:rPr>
+                            <m:sty m:val="p"/>
+                          </m:rPr>
+                          <a:rPr lang="en-US" altLang="ko-KR" sz="2000" b="0" i="0" smtClean="0">
+                            <a:solidFill>
+                              <a:srgbClr val="203864"/>
+                            </a:solidFill>
+                            <a:latin typeface="Cambria Math" panose="02040503050406030204" pitchFamily="18" charset="0"/>
+                          </a:rPr>
+                          <m:t>T</m:t>
+                        </m:r>
+                      </m:e>
+                      <m:sub>
+                        <m:r>
+                          <m:rPr>
+                            <m:sty m:val="p"/>
+                          </m:rPr>
+                          <a:rPr lang="en-US" altLang="ko-KR" sz="2000" b="0" i="0" smtClean="0">
+                            <a:solidFill>
+                              <a:srgbClr val="203864"/>
+                            </a:solidFill>
+                            <a:latin typeface="Cambria Math" panose="02040503050406030204" pitchFamily="18" charset="0"/>
+                          </a:rPr>
+                          <m:t>x</m:t>
+                        </m:r>
+                      </m:sub>
+                    </m:sSub>
+                  </m:oMath>
+                </a14:m>
+                <a:endParaRPr lang="en-US" altLang="ko-KR" sz="2000" dirty="0">
+                  <a:solidFill>
+                    <a:srgbClr val="203864"/>
+                  </a:solidFill>
+                  <a:latin typeface="Garamond" panose="02020404030301010803" pitchFamily="18" charset="0"/>
+                </a:endParaRPr>
+              </a:p>
+            </p:txBody>
+          </p:sp>
+        </mc:Choice>
+        <mc:Fallback xmlns="">
+          <p:sp>
+            <p:nvSpPr>
+              <p:cNvPr id="23" name="TextBox 22">
+                <a:extLst>
+                  <a:ext uri="{FF2B5EF4-FFF2-40B4-BE49-F238E27FC236}">
+                    <a16:creationId xmlns:a16="http://schemas.microsoft.com/office/drawing/2014/main" id="{735E16BF-8532-B684-3AFC-F456817F75F7}"/>
+                  </a:ext>
+                </a:extLst>
+              </p:cNvPr>
+              <p:cNvSpPr txBox="1">
+                <a:spLocks noRot="1" noChangeAspect="1" noMove="1" noResize="1" noEditPoints="1" noAdjustHandles="1" noChangeArrowheads="1" noChangeShapeType="1" noTextEdit="1"/>
+              </p:cNvSpPr>
+              <p:nvPr/>
+            </p:nvSpPr>
+            <p:spPr>
+              <a:xfrm>
+                <a:off x="2507202" y="3717032"/>
+                <a:ext cx="5976664" cy="707886"/>
+              </a:xfrm>
+              <a:prstGeom prst="rect">
+                <a:avLst/>
+              </a:prstGeom>
+              <a:blipFill>
+                <a:blip r:embed="rId2"/>
+                <a:stretch>
+                  <a:fillRect l="-1019" t="-5172" b="-12069"/>
+                </a:stretch>
+              </a:blipFill>
+            </p:spPr>
+            <p:txBody>
+              <a:bodyPr/>
+              <a:lstStyle/>
+              <a:p>
+                <a:r>
+                  <a:rPr lang="ko-KR" altLang="en-US">
+                    <a:noFill/>
+                  </a:rPr>
+                  <a:t> </a:t>
+                </a:r>
+              </a:p>
+            </p:txBody>
+          </p:sp>
+        </mc:Fallback>
+      </mc:AlternateContent>
       <p:sp>
         <p:nvSpPr>
           <p:cNvPr id="12" name="직사각형 11">
@@ -9391,42 +9877,6 @@
           </a:p>
         </p:txBody>
       </p:sp>
-      <p:pic>
-        <p:nvPicPr>
-          <p:cNvPr id="35" name="그림 34">
-            <a:extLst>
-              <a:ext uri="{FF2B5EF4-FFF2-40B4-BE49-F238E27FC236}">
-                <a16:creationId xmlns:a16="http://schemas.microsoft.com/office/drawing/2014/main" id="{DDEB1AC9-E417-4576-9B02-5668C69DB0D7}"/>
-              </a:ext>
-            </a:extLst>
-          </p:cNvPr>
-          <p:cNvPicPr>
-            <a:picLocks noChangeAspect="1"/>
-          </p:cNvPicPr>
-          <p:nvPr/>
-        </p:nvPicPr>
-        <p:blipFill>
-          <a:blip r:embed="rId3">
-            <a:extLst>
-              <a:ext uri="{28A0092B-C50C-407E-A947-70E740481C1C}">
-                <a14:useLocalDpi xmlns:a14="http://schemas.microsoft.com/office/drawing/2010/main" val="0"/>
-              </a:ext>
-            </a:extLst>
-          </a:blip>
-          <a:stretch>
-            <a:fillRect/>
-          </a:stretch>
-        </p:blipFill>
-        <p:spPr>
-          <a:xfrm>
-            <a:off x="479376" y="308463"/>
-            <a:ext cx="72008" cy="96201"/>
-          </a:xfrm>
-          <a:prstGeom prst="rect">
-            <a:avLst/>
-          </a:prstGeom>
-        </p:spPr>
-      </p:pic>
       <mc:AlternateContent xmlns:mc="http://schemas.openxmlformats.org/markup-compatibility/2006" xmlns:a14="http://schemas.microsoft.com/office/drawing/2010/main">
         <mc:Choice Requires="a14">
           <p:sp>
@@ -9705,7 +10155,7 @@
         </p:blipFill>
         <p:spPr>
           <a:xfrm>
-            <a:off x="695400" y="1511399"/>
+            <a:off x="551384" y="1530775"/>
             <a:ext cx="3262503" cy="2718752"/>
           </a:xfrm>
           <a:prstGeom prst="rect">
@@ -9797,42 +10247,6 @@
       </p:sp>
       <p:pic>
         <p:nvPicPr>
-          <p:cNvPr id="35" name="그림 34">
-            <a:extLst>
-              <a:ext uri="{FF2B5EF4-FFF2-40B4-BE49-F238E27FC236}">
-                <a16:creationId xmlns:a16="http://schemas.microsoft.com/office/drawing/2014/main" id="{DDEB1AC9-E417-4576-9B02-5668C69DB0D7}"/>
-              </a:ext>
-            </a:extLst>
-          </p:cNvPr>
-          <p:cNvPicPr>
-            <a:picLocks noChangeAspect="1"/>
-          </p:cNvPicPr>
-          <p:nvPr/>
-        </p:nvPicPr>
-        <p:blipFill>
-          <a:blip r:embed="rId3">
-            <a:extLst>
-              <a:ext uri="{28A0092B-C50C-407E-A947-70E740481C1C}">
-                <a14:useLocalDpi xmlns:a14="http://schemas.microsoft.com/office/drawing/2010/main" val="0"/>
-              </a:ext>
-            </a:extLst>
-          </a:blip>
-          <a:stretch>
-            <a:fillRect/>
-          </a:stretch>
-        </p:blipFill>
-        <p:spPr>
-          <a:xfrm>
-            <a:off x="479376" y="308463"/>
-            <a:ext cx="72008" cy="96201"/>
-          </a:xfrm>
-          <a:prstGeom prst="rect">
-            <a:avLst/>
-          </a:prstGeom>
-        </p:spPr>
-      </p:pic>
-      <p:pic>
-        <p:nvPicPr>
           <p:cNvPr id="6" name="그림 5">
             <a:extLst>
               <a:ext uri="{FF2B5EF4-FFF2-40B4-BE49-F238E27FC236}">
@@ -9846,7 +10260,7 @@
           <p:nvPr/>
         </p:nvPicPr>
         <p:blipFill>
-          <a:blip r:embed="rId4">
+          <a:blip r:embed="rId3">
             <a:extLst>
               <a:ext uri="{28A0092B-C50C-407E-A947-70E740481C1C}">
                 <a14:useLocalDpi xmlns:a14="http://schemas.microsoft.com/office/drawing/2010/main" val="0"/>
@@ -10437,10 +10851,10 @@
       </p:sp>
       <p:pic>
         <p:nvPicPr>
-          <p:cNvPr id="35" name="그림 34">
+          <p:cNvPr id="3" name="그림 2">
             <a:extLst>
               <a:ext uri="{FF2B5EF4-FFF2-40B4-BE49-F238E27FC236}">
-                <a16:creationId xmlns:a16="http://schemas.microsoft.com/office/drawing/2014/main" id="{DDEB1AC9-E417-4576-9B02-5668C69DB0D7}"/>
+                <a16:creationId xmlns:a16="http://schemas.microsoft.com/office/drawing/2014/main" id="{75CA956C-EB64-CC28-9CAF-AD65505E1D4F}"/>
               </a:ext>
             </a:extLst>
           </p:cNvPr>
@@ -10463,42 +10877,6 @@
         </p:blipFill>
         <p:spPr>
           <a:xfrm>
-            <a:off x="479376" y="308463"/>
-            <a:ext cx="72008" cy="96201"/>
-          </a:xfrm>
-          <a:prstGeom prst="rect">
-            <a:avLst/>
-          </a:prstGeom>
-        </p:spPr>
-      </p:pic>
-      <p:pic>
-        <p:nvPicPr>
-          <p:cNvPr id="3" name="그림 2">
-            <a:extLst>
-              <a:ext uri="{FF2B5EF4-FFF2-40B4-BE49-F238E27FC236}">
-                <a16:creationId xmlns:a16="http://schemas.microsoft.com/office/drawing/2014/main" id="{75CA956C-EB64-CC28-9CAF-AD65505E1D4F}"/>
-              </a:ext>
-            </a:extLst>
-          </p:cNvPr>
-          <p:cNvPicPr>
-            <a:picLocks noChangeAspect="1"/>
-          </p:cNvPicPr>
-          <p:nvPr/>
-        </p:nvPicPr>
-        <p:blipFill>
-          <a:blip r:embed="rId4">
-            <a:extLst>
-              <a:ext uri="{28A0092B-C50C-407E-A947-70E740481C1C}">
-                <a14:useLocalDpi xmlns:a14="http://schemas.microsoft.com/office/drawing/2010/main" val="0"/>
-              </a:ext>
-            </a:extLst>
-          </a:blip>
-          <a:stretch>
-            <a:fillRect/>
-          </a:stretch>
-        </p:blipFill>
-        <p:spPr>
-          <a:xfrm>
             <a:off x="-24680" y="1628800"/>
             <a:ext cx="5231904" cy="4126107"/>
           </a:xfrm>
@@ -10507,8 +10885,8 @@
           </a:prstGeom>
         </p:spPr>
       </p:pic>
-      <mc:AlternateContent xmlns:mc="http://schemas.openxmlformats.org/markup-compatibility/2006" xmlns:a14="http://schemas.microsoft.com/office/drawing/2010/main">
-        <mc:Choice Requires="a14">
+      <mc:AlternateContent xmlns:mc="http://schemas.openxmlformats.org/markup-compatibility/2006">
+        <mc:Choice xmlns:a14="http://schemas.microsoft.com/office/drawing/2010/main" Requires="a14">
           <p:sp>
             <p:nvSpPr>
               <p:cNvPr id="9" name="TextBox 8">
@@ -10755,7 +11133,7 @@
                     </a:solidFill>
                     <a:latin typeface="Garamond" panose="02020404030301010803" pitchFamily="18" charset="0"/>
                   </a:rPr>
-                  <a:t>2D peak : ~2685</a:t>
+                  <a:t>2D peak : 2685</a:t>
                 </a:r>
                 <a14:m>
                   <m:oMath xmlns:m="http://schemas.openxmlformats.org/officeDocument/2006/math">
@@ -10869,7 +11247,7 @@
             </p:txBody>
           </p:sp>
         </mc:Choice>
-        <mc:Fallback xmlns="">
+        <mc:Fallback>
           <p:sp>
             <p:nvSpPr>
               <p:cNvPr id="9" name="TextBox 8">
@@ -10893,7 +11271,7 @@
                 <a:avLst/>
               </a:prstGeom>
               <a:blipFill>
-                <a:blip r:embed="rId5"/>
+                <a:blip r:embed="rId4"/>
                 <a:stretch>
                   <a:fillRect l="-957" t="-1053" b="-2807"/>
                 </a:stretch>
@@ -10929,11 +11307,11 @@
           <p:nvPr/>
         </p:nvPicPr>
         <p:blipFill rotWithShape="1">
-          <a:blip r:embed="rId6">
+          <a:blip r:embed="rId5">
             <a:extLst>
               <a:ext uri="{BEBA8EAE-BF5A-486C-A8C5-ECC9F3942E4B}">
                 <a14:imgProps xmlns:a14="http://schemas.microsoft.com/office/drawing/2010/main">
-                  <a14:imgLayer r:embed="rId7">
+                  <a14:imgLayer r:embed="rId6">
                     <a14:imgEffect>
                       <a14:backgroundRemoval t="3911" b="41341" l="1914" r="92344">
                         <a14:foregroundMark x1="40191" y1="32030" x2="72727" y2="33333"/>
@@ -11003,11 +11381,11 @@
           <p:nvPr/>
         </p:nvPicPr>
         <p:blipFill rotWithShape="1">
-          <a:blip r:embed="rId8">
+          <a:blip r:embed="rId7">
             <a:extLst>
               <a:ext uri="{BEBA8EAE-BF5A-486C-A8C5-ECC9F3942E4B}">
                 <a14:imgProps xmlns:a14="http://schemas.microsoft.com/office/drawing/2010/main">
-                  <a14:imgLayer r:embed="rId7">
+                  <a14:imgLayer r:embed="rId6">
                     <a14:imgEffect>
                       <a14:backgroundRemoval t="47300" b="99441" l="9091" r="99761">
                         <a14:foregroundMark x1="58852" y1="75791" x2="58852" y2="75791"/>
@@ -11105,11 +11483,11 @@
           <p:nvPr/>
         </p:nvPicPr>
         <p:blipFill rotWithShape="1">
-          <a:blip r:embed="rId8">
+          <a:blip r:embed="rId7">
             <a:extLst>
               <a:ext uri="{BEBA8EAE-BF5A-486C-A8C5-ECC9F3942E4B}">
                 <a14:imgProps xmlns:a14="http://schemas.microsoft.com/office/drawing/2010/main">
-                  <a14:imgLayer r:embed="rId7">
+                  <a14:imgLayer r:embed="rId6">
                     <a14:imgEffect>
                       <a14:backgroundRemoval t="47300" b="99441" l="9091" r="99761">
                         <a14:foregroundMark x1="58852" y1="75791" x2="58852" y2="75791"/>
@@ -11207,11 +11585,11 @@
           <p:nvPr/>
         </p:nvPicPr>
         <p:blipFill rotWithShape="1">
-          <a:blip r:embed="rId6">
+          <a:blip r:embed="rId5">
             <a:extLst>
               <a:ext uri="{BEBA8EAE-BF5A-486C-A8C5-ECC9F3942E4B}">
                 <a14:imgProps xmlns:a14="http://schemas.microsoft.com/office/drawing/2010/main">
-                  <a14:imgLayer r:embed="rId7">
+                  <a14:imgLayer r:embed="rId6">
                     <a14:imgEffect>
                       <a14:backgroundRemoval t="3911" b="41341" l="1914" r="92344">
                         <a14:foregroundMark x1="40191" y1="32030" x2="72727" y2="33333"/>
@@ -11354,42 +11732,6 @@
           </a:p>
         </p:txBody>
       </p:sp>
-      <p:pic>
-        <p:nvPicPr>
-          <p:cNvPr id="35" name="그림 34">
-            <a:extLst>
-              <a:ext uri="{FF2B5EF4-FFF2-40B4-BE49-F238E27FC236}">
-                <a16:creationId xmlns:a16="http://schemas.microsoft.com/office/drawing/2014/main" id="{DDEB1AC9-E417-4576-9B02-5668C69DB0D7}"/>
-              </a:ext>
-            </a:extLst>
-          </p:cNvPr>
-          <p:cNvPicPr>
-            <a:picLocks noChangeAspect="1"/>
-          </p:cNvPicPr>
-          <p:nvPr/>
-        </p:nvPicPr>
-        <p:blipFill>
-          <a:blip r:embed="rId3">
-            <a:extLst>
-              <a:ext uri="{28A0092B-C50C-407E-A947-70E740481C1C}">
-                <a14:useLocalDpi xmlns:a14="http://schemas.microsoft.com/office/drawing/2010/main" val="0"/>
-              </a:ext>
-            </a:extLst>
-          </a:blip>
-          <a:stretch>
-            <a:fillRect/>
-          </a:stretch>
-        </p:blipFill>
-        <p:spPr>
-          <a:xfrm>
-            <a:off x="479376" y="308463"/>
-            <a:ext cx="72008" cy="96201"/>
-          </a:xfrm>
-          <a:prstGeom prst="rect">
-            <a:avLst/>
-          </a:prstGeom>
-        </p:spPr>
-      </p:pic>
       <mc:AlternateContent xmlns:mc="http://schemas.openxmlformats.org/markup-compatibility/2006" xmlns:a14="http://schemas.microsoft.com/office/drawing/2010/main">
         <mc:Choice Requires="a14">
           <p:sp>

--- a/Raman_Final Presentation.pptx
+++ b/Raman_Final Presentation.pptx
@@ -5,7 +5,7 @@
     <p:sldMasterId id="2147483660" r:id="rId1"/>
   </p:sldMasterIdLst>
   <p:notesMasterIdLst>
-    <p:notesMasterId r:id="rId19"/>
+    <p:notesMasterId r:id="rId21"/>
   </p:notesMasterIdLst>
   <p:sldIdLst>
     <p:sldId id="279" r:id="rId2"/>
@@ -20,11 +20,13 @@
     <p:sldId id="330" r:id="rId11"/>
     <p:sldId id="331" r:id="rId12"/>
     <p:sldId id="320" r:id="rId13"/>
-    <p:sldId id="333" r:id="rId14"/>
-    <p:sldId id="334" r:id="rId15"/>
-    <p:sldId id="327" r:id="rId16"/>
-    <p:sldId id="293" r:id="rId17"/>
-    <p:sldId id="278" r:id="rId18"/>
+    <p:sldId id="336" r:id="rId14"/>
+    <p:sldId id="333" r:id="rId15"/>
+    <p:sldId id="334" r:id="rId16"/>
+    <p:sldId id="337" r:id="rId17"/>
+    <p:sldId id="327" r:id="rId18"/>
+    <p:sldId id="293" r:id="rId19"/>
+    <p:sldId id="278" r:id="rId20"/>
   </p:sldIdLst>
   <p:sldSz cx="12192000" cy="6858000"/>
   <p:notesSz cx="6858000" cy="9144000"/>
@@ -998,7 +1000,7 @@
           <a:p>
             <a:fld id="{46FAD282-DBE7-4289-AE62-AD15ECAF802B}" type="slidenum">
               <a:rPr lang="ko-KR" altLang="en-US" smtClean="0"/>
-              <a:t>16</a:t>
+              <a:t>18</a:t>
             </a:fld>
             <a:endParaRPr lang="ko-KR" altLang="en-US"/>
           </a:p>
@@ -4005,15 +4007,15 @@
       </p:grpSpPr>
       <p:pic>
         <p:nvPicPr>
-          <p:cNvPr id="11" name="Picture 4">
+          <p:cNvPr id="2" name="그림 1" descr="녹색, 옅은, 밤, 레이저이(가) 표시된 사진&#10;&#10;자동 생성된 설명">
             <a:extLst>
               <a:ext uri="{FF2B5EF4-FFF2-40B4-BE49-F238E27FC236}">
-                <a16:creationId xmlns:a16="http://schemas.microsoft.com/office/drawing/2014/main" id="{7181AEF0-9593-4BE3-804D-47BADF12DDEF}"/>
+                <a16:creationId xmlns:a16="http://schemas.microsoft.com/office/drawing/2014/main" id="{C75FB7C4-C5D7-026E-71FA-0DEE846237FD}"/>
               </a:ext>
             </a:extLst>
           </p:cNvPr>
           <p:cNvPicPr>
-            <a:picLocks noChangeAspect="1" noChangeArrowheads="1"/>
+            <a:picLocks noChangeAspect="1"/>
           </p:cNvPicPr>
           <p:nvPr/>
         </p:nvPicPr>
@@ -4025,29 +4027,18 @@
               </a:ext>
             </a:extLst>
           </a:blip>
-          <a:srcRect/>
           <a:stretch>
             <a:fillRect/>
           </a:stretch>
         </p:blipFill>
-        <p:spPr bwMode="auto">
+        <p:spPr>
           <a:xfrm>
-            <a:off x="-24680" y="-171400"/>
-            <a:ext cx="12222008" cy="8640960"/>
+            <a:off x="-18096" y="-1479910"/>
+            <a:ext cx="12192000" cy="8725334"/>
           </a:xfrm>
           <a:prstGeom prst="rect">
             <a:avLst/>
           </a:prstGeom>
-          <a:noFill/>
-          <a:extLst>
-            <a:ext uri="{909E8E84-426E-40DD-AFC4-6F175D3DCCD1}">
-              <a14:hiddenFill xmlns:a14="http://schemas.microsoft.com/office/drawing/2010/main">
-                <a:solidFill>
-                  <a:srgbClr val="FFFFFF"/>
-                </a:solidFill>
-              </a14:hiddenFill>
-            </a:ext>
-          </a:extLst>
         </p:spPr>
       </p:pic>
       <p:sp>
@@ -4072,7 +4063,7 @@
           </a:prstGeom>
           <a:solidFill>
             <a:schemeClr val="tx1">
-              <a:alpha val="69000"/>
+              <a:alpha val="50000"/>
             </a:schemeClr>
           </a:solidFill>
           <a:ln>
@@ -4272,7 +4263,7 @@
         <p:spPr>
           <a:xfrm>
             <a:off x="-1" y="2705725"/>
-            <a:ext cx="12192001" cy="769441"/>
+            <a:ext cx="12192001" cy="1446550"/>
           </a:xfrm>
           <a:prstGeom prst="rect">
             <a:avLst/>
@@ -4293,7 +4284,19 @@
                 </a:solidFill>
                 <a:latin typeface="Garamond" panose="02020404030301010803" pitchFamily="18" charset="0"/>
               </a:rPr>
-              <a:t>Raman Spectroscopy for </a:t>
+              <a:t>Raman Spectroscopy</a:t>
+            </a:r>
+          </a:p>
+          <a:p>
+            <a:pPr algn="ctr"/>
+            <a:r>
+              <a:rPr lang="en-US" altLang="ko-KR" sz="4400" b="1" dirty="0">
+                <a:solidFill>
+                  <a:srgbClr val="E1BE63"/>
+                </a:solidFill>
+                <a:latin typeface="Garamond" panose="02020404030301010803" pitchFamily="18" charset="0"/>
+              </a:rPr>
+              <a:t>for Analyzing Chemical Structure</a:t>
             </a:r>
             <a:endParaRPr lang="en-US" altLang="ko-KR" sz="5400" b="1" dirty="0">
               <a:solidFill>
@@ -4614,187 +4617,46 @@
           <a:chExt cx="0" cy="0"/>
         </a:xfrm>
       </p:grpSpPr>
-      <mc:AlternateContent xmlns:mc="http://schemas.openxmlformats.org/markup-compatibility/2006" xmlns:a14="http://schemas.microsoft.com/office/drawing/2010/main">
-        <mc:Choice Requires="a14">
-          <p:sp>
-            <p:nvSpPr>
-              <p:cNvPr id="4" name="TextBox 3">
-                <a:extLst>
-                  <a:ext uri="{FF2B5EF4-FFF2-40B4-BE49-F238E27FC236}">
-                    <a16:creationId xmlns:a16="http://schemas.microsoft.com/office/drawing/2014/main" id="{8A05AD63-D546-1C08-A20F-2F18332B8279}"/>
-                  </a:ext>
-                </a:extLst>
-              </p:cNvPr>
-              <p:cNvSpPr txBox="1"/>
-              <p:nvPr/>
-            </p:nvSpPr>
-            <p:spPr>
-              <a:xfrm>
-                <a:off x="1631504" y="764704"/>
-                <a:ext cx="10053718" cy="693716"/>
-              </a:xfrm>
-              <a:prstGeom prst="rect">
-                <a:avLst/>
-              </a:prstGeom>
-              <a:noFill/>
-            </p:spPr>
-            <p:txBody>
-              <a:bodyPr wrap="square" rtlCol="0">
-                <a:spAutoFit/>
-              </a:bodyPr>
-              <a:lstStyle/>
-              <a:p>
-                <a14:m>
-                  <m:oMath xmlns:m="http://schemas.openxmlformats.org/officeDocument/2006/math">
-                    <m:sSub>
-                      <m:sSubPr>
-                        <m:ctrlPr>
-                          <a:rPr lang="en-US" altLang="ko-KR" sz="4000" i="1" smtClean="0">
-                            <a:solidFill>
-                              <a:srgbClr val="203864"/>
-                            </a:solidFill>
-                            <a:latin typeface="Cambria Math" panose="02040503050406030204" pitchFamily="18" charset="0"/>
-                          </a:rPr>
-                        </m:ctrlPr>
-                      </m:sSubPr>
-                      <m:e>
-                        <m:r>
-                          <m:rPr>
-                            <m:sty m:val="p"/>
-                          </m:rPr>
-                          <a:rPr lang="en-US" altLang="ko-KR" sz="4000" b="0" i="0" smtClean="0">
-                            <a:solidFill>
-                              <a:srgbClr val="203864"/>
-                            </a:solidFill>
-                            <a:latin typeface="Cambria Math" panose="02040503050406030204" pitchFamily="18" charset="0"/>
-                          </a:rPr>
-                          <m:t>Ti</m:t>
-                        </m:r>
-                      </m:e>
-                      <m:sub>
-                        <m:r>
-                          <a:rPr lang="en-US" altLang="ko-KR" sz="4000" b="0" i="0" smtClean="0">
-                            <a:solidFill>
-                              <a:srgbClr val="203864"/>
-                            </a:solidFill>
-                            <a:latin typeface="Cambria Math" panose="02040503050406030204" pitchFamily="18" charset="0"/>
-                          </a:rPr>
-                          <m:t>2</m:t>
-                        </m:r>
-                      </m:sub>
-                    </m:sSub>
-                    <m:r>
-                      <m:rPr>
-                        <m:sty m:val="p"/>
-                      </m:rPr>
-                      <a:rPr lang="en-US" altLang="ko-KR" sz="4000" b="0" i="0" smtClean="0">
-                        <a:solidFill>
-                          <a:srgbClr val="203864"/>
-                        </a:solidFill>
-                        <a:latin typeface="Cambria Math" panose="02040503050406030204" pitchFamily="18" charset="0"/>
-                      </a:rPr>
-                      <m:t>C</m:t>
-                    </m:r>
-                    <m:sSub>
-                      <m:sSubPr>
-                        <m:ctrlPr>
-                          <a:rPr lang="en-US" altLang="ko-KR" sz="4000" b="0" i="1" smtClean="0">
-                            <a:solidFill>
-                              <a:srgbClr val="203864"/>
-                            </a:solidFill>
-                            <a:latin typeface="Cambria Math" panose="02040503050406030204" pitchFamily="18" charset="0"/>
-                          </a:rPr>
-                        </m:ctrlPr>
-                      </m:sSubPr>
-                      <m:e>
-                        <m:r>
-                          <m:rPr>
-                            <m:sty m:val="p"/>
-                          </m:rPr>
-                          <a:rPr lang="en-US" altLang="ko-KR" sz="4000" b="0" i="0" smtClean="0">
-                            <a:solidFill>
-                              <a:srgbClr val="203864"/>
-                            </a:solidFill>
-                            <a:latin typeface="Cambria Math" panose="02040503050406030204" pitchFamily="18" charset="0"/>
-                          </a:rPr>
-                          <m:t>T</m:t>
-                        </m:r>
-                      </m:e>
-                      <m:sub>
-                        <m:r>
-                          <m:rPr>
-                            <m:sty m:val="p"/>
-                          </m:rPr>
-                          <a:rPr lang="en-US" altLang="ko-KR" sz="4000" b="0" i="0" smtClean="0">
-                            <a:solidFill>
-                              <a:srgbClr val="203864"/>
-                            </a:solidFill>
-                            <a:latin typeface="Cambria Math" panose="02040503050406030204" pitchFamily="18" charset="0"/>
-                          </a:rPr>
-                          <m:t>x</m:t>
-                        </m:r>
-                      </m:sub>
-                    </m:sSub>
-                  </m:oMath>
-                </a14:m>
-                <a:r>
-                  <a:rPr lang="en-US" altLang="ko-KR" sz="3800" dirty="0">
-                    <a:solidFill>
-                      <a:srgbClr val="072A60"/>
-                    </a:solidFill>
-                    <a:latin typeface="Garamond" panose="02020404030301010803" pitchFamily="18" charset="0"/>
-                  </a:rPr>
-                  <a:t> – Experiment Result</a:t>
-                </a:r>
-              </a:p>
-            </p:txBody>
-          </p:sp>
-        </mc:Choice>
-        <mc:Fallback xmlns="">
-          <p:sp>
-            <p:nvSpPr>
-              <p:cNvPr id="4" name="TextBox 3">
-                <a:extLst>
-                  <a:ext uri="{FF2B5EF4-FFF2-40B4-BE49-F238E27FC236}">
-                    <a16:creationId xmlns:a16="http://schemas.microsoft.com/office/drawing/2014/main" id="{8A05AD63-D546-1C08-A20F-2F18332B8279}"/>
-                  </a:ext>
-                </a:extLst>
-              </p:cNvPr>
-              <p:cNvSpPr txBox="1">
-                <a:spLocks noRot="1" noChangeAspect="1" noMove="1" noResize="1" noEditPoints="1" noAdjustHandles="1" noChangeArrowheads="1" noChangeShapeType="1" noTextEdit="1"/>
-              </p:cNvSpPr>
-              <p:nvPr/>
-            </p:nvSpPr>
-            <p:spPr>
-              <a:xfrm>
-                <a:off x="1631504" y="764704"/>
-                <a:ext cx="10053718" cy="693716"/>
-              </a:xfrm>
-              <a:prstGeom prst="rect">
-                <a:avLst/>
-              </a:prstGeom>
-              <a:blipFill>
-                <a:blip r:embed="rId2"/>
-                <a:stretch>
-                  <a:fillRect t="-11404" b="-35088"/>
-                </a:stretch>
-              </a:blipFill>
-            </p:spPr>
-            <p:txBody>
-              <a:bodyPr/>
-              <a:lstStyle/>
-              <a:p>
-                <a:r>
-                  <a:rPr lang="ko-KR" altLang="en-US">
-                    <a:noFill/>
-                  </a:rPr>
-                  <a:t> </a:t>
-                </a:r>
-              </a:p>
-            </p:txBody>
-          </p:sp>
-        </mc:Fallback>
-      </mc:AlternateContent>
+      <p:sp>
+        <p:nvSpPr>
+          <p:cNvPr id="4" name="TextBox 3">
+            <a:extLst>
+              <a:ext uri="{FF2B5EF4-FFF2-40B4-BE49-F238E27FC236}">
+                <a16:creationId xmlns:a16="http://schemas.microsoft.com/office/drawing/2014/main" id="{8A05AD63-D546-1C08-A20F-2F18332B8279}"/>
+              </a:ext>
+            </a:extLst>
+          </p:cNvPr>
+          <p:cNvSpPr txBox="1"/>
+          <p:nvPr/>
+        </p:nvSpPr>
+        <p:spPr>
+          <a:xfrm>
+            <a:off x="1631504" y="764704"/>
+            <a:ext cx="10053718" cy="677108"/>
+          </a:xfrm>
+          <a:prstGeom prst="rect">
+            <a:avLst/>
+          </a:prstGeom>
+          <a:noFill/>
+        </p:spPr>
+        <p:txBody>
+          <a:bodyPr wrap="square" rtlCol="0">
+            <a:spAutoFit/>
+          </a:bodyPr>
+          <a:lstStyle/>
+          <a:p>
+            <a:r>
+              <a:rPr lang="en-US" altLang="ko-KR" sz="3800" dirty="0">
+                <a:solidFill>
+                  <a:srgbClr val="072A60"/>
+                </a:solidFill>
+                <a:latin typeface="Garamond" panose="02020404030301010803" pitchFamily="18" charset="0"/>
+              </a:rPr>
+              <a:t>Ti2CTx – Experiment Result</a:t>
+            </a:r>
+          </a:p>
+        </p:txBody>
+      </p:sp>
       <p:pic>
         <p:nvPicPr>
           <p:cNvPr id="5" name="그림 4">
@@ -4810,7 +4672,7 @@
           <p:nvPr/>
         </p:nvPicPr>
         <p:blipFill>
-          <a:blip r:embed="rId3">
+          <a:blip r:embed="rId2">
             <a:extLst>
               <a:ext uri="{28A0092B-C50C-407E-A947-70E740481C1C}">
                 <a14:useLocalDpi xmlns:a14="http://schemas.microsoft.com/office/drawing/2010/main" val="0"/>
@@ -4873,190 +4735,46 @@
           <a:chExt cx="0" cy="0"/>
         </a:xfrm>
       </p:grpSpPr>
-      <mc:AlternateContent xmlns:mc="http://schemas.openxmlformats.org/markup-compatibility/2006" xmlns:a14="http://schemas.microsoft.com/office/drawing/2010/main">
-        <mc:Choice Requires="a14">
-          <p:sp>
-            <p:nvSpPr>
-              <p:cNvPr id="4" name="TextBox 3">
-                <a:extLst>
-                  <a:ext uri="{FF2B5EF4-FFF2-40B4-BE49-F238E27FC236}">
-                    <a16:creationId xmlns:a16="http://schemas.microsoft.com/office/drawing/2014/main" id="{8A05AD63-D546-1C08-A20F-2F18332B8279}"/>
-                  </a:ext>
-                </a:extLst>
-              </p:cNvPr>
-              <p:cNvSpPr txBox="1"/>
-              <p:nvPr/>
-            </p:nvSpPr>
-            <p:spPr>
-              <a:xfrm>
-                <a:off x="1631504" y="764704"/>
-                <a:ext cx="10053718" cy="707886"/>
-              </a:xfrm>
-              <a:prstGeom prst="rect">
-                <a:avLst/>
-              </a:prstGeom>
-              <a:noFill/>
-            </p:spPr>
-            <p:txBody>
-              <a:bodyPr wrap="square" rtlCol="0">
-                <a:spAutoFit/>
-              </a:bodyPr>
-              <a:lstStyle/>
-              <a:p>
-                <a:pPr/>
-                <a14:m>
-                  <m:oMathPara xmlns:m="http://schemas.openxmlformats.org/officeDocument/2006/math">
-                    <m:oMathParaPr>
-                      <m:jc m:val="left"/>
-                    </m:oMathParaPr>
-                    <m:oMath xmlns:m="http://schemas.openxmlformats.org/officeDocument/2006/math">
-                      <m:sSub>
-                        <m:sSubPr>
-                          <m:ctrlPr>
-                            <a:rPr lang="en-US" altLang="ko-KR" sz="4000" i="1" smtClean="0">
-                              <a:solidFill>
-                                <a:srgbClr val="203864"/>
-                              </a:solidFill>
-                              <a:latin typeface="Cambria Math" panose="02040503050406030204" pitchFamily="18" charset="0"/>
-                            </a:rPr>
-                          </m:ctrlPr>
-                        </m:sSubPr>
-                        <m:e>
-                          <m:r>
-                            <m:rPr>
-                              <m:sty m:val="p"/>
-                            </m:rPr>
-                            <a:rPr lang="en-US" altLang="ko-KR" sz="4000" b="0" i="0" smtClean="0">
-                              <a:solidFill>
-                                <a:srgbClr val="203864"/>
-                              </a:solidFill>
-                              <a:latin typeface="Cambria Math" panose="02040503050406030204" pitchFamily="18" charset="0"/>
-                            </a:rPr>
-                            <m:t>Ti</m:t>
-                          </m:r>
-                        </m:e>
-                        <m:sub>
-                          <m:r>
-                            <a:rPr lang="en-US" altLang="ko-KR" sz="4000" b="0" i="0" smtClean="0">
-                              <a:solidFill>
-                                <a:srgbClr val="203864"/>
-                              </a:solidFill>
-                              <a:latin typeface="Cambria Math" panose="02040503050406030204" pitchFamily="18" charset="0"/>
-                            </a:rPr>
-                            <m:t>2</m:t>
-                          </m:r>
-                        </m:sub>
-                      </m:sSub>
-                      <m:r>
-                        <m:rPr>
-                          <m:sty m:val="p"/>
-                        </m:rPr>
-                        <a:rPr lang="en-US" altLang="ko-KR" sz="4000" b="0" i="0" smtClean="0">
-                          <a:solidFill>
-                            <a:srgbClr val="203864"/>
-                          </a:solidFill>
-                          <a:latin typeface="Cambria Math" panose="02040503050406030204" pitchFamily="18" charset="0"/>
-                        </a:rPr>
-                        <m:t>C</m:t>
-                      </m:r>
-                      <m:sSub>
-                        <m:sSubPr>
-                          <m:ctrlPr>
-                            <a:rPr lang="en-US" altLang="ko-KR" sz="4000" b="0" i="1" smtClean="0">
-                              <a:solidFill>
-                                <a:srgbClr val="203864"/>
-                              </a:solidFill>
-                              <a:latin typeface="Cambria Math" panose="02040503050406030204" pitchFamily="18" charset="0"/>
-                            </a:rPr>
-                          </m:ctrlPr>
-                        </m:sSubPr>
-                        <m:e>
-                          <m:r>
-                            <m:rPr>
-                              <m:sty m:val="p"/>
-                            </m:rPr>
-                            <a:rPr lang="en-US" altLang="ko-KR" sz="4000" b="0" i="0" smtClean="0">
-                              <a:solidFill>
-                                <a:srgbClr val="203864"/>
-                              </a:solidFill>
-                              <a:latin typeface="Cambria Math" panose="02040503050406030204" pitchFamily="18" charset="0"/>
-                            </a:rPr>
-                            <m:t>T</m:t>
-                          </m:r>
-                        </m:e>
-                        <m:sub>
-                          <m:r>
-                            <m:rPr>
-                              <m:sty m:val="p"/>
-                            </m:rPr>
-                            <a:rPr lang="en-US" altLang="ko-KR" sz="4000" b="0" i="0" smtClean="0">
-                              <a:solidFill>
-                                <a:srgbClr val="203864"/>
-                              </a:solidFill>
-                              <a:latin typeface="Cambria Math" panose="02040503050406030204" pitchFamily="18" charset="0"/>
-                            </a:rPr>
-                            <m:t>x</m:t>
-                          </m:r>
-                        </m:sub>
-                      </m:sSub>
-                    </m:oMath>
-                  </m:oMathPara>
-                </a14:m>
-                <a:endParaRPr lang="en-US" altLang="ko-KR" sz="3800" dirty="0">
-                  <a:solidFill>
-                    <a:srgbClr val="072A60"/>
-                  </a:solidFill>
-                  <a:latin typeface="Garamond" panose="02020404030301010803" pitchFamily="18" charset="0"/>
-                </a:endParaRPr>
-              </a:p>
-            </p:txBody>
-          </p:sp>
-        </mc:Choice>
-        <mc:Fallback xmlns="">
-          <p:sp>
-            <p:nvSpPr>
-              <p:cNvPr id="4" name="TextBox 3">
-                <a:extLst>
-                  <a:ext uri="{FF2B5EF4-FFF2-40B4-BE49-F238E27FC236}">
-                    <a16:creationId xmlns:a16="http://schemas.microsoft.com/office/drawing/2014/main" id="{8A05AD63-D546-1C08-A20F-2F18332B8279}"/>
-                  </a:ext>
-                </a:extLst>
-              </p:cNvPr>
-              <p:cNvSpPr txBox="1">
-                <a:spLocks noRot="1" noChangeAspect="1" noMove="1" noResize="1" noEditPoints="1" noAdjustHandles="1" noChangeArrowheads="1" noChangeShapeType="1" noTextEdit="1"/>
-              </p:cNvSpPr>
-              <p:nvPr/>
-            </p:nvSpPr>
-            <p:spPr>
-              <a:xfrm>
-                <a:off x="1631504" y="764704"/>
-                <a:ext cx="10053718" cy="707886"/>
-              </a:xfrm>
-              <a:prstGeom prst="rect">
-                <a:avLst/>
-              </a:prstGeom>
-              <a:blipFill>
-                <a:blip r:embed="rId2"/>
-                <a:stretch>
-                  <a:fillRect/>
-                </a:stretch>
-              </a:blipFill>
-            </p:spPr>
-            <p:txBody>
-              <a:bodyPr/>
-              <a:lstStyle/>
-              <a:p>
-                <a:r>
-                  <a:rPr lang="ko-KR" altLang="en-US">
-                    <a:noFill/>
-                  </a:rPr>
-                  <a:t> </a:t>
-                </a:r>
-              </a:p>
-            </p:txBody>
-          </p:sp>
-        </mc:Fallback>
-      </mc:AlternateContent>
+      <p:sp>
+        <p:nvSpPr>
+          <p:cNvPr id="4" name="TextBox 3">
+            <a:extLst>
+              <a:ext uri="{FF2B5EF4-FFF2-40B4-BE49-F238E27FC236}">
+                <a16:creationId xmlns:a16="http://schemas.microsoft.com/office/drawing/2014/main" id="{8A05AD63-D546-1C08-A20F-2F18332B8279}"/>
+              </a:ext>
+            </a:extLst>
+          </p:cNvPr>
+          <p:cNvSpPr txBox="1"/>
+          <p:nvPr/>
+        </p:nvSpPr>
+        <p:spPr>
+          <a:xfrm>
+            <a:off x="1631504" y="764704"/>
+            <a:ext cx="10053718" cy="677108"/>
+          </a:xfrm>
+          <a:prstGeom prst="rect">
+            <a:avLst/>
+          </a:prstGeom>
+          <a:noFill/>
+        </p:spPr>
+        <p:txBody>
+          <a:bodyPr wrap="square" rtlCol="0">
+            <a:spAutoFit/>
+          </a:bodyPr>
+          <a:lstStyle/>
+          <a:p>
+            <a:r>
+              <a:rPr lang="en-US" altLang="ko-KR" sz="3800" dirty="0">
+                <a:solidFill>
+                  <a:srgbClr val="072A60"/>
+                </a:solidFill>
+                <a:latin typeface="Garamond" panose="02020404030301010803" pitchFamily="18" charset="0"/>
+              </a:rPr>
+              <a:t>Ti2CTx</a:t>
+            </a:r>
+          </a:p>
+        </p:txBody>
+      </p:sp>
       <p:grpSp>
         <p:nvGrpSpPr>
           <p:cNvPr id="12" name="그룹 11">
@@ -5092,7 +4810,7 @@
             <p:nvPr/>
           </p:nvPicPr>
           <p:blipFill>
-            <a:blip r:embed="rId3">
+            <a:blip r:embed="rId2">
               <a:extLst>
                 <a:ext uri="{28A0092B-C50C-407E-A947-70E740481C1C}">
                   <a14:useLocalDpi xmlns:a14="http://schemas.microsoft.com/office/drawing/2010/main" val="0"/>
@@ -5324,8 +5042,8 @@
           </p:txBody>
         </p:sp>
       </p:grpSp>
-      <mc:AlternateContent xmlns:mc="http://schemas.openxmlformats.org/markup-compatibility/2006" xmlns:a14="http://schemas.microsoft.com/office/drawing/2010/main">
-        <mc:Choice Requires="a14">
+      <mc:AlternateContent xmlns:mc="http://schemas.openxmlformats.org/markup-compatibility/2006">
+        <mc:Choice xmlns:a14="http://schemas.microsoft.com/office/drawing/2010/main" Requires="a14">
           <p:sp>
             <p:nvSpPr>
               <p:cNvPr id="5" name="TextBox 4">
@@ -5341,7 +5059,7 @@
             <p:spPr>
               <a:xfrm>
                 <a:off x="5686146" y="1700808"/>
-                <a:ext cx="6505854" cy="3647152"/>
+                <a:ext cx="6314510" cy="3785652"/>
               </a:xfrm>
               <a:prstGeom prst="rect">
                 <a:avLst/>
@@ -5354,12 +5072,12 @@
               </a:bodyPr>
               <a:lstStyle/>
               <a:p>
-                <a:pPr marL="342900" indent="-342900">
+                <a:pPr marL="342900" indent="-342900" algn="just">
                   <a:buFont typeface="Arial" panose="020B0604020202020204" pitchFamily="34" charset="0"/>
                   <a:buChar char="•"/>
                 </a:pPr>
                 <a:r>
-                  <a:rPr lang="en-US" altLang="ko-KR" sz="2200" dirty="0">
+                  <a:rPr lang="en-US" altLang="ko-KR" sz="2400" dirty="0">
                     <a:solidFill>
                       <a:srgbClr val="072A60"/>
                     </a:solidFill>
@@ -5369,7 +5087,7 @@
                   <a:t>ω1 : </a:t>
                 </a:r>
                 <a:r>
-                  <a:rPr lang="en-US" altLang="ko-KR" sz="2200" dirty="0">
+                  <a:rPr lang="en-US" altLang="ko-KR" sz="2400" dirty="0">
                     <a:solidFill>
                       <a:srgbClr val="072A60"/>
                     </a:solidFill>
@@ -5382,7 +5100,7 @@
                     <m:sSup>
                       <m:sSupPr>
                         <m:ctrlPr>
-                          <a:rPr lang="en-US" altLang="ko-KR" sz="2200" i="1">
+                          <a:rPr lang="en-US" altLang="ko-KR" sz="2400" i="1">
                             <a:solidFill>
                               <a:srgbClr val="072A60"/>
                             </a:solidFill>
@@ -5395,7 +5113,7 @@
                           <m:rPr>
                             <m:sty m:val="p"/>
                           </m:rPr>
-                          <a:rPr lang="en-US" altLang="ko-KR" sz="2200" i="0">
+                          <a:rPr lang="en-US" altLang="ko-KR" sz="2400" i="0">
                             <a:solidFill>
                               <a:srgbClr val="072A60"/>
                             </a:solidFill>
@@ -5406,7 +5124,7 @@
                       </m:e>
                       <m:sup>
                         <m:r>
-                          <a:rPr lang="en-US" altLang="ko-KR" sz="2200" i="0">
+                          <a:rPr lang="en-US" altLang="ko-KR" sz="2400" i="0">
                             <a:solidFill>
                               <a:srgbClr val="072A60"/>
                             </a:solidFill>
@@ -5419,7 +5137,7 @@
                   </m:oMath>
                 </a14:m>
                 <a:r>
-                  <a:rPr lang="en-US" altLang="ko-KR" sz="2200" dirty="0">
+                  <a:rPr lang="en-US" altLang="ko-KR" sz="2400" dirty="0">
                     <a:solidFill>
                       <a:srgbClr val="072A60"/>
                     </a:solidFill>
@@ -5429,7 +5147,7 @@
                   <a:t>, ω3 : </a:t>
                 </a:r>
                 <a:r>
-                  <a:rPr lang="en-US" altLang="ko-KR" sz="2200" dirty="0">
+                  <a:rPr lang="en-US" altLang="ko-KR" sz="2400" dirty="0">
                     <a:solidFill>
                       <a:srgbClr val="072A60"/>
                     </a:solidFill>
@@ -5442,7 +5160,7 @@
                     <m:sSup>
                       <m:sSupPr>
                         <m:ctrlPr>
-                          <a:rPr lang="en-US" altLang="ko-KR" sz="2200" i="1">
+                          <a:rPr lang="en-US" altLang="ko-KR" sz="2400" i="1">
                             <a:solidFill>
                               <a:srgbClr val="072A60"/>
                             </a:solidFill>
@@ -5455,7 +5173,7 @@
                           <m:rPr>
                             <m:sty m:val="p"/>
                           </m:rPr>
-                          <a:rPr lang="en-US" altLang="ko-KR" sz="2200" i="0">
+                          <a:rPr lang="en-US" altLang="ko-KR" sz="2400" i="0">
                             <a:solidFill>
                               <a:srgbClr val="072A60"/>
                             </a:solidFill>
@@ -5466,7 +5184,7 @@
                       </m:e>
                       <m:sup>
                         <m:r>
-                          <a:rPr lang="en-US" altLang="ko-KR" sz="2200" i="0">
+                          <a:rPr lang="en-US" altLang="ko-KR" sz="2400" i="0">
                             <a:solidFill>
                               <a:srgbClr val="072A60"/>
                             </a:solidFill>
@@ -5478,7 +5196,7 @@
                     </m:sSup>
                   </m:oMath>
                 </a14:m>
-                <a:endParaRPr lang="en-US" altLang="ko-KR" sz="2200" dirty="0">
+                <a:endParaRPr lang="en-US" altLang="ko-KR" sz="2400" dirty="0">
                   <a:solidFill>
                     <a:srgbClr val="072A60"/>
                   </a:solidFill>
@@ -5486,8 +5204,9 @@
                 </a:endParaRPr>
               </a:p>
               <a:p>
+                <a:pPr algn="just"/>
                 <a:r>
-                  <a:rPr lang="en-US" altLang="ko-KR" sz="2200" dirty="0">
+                  <a:rPr lang="en-US" altLang="ko-KR" sz="2400" dirty="0">
                     <a:solidFill>
                       <a:srgbClr val="072A60"/>
                     </a:solidFill>
@@ -5497,7 +5216,7 @@
                   <a:t>	</a:t>
                 </a:r>
                 <a:r>
-                  <a:rPr lang="en-US" altLang="ko-KR" sz="2200" dirty="0">
+                  <a:rPr lang="en-US" altLang="ko-KR" sz="2400" dirty="0">
                     <a:solidFill>
                       <a:srgbClr val="072A60"/>
                     </a:solidFill>
@@ -5507,7 +5226,7 @@
                   <a:t>→ </a:t>
                 </a:r>
                 <a:r>
-                  <a:rPr lang="en-US" altLang="ko-KR" sz="2200" dirty="0">
+                  <a:rPr lang="en-US" altLang="ko-KR" sz="2400" dirty="0">
                     <a:solidFill>
                       <a:srgbClr val="072A60"/>
                     </a:solidFill>
@@ -5516,7 +5235,7 @@
                   <a:t>vibration mode of </a:t>
                 </a:r>
                 <a:r>
-                  <a:rPr lang="en-US" altLang="ko-KR" sz="2200" dirty="0" err="1">
+                  <a:rPr lang="en-US" altLang="ko-KR" sz="2400" dirty="0" err="1">
                     <a:solidFill>
                       <a:srgbClr val="072A60"/>
                     </a:solidFill>
@@ -5525,27 +5244,16 @@
                   <a:t>Ti</a:t>
                 </a:r>
                 <a:r>
-                  <a:rPr lang="en-US" altLang="ko-KR" sz="2200" dirty="0">
+                  <a:rPr lang="en-US" altLang="ko-KR" sz="2400" dirty="0">
                     <a:solidFill>
                       <a:srgbClr val="072A60"/>
                     </a:solidFill>
                     <a:latin typeface="Garamond" panose="02020404030301010803" pitchFamily="18" charset="0"/>
                   </a:rPr>
-                  <a:t>, C and surface </a:t>
-                </a:r>
-              </a:p>
-              <a:p>
-                <a:r>
-                  <a:rPr lang="en-US" altLang="ko-KR" sz="2200" dirty="0">
-                    <a:solidFill>
-                      <a:srgbClr val="072A60"/>
-                    </a:solidFill>
-                    <a:latin typeface="Garamond" panose="02020404030301010803" pitchFamily="18" charset="0"/>
-                  </a:rPr>
-                  <a:t>	     terminating functional groups(</a:t>
+                  <a:t>, C and surface 	terminating functional groups(</a:t>
                 </a:r>
                 <a:r>
-                  <a:rPr lang="en-US" altLang="ko-KR" sz="2200" dirty="0" err="1">
+                  <a:rPr lang="en-US" altLang="ko-KR" sz="2400" dirty="0" err="1">
                     <a:solidFill>
                       <a:srgbClr val="072A60"/>
                     </a:solidFill>
@@ -5554,7 +5262,7 @@
                   <a:t>Ti</a:t>
                 </a:r>
                 <a:r>
-                  <a:rPr lang="en-US" altLang="ko-KR" sz="2200" dirty="0">
+                  <a:rPr lang="en-US" altLang="ko-KR" sz="2400" dirty="0">
                     <a:solidFill>
                       <a:srgbClr val="072A60"/>
                     </a:solidFill>
@@ -5563,7 +5271,7 @@
                   <a:t>-O, </a:t>
                 </a:r>
                 <a:r>
-                  <a:rPr lang="en-US" altLang="ko-KR" sz="2200" dirty="0" err="1">
+                  <a:rPr lang="en-US" altLang="ko-KR" sz="2400" dirty="0" err="1">
                     <a:solidFill>
                       <a:srgbClr val="072A60"/>
                     </a:solidFill>
@@ -5572,25 +5280,7 @@
                   <a:t>Ti</a:t>
                 </a:r>
                 <a:r>
-                  <a:rPr lang="en-US" altLang="ko-KR" sz="2200" dirty="0">
-                    <a:solidFill>
-                      <a:srgbClr val="072A60"/>
-                    </a:solidFill>
-                    <a:latin typeface="Garamond" panose="02020404030301010803" pitchFamily="18" charset="0"/>
-                  </a:rPr>
-                  <a:t>-C, </a:t>
-                </a:r>
-                <a:r>
-                  <a:rPr lang="en-US" altLang="ko-KR" sz="2200" dirty="0" err="1">
-                    <a:solidFill>
-                      <a:srgbClr val="072A60"/>
-                    </a:solidFill>
-                    <a:latin typeface="Garamond" panose="02020404030301010803" pitchFamily="18" charset="0"/>
-                  </a:rPr>
-                  <a:t>Ti</a:t>
-                </a:r>
-                <a:r>
-                  <a:rPr lang="en-US" altLang="ko-KR" sz="2200" dirty="0">
+                  <a:rPr lang="en-US" altLang="ko-KR" sz="2400" dirty="0">
                     <a:solidFill>
                       <a:srgbClr val="072A60"/>
                     </a:solidFill>
@@ -5600,15 +5290,12 @@
                 </a:r>
               </a:p>
               <a:p>
-                <a:pPr marL="342900" indent="-342900">
-                  <a:lnSpc>
-                    <a:spcPct val="150000"/>
-                  </a:lnSpc>
+                <a:pPr marL="342900" indent="-342900" algn="just">
                   <a:buFont typeface="Arial" panose="020B0604020202020204" pitchFamily="34" charset="0"/>
                   <a:buChar char="•"/>
                 </a:pPr>
                 <a:r>
-                  <a:rPr lang="en-US" altLang="ko-KR" sz="2200" dirty="0">
+                  <a:rPr lang="en-US" altLang="ko-KR" sz="2400" dirty="0">
                     <a:solidFill>
                       <a:srgbClr val="072A60"/>
                     </a:solidFill>
@@ -5622,7 +5309,7 @@
                     <m:sSup>
                       <m:sSupPr>
                         <m:ctrlPr>
-                          <a:rPr lang="en-US" altLang="ko-KR" sz="2200" i="1" smtClean="0">
+                          <a:rPr lang="en-US" altLang="ko-KR" sz="2400" i="1" smtClean="0">
                             <a:solidFill>
                               <a:srgbClr val="072A60"/>
                             </a:solidFill>
@@ -5635,7 +5322,7 @@
                           <m:rPr>
                             <m:sty m:val="p"/>
                           </m:rPr>
-                          <a:rPr lang="en-US" altLang="ko-KR" sz="2200" b="0" i="0" smtClean="0">
+                          <a:rPr lang="en-US" altLang="ko-KR" sz="2400" b="0" i="0" smtClean="0">
                             <a:solidFill>
                               <a:srgbClr val="072A60"/>
                             </a:solidFill>
@@ -5646,7 +5333,7 @@
                       </m:e>
                       <m:sup>
                         <m:r>
-                          <a:rPr lang="en-US" altLang="ko-KR" sz="2200" b="0" i="1" smtClean="0">
+                          <a:rPr lang="en-US" altLang="ko-KR" sz="2400" b="0" i="1" smtClean="0">
                             <a:solidFill>
                               <a:srgbClr val="072A60"/>
                             </a:solidFill>
@@ -5658,7 +5345,7 @@
                     </m:sSup>
                   </m:oMath>
                 </a14:m>
-                <a:endParaRPr lang="en-US" altLang="ko-KR" sz="2200" dirty="0">
+                <a:endParaRPr lang="en-US" altLang="ko-KR" sz="2400" dirty="0">
                   <a:solidFill>
                     <a:srgbClr val="072A60"/>
                   </a:solidFill>
@@ -5666,8 +5353,9 @@
                 </a:endParaRPr>
               </a:p>
               <a:p>
+                <a:pPr algn="just"/>
                 <a:r>
-                  <a:rPr lang="en-US" altLang="ko-KR" sz="2200" dirty="0">
+                  <a:rPr lang="en-US" altLang="ko-KR" sz="2400" dirty="0">
                     <a:solidFill>
                       <a:srgbClr val="072A60"/>
                     </a:solidFill>
@@ -5677,7 +5365,7 @@
                   <a:t>	</a:t>
                 </a:r>
                 <a:r>
-                  <a:rPr lang="en-US" altLang="ko-KR" sz="2200" dirty="0">
+                  <a:rPr lang="en-US" altLang="ko-KR" sz="2400" dirty="0">
                     <a:solidFill>
                       <a:srgbClr val="072A60"/>
                     </a:solidFill>
@@ -5687,7 +5375,7 @@
                   <a:t>→ </a:t>
                 </a:r>
                 <a:r>
-                  <a:rPr lang="en-US" altLang="ko-KR" sz="2200" dirty="0">
+                  <a:rPr lang="en-US" altLang="ko-KR" sz="2400" dirty="0">
                     <a:solidFill>
                       <a:srgbClr val="072A60"/>
                     </a:solidFill>
@@ -5696,7 +5384,7 @@
                   <a:t>vibration mode of </a:t>
                 </a:r>
                 <a:r>
-                  <a:rPr lang="en-US" altLang="ko-KR" sz="2200" dirty="0" err="1">
+                  <a:rPr lang="en-US" altLang="ko-KR" sz="2400" dirty="0" err="1">
                     <a:solidFill>
                       <a:srgbClr val="072A60"/>
                     </a:solidFill>
@@ -5705,7 +5393,7 @@
                   <a:t>Ti</a:t>
                 </a:r>
                 <a:r>
-                  <a:rPr lang="en-US" altLang="ko-KR" sz="2200" dirty="0">
+                  <a:rPr lang="en-US" altLang="ko-KR" sz="2400" dirty="0">
                     <a:solidFill>
                       <a:srgbClr val="072A60"/>
                     </a:solidFill>
@@ -5715,15 +5403,12 @@
                 </a:r>
               </a:p>
               <a:p>
-                <a:pPr marL="342900" indent="-342900">
-                  <a:lnSpc>
-                    <a:spcPct val="150000"/>
-                  </a:lnSpc>
+                <a:pPr marL="342900" indent="-342900" algn="just">
                   <a:buFont typeface="Arial" panose="020B0604020202020204" pitchFamily="34" charset="0"/>
                   <a:buChar char="•"/>
                 </a:pPr>
                 <a:r>
-                  <a:rPr lang="en-US" altLang="ko-KR" sz="2200" dirty="0">
+                  <a:rPr lang="en-US" altLang="ko-KR" sz="2400" dirty="0">
                     <a:solidFill>
                       <a:srgbClr val="072A60"/>
                     </a:solidFill>
@@ -5736,7 +5421,7 @@
                     <m:sSup>
                       <m:sSupPr>
                         <m:ctrlPr>
-                          <a:rPr lang="en-US" altLang="ko-KR" sz="2200" i="1" smtClean="0">
+                          <a:rPr lang="en-US" altLang="ko-KR" sz="2400" i="1" smtClean="0">
                             <a:solidFill>
                               <a:srgbClr val="072A60"/>
                             </a:solidFill>
@@ -5749,7 +5434,7 @@
                           <m:rPr>
                             <m:sty m:val="p"/>
                           </m:rPr>
-                          <a:rPr lang="en-US" altLang="ko-KR" sz="2200" b="0" i="0" smtClean="0">
+                          <a:rPr lang="en-US" altLang="ko-KR" sz="2400" b="0" i="0" smtClean="0">
                             <a:solidFill>
                               <a:srgbClr val="072A60"/>
                             </a:solidFill>
@@ -5760,7 +5445,7 @@
                       </m:e>
                       <m:sup>
                         <m:r>
-                          <a:rPr lang="en-US" altLang="ko-KR" sz="2200" b="0" i="1" smtClean="0">
+                          <a:rPr lang="en-US" altLang="ko-KR" sz="2400" b="0" i="1" smtClean="0">
                             <a:solidFill>
                               <a:srgbClr val="072A60"/>
                             </a:solidFill>
@@ -5772,7 +5457,7 @@
                     </m:sSup>
                   </m:oMath>
                 </a14:m>
-                <a:endParaRPr lang="en-US" altLang="ko-KR" sz="2200" dirty="0">
+                <a:endParaRPr lang="en-US" altLang="ko-KR" sz="2400" dirty="0">
                   <a:solidFill>
                     <a:srgbClr val="072A60"/>
                   </a:solidFill>
@@ -5780,8 +5465,9 @@
                 </a:endParaRPr>
               </a:p>
               <a:p>
+                <a:pPr algn="just"/>
                 <a:r>
-                  <a:rPr lang="en-US" altLang="ko-KR" sz="2200" dirty="0">
+                  <a:rPr lang="en-US" altLang="ko-KR" sz="2400" dirty="0">
                     <a:solidFill>
                       <a:srgbClr val="072A60"/>
                     </a:solidFill>
@@ -5790,7 +5476,7 @@
                   <a:t>	</a:t>
                 </a:r>
                 <a:r>
-                  <a:rPr lang="en-US" altLang="ko-KR" sz="2200" dirty="0">
+                  <a:rPr lang="en-US" altLang="ko-KR" sz="2400" dirty="0">
                     <a:solidFill>
                       <a:srgbClr val="072A60"/>
                     </a:solidFill>
@@ -5800,16 +5486,16 @@
                   <a:t>→ </a:t>
                 </a:r>
                 <a:r>
-                  <a:rPr lang="en-US" altLang="ko-KR" sz="2200" dirty="0">
+                  <a:rPr lang="en-US" altLang="ko-KR" sz="2400" dirty="0">
                     <a:solidFill>
                       <a:srgbClr val="072A60"/>
                     </a:solidFill>
                     <a:latin typeface="Garamond" panose="02020404030301010803" pitchFamily="18" charset="0"/>
                     <a:ea typeface="맑은 고딕" panose="020B0503020000020004" pitchFamily="50" charset="-127"/>
                   </a:rPr>
-                  <a:t>breathing mode of six-atoms rings with a defect</a:t>
+                  <a:t>breathing mode of six atoms rings with a 	defect</a:t>
                 </a:r>
-                <a:endParaRPr lang="en-US" altLang="ko-KR" sz="2200" dirty="0">
+                <a:endParaRPr lang="en-US" altLang="ko-KR" sz="2400" dirty="0">
                   <a:solidFill>
                     <a:srgbClr val="072A60"/>
                   </a:solidFill>
@@ -5817,15 +5503,12 @@
                 </a:endParaRPr>
               </a:p>
               <a:p>
-                <a:pPr marL="342900" indent="-342900">
-                  <a:lnSpc>
-                    <a:spcPct val="150000"/>
-                  </a:lnSpc>
+                <a:pPr marL="342900" indent="-342900" algn="just">
                   <a:buFont typeface="Arial" panose="020B0604020202020204" pitchFamily="34" charset="0"/>
                   <a:buChar char="•"/>
                 </a:pPr>
                 <a:r>
-                  <a:rPr lang="en-US" altLang="ko-KR" sz="2200" dirty="0">
+                  <a:rPr lang="en-US" altLang="ko-KR" sz="2400" dirty="0">
                     <a:solidFill>
                       <a:srgbClr val="072A60"/>
                     </a:solidFill>
@@ -5838,7 +5521,7 @@
                     <m:sSup>
                       <m:sSupPr>
                         <m:ctrlPr>
-                          <a:rPr lang="en-US" altLang="ko-KR" sz="2200" i="1" smtClean="0">
+                          <a:rPr lang="en-US" altLang="ko-KR" sz="2400" i="1" smtClean="0">
                             <a:solidFill>
                               <a:srgbClr val="072A60"/>
                             </a:solidFill>
@@ -5851,7 +5534,7 @@
                           <m:rPr>
                             <m:sty m:val="p"/>
                           </m:rPr>
-                          <a:rPr lang="en-US" altLang="ko-KR" sz="2200" i="0">
+                          <a:rPr lang="en-US" altLang="ko-KR" sz="2400" i="0">
                             <a:solidFill>
                               <a:srgbClr val="072A60"/>
                             </a:solidFill>
@@ -5862,7 +5545,7 @@
                       </m:e>
                       <m:sup>
                         <m:r>
-                          <a:rPr lang="en-US" altLang="ko-KR" sz="2200" i="0">
+                          <a:rPr lang="en-US" altLang="ko-KR" sz="2400" i="0">
                             <a:solidFill>
                               <a:srgbClr val="072A60"/>
                             </a:solidFill>
@@ -5874,7 +5557,7 @@
                     </m:sSup>
                   </m:oMath>
                 </a14:m>
-                <a:endParaRPr lang="en-US" altLang="ko-KR" sz="2200" dirty="0">
+                <a:endParaRPr lang="en-US" altLang="ko-KR" sz="2400" dirty="0">
                   <a:solidFill>
                     <a:srgbClr val="072A60"/>
                   </a:solidFill>
@@ -5882,8 +5565,9 @@
                 </a:endParaRPr>
               </a:p>
               <a:p>
+                <a:pPr algn="just"/>
                 <a:r>
-                  <a:rPr lang="en-US" altLang="ko-KR" sz="2200" dirty="0">
+                  <a:rPr lang="en-US" altLang="ko-KR" sz="2400" dirty="0">
                     <a:solidFill>
                       <a:srgbClr val="072A60"/>
                     </a:solidFill>
@@ -5893,7 +5577,7 @@
                   <a:t>	</a:t>
                 </a:r>
                 <a:r>
-                  <a:rPr lang="en-US" altLang="ko-KR" sz="2200" dirty="0">
+                  <a:rPr lang="en-US" altLang="ko-KR" sz="2400" dirty="0">
                     <a:solidFill>
                       <a:srgbClr val="072A60"/>
                     </a:solidFill>
@@ -5903,7 +5587,7 @@
                   <a:t>→ </a:t>
                 </a:r>
                 <a:r>
-                  <a:rPr lang="en-US" altLang="ko-KR" sz="2200" dirty="0">
+                  <a:rPr lang="en-US" altLang="ko-KR" sz="2400" dirty="0">
                     <a:solidFill>
                       <a:srgbClr val="072A60"/>
                     </a:solidFill>
@@ -5915,7 +5599,7 @@
             </p:txBody>
           </p:sp>
         </mc:Choice>
-        <mc:Fallback xmlns="">
+        <mc:Fallback>
           <p:sp>
             <p:nvSpPr>
               <p:cNvPr id="5" name="TextBox 4">
@@ -5933,15 +5617,15 @@
             <p:spPr>
               <a:xfrm>
                 <a:off x="5686146" y="1700808"/>
-                <a:ext cx="6505854" cy="3647152"/>
+                <a:ext cx="6314510" cy="3785652"/>
               </a:xfrm>
               <a:prstGeom prst="rect">
                 <a:avLst/>
               </a:prstGeom>
               <a:blipFill>
-                <a:blip r:embed="rId4"/>
+                <a:blip r:embed="rId3"/>
                 <a:stretch>
-                  <a:fillRect l="-1125" t="-1003" b="-2676"/>
+                  <a:fillRect l="-1351" t="-1127" r="-1448" b="-2899"/>
                 </a:stretch>
               </a:blipFill>
             </p:spPr>
@@ -5986,6 +5670,319 @@
 </file>
 
 <file path=ppt/slides/slide13.xml><?xml version="1.0" encoding="utf-8"?>
+<p:sld xmlns:a="http://schemas.openxmlformats.org/drawingml/2006/main" xmlns:r="http://schemas.openxmlformats.org/officeDocument/2006/relationships" xmlns:p="http://schemas.openxmlformats.org/presentationml/2006/main">
+  <p:cSld>
+    <p:spTree>
+      <p:nvGrpSpPr>
+        <p:cNvPr id="1" name=""/>
+        <p:cNvGrpSpPr/>
+        <p:nvPr/>
+      </p:nvGrpSpPr>
+      <p:grpSpPr>
+        <a:xfrm>
+          <a:off x="0" y="0"/>
+          <a:ext cx="0" cy="0"/>
+          <a:chOff x="0" y="0"/>
+          <a:chExt cx="0" cy="0"/>
+        </a:xfrm>
+      </p:grpSpPr>
+      <p:sp>
+        <p:nvSpPr>
+          <p:cNvPr id="4" name="TextBox 3">
+            <a:extLst>
+              <a:ext uri="{FF2B5EF4-FFF2-40B4-BE49-F238E27FC236}">
+                <a16:creationId xmlns:a16="http://schemas.microsoft.com/office/drawing/2014/main" id="{8A05AD63-D546-1C08-A20F-2F18332B8279}"/>
+              </a:ext>
+            </a:extLst>
+          </p:cNvPr>
+          <p:cNvSpPr txBox="1"/>
+          <p:nvPr/>
+        </p:nvSpPr>
+        <p:spPr>
+          <a:xfrm>
+            <a:off x="1631504" y="764704"/>
+            <a:ext cx="10053718" cy="677108"/>
+          </a:xfrm>
+          <a:prstGeom prst="rect">
+            <a:avLst/>
+          </a:prstGeom>
+          <a:noFill/>
+        </p:spPr>
+        <p:txBody>
+          <a:bodyPr wrap="square" rtlCol="0">
+            <a:spAutoFit/>
+          </a:bodyPr>
+          <a:lstStyle/>
+          <a:p>
+            <a:r>
+              <a:rPr lang="en-US" altLang="ko-KR" sz="3800" dirty="0">
+                <a:solidFill>
+                  <a:srgbClr val="072A60"/>
+                </a:solidFill>
+                <a:latin typeface="Garamond" panose="02020404030301010803" pitchFamily="18" charset="0"/>
+              </a:rPr>
+              <a:t>C peak</a:t>
+            </a:r>
+          </a:p>
+        </p:txBody>
+      </p:sp>
+      <mc:AlternateContent xmlns:mc="http://schemas.openxmlformats.org/markup-compatibility/2006">
+        <mc:Choice xmlns:a14="http://schemas.microsoft.com/office/drawing/2010/main" Requires="a14">
+          <p:sp>
+            <p:nvSpPr>
+              <p:cNvPr id="5" name="TextBox 4">
+                <a:extLst>
+                  <a:ext uri="{FF2B5EF4-FFF2-40B4-BE49-F238E27FC236}">
+                    <a16:creationId xmlns:a16="http://schemas.microsoft.com/office/drawing/2014/main" id="{9187583A-ED7C-317E-B5D1-44AEEAAE1EE0}"/>
+                  </a:ext>
+                </a:extLst>
+              </p:cNvPr>
+              <p:cNvSpPr txBox="1"/>
+              <p:nvPr/>
+            </p:nvSpPr>
+            <p:spPr>
+              <a:xfrm>
+                <a:off x="5686146" y="1700808"/>
+                <a:ext cx="6505854" cy="1566391"/>
+              </a:xfrm>
+              <a:prstGeom prst="rect">
+                <a:avLst/>
+              </a:prstGeom>
+              <a:noFill/>
+            </p:spPr>
+            <p:txBody>
+              <a:bodyPr wrap="square">
+                <a:spAutoFit/>
+              </a:bodyPr>
+              <a:lstStyle/>
+              <a:p>
+                <a:pPr marL="342900" indent="-342900">
+                  <a:buFont typeface="Arial" panose="020B0604020202020204" pitchFamily="34" charset="0"/>
+                  <a:buChar char="•"/>
+                </a:pPr>
+                <a:r>
+                  <a:rPr lang="en-US" altLang="ko-KR" sz="2200" dirty="0">
+                    <a:solidFill>
+                      <a:srgbClr val="072A60"/>
+                    </a:solidFill>
+                    <a:latin typeface="Garamond" panose="02020404030301010803" pitchFamily="18" charset="0"/>
+                    <a:ea typeface="맑은 고딕" panose="020B0503020000020004" pitchFamily="50" charset="-127"/>
+                  </a:rPr>
+                  <a:t>C peak : Low frequency of </a:t>
+                </a:r>
+                <a14:m>
+                  <m:oMath xmlns:m="http://schemas.openxmlformats.org/officeDocument/2006/math">
+                    <m:sSub>
+                      <m:sSubPr>
+                        <m:ctrlPr>
+                          <a:rPr lang="en-US" altLang="ko-KR" sz="2200" i="1" smtClean="0">
+                            <a:solidFill>
+                              <a:srgbClr val="072A60"/>
+                            </a:solidFill>
+                            <a:latin typeface="Cambria Math" panose="02040503050406030204" pitchFamily="18" charset="0"/>
+                          </a:rPr>
+                        </m:ctrlPr>
+                      </m:sSubPr>
+                      <m:e>
+                        <m:r>
+                          <a:rPr lang="en-US" altLang="ko-KR" sz="2200" b="0" i="1" smtClean="0">
+                            <a:solidFill>
+                              <a:srgbClr val="072A60"/>
+                            </a:solidFill>
+                            <a:latin typeface="Cambria Math" panose="02040503050406030204" pitchFamily="18" charset="0"/>
+                          </a:rPr>
+                          <m:t>𝐸</m:t>
+                        </m:r>
+                      </m:e>
+                      <m:sub>
+                        <m:r>
+                          <a:rPr lang="en-US" altLang="ko-KR" sz="2200" b="0" i="1" smtClean="0">
+                            <a:solidFill>
+                              <a:srgbClr val="072A60"/>
+                            </a:solidFill>
+                            <a:latin typeface="Cambria Math" panose="02040503050406030204" pitchFamily="18" charset="0"/>
+                          </a:rPr>
+                          <m:t>2</m:t>
+                        </m:r>
+                        <m:r>
+                          <a:rPr lang="en-US" altLang="ko-KR" sz="2200" b="0" i="1" smtClean="0">
+                            <a:solidFill>
+                              <a:srgbClr val="072A60"/>
+                            </a:solidFill>
+                            <a:latin typeface="Cambria Math" panose="02040503050406030204" pitchFamily="18" charset="0"/>
+                          </a:rPr>
+                          <m:t>𝑔</m:t>
+                        </m:r>
+                      </m:sub>
+                    </m:sSub>
+                  </m:oMath>
+                </a14:m>
+                <a:r>
+                  <a:rPr lang="en-US" altLang="ko-KR" sz="2200" dirty="0">
+                    <a:solidFill>
+                      <a:srgbClr val="072A60"/>
+                    </a:solidFill>
+                    <a:latin typeface="Garamond" panose="02020404030301010803" pitchFamily="18" charset="0"/>
+                  </a:rPr>
+                  <a:t> mode</a:t>
+                </a:r>
+              </a:p>
+              <a:p>
+                <a:pPr lvl="1"/>
+                <a:r>
+                  <a:rPr lang="en-US" altLang="ko-KR" sz="2400" dirty="0">
+                    <a:solidFill>
+                      <a:srgbClr val="072A60"/>
+                    </a:solidFill>
+                    <a:latin typeface="맑은 고딕" panose="020B0503020000020004" pitchFamily="50" charset="-127"/>
+                    <a:ea typeface="맑은 고딕" panose="020B0503020000020004" pitchFamily="50" charset="-127"/>
+                  </a:rPr>
+                  <a:t>→</a:t>
+                </a:r>
+                <a:r>
+                  <a:rPr lang="en-US" altLang="ko-KR" sz="2400" dirty="0">
+                    <a:solidFill>
+                      <a:srgbClr val="072A60"/>
+                    </a:solidFill>
+                    <a:latin typeface="Garamond" panose="02020404030301010803" pitchFamily="18" charset="0"/>
+                    <a:ea typeface="맑은 고딕" panose="020B0503020000020004" pitchFamily="50" charset="-127"/>
+                  </a:rPr>
+                  <a:t> It is sensitive to the interlayer coupling</a:t>
+                </a:r>
+              </a:p>
+              <a:p>
+                <a:pPr lvl="1"/>
+                <a:r>
+                  <a:rPr lang="en-US" altLang="ko-KR" sz="2400" dirty="0">
+                    <a:solidFill>
+                      <a:srgbClr val="072A60"/>
+                    </a:solidFill>
+                    <a:latin typeface="맑은 고딕" panose="020B0503020000020004" pitchFamily="50" charset="-127"/>
+                    <a:ea typeface="맑은 고딕" panose="020B0503020000020004" pitchFamily="50" charset="-127"/>
+                  </a:rPr>
+                  <a:t>→</a:t>
+                </a:r>
+                <a:r>
+                  <a:rPr lang="en-US" altLang="ko-KR" sz="2400" dirty="0">
+                    <a:solidFill>
+                      <a:srgbClr val="072A60"/>
+                    </a:solidFill>
+                    <a:latin typeface="Garamond" panose="02020404030301010803" pitchFamily="18" charset="0"/>
+                    <a:ea typeface="맑은 고딕" panose="020B0503020000020004" pitchFamily="50" charset="-127"/>
+                  </a:rPr>
+                  <a:t> It becomes absent when it is single layer material</a:t>
+                </a:r>
+              </a:p>
+            </p:txBody>
+          </p:sp>
+        </mc:Choice>
+        <mc:Fallback>
+          <p:sp>
+            <p:nvSpPr>
+              <p:cNvPr id="5" name="TextBox 4">
+                <a:extLst>
+                  <a:ext uri="{FF2B5EF4-FFF2-40B4-BE49-F238E27FC236}">
+                    <a16:creationId xmlns:a16="http://schemas.microsoft.com/office/drawing/2014/main" id="{9187583A-ED7C-317E-B5D1-44AEEAAE1EE0}"/>
+                  </a:ext>
+                </a:extLst>
+              </p:cNvPr>
+              <p:cNvSpPr txBox="1">
+                <a:spLocks noRot="1" noChangeAspect="1" noMove="1" noResize="1" noEditPoints="1" noAdjustHandles="1" noChangeArrowheads="1" noChangeShapeType="1" noTextEdit="1"/>
+              </p:cNvSpPr>
+              <p:nvPr/>
+            </p:nvSpPr>
+            <p:spPr>
+              <a:xfrm>
+                <a:off x="5686146" y="1700808"/>
+                <a:ext cx="6505854" cy="1566391"/>
+              </a:xfrm>
+              <a:prstGeom prst="rect">
+                <a:avLst/>
+              </a:prstGeom>
+              <a:blipFill>
+                <a:blip r:embed="rId2"/>
+                <a:stretch>
+                  <a:fillRect l="-1125" t="-1946" b="-7782"/>
+                </a:stretch>
+              </a:blipFill>
+            </p:spPr>
+            <p:txBody>
+              <a:bodyPr/>
+              <a:lstStyle/>
+              <a:p>
+                <a:r>
+                  <a:rPr lang="ko-KR" altLang="en-US">
+                    <a:noFill/>
+                  </a:rPr>
+                  <a:t> </a:t>
+                </a:r>
+              </a:p>
+            </p:txBody>
+          </p:sp>
+        </mc:Fallback>
+      </mc:AlternateContent>
+      <p:pic>
+        <p:nvPicPr>
+          <p:cNvPr id="16" name="그림 15">
+            <a:extLst>
+              <a:ext uri="{FF2B5EF4-FFF2-40B4-BE49-F238E27FC236}">
+                <a16:creationId xmlns:a16="http://schemas.microsoft.com/office/drawing/2014/main" id="{1962F38C-E57F-F8DD-7817-6B4C9865D390}"/>
+              </a:ext>
+            </a:extLst>
+          </p:cNvPr>
+          <p:cNvPicPr>
+            <a:picLocks noChangeAspect="1"/>
+          </p:cNvPicPr>
+          <p:nvPr/>
+        </p:nvPicPr>
+        <p:blipFill>
+          <a:blip r:embed="rId3">
+            <a:extLst>
+              <a:ext uri="{28A0092B-C50C-407E-A947-70E740481C1C}">
+                <a14:useLocalDpi xmlns:a14="http://schemas.microsoft.com/office/drawing/2010/main" val="0"/>
+              </a:ext>
+            </a:extLst>
+          </a:blip>
+          <a:stretch>
+            <a:fillRect/>
+          </a:stretch>
+        </p:blipFill>
+        <p:spPr>
+          <a:xfrm>
+            <a:off x="98845" y="1628800"/>
+            <a:ext cx="5587301" cy="3746032"/>
+          </a:xfrm>
+          <a:prstGeom prst="rect">
+            <a:avLst/>
+          </a:prstGeom>
+        </p:spPr>
+      </p:pic>
+    </p:spTree>
+    <p:extLst>
+      <p:ext uri="{BB962C8B-B14F-4D97-AF65-F5344CB8AC3E}">
+        <p14:creationId xmlns:p14="http://schemas.microsoft.com/office/powerpoint/2010/main" val="2171147742"/>
+      </p:ext>
+    </p:extLst>
+  </p:cSld>
+  <p:clrMapOvr>
+    <a:masterClrMapping/>
+  </p:clrMapOvr>
+  <mc:AlternateContent xmlns:mc="http://schemas.openxmlformats.org/markup-compatibility/2006">
+    <mc:Choice xmlns:p14="http://schemas.microsoft.com/office/powerpoint/2010/main" Requires="p14">
+      <p:transition spd="med" p14:dur="700">
+        <p:fade/>
+      </p:transition>
+    </mc:Choice>
+    <mc:Fallback>
+      <p:transition spd="med">
+        <p:fade/>
+      </p:transition>
+    </mc:Fallback>
+  </mc:AlternateContent>
+</p:sld>
+</file>
+
+<file path=ppt/slides/slide14.xml><?xml version="1.0" encoding="utf-8"?>
 <p:sld xmlns:a="http://schemas.openxmlformats.org/drawingml/2006/main" xmlns:r="http://schemas.openxmlformats.org/officeDocument/2006/relationships" xmlns:p="http://schemas.openxmlformats.org/presentationml/2006/main">
   <p:cSld>
     <p:spTree>
@@ -6544,7 +6541,7 @@
 </p:sld>
 </file>
 
-<file path=ppt/slides/slide14.xml><?xml version="1.0" encoding="utf-8"?>
+<file path=ppt/slides/slide15.xml><?xml version="1.0" encoding="utf-8"?>
 <p:sld xmlns:a="http://schemas.openxmlformats.org/drawingml/2006/main" xmlns:r="http://schemas.openxmlformats.org/officeDocument/2006/relationships" xmlns:p="http://schemas.openxmlformats.org/presentationml/2006/main">
   <p:cSld>
     <p:spTree>
@@ -7357,7 +7354,428 @@
 </p:sld>
 </file>
 
-<file path=ppt/slides/slide15.xml><?xml version="1.0" encoding="utf-8"?>
+<file path=ppt/slides/slide16.xml><?xml version="1.0" encoding="utf-8"?>
+<p:sld xmlns:a="http://schemas.openxmlformats.org/drawingml/2006/main" xmlns:r="http://schemas.openxmlformats.org/officeDocument/2006/relationships" xmlns:p="http://schemas.openxmlformats.org/presentationml/2006/main">
+  <p:cSld>
+    <p:spTree>
+      <p:nvGrpSpPr>
+        <p:cNvPr id="1" name=""/>
+        <p:cNvGrpSpPr/>
+        <p:nvPr/>
+      </p:nvGrpSpPr>
+      <p:grpSpPr>
+        <a:xfrm>
+          <a:off x="0" y="0"/>
+          <a:ext cx="0" cy="0"/>
+          <a:chOff x="0" y="0"/>
+          <a:chExt cx="0" cy="0"/>
+        </a:xfrm>
+      </p:grpSpPr>
+      <p:sp>
+        <p:nvSpPr>
+          <p:cNvPr id="4" name="TextBox 3">
+            <a:extLst>
+              <a:ext uri="{FF2B5EF4-FFF2-40B4-BE49-F238E27FC236}">
+                <a16:creationId xmlns:a16="http://schemas.microsoft.com/office/drawing/2014/main" id="{8A05AD63-D546-1C08-A20F-2F18332B8279}"/>
+              </a:ext>
+            </a:extLst>
+          </p:cNvPr>
+          <p:cNvSpPr txBox="1"/>
+          <p:nvPr/>
+        </p:nvSpPr>
+        <p:spPr>
+          <a:xfrm>
+            <a:off x="1631504" y="764704"/>
+            <a:ext cx="10053718" cy="677108"/>
+          </a:xfrm>
+          <a:prstGeom prst="rect">
+            <a:avLst/>
+          </a:prstGeom>
+          <a:noFill/>
+        </p:spPr>
+        <p:txBody>
+          <a:bodyPr wrap="square" rtlCol="0">
+            <a:spAutoFit/>
+          </a:bodyPr>
+          <a:lstStyle/>
+          <a:p>
+            <a:r>
+              <a:rPr lang="en-US" altLang="ko-KR" sz="3800" dirty="0">
+                <a:solidFill>
+                  <a:srgbClr val="072A60"/>
+                </a:solidFill>
+                <a:latin typeface="Garamond" panose="02020404030301010803" pitchFamily="18" charset="0"/>
+              </a:rPr>
+              <a:t>Ti2CTx – Experiment Result</a:t>
+            </a:r>
+          </a:p>
+        </p:txBody>
+      </p:sp>
+      <p:pic>
+        <p:nvPicPr>
+          <p:cNvPr id="5" name="그림 4">
+            <a:extLst>
+              <a:ext uri="{FF2B5EF4-FFF2-40B4-BE49-F238E27FC236}">
+                <a16:creationId xmlns:a16="http://schemas.microsoft.com/office/drawing/2014/main" id="{87654996-BC1E-17E9-4086-E393E7268F39}"/>
+              </a:ext>
+            </a:extLst>
+          </p:cNvPr>
+          <p:cNvPicPr>
+            <a:picLocks noChangeAspect="1"/>
+          </p:cNvPicPr>
+          <p:nvPr/>
+        </p:nvPicPr>
+        <p:blipFill>
+          <a:blip r:embed="rId2">
+            <a:extLst>
+              <a:ext uri="{28A0092B-C50C-407E-A947-70E740481C1C}">
+                <a14:useLocalDpi xmlns:a14="http://schemas.microsoft.com/office/drawing/2010/main" val="0"/>
+              </a:ext>
+            </a:extLst>
+          </a:blip>
+          <a:stretch>
+            <a:fillRect/>
+          </a:stretch>
+        </p:blipFill>
+        <p:spPr>
+          <a:xfrm>
+            <a:off x="131275" y="2114030"/>
+            <a:ext cx="4320000" cy="2933210"/>
+          </a:xfrm>
+          <a:prstGeom prst="rect">
+            <a:avLst/>
+          </a:prstGeom>
+        </p:spPr>
+      </p:pic>
+      <p:grpSp>
+        <p:nvGrpSpPr>
+          <p:cNvPr id="3" name="그룹 2">
+            <a:extLst>
+              <a:ext uri="{FF2B5EF4-FFF2-40B4-BE49-F238E27FC236}">
+                <a16:creationId xmlns:a16="http://schemas.microsoft.com/office/drawing/2014/main" id="{B9E0B480-AC2D-D654-DFCD-BA9CEF2216D7}"/>
+              </a:ext>
+            </a:extLst>
+          </p:cNvPr>
+          <p:cNvGrpSpPr/>
+          <p:nvPr/>
+        </p:nvGrpSpPr>
+        <p:grpSpPr>
+          <a:xfrm>
+            <a:off x="4451275" y="2114030"/>
+            <a:ext cx="4320000" cy="2880000"/>
+            <a:chOff x="354252" y="1700808"/>
+            <a:chExt cx="5709958" cy="4038160"/>
+          </a:xfrm>
+        </p:grpSpPr>
+        <p:pic>
+          <p:nvPicPr>
+            <p:cNvPr id="6" name="그림 5">
+              <a:extLst>
+                <a:ext uri="{FF2B5EF4-FFF2-40B4-BE49-F238E27FC236}">
+                  <a16:creationId xmlns:a16="http://schemas.microsoft.com/office/drawing/2014/main" id="{BC8F2FE7-5C0E-C618-9E4D-37BD4FCB302F}"/>
+                </a:ext>
+              </a:extLst>
+            </p:cNvPr>
+            <p:cNvPicPr>
+              <a:picLocks noChangeAspect="1"/>
+            </p:cNvPicPr>
+            <p:nvPr/>
+          </p:nvPicPr>
+          <p:blipFill>
+            <a:blip r:embed="rId3">
+              <a:extLst>
+                <a:ext uri="{28A0092B-C50C-407E-A947-70E740481C1C}">
+                  <a14:useLocalDpi xmlns:a14="http://schemas.microsoft.com/office/drawing/2010/main" val="0"/>
+                </a:ext>
+              </a:extLst>
+            </a:blip>
+            <a:stretch>
+              <a:fillRect/>
+            </a:stretch>
+          </p:blipFill>
+          <p:spPr>
+            <a:xfrm>
+              <a:off x="354252" y="1700808"/>
+              <a:ext cx="5709958" cy="4038160"/>
+            </a:xfrm>
+            <a:prstGeom prst="rect">
+              <a:avLst/>
+            </a:prstGeom>
+          </p:spPr>
+        </p:pic>
+        <p:sp>
+          <p:nvSpPr>
+            <p:cNvPr id="7" name="TextBox 6">
+              <a:extLst>
+                <a:ext uri="{FF2B5EF4-FFF2-40B4-BE49-F238E27FC236}">
+                  <a16:creationId xmlns:a16="http://schemas.microsoft.com/office/drawing/2014/main" id="{5D59C2E8-E29B-2C9F-E7DA-65DCF1BB4591}"/>
+                </a:ext>
+              </a:extLst>
+            </p:cNvPr>
+            <p:cNvSpPr txBox="1"/>
+            <p:nvPr/>
+          </p:nvSpPr>
+          <p:spPr>
+            <a:xfrm>
+              <a:off x="1912626" y="2607919"/>
+              <a:ext cx="1023046" cy="477054"/>
+            </a:xfrm>
+            <a:prstGeom prst="rect">
+              <a:avLst/>
+            </a:prstGeom>
+            <a:noFill/>
+          </p:spPr>
+          <p:txBody>
+            <a:bodyPr wrap="square" rtlCol="0">
+              <a:spAutoFit/>
+            </a:bodyPr>
+            <a:lstStyle/>
+            <a:p>
+              <a:r>
+                <a:rPr lang="en-US" altLang="ko-KR" sz="2500" b="1" dirty="0">
+                  <a:solidFill>
+                    <a:srgbClr val="072A60"/>
+                  </a:solidFill>
+                  <a:latin typeface="Garamond" panose="02020404030301010803" pitchFamily="18" charset="0"/>
+                  <a:ea typeface="맑은 고딕" panose="020B0503020000020004" pitchFamily="50" charset="-127"/>
+                </a:rPr>
+                <a:t>ω3</a:t>
+              </a:r>
+              <a:endParaRPr lang="ko-KR" altLang="en-US" sz="2500" b="1" dirty="0"/>
+            </a:p>
+          </p:txBody>
+        </p:sp>
+        <p:sp>
+          <p:nvSpPr>
+            <p:cNvPr id="8" name="TextBox 7">
+              <a:extLst>
+                <a:ext uri="{FF2B5EF4-FFF2-40B4-BE49-F238E27FC236}">
+                  <a16:creationId xmlns:a16="http://schemas.microsoft.com/office/drawing/2014/main" id="{E62829F1-AD9F-48DC-AA76-7B4B8B56FEF2}"/>
+                </a:ext>
+              </a:extLst>
+            </p:cNvPr>
+            <p:cNvSpPr txBox="1"/>
+            <p:nvPr/>
+          </p:nvSpPr>
+          <p:spPr>
+            <a:xfrm>
+              <a:off x="1631504" y="1701700"/>
+              <a:ext cx="1023046" cy="477054"/>
+            </a:xfrm>
+            <a:prstGeom prst="rect">
+              <a:avLst/>
+            </a:prstGeom>
+            <a:noFill/>
+          </p:spPr>
+          <p:txBody>
+            <a:bodyPr wrap="square" rtlCol="0">
+              <a:spAutoFit/>
+            </a:bodyPr>
+            <a:lstStyle/>
+            <a:p>
+              <a:r>
+                <a:rPr lang="en-US" altLang="ko-KR" sz="2500" b="1" dirty="0">
+                  <a:solidFill>
+                    <a:srgbClr val="072A60"/>
+                  </a:solidFill>
+                  <a:latin typeface="Garamond" panose="02020404030301010803" pitchFamily="18" charset="0"/>
+                  <a:ea typeface="맑은 고딕" panose="020B0503020000020004" pitchFamily="50" charset="-127"/>
+                </a:rPr>
+                <a:t>ω2</a:t>
+              </a:r>
+              <a:endParaRPr lang="ko-KR" altLang="en-US" sz="2500" b="1" dirty="0"/>
+            </a:p>
+          </p:txBody>
+        </p:sp>
+        <p:sp>
+          <p:nvSpPr>
+            <p:cNvPr id="9" name="TextBox 8">
+              <a:extLst>
+                <a:ext uri="{FF2B5EF4-FFF2-40B4-BE49-F238E27FC236}">
+                  <a16:creationId xmlns:a16="http://schemas.microsoft.com/office/drawing/2014/main" id="{750F573D-78E9-A7BB-584F-766EC15DDA5F}"/>
+                </a:ext>
+              </a:extLst>
+            </p:cNvPr>
+            <p:cNvSpPr txBox="1"/>
+            <p:nvPr/>
+          </p:nvSpPr>
+          <p:spPr>
+            <a:xfrm>
+              <a:off x="1401103" y="3242834"/>
+              <a:ext cx="1023046" cy="477054"/>
+            </a:xfrm>
+            <a:prstGeom prst="rect">
+              <a:avLst/>
+            </a:prstGeom>
+            <a:noFill/>
+          </p:spPr>
+          <p:txBody>
+            <a:bodyPr wrap="square" rtlCol="0">
+              <a:spAutoFit/>
+            </a:bodyPr>
+            <a:lstStyle/>
+            <a:p>
+              <a:r>
+                <a:rPr lang="en-US" altLang="ko-KR" sz="2500" b="1" dirty="0">
+                  <a:solidFill>
+                    <a:srgbClr val="072A60"/>
+                  </a:solidFill>
+                  <a:latin typeface="Garamond" panose="02020404030301010803" pitchFamily="18" charset="0"/>
+                  <a:ea typeface="맑은 고딕" panose="020B0503020000020004" pitchFamily="50" charset="-127"/>
+                </a:rPr>
+                <a:t>ω1</a:t>
+              </a:r>
+              <a:endParaRPr lang="ko-KR" altLang="en-US" sz="2500" b="1" dirty="0"/>
+            </a:p>
+          </p:txBody>
+        </p:sp>
+        <p:sp>
+          <p:nvSpPr>
+            <p:cNvPr id="10" name="TextBox 9">
+              <a:extLst>
+                <a:ext uri="{FF2B5EF4-FFF2-40B4-BE49-F238E27FC236}">
+                  <a16:creationId xmlns:a16="http://schemas.microsoft.com/office/drawing/2014/main" id="{E4100B1A-275B-A6FE-D98B-922C844E6559}"/>
+                </a:ext>
+              </a:extLst>
+            </p:cNvPr>
+            <p:cNvSpPr txBox="1"/>
+            <p:nvPr/>
+          </p:nvSpPr>
+          <p:spPr>
+            <a:xfrm>
+              <a:off x="2848395" y="4154671"/>
+              <a:ext cx="1023046" cy="400110"/>
+            </a:xfrm>
+            <a:prstGeom prst="rect">
+              <a:avLst/>
+            </a:prstGeom>
+            <a:noFill/>
+          </p:spPr>
+          <p:txBody>
+            <a:bodyPr wrap="square" rtlCol="0">
+              <a:spAutoFit/>
+            </a:bodyPr>
+            <a:lstStyle/>
+            <a:p>
+              <a:r>
+                <a:rPr lang="en-US" altLang="ko-KR" sz="2000" b="1" dirty="0">
+                  <a:solidFill>
+                    <a:srgbClr val="072A60"/>
+                  </a:solidFill>
+                  <a:latin typeface="Garamond" panose="02020404030301010803" pitchFamily="18" charset="0"/>
+                  <a:ea typeface="맑은 고딕" panose="020B0503020000020004" pitchFamily="50" charset="-127"/>
+                </a:rPr>
+                <a:t>D</a:t>
+              </a:r>
+              <a:endParaRPr lang="ko-KR" altLang="en-US" sz="2000" b="1" dirty="0"/>
+            </a:p>
+          </p:txBody>
+        </p:sp>
+        <p:sp>
+          <p:nvSpPr>
+            <p:cNvPr id="11" name="TextBox 10">
+              <a:extLst>
+                <a:ext uri="{FF2B5EF4-FFF2-40B4-BE49-F238E27FC236}">
+                  <a16:creationId xmlns:a16="http://schemas.microsoft.com/office/drawing/2014/main" id="{7C5FADFC-4A62-C153-9FF1-78E7AB911145}"/>
+                </a:ext>
+              </a:extLst>
+            </p:cNvPr>
+            <p:cNvSpPr txBox="1"/>
+            <p:nvPr/>
+          </p:nvSpPr>
+          <p:spPr>
+            <a:xfrm>
+              <a:off x="3209231" y="4221088"/>
+              <a:ext cx="1023046" cy="400110"/>
+            </a:xfrm>
+            <a:prstGeom prst="rect">
+              <a:avLst/>
+            </a:prstGeom>
+            <a:noFill/>
+          </p:spPr>
+          <p:txBody>
+            <a:bodyPr wrap="square" rtlCol="0">
+              <a:spAutoFit/>
+            </a:bodyPr>
+            <a:lstStyle/>
+            <a:p>
+              <a:r>
+                <a:rPr lang="en-US" altLang="ko-KR" sz="2000" b="1" dirty="0">
+                  <a:solidFill>
+                    <a:srgbClr val="072A60"/>
+                  </a:solidFill>
+                  <a:latin typeface="Garamond" panose="02020404030301010803" pitchFamily="18" charset="0"/>
+                  <a:ea typeface="맑은 고딕" panose="020B0503020000020004" pitchFamily="50" charset="-127"/>
+                </a:rPr>
+                <a:t>G</a:t>
+              </a:r>
+              <a:endParaRPr lang="ko-KR" altLang="en-US" sz="2000" b="1" dirty="0"/>
+            </a:p>
+          </p:txBody>
+        </p:sp>
+      </p:grpSp>
+      <p:pic>
+        <p:nvPicPr>
+          <p:cNvPr id="12" name="그림 11">
+            <a:extLst>
+              <a:ext uri="{FF2B5EF4-FFF2-40B4-BE49-F238E27FC236}">
+                <a16:creationId xmlns:a16="http://schemas.microsoft.com/office/drawing/2014/main" id="{DEC99E4A-C0AC-C9AC-D060-059B27E3A23F}"/>
+              </a:ext>
+            </a:extLst>
+          </p:cNvPr>
+          <p:cNvPicPr>
+            <a:picLocks noChangeAspect="1"/>
+          </p:cNvPicPr>
+          <p:nvPr/>
+        </p:nvPicPr>
+        <p:blipFill>
+          <a:blip r:embed="rId4">
+            <a:extLst>
+              <a:ext uri="{28A0092B-C50C-407E-A947-70E740481C1C}">
+                <a14:useLocalDpi xmlns:a14="http://schemas.microsoft.com/office/drawing/2010/main" val="0"/>
+              </a:ext>
+            </a:extLst>
+          </a:blip>
+          <a:stretch>
+            <a:fillRect/>
+          </a:stretch>
+        </p:blipFill>
+        <p:spPr>
+          <a:xfrm>
+            <a:off x="8771275" y="2114030"/>
+            <a:ext cx="3034732" cy="2880000"/>
+          </a:xfrm>
+          <a:prstGeom prst="rect">
+            <a:avLst/>
+          </a:prstGeom>
+        </p:spPr>
+      </p:pic>
+    </p:spTree>
+    <p:extLst>
+      <p:ext uri="{BB962C8B-B14F-4D97-AF65-F5344CB8AC3E}">
+        <p14:creationId xmlns:p14="http://schemas.microsoft.com/office/powerpoint/2010/main" val="1287058724"/>
+      </p:ext>
+    </p:extLst>
+  </p:cSld>
+  <p:clrMapOvr>
+    <a:masterClrMapping/>
+  </p:clrMapOvr>
+  <mc:AlternateContent xmlns:mc="http://schemas.openxmlformats.org/markup-compatibility/2006" xmlns:p14="http://schemas.microsoft.com/office/powerpoint/2010/main">
+    <mc:Choice Requires="p14">
+      <p:transition spd="med" p14:dur="700">
+        <p:fade/>
+      </p:transition>
+    </mc:Choice>
+    <mc:Fallback xmlns="">
+      <p:transition spd="med">
+        <p:fade/>
+      </p:transition>
+    </mc:Fallback>
+  </mc:AlternateContent>
+</p:sld>
+</file>
+
+<file path=ppt/slides/slide17.xml><?xml version="1.0" encoding="utf-8"?>
 <p:sld xmlns:a="http://schemas.openxmlformats.org/drawingml/2006/main" xmlns:r="http://schemas.openxmlformats.org/officeDocument/2006/relationships" xmlns:p="http://schemas.openxmlformats.org/presentationml/2006/main">
   <p:cSld>
     <p:spTree>
@@ -7414,6 +7832,169 @@
           </a:p>
         </p:txBody>
       </p:sp>
+      <p:sp>
+        <p:nvSpPr>
+          <p:cNvPr id="3" name="TextBox 2">
+            <a:extLst>
+              <a:ext uri="{FF2B5EF4-FFF2-40B4-BE49-F238E27FC236}">
+                <a16:creationId xmlns:a16="http://schemas.microsoft.com/office/drawing/2014/main" id="{CAA1BB55-37BD-FF37-D972-DAA8CD2DA150}"/>
+              </a:ext>
+            </a:extLst>
+          </p:cNvPr>
+          <p:cNvSpPr txBox="1"/>
+          <p:nvPr/>
+        </p:nvSpPr>
+        <p:spPr>
+          <a:xfrm>
+            <a:off x="695400" y="1472590"/>
+            <a:ext cx="10873208" cy="5632311"/>
+          </a:xfrm>
+          <a:prstGeom prst="rect">
+            <a:avLst/>
+          </a:prstGeom>
+          <a:noFill/>
+        </p:spPr>
+        <p:txBody>
+          <a:bodyPr wrap="square">
+            <a:spAutoFit/>
+          </a:bodyPr>
+          <a:lstStyle/>
+          <a:p>
+            <a:pPr algn="just"/>
+            <a:r>
+              <a:rPr lang="en-US" altLang="ko-KR" sz="2400" dirty="0">
+                <a:solidFill>
+                  <a:srgbClr val="072A60"/>
+                </a:solidFill>
+                <a:latin typeface="Garamond" panose="02020404030301010803" pitchFamily="18" charset="0"/>
+              </a:rPr>
+              <a:t>GR/GO/RGO</a:t>
+            </a:r>
+          </a:p>
+          <a:p>
+            <a:pPr marL="457200" indent="-457200" algn="just">
+              <a:buAutoNum type="arabicPeriod"/>
+            </a:pPr>
+            <a:r>
+              <a:rPr lang="en-US" altLang="ko-KR" sz="2400" dirty="0">
+                <a:solidFill>
+                  <a:srgbClr val="072A60"/>
+                </a:solidFill>
+                <a:latin typeface="Garamond" panose="02020404030301010803" pitchFamily="18" charset="0"/>
+              </a:rPr>
+              <a:t>Defect increases -&gt; I(D) / I(G)</a:t>
+            </a:r>
+          </a:p>
+          <a:p>
+            <a:pPr marL="457200" indent="-457200" algn="just">
+              <a:buAutoNum type="arabicPeriod"/>
+            </a:pPr>
+            <a:r>
+              <a:rPr lang="en-US" altLang="ko-KR" sz="2400" dirty="0">
+                <a:solidFill>
+                  <a:srgbClr val="072A60"/>
+                </a:solidFill>
+                <a:latin typeface="Garamond" panose="02020404030301010803" pitchFamily="18" charset="0"/>
+              </a:rPr>
+              <a:t>They are Multi-layer</a:t>
+            </a:r>
+          </a:p>
+          <a:p>
+            <a:pPr algn="just"/>
+            <a:endParaRPr lang="en-US" altLang="ko-KR" sz="2400" dirty="0">
+              <a:solidFill>
+                <a:srgbClr val="072A60"/>
+              </a:solidFill>
+              <a:latin typeface="Garamond" panose="02020404030301010803" pitchFamily="18" charset="0"/>
+            </a:endParaRPr>
+          </a:p>
+          <a:p>
+            <a:pPr algn="just"/>
+            <a:r>
+              <a:rPr lang="en-US" altLang="ko-KR" sz="2400" dirty="0" err="1">
+                <a:solidFill>
+                  <a:srgbClr val="072A60"/>
+                </a:solidFill>
+                <a:latin typeface="Garamond" panose="02020404030301010803" pitchFamily="18" charset="0"/>
+              </a:rPr>
+              <a:t>Mxenes</a:t>
+            </a:r>
+            <a:endParaRPr lang="en-US" altLang="ko-KR" sz="2400" dirty="0">
+              <a:solidFill>
+                <a:srgbClr val="072A60"/>
+              </a:solidFill>
+              <a:latin typeface="Garamond" panose="02020404030301010803" pitchFamily="18" charset="0"/>
+            </a:endParaRPr>
+          </a:p>
+          <a:p>
+            <a:pPr marL="457200" indent="-457200" algn="just">
+              <a:buAutoNum type="arabicPeriod"/>
+            </a:pPr>
+            <a:r>
+              <a:rPr lang="en-US" altLang="ko-KR" sz="2400" dirty="0">
+                <a:solidFill>
+                  <a:srgbClr val="072A60"/>
+                </a:solidFill>
+                <a:latin typeface="Garamond" panose="02020404030301010803" pitchFamily="18" charset="0"/>
+              </a:rPr>
+              <a:t>A material(A) is etched.</a:t>
+            </a:r>
+          </a:p>
+          <a:p>
+            <a:pPr marL="457200" indent="-457200" algn="just">
+              <a:buAutoNum type="arabicPeriod"/>
+            </a:pPr>
+            <a:r>
+              <a:rPr lang="en-US" altLang="ko-KR" sz="2400" dirty="0">
+                <a:solidFill>
+                  <a:srgbClr val="072A60"/>
+                </a:solidFill>
+                <a:latin typeface="Garamond" panose="02020404030301010803" pitchFamily="18" charset="0"/>
+              </a:rPr>
+              <a:t>Sp2 structure is weaken. </a:t>
+            </a:r>
+          </a:p>
+          <a:p>
+            <a:pPr algn="just"/>
+            <a:endParaRPr lang="en-US" altLang="ko-KR" sz="2400" dirty="0">
+              <a:solidFill>
+                <a:srgbClr val="072A60"/>
+              </a:solidFill>
+              <a:latin typeface="Garamond" panose="02020404030301010803" pitchFamily="18" charset="0"/>
+            </a:endParaRPr>
+          </a:p>
+          <a:p>
+            <a:pPr algn="just"/>
+            <a:r>
+              <a:rPr lang="en-US" altLang="ko-KR" sz="2400" dirty="0">
+                <a:solidFill>
+                  <a:srgbClr val="072A60"/>
+                </a:solidFill>
+                <a:latin typeface="Garamond" panose="02020404030301010803" pitchFamily="18" charset="0"/>
+              </a:rPr>
+              <a:t>Using Raman Spectroscopy in this manner, change in chemical structure can be well detected. Also, there are more calculatable physical quantities. However, in this way, it is hard to see the band structure of electrons and phonons or the symmetry of the system. Raman spectroscopy is the result of them, the reverse process is quite different. To analyze the material, not only can Raman be used in a different manners, but there are many complementary methods such as FT-IR, TEM, STEM, that makes it possible to see </a:t>
+            </a:r>
+            <a:r>
+              <a:rPr lang="en-US" altLang="ko-KR" sz="2400" dirty="0" err="1">
+                <a:solidFill>
+                  <a:srgbClr val="072A60"/>
+                </a:solidFill>
+                <a:latin typeface="Garamond" panose="02020404030301010803" pitchFamily="18" charset="0"/>
+              </a:rPr>
+              <a:t>raman</a:t>
+            </a:r>
+            <a:r>
+              <a:rPr lang="en-US" altLang="ko-KR" sz="2400" dirty="0">
+                <a:solidFill>
+                  <a:srgbClr val="072A60"/>
+                </a:solidFill>
+                <a:latin typeface="Garamond" panose="02020404030301010803" pitchFamily="18" charset="0"/>
+              </a:rPr>
+              <a:t> inactive modes.</a:t>
+            </a:r>
+          </a:p>
+        </p:txBody>
+      </p:sp>
     </p:spTree>
     <p:extLst>
       <p:ext uri="{BB962C8B-B14F-4D97-AF65-F5344CB8AC3E}">
@@ -7439,7 +8020,7 @@
 </p:sld>
 </file>
 
-<file path=ppt/slides/slide16.xml><?xml version="1.0" encoding="utf-8"?>
+<file path=ppt/slides/slide18.xml><?xml version="1.0" encoding="utf-8"?>
 <p:sld xmlns:a="http://schemas.openxmlformats.org/drawingml/2006/main" xmlns:r="http://schemas.openxmlformats.org/officeDocument/2006/relationships" xmlns:p="http://schemas.openxmlformats.org/presentationml/2006/main">
   <p:cSld>
     <p:spTree>
@@ -7874,7 +8455,7 @@
 </p:sld>
 </file>
 
-<file path=ppt/slides/slide17.xml><?xml version="1.0" encoding="utf-8"?>
+<file path=ppt/slides/slide19.xml><?xml version="1.0" encoding="utf-8"?>
 <p:sld xmlns:a="http://schemas.openxmlformats.org/drawingml/2006/main" xmlns:r="http://schemas.openxmlformats.org/officeDocument/2006/relationships" xmlns:p="http://schemas.openxmlformats.org/presentationml/2006/main">
   <p:cSld>
     <p:spTree>
@@ -8251,8 +8832,8 @@
         </p:nvSpPr>
         <p:spPr>
           <a:xfrm>
-            <a:off x="2475338" y="1921620"/>
-            <a:ext cx="5976664" cy="1323439"/>
+            <a:off x="2507202" y="2125305"/>
+            <a:ext cx="5976664" cy="1015663"/>
           </a:xfrm>
           <a:prstGeom prst="rect">
             <a:avLst/>
@@ -8308,27 +8889,6 @@
               </a:rPr>
               <a:t>Graphene Raman Spectrum</a:t>
             </a:r>
-          </a:p>
-          <a:p>
-            <a:pPr marL="342900" indent="-342900">
-              <a:buFontTx/>
-              <a:buChar char="-"/>
-            </a:pPr>
-            <a:r>
-              <a:rPr lang="en-US" altLang="ko-KR" sz="2000" dirty="0" err="1">
-                <a:solidFill>
-                  <a:srgbClr val="203864"/>
-                </a:solidFill>
-                <a:latin typeface="Garamond" panose="02020404030301010803" pitchFamily="18" charset="0"/>
-              </a:rPr>
-              <a:t>MXenes</a:t>
-            </a:r>
-            <a:endParaRPr lang="en-US" altLang="ko-KR" sz="2000" dirty="0">
-              <a:solidFill>
-                <a:srgbClr val="203864"/>
-              </a:solidFill>
-              <a:latin typeface="Garamond" panose="02020404030301010803" pitchFamily="18" charset="0"/>
-            </a:endParaRPr>
           </a:p>
         </p:txBody>
       </p:sp>
@@ -8346,8 +8906,8 @@
         </p:nvSpPr>
         <p:spPr>
           <a:xfrm>
-            <a:off x="2507202" y="5004318"/>
-            <a:ext cx="7187872" cy="1323439"/>
+            <a:off x="2522599" y="5362344"/>
+            <a:ext cx="7187872" cy="400110"/>
           </a:xfrm>
           <a:prstGeom prst="rect">
             <a:avLst/>
@@ -8371,9 +8931,38 @@
                 </a:solidFill>
                 <a:latin typeface="Garamond" panose="02020404030301010803" pitchFamily="18" charset="0"/>
               </a:rPr>
-              <a:t>Defects</a:t>
-            </a:r>
-          </a:p>
+              <a:t>Raman Spectrum</a:t>
+            </a:r>
+          </a:p>
+        </p:txBody>
+      </p:sp>
+      <p:sp>
+        <p:nvSpPr>
+          <p:cNvPr id="23" name="TextBox 22">
+            <a:extLst>
+              <a:ext uri="{FF2B5EF4-FFF2-40B4-BE49-F238E27FC236}">
+                <a16:creationId xmlns:a16="http://schemas.microsoft.com/office/drawing/2014/main" id="{735E16BF-8532-B684-3AFC-F456817F75F7}"/>
+              </a:ext>
+            </a:extLst>
+          </p:cNvPr>
+          <p:cNvSpPr txBox="1"/>
+          <p:nvPr/>
+        </p:nvSpPr>
+        <p:spPr>
+          <a:xfrm>
+            <a:off x="2507202" y="3717032"/>
+            <a:ext cx="5976664" cy="707886"/>
+          </a:xfrm>
+          <a:prstGeom prst="rect">
+            <a:avLst/>
+          </a:prstGeom>
+          <a:noFill/>
+        </p:spPr>
+        <p:txBody>
+          <a:bodyPr wrap="square" rtlCol="0">
+            <a:spAutoFit/>
+          </a:bodyPr>
+          <a:lstStyle/>
           <a:p>
             <a:pPr marL="342900" indent="-342900">
               <a:buFontTx/>
@@ -8386,7 +8975,7 @@
                 </a:solidFill>
                 <a:latin typeface="Garamond" panose="02020404030301010803" pitchFamily="18" charset="0"/>
               </a:rPr>
-              <a:t>Defects and Crystal Size</a:t>
+              <a:t>GO, RGO, Graphite</a:t>
             </a:r>
           </a:p>
           <a:p>
@@ -8401,220 +8990,11 @@
                 </a:solidFill>
                 <a:latin typeface="Garamond" panose="02020404030301010803" pitchFamily="18" charset="0"/>
               </a:rPr>
-              <a:t>Conclusion</a:t>
-            </a:r>
-          </a:p>
-          <a:p>
-            <a:pPr marL="342900" indent="-342900">
-              <a:buFontTx/>
-              <a:buChar char="-"/>
-            </a:pPr>
-            <a:endParaRPr lang="en-US" altLang="ko-KR" sz="2000" dirty="0">
-              <a:solidFill>
-                <a:srgbClr val="203864"/>
-              </a:solidFill>
-              <a:latin typeface="Garamond" panose="02020404030301010803" pitchFamily="18" charset="0"/>
-            </a:endParaRPr>
+              <a:t>Ti2CTx</a:t>
+            </a:r>
           </a:p>
         </p:txBody>
       </p:sp>
-      <mc:AlternateContent xmlns:mc="http://schemas.openxmlformats.org/markup-compatibility/2006" xmlns:a14="http://schemas.microsoft.com/office/drawing/2010/main">
-        <mc:Choice Requires="a14">
-          <p:sp>
-            <p:nvSpPr>
-              <p:cNvPr id="23" name="TextBox 22">
-                <a:extLst>
-                  <a:ext uri="{FF2B5EF4-FFF2-40B4-BE49-F238E27FC236}">
-                    <a16:creationId xmlns:a16="http://schemas.microsoft.com/office/drawing/2014/main" id="{735E16BF-8532-B684-3AFC-F456817F75F7}"/>
-                  </a:ext>
-                </a:extLst>
-              </p:cNvPr>
-              <p:cNvSpPr txBox="1"/>
-              <p:nvPr/>
-            </p:nvSpPr>
-            <p:spPr>
-              <a:xfrm>
-                <a:off x="2507202" y="3717032"/>
-                <a:ext cx="5976664" cy="707886"/>
-              </a:xfrm>
-              <a:prstGeom prst="rect">
-                <a:avLst/>
-              </a:prstGeom>
-              <a:noFill/>
-            </p:spPr>
-            <p:txBody>
-              <a:bodyPr wrap="square" rtlCol="0">
-                <a:spAutoFit/>
-              </a:bodyPr>
-              <a:lstStyle/>
-              <a:p>
-                <a:pPr marL="342900" indent="-342900">
-                  <a:buFontTx/>
-                  <a:buChar char="-"/>
-                </a:pPr>
-                <a:r>
-                  <a:rPr lang="en-US" altLang="ko-KR" sz="2000" dirty="0">
-                    <a:solidFill>
-                      <a:srgbClr val="203864"/>
-                    </a:solidFill>
-                    <a:latin typeface="Garamond" panose="02020404030301010803" pitchFamily="18" charset="0"/>
-                  </a:rPr>
-                  <a:t>GO, RGO, Graphite</a:t>
-                </a:r>
-              </a:p>
-              <a:p>
-                <a:pPr marL="342900" indent="-342900">
-                  <a:buFontTx/>
-                  <a:buChar char="-"/>
-                </a:pPr>
-                <a14:m>
-                  <m:oMath xmlns:m="http://schemas.openxmlformats.org/officeDocument/2006/math">
-                    <m:sSub>
-                      <m:sSubPr>
-                        <m:ctrlPr>
-                          <a:rPr lang="en-US" altLang="ko-KR" sz="2000" i="1" smtClean="0">
-                            <a:solidFill>
-                              <a:srgbClr val="203864"/>
-                            </a:solidFill>
-                            <a:latin typeface="Cambria Math" panose="02040503050406030204" pitchFamily="18" charset="0"/>
-                          </a:rPr>
-                        </m:ctrlPr>
-                      </m:sSubPr>
-                      <m:e>
-                        <m:r>
-                          <m:rPr>
-                            <m:sty m:val="p"/>
-                          </m:rPr>
-                          <a:rPr lang="en-US" altLang="ko-KR" sz="2000" b="0" i="0" smtClean="0">
-                            <a:solidFill>
-                              <a:srgbClr val="203864"/>
-                            </a:solidFill>
-                            <a:latin typeface="Cambria Math" panose="02040503050406030204" pitchFamily="18" charset="0"/>
-                          </a:rPr>
-                          <m:t>Ti</m:t>
-                        </m:r>
-                      </m:e>
-                      <m:sub>
-                        <m:r>
-                          <a:rPr lang="en-US" altLang="ko-KR" sz="2000" b="0" i="0" smtClean="0">
-                            <a:solidFill>
-                              <a:srgbClr val="203864"/>
-                            </a:solidFill>
-                            <a:latin typeface="Cambria Math" panose="02040503050406030204" pitchFamily="18" charset="0"/>
-                          </a:rPr>
-                          <m:t>2</m:t>
-                        </m:r>
-                      </m:sub>
-                    </m:sSub>
-                    <m:r>
-                      <m:rPr>
-                        <m:sty m:val="p"/>
-                      </m:rPr>
-                      <a:rPr lang="en-US" altLang="ko-KR" sz="2000" b="0" i="0" smtClean="0">
-                        <a:solidFill>
-                          <a:srgbClr val="203864"/>
-                        </a:solidFill>
-                        <a:latin typeface="Cambria Math" panose="02040503050406030204" pitchFamily="18" charset="0"/>
-                      </a:rPr>
-                      <m:t>C</m:t>
-                    </m:r>
-                    <m:sSub>
-                      <m:sSubPr>
-                        <m:ctrlPr>
-                          <a:rPr lang="en-US" altLang="ko-KR" sz="2000" b="0" i="1" smtClean="0">
-                            <a:solidFill>
-                              <a:srgbClr val="203864"/>
-                            </a:solidFill>
-                            <a:latin typeface="Cambria Math" panose="02040503050406030204" pitchFamily="18" charset="0"/>
-                          </a:rPr>
-                        </m:ctrlPr>
-                      </m:sSubPr>
-                      <m:e>
-                        <m:r>
-                          <m:rPr>
-                            <m:sty m:val="p"/>
-                          </m:rPr>
-                          <a:rPr lang="en-US" altLang="ko-KR" sz="2000" b="0" i="0" smtClean="0">
-                            <a:solidFill>
-                              <a:srgbClr val="203864"/>
-                            </a:solidFill>
-                            <a:latin typeface="Cambria Math" panose="02040503050406030204" pitchFamily="18" charset="0"/>
-                          </a:rPr>
-                          <m:t>T</m:t>
-                        </m:r>
-                      </m:e>
-                      <m:sub>
-                        <m:r>
-                          <m:rPr>
-                            <m:sty m:val="p"/>
-                          </m:rPr>
-                          <a:rPr lang="en-US" altLang="ko-KR" sz="2000" b="0" i="0" smtClean="0">
-                            <a:solidFill>
-                              <a:srgbClr val="203864"/>
-                            </a:solidFill>
-                            <a:latin typeface="Cambria Math" panose="02040503050406030204" pitchFamily="18" charset="0"/>
-                          </a:rPr>
-                          <m:t>x</m:t>
-                        </m:r>
-                      </m:sub>
-                    </m:sSub>
-                  </m:oMath>
-                </a14:m>
-                <a:endParaRPr lang="en-US" altLang="ko-KR" sz="2000" dirty="0">
-                  <a:solidFill>
-                    <a:srgbClr val="203864"/>
-                  </a:solidFill>
-                  <a:latin typeface="Garamond" panose="02020404030301010803" pitchFamily="18" charset="0"/>
-                </a:endParaRPr>
-              </a:p>
-            </p:txBody>
-          </p:sp>
-        </mc:Choice>
-        <mc:Fallback xmlns="">
-          <p:sp>
-            <p:nvSpPr>
-              <p:cNvPr id="23" name="TextBox 22">
-                <a:extLst>
-                  <a:ext uri="{FF2B5EF4-FFF2-40B4-BE49-F238E27FC236}">
-                    <a16:creationId xmlns:a16="http://schemas.microsoft.com/office/drawing/2014/main" id="{735E16BF-8532-B684-3AFC-F456817F75F7}"/>
-                  </a:ext>
-                </a:extLst>
-              </p:cNvPr>
-              <p:cNvSpPr txBox="1">
-                <a:spLocks noRot="1" noChangeAspect="1" noMove="1" noResize="1" noEditPoints="1" noAdjustHandles="1" noChangeArrowheads="1" noChangeShapeType="1" noTextEdit="1"/>
-              </p:cNvSpPr>
-              <p:nvPr/>
-            </p:nvSpPr>
-            <p:spPr>
-              <a:xfrm>
-                <a:off x="2507202" y="3717032"/>
-                <a:ext cx="5976664" cy="707886"/>
-              </a:xfrm>
-              <a:prstGeom prst="rect">
-                <a:avLst/>
-              </a:prstGeom>
-              <a:blipFill>
-                <a:blip r:embed="rId2"/>
-                <a:stretch>
-                  <a:fillRect l="-1019" t="-5172" b="-12069"/>
-                </a:stretch>
-              </a:blipFill>
-            </p:spPr>
-            <p:txBody>
-              <a:bodyPr/>
-              <a:lstStyle/>
-              <a:p>
-                <a:r>
-                  <a:rPr lang="ko-KR" altLang="en-US">
-                    <a:noFill/>
-                  </a:rPr>
-                  <a:t> </a:t>
-                </a:r>
-              </a:p>
-            </p:txBody>
-          </p:sp>
-        </mc:Fallback>
-      </mc:AlternateContent>
       <p:sp>
         <p:nvSpPr>
           <p:cNvPr id="12" name="직사각형 11">
@@ -8865,7 +9245,7 @@
         <p:spPr>
           <a:xfrm>
             <a:off x="2644020" y="1633620"/>
-            <a:ext cx="6096000" cy="1138773"/>
+            <a:ext cx="6096000" cy="1261884"/>
           </a:xfrm>
           <a:prstGeom prst="rect">
             <a:avLst/>
@@ -8890,7 +9270,7 @@
           </a:p>
           <a:p>
             <a:r>
-              <a:rPr lang="en-US" altLang="ko-KR" sz="2000" dirty="0">
+              <a:rPr lang="en-US" altLang="ko-KR" sz="2400" dirty="0">
                 <a:solidFill>
                   <a:srgbClr val="072A60"/>
                 </a:solidFill>
@@ -8899,7 +9279,7 @@
               <a:t>Raman scattering is inelastic photon scattering by matter. It is called </a:t>
             </a:r>
             <a:r>
-              <a:rPr lang="en-US" altLang="ko-KR" sz="2000" b="1" dirty="0">
+              <a:rPr lang="en-US" altLang="ko-KR" sz="2400" b="1" dirty="0">
                 <a:solidFill>
                   <a:srgbClr val="072A60"/>
                 </a:solidFill>
@@ -8908,7 +9288,7 @@
               <a:t>Raman shift</a:t>
             </a:r>
             <a:r>
-              <a:rPr lang="en-US" altLang="ko-KR" sz="2000" dirty="0">
+              <a:rPr lang="en-US" altLang="ko-KR" sz="2400" dirty="0">
                 <a:solidFill>
                   <a:srgbClr val="072A60"/>
                 </a:solidFill>
@@ -8916,12 +9296,6 @@
               </a:rPr>
               <a:t>.</a:t>
             </a:r>
-            <a:endParaRPr lang="en-US" altLang="ko-KR" sz="2400" dirty="0">
-              <a:solidFill>
-                <a:srgbClr val="072A60"/>
-              </a:solidFill>
-              <a:latin typeface="Garamond" panose="02020404030301010803" pitchFamily="18" charset="0"/>
-            </a:endParaRPr>
           </a:p>
         </p:txBody>
       </p:sp>
@@ -9877,8 +10251,44 @@
           </a:p>
         </p:txBody>
       </p:sp>
-      <mc:AlternateContent xmlns:mc="http://schemas.openxmlformats.org/markup-compatibility/2006" xmlns:a14="http://schemas.microsoft.com/office/drawing/2010/main">
-        <mc:Choice Requires="a14">
+      <p:pic>
+        <p:nvPicPr>
+          <p:cNvPr id="35" name="그림 34">
+            <a:extLst>
+              <a:ext uri="{FF2B5EF4-FFF2-40B4-BE49-F238E27FC236}">
+                <a16:creationId xmlns:a16="http://schemas.microsoft.com/office/drawing/2014/main" id="{DDEB1AC9-E417-4576-9B02-5668C69DB0D7}"/>
+              </a:ext>
+            </a:extLst>
+          </p:cNvPr>
+          <p:cNvPicPr>
+            <a:picLocks noChangeAspect="1"/>
+          </p:cNvPicPr>
+          <p:nvPr/>
+        </p:nvPicPr>
+        <p:blipFill>
+          <a:blip r:embed="rId3">
+            <a:extLst>
+              <a:ext uri="{28A0092B-C50C-407E-A947-70E740481C1C}">
+                <a14:useLocalDpi xmlns:a14="http://schemas.microsoft.com/office/drawing/2010/main" val="0"/>
+              </a:ext>
+            </a:extLst>
+          </a:blip>
+          <a:stretch>
+            <a:fillRect/>
+          </a:stretch>
+        </p:blipFill>
+        <p:spPr>
+          <a:xfrm>
+            <a:off x="479376" y="308463"/>
+            <a:ext cx="72008" cy="96201"/>
+          </a:xfrm>
+          <a:prstGeom prst="rect">
+            <a:avLst/>
+          </a:prstGeom>
+        </p:spPr>
+      </p:pic>
+      <mc:AlternateContent xmlns:mc="http://schemas.openxmlformats.org/markup-compatibility/2006">
+        <mc:Choice xmlns:a14="http://schemas.microsoft.com/office/drawing/2010/main" Requires="a14">
           <p:sp>
             <p:nvSpPr>
               <p:cNvPr id="9" name="TextBox 8">
@@ -9908,7 +10318,7 @@
               <a:lstStyle/>
               <a:p>
                 <a:r>
-                  <a:rPr lang="en-US" altLang="ko-KR" sz="2500" dirty="0">
+                  <a:rPr lang="en-US" altLang="ko-KR" sz="2400" dirty="0">
                     <a:solidFill>
                       <a:srgbClr val="072A60"/>
                     </a:solidFill>
@@ -9921,7 +10331,7 @@
                     <m:sSup>
                       <m:sSupPr>
                         <m:ctrlPr>
-                          <a:rPr lang="en-US" altLang="ko-KR" sz="2500" i="1" smtClean="0">
+                          <a:rPr lang="en-US" altLang="ko-KR" sz="2400" i="1" smtClean="0">
                             <a:solidFill>
                               <a:srgbClr val="072A60"/>
                             </a:solidFill>
@@ -9931,7 +10341,7 @@
                       </m:sSupPr>
                       <m:e>
                         <m:r>
-                          <a:rPr lang="en-US" altLang="ko-KR" sz="2500" b="0" i="1" smtClean="0">
+                          <a:rPr lang="en-US" altLang="ko-KR" sz="2400" b="0" i="1" smtClean="0">
                             <a:solidFill>
                               <a:srgbClr val="072A60"/>
                             </a:solidFill>
@@ -9942,7 +10352,7 @@
                       </m:e>
                       <m:sup>
                         <m:r>
-                          <a:rPr lang="en-US" altLang="ko-KR" sz="2500" b="0" i="1" smtClean="0">
+                          <a:rPr lang="en-US" altLang="ko-KR" sz="2400" b="0" i="1" smtClean="0">
                             <a:solidFill>
                               <a:srgbClr val="072A60"/>
                             </a:solidFill>
@@ -9955,7 +10365,7 @@
                   </m:oMath>
                 </a14:m>
                 <a:r>
-                  <a:rPr lang="en-US" altLang="ko-KR" sz="2500" dirty="0">
+                  <a:rPr lang="en-US" altLang="ko-KR" sz="2400" dirty="0">
                     <a:solidFill>
                       <a:srgbClr val="072A60"/>
                     </a:solidFill>
@@ -9964,7 +10374,7 @@
                   <a:t>carbon </a:t>
                 </a:r>
                 <a:r>
-                  <a:rPr lang="en-US" altLang="ko-KR" sz="2500" dirty="0" err="1">
+                  <a:rPr lang="en-US" altLang="ko-KR" sz="2400" dirty="0" err="1">
                     <a:solidFill>
                       <a:srgbClr val="072A60"/>
                     </a:solidFill>
@@ -9973,7 +10383,7 @@
                   <a:t>allotrpes</a:t>
                 </a:r>
                 <a:r>
-                  <a:rPr lang="en-US" altLang="ko-KR" sz="2500" dirty="0">
+                  <a:rPr lang="en-US" altLang="ko-KR" sz="2400" dirty="0">
                     <a:solidFill>
                       <a:srgbClr val="072A60"/>
                     </a:solidFill>
@@ -9983,7 +10393,7 @@
                 </a:r>
               </a:p>
               <a:p>
-                <a:endParaRPr lang="en-US" altLang="ko-KR" sz="2500" dirty="0">
+                <a:endParaRPr lang="en-US" altLang="ko-KR" sz="2400" dirty="0">
                   <a:solidFill>
                     <a:srgbClr val="072A60"/>
                   </a:solidFill>
@@ -9992,7 +10402,7 @@
               </a:p>
               <a:p>
                 <a:r>
-                  <a:rPr lang="en-US" altLang="ko-KR" sz="2500" dirty="0">
+                  <a:rPr lang="en-US" altLang="ko-KR" sz="2400" dirty="0">
                     <a:solidFill>
                       <a:srgbClr val="072A60"/>
                     </a:solidFill>
@@ -10001,7 +10411,7 @@
                   <a:t>*</a:t>
                 </a:r>
                 <a:r>
-                  <a:rPr lang="en-US" altLang="ko-KR" sz="2500" dirty="0">
+                  <a:rPr lang="en-US" altLang="ko-KR" sz="2400" dirty="0">
                     <a:solidFill>
                       <a:srgbClr val="072A60"/>
                     </a:solidFill>
@@ -10013,7 +10423,7 @@
                     <m:sSup>
                       <m:sSupPr>
                         <m:ctrlPr>
-                          <a:rPr lang="en-US" altLang="ko-KR" sz="2500" i="1" smtClean="0">
+                          <a:rPr lang="en-US" altLang="ko-KR" sz="2400" i="1" smtClean="0">
                             <a:solidFill>
                               <a:srgbClr val="072A60"/>
                             </a:solidFill>
@@ -10023,7 +10433,7 @@
                       </m:sSupPr>
                       <m:e>
                         <m:r>
-                          <a:rPr lang="en-US" altLang="ko-KR" sz="2500" b="0" i="1" smtClean="0">
+                          <a:rPr lang="en-US" altLang="ko-KR" sz="2400" b="0" i="1" smtClean="0">
                             <a:solidFill>
                               <a:srgbClr val="072A60"/>
                             </a:solidFill>
@@ -10034,7 +10444,7 @@
                       </m:e>
                       <m:sup>
                         <m:r>
-                          <a:rPr lang="en-US" altLang="ko-KR" sz="2500" b="0" i="1" smtClean="0">
+                          <a:rPr lang="en-US" altLang="ko-KR" sz="2400" b="0" i="1" smtClean="0">
                             <a:solidFill>
                               <a:srgbClr val="072A60"/>
                             </a:solidFill>
@@ -10047,7 +10457,7 @@
                   </m:oMath>
                 </a14:m>
                 <a:r>
-                  <a:rPr lang="en-US" altLang="ko-KR" sz="2500" i="1" dirty="0">
+                  <a:rPr lang="en-US" altLang="ko-KR" sz="2400" i="1" dirty="0">
                     <a:solidFill>
                       <a:srgbClr val="072A60"/>
                     </a:solidFill>
@@ -10056,7 +10466,7 @@
                   <a:t> </a:t>
                 </a:r>
                 <a:r>
-                  <a:rPr lang="en-US" altLang="ko-KR" sz="2500" dirty="0">
+                  <a:rPr lang="en-US" altLang="ko-KR" sz="2400" dirty="0">
                     <a:solidFill>
                       <a:srgbClr val="072A60"/>
                     </a:solidFill>
@@ -10065,7 +10475,7 @@
                   <a:t>: </a:t>
                 </a:r>
                 <a:r>
-                  <a:rPr lang="en-US" altLang="ko-KR" sz="2500" dirty="0">
+                  <a:rPr lang="en-US" altLang="ko-KR" sz="2400" dirty="0">
                     <a:solidFill>
                       <a:srgbClr val="072A60"/>
                     </a:solidFill>
@@ -10073,7 +10483,7 @@
                   </a:rPr>
                   <a:t>A carbon atom bound to three atoms and forms a flat trigonal or triangular arrangement with 120ºangles between bonds </a:t>
                 </a:r>
-                <a:endParaRPr lang="en-US" altLang="ko-KR" sz="2500" i="1" dirty="0">
+                <a:endParaRPr lang="en-US" altLang="ko-KR" sz="2400" i="1" dirty="0">
                   <a:solidFill>
                     <a:srgbClr val="072A60"/>
                   </a:solidFill>
@@ -10083,7 +10493,7 @@
             </p:txBody>
           </p:sp>
         </mc:Choice>
-        <mc:Fallback xmlns="">
+        <mc:Fallback>
           <p:sp>
             <p:nvSpPr>
               <p:cNvPr id="9" name="TextBox 8">
@@ -10109,7 +10519,7 @@
               <a:blipFill>
                 <a:blip r:embed="rId4"/>
                 <a:stretch>
-                  <a:fillRect l="-1649" t="-2115" r="-1552" b="-6647"/>
+                  <a:fillRect l="-1552" t="-2115" r="-1843" b="-2417"/>
                 </a:stretch>
               </a:blipFill>
             </p:spPr>
@@ -10155,7 +10565,7 @@
         </p:blipFill>
         <p:spPr>
           <a:xfrm>
-            <a:off x="551384" y="1530775"/>
+            <a:off x="695400" y="1511399"/>
             <a:ext cx="3262503" cy="2718752"/>
           </a:xfrm>
           <a:prstGeom prst="rect">
@@ -10247,10 +10657,10 @@
       </p:sp>
       <p:pic>
         <p:nvPicPr>
-          <p:cNvPr id="6" name="그림 5">
+          <p:cNvPr id="35" name="그림 34">
             <a:extLst>
               <a:ext uri="{FF2B5EF4-FFF2-40B4-BE49-F238E27FC236}">
-                <a16:creationId xmlns:a16="http://schemas.microsoft.com/office/drawing/2014/main" id="{0949F2CE-381F-D9B2-0D7F-3A84B1B98228}"/>
+                <a16:creationId xmlns:a16="http://schemas.microsoft.com/office/drawing/2014/main" id="{DDEB1AC9-E417-4576-9B02-5668C69DB0D7}"/>
               </a:ext>
             </a:extLst>
           </p:cNvPr>
@@ -10273,6 +10683,42 @@
         </p:blipFill>
         <p:spPr>
           <a:xfrm>
+            <a:off x="479376" y="308463"/>
+            <a:ext cx="72008" cy="96201"/>
+          </a:xfrm>
+          <a:prstGeom prst="rect">
+            <a:avLst/>
+          </a:prstGeom>
+        </p:spPr>
+      </p:pic>
+      <p:pic>
+        <p:nvPicPr>
+          <p:cNvPr id="6" name="그림 5">
+            <a:extLst>
+              <a:ext uri="{FF2B5EF4-FFF2-40B4-BE49-F238E27FC236}">
+                <a16:creationId xmlns:a16="http://schemas.microsoft.com/office/drawing/2014/main" id="{0949F2CE-381F-D9B2-0D7F-3A84B1B98228}"/>
+              </a:ext>
+            </a:extLst>
+          </p:cNvPr>
+          <p:cNvPicPr>
+            <a:picLocks noChangeAspect="1"/>
+          </p:cNvPicPr>
+          <p:nvPr/>
+        </p:nvPicPr>
+        <p:blipFill>
+          <a:blip r:embed="rId4">
+            <a:extLst>
+              <a:ext uri="{28A0092B-C50C-407E-A947-70E740481C1C}">
+                <a14:useLocalDpi xmlns:a14="http://schemas.microsoft.com/office/drawing/2010/main" val="0"/>
+              </a:ext>
+            </a:extLst>
+          </a:blip>
+          <a:stretch>
+            <a:fillRect/>
+          </a:stretch>
+        </p:blipFill>
+        <p:spPr>
+          <a:xfrm>
             <a:off x="1442621" y="1400582"/>
             <a:ext cx="3457131" cy="5311481"/>
           </a:xfrm>
@@ -10281,8 +10727,8 @@
           </a:prstGeom>
         </p:spPr>
       </p:pic>
-      <mc:AlternateContent xmlns:mc="http://schemas.openxmlformats.org/markup-compatibility/2006" xmlns:a14="http://schemas.microsoft.com/office/drawing/2010/main">
-        <mc:Choice Requires="a14">
+      <mc:AlternateContent xmlns:mc="http://schemas.openxmlformats.org/markup-compatibility/2006">
+        <mc:Choice xmlns:a14="http://schemas.microsoft.com/office/drawing/2010/main" Requires="a14">
           <p:sp>
             <p:nvSpPr>
               <p:cNvPr id="9" name="TextBox 8">
@@ -10298,7 +10744,7 @@
             <p:spPr>
               <a:xfrm>
                 <a:off x="5231744" y="2204864"/>
-                <a:ext cx="6286999" cy="2910797"/>
+                <a:ext cx="6286999" cy="3167277"/>
               </a:xfrm>
               <a:prstGeom prst="rect">
                 <a:avLst/>
@@ -10312,7 +10758,7 @@
               <a:lstStyle/>
               <a:p>
                 <a:r>
-                  <a:rPr lang="en-US" altLang="ko-KR" sz="2200" dirty="0">
+                  <a:rPr lang="en-US" altLang="ko-KR" sz="2400" dirty="0">
                     <a:solidFill>
                       <a:srgbClr val="072A60"/>
                     </a:solidFill>
@@ -10325,7 +10771,7 @@
                     <m:sSub>
                       <m:sSubPr>
                         <m:ctrlPr>
-                          <a:rPr lang="en-US" altLang="ko-KR" sz="2200" i="1" smtClean="0">
+                          <a:rPr lang="en-US" altLang="ko-KR" sz="2400" i="1" smtClean="0">
                             <a:solidFill>
                               <a:srgbClr val="072A60"/>
                             </a:solidFill>
@@ -10335,7 +10781,7 @@
                       </m:sSubPr>
                       <m:e>
                         <m:r>
-                          <a:rPr lang="en-US" altLang="ko-KR" sz="2200" b="0" i="1" smtClean="0">
+                          <a:rPr lang="en-US" altLang="ko-KR" sz="2400" b="0" i="1" smtClean="0">
                             <a:solidFill>
                               <a:srgbClr val="072A60"/>
                             </a:solidFill>
@@ -10346,7 +10792,7 @@
                       </m:e>
                       <m:sub>
                         <m:r>
-                          <a:rPr lang="en-US" altLang="ko-KR" sz="2200" b="0" i="1" smtClean="0">
+                          <a:rPr lang="en-US" altLang="ko-KR" sz="2400" b="0" i="1" smtClean="0">
                             <a:solidFill>
                               <a:srgbClr val="072A60"/>
                             </a:solidFill>
@@ -10355,7 +10801,7 @@
                           <m:t>2</m:t>
                         </m:r>
                         <m:r>
-                          <a:rPr lang="en-US" altLang="ko-KR" sz="2200" b="0" i="1" smtClean="0">
+                          <a:rPr lang="en-US" altLang="ko-KR" sz="2400" b="0" i="1" smtClean="0">
                             <a:solidFill>
                               <a:srgbClr val="072A60"/>
                             </a:solidFill>
@@ -10368,7 +10814,7 @@
                   </m:oMath>
                 </a14:m>
                 <a:r>
-                  <a:rPr lang="en-US" altLang="ko-KR" sz="2200" dirty="0">
+                  <a:rPr lang="en-US" altLang="ko-KR" sz="2400" dirty="0">
                     <a:solidFill>
                       <a:srgbClr val="072A60"/>
                     </a:solidFill>
@@ -10379,7 +10825,7 @@
               </a:p>
               <a:p>
                 <a:r>
-                  <a:rPr lang="en-US" altLang="ko-KR" sz="2200" dirty="0">
+                  <a:rPr lang="en-US" altLang="ko-KR" sz="2400" dirty="0">
                     <a:solidFill>
                       <a:srgbClr val="072A60"/>
                     </a:solidFill>
@@ -10392,7 +10838,7 @@
                     <m:sSub>
                       <m:sSubPr>
                         <m:ctrlPr>
-                          <a:rPr lang="en-US" altLang="ko-KR" sz="2200" i="1" smtClean="0">
+                          <a:rPr lang="en-US" altLang="ko-KR" sz="2400" i="1" smtClean="0">
                             <a:solidFill>
                               <a:srgbClr val="072A60"/>
                             </a:solidFill>
@@ -10402,7 +10848,7 @@
                       </m:sSubPr>
                       <m:e>
                         <m:r>
-                          <a:rPr lang="en-US" altLang="ko-KR" sz="2200" b="0" i="1" smtClean="0">
+                          <a:rPr lang="en-US" altLang="ko-KR" sz="2400" b="0" i="1" smtClean="0">
                             <a:solidFill>
                               <a:srgbClr val="072A60"/>
                             </a:solidFill>
@@ -10413,7 +10859,7 @@
                       </m:e>
                       <m:sub>
                         <m:r>
-                          <a:rPr lang="en-US" altLang="ko-KR" sz="2200" b="0" i="1" smtClean="0">
+                          <a:rPr lang="en-US" altLang="ko-KR" sz="2400" b="0" i="1" smtClean="0">
                             <a:solidFill>
                               <a:srgbClr val="072A60"/>
                             </a:solidFill>
@@ -10422,7 +10868,7 @@
                           <m:t>1</m:t>
                         </m:r>
                         <m:r>
-                          <a:rPr lang="en-US" altLang="ko-KR" sz="2200" b="0" i="1" smtClean="0">
+                          <a:rPr lang="en-US" altLang="ko-KR" sz="2400" b="0" i="1" smtClean="0">
                             <a:solidFill>
                               <a:srgbClr val="072A60"/>
                             </a:solidFill>
@@ -10435,7 +10881,7 @@
                   </m:oMath>
                 </a14:m>
                 <a:r>
-                  <a:rPr lang="en-US" altLang="ko-KR" sz="2200" dirty="0">
+                  <a:rPr lang="en-US" altLang="ko-KR" sz="2400" dirty="0">
                     <a:solidFill>
                       <a:srgbClr val="072A60"/>
                     </a:solidFill>
@@ -10446,7 +10892,7 @@
               </a:p>
               <a:p>
                 <a:r>
-                  <a:rPr lang="en-US" altLang="ko-KR" sz="2200" dirty="0">
+                  <a:rPr lang="en-US" altLang="ko-KR" sz="2400" dirty="0">
                     <a:solidFill>
                       <a:srgbClr val="072A60"/>
                     </a:solidFill>
@@ -10459,7 +10905,7 @@
                     <m:sSub>
                       <m:sSubPr>
                         <m:ctrlPr>
-                          <a:rPr lang="en-US" altLang="ko-KR" sz="2200" i="1" smtClean="0">
+                          <a:rPr lang="en-US" altLang="ko-KR" sz="2400" i="1" smtClean="0">
                             <a:solidFill>
                               <a:srgbClr val="072A60"/>
                             </a:solidFill>
@@ -10469,7 +10915,7 @@
                       </m:sSubPr>
                       <m:e>
                         <m:r>
-                          <a:rPr lang="en-US" altLang="ko-KR" sz="2200" b="0" i="1" smtClean="0">
+                          <a:rPr lang="en-US" altLang="ko-KR" sz="2400" b="0" i="1" smtClean="0">
                             <a:solidFill>
                               <a:srgbClr val="072A60"/>
                             </a:solidFill>
@@ -10480,7 +10926,7 @@
                       </m:e>
                       <m:sub>
                         <m:r>
-                          <a:rPr lang="en-US" altLang="ko-KR" sz="2200" b="0" i="1" smtClean="0">
+                          <a:rPr lang="en-US" altLang="ko-KR" sz="2400" b="0" i="1" smtClean="0">
                             <a:solidFill>
                               <a:srgbClr val="072A60"/>
                             </a:solidFill>
@@ -10489,7 +10935,7 @@
                           <m:t>2</m:t>
                         </m:r>
                         <m:r>
-                          <a:rPr lang="en-US" altLang="ko-KR" sz="2200" b="0" i="1" smtClean="0">
+                          <a:rPr lang="en-US" altLang="ko-KR" sz="2400" b="0" i="1" smtClean="0">
                             <a:solidFill>
                               <a:srgbClr val="072A60"/>
                             </a:solidFill>
@@ -10502,7 +10948,7 @@
                   </m:oMath>
                 </a14:m>
                 <a:r>
-                  <a:rPr lang="en-US" altLang="ko-KR" sz="2200" dirty="0">
+                  <a:rPr lang="en-US" altLang="ko-KR" sz="2400" dirty="0">
                     <a:solidFill>
                       <a:srgbClr val="072A60"/>
                     </a:solidFill>
@@ -10513,7 +10959,7 @@
               </a:p>
               <a:p>
                 <a:r>
-                  <a:rPr lang="en-US" altLang="ko-KR" sz="2200" dirty="0">
+                  <a:rPr lang="en-US" altLang="ko-KR" sz="2400" dirty="0">
                     <a:solidFill>
                       <a:srgbClr val="072A60"/>
                     </a:solidFill>
@@ -10526,7 +10972,7 @@
                     <m:sSub>
                       <m:sSubPr>
                         <m:ctrlPr>
-                          <a:rPr lang="en-US" altLang="ko-KR" sz="2200" i="1" smtClean="0">
+                          <a:rPr lang="en-US" altLang="ko-KR" sz="2400" i="1" smtClean="0">
                             <a:solidFill>
                               <a:srgbClr val="072A60"/>
                             </a:solidFill>
@@ -10536,7 +10982,7 @@
                       </m:sSubPr>
                       <m:e>
                         <m:r>
-                          <a:rPr lang="en-US" altLang="ko-KR" sz="2200" b="0" i="1" smtClean="0">
+                          <a:rPr lang="en-US" altLang="ko-KR" sz="2400" b="0" i="1" smtClean="0">
                             <a:solidFill>
                               <a:srgbClr val="072A60"/>
                             </a:solidFill>
@@ -10547,7 +10993,7 @@
                       </m:e>
                       <m:sub>
                         <m:r>
-                          <a:rPr lang="en-US" altLang="ko-KR" sz="2200" b="0" i="1" smtClean="0">
+                          <a:rPr lang="en-US" altLang="ko-KR" sz="2400" b="0" i="1" smtClean="0">
                             <a:solidFill>
                               <a:srgbClr val="072A60"/>
                             </a:solidFill>
@@ -10556,7 +11002,7 @@
                           <m:t>2</m:t>
                         </m:r>
                         <m:r>
-                          <a:rPr lang="en-US" altLang="ko-KR" sz="2200" b="0" i="1" smtClean="0">
+                          <a:rPr lang="en-US" altLang="ko-KR" sz="2400" b="0" i="1" smtClean="0">
                             <a:solidFill>
                               <a:srgbClr val="072A60"/>
                             </a:solidFill>
@@ -10569,7 +11015,7 @@
                   </m:oMath>
                 </a14:m>
                 <a:r>
-                  <a:rPr lang="en-US" altLang="ko-KR" sz="2200" dirty="0">
+                  <a:rPr lang="en-US" altLang="ko-KR" sz="2400" dirty="0">
                     <a:solidFill>
                       <a:srgbClr val="072A60"/>
                     </a:solidFill>
@@ -10579,7 +11025,7 @@
                 </a:r>
               </a:p>
               <a:p>
-                <a:endParaRPr lang="en-US" altLang="ko-KR" sz="2200" dirty="0">
+                <a:endParaRPr lang="en-US" altLang="ko-KR" sz="2400" dirty="0">
                   <a:solidFill>
                     <a:srgbClr val="072A60"/>
                   </a:solidFill>
@@ -10592,7 +11038,7 @@
                     <m:sSub>
                       <m:sSubPr>
                         <m:ctrlPr>
-                          <a:rPr lang="en-US" altLang="ko-KR" sz="2200" i="1" smtClean="0">
+                          <a:rPr lang="en-US" altLang="ko-KR" sz="2400" i="1" smtClean="0">
                             <a:solidFill>
                               <a:srgbClr val="072A60"/>
                             </a:solidFill>
@@ -10602,7 +11048,7 @@
                       </m:sSubPr>
                       <m:e>
                         <m:r>
-                          <a:rPr lang="en-US" altLang="ko-KR" sz="2200" b="0" i="1" smtClean="0">
+                          <a:rPr lang="en-US" altLang="ko-KR" sz="2400" b="0" i="1" smtClean="0">
                             <a:solidFill>
                               <a:srgbClr val="072A60"/>
                             </a:solidFill>
@@ -10613,7 +11059,7 @@
                       </m:e>
                       <m:sub>
                         <m:r>
-                          <a:rPr lang="en-US" altLang="ko-KR" sz="2200" b="0" i="1" smtClean="0">
+                          <a:rPr lang="en-US" altLang="ko-KR" sz="2400" b="0" i="1" smtClean="0">
                             <a:solidFill>
                               <a:srgbClr val="072A60"/>
                             </a:solidFill>
@@ -10622,7 +11068,7 @@
                           <m:t>2</m:t>
                         </m:r>
                         <m:r>
-                          <a:rPr lang="en-US" altLang="ko-KR" sz="2200" b="0" i="1" smtClean="0">
+                          <a:rPr lang="en-US" altLang="ko-KR" sz="2400" b="0" i="1" smtClean="0">
                             <a:solidFill>
                               <a:srgbClr val="072A60"/>
                             </a:solidFill>
@@ -10635,7 +11081,7 @@
                   </m:oMath>
                 </a14:m>
                 <a:r>
-                  <a:rPr lang="en-US" altLang="ko-KR" sz="2200" dirty="0">
+                  <a:rPr lang="en-US" altLang="ko-KR" sz="2400" dirty="0">
                     <a:solidFill>
                       <a:srgbClr val="072A60"/>
                     </a:solidFill>
@@ -10643,7 +11089,7 @@
                   </a:rPr>
                   <a:t> phonons are Raman active, </a:t>
                 </a:r>
-                <a:endParaRPr lang="en-US" altLang="ko-KR" sz="2200" i="1" dirty="0">
+                <a:endParaRPr lang="en-US" altLang="ko-KR" sz="2400" i="1" dirty="0">
                   <a:solidFill>
                     <a:srgbClr val="072A60"/>
                   </a:solidFill>
@@ -10656,7 +11102,7 @@
                     <m:sSub>
                       <m:sSubPr>
                         <m:ctrlPr>
-                          <a:rPr lang="en-US" altLang="ko-KR" sz="2200" i="1">
+                          <a:rPr lang="en-US" altLang="ko-KR" sz="2400" i="1">
                             <a:solidFill>
                               <a:srgbClr val="072A60"/>
                             </a:solidFill>
@@ -10666,7 +11112,7 @@
                       </m:sSubPr>
                       <m:e>
                         <m:r>
-                          <a:rPr lang="en-US" altLang="ko-KR" sz="2200" b="0" i="1" smtClean="0">
+                          <a:rPr lang="en-US" altLang="ko-KR" sz="2400" b="0" i="1" smtClean="0">
                             <a:solidFill>
                               <a:srgbClr val="072A60"/>
                             </a:solidFill>
@@ -10677,7 +11123,7 @@
                       </m:e>
                       <m:sub>
                         <m:r>
-                          <a:rPr lang="en-US" altLang="ko-KR" sz="2200" i="1">
+                          <a:rPr lang="en-US" altLang="ko-KR" sz="2400" i="1">
                             <a:solidFill>
                               <a:srgbClr val="072A60"/>
                             </a:solidFill>
@@ -10686,7 +11132,7 @@
                           <m:t>2</m:t>
                         </m:r>
                         <m:r>
-                          <a:rPr lang="en-US" altLang="ko-KR" sz="2200" i="1">
+                          <a:rPr lang="en-US" altLang="ko-KR" sz="2400" i="1">
                             <a:solidFill>
                               <a:srgbClr val="072A60"/>
                             </a:solidFill>
@@ -10699,7 +11145,7 @@
                   </m:oMath>
                 </a14:m>
                 <a:r>
-                  <a:rPr lang="en-US" altLang="ko-KR" sz="2200" dirty="0">
+                  <a:rPr lang="en-US" altLang="ko-KR" sz="2400" dirty="0">
                     <a:solidFill>
                       <a:srgbClr val="072A60"/>
                     </a:solidFill>
@@ -10710,7 +11156,7 @@
               </a:p>
               <a:p>
                 <a:r>
-                  <a:rPr lang="en-US" altLang="ko-KR" sz="2200" dirty="0">
+                  <a:rPr lang="en-US" altLang="ko-KR" sz="2400" dirty="0">
                     <a:solidFill>
                       <a:srgbClr val="072A60"/>
                     </a:solidFill>
@@ -10722,7 +11168,7 @@
             </p:txBody>
           </p:sp>
         </mc:Choice>
-        <mc:Fallback xmlns="">
+        <mc:Fallback>
           <p:sp>
             <p:nvSpPr>
               <p:cNvPr id="9" name="TextBox 8">
@@ -10740,7 +11186,7 @@
             <p:spPr>
               <a:xfrm>
                 <a:off x="5231744" y="2204864"/>
-                <a:ext cx="6286999" cy="2910797"/>
+                <a:ext cx="6286999" cy="3167277"/>
               </a:xfrm>
               <a:prstGeom prst="rect">
                 <a:avLst/>
@@ -10748,7 +11194,7 @@
               <a:blipFill>
                 <a:blip r:embed="rId5"/>
                 <a:stretch>
-                  <a:fillRect l="-1260" t="-1048" b="-3354"/>
+                  <a:fillRect l="-1453" t="-1156" b="-3661"/>
                 </a:stretch>
               </a:blipFill>
             </p:spPr>
@@ -10851,6 +11297,42 @@
       </p:sp>
       <p:pic>
         <p:nvPicPr>
+          <p:cNvPr id="35" name="그림 34">
+            <a:extLst>
+              <a:ext uri="{FF2B5EF4-FFF2-40B4-BE49-F238E27FC236}">
+                <a16:creationId xmlns:a16="http://schemas.microsoft.com/office/drawing/2014/main" id="{DDEB1AC9-E417-4576-9B02-5668C69DB0D7}"/>
+              </a:ext>
+            </a:extLst>
+          </p:cNvPr>
+          <p:cNvPicPr>
+            <a:picLocks noChangeAspect="1"/>
+          </p:cNvPicPr>
+          <p:nvPr/>
+        </p:nvPicPr>
+        <p:blipFill>
+          <a:blip r:embed="rId3">
+            <a:extLst>
+              <a:ext uri="{28A0092B-C50C-407E-A947-70E740481C1C}">
+                <a14:useLocalDpi xmlns:a14="http://schemas.microsoft.com/office/drawing/2010/main" val="0"/>
+              </a:ext>
+            </a:extLst>
+          </a:blip>
+          <a:stretch>
+            <a:fillRect/>
+          </a:stretch>
+        </p:blipFill>
+        <p:spPr>
+          <a:xfrm>
+            <a:off x="479376" y="308463"/>
+            <a:ext cx="72008" cy="96201"/>
+          </a:xfrm>
+          <a:prstGeom prst="rect">
+            <a:avLst/>
+          </a:prstGeom>
+        </p:spPr>
+      </p:pic>
+      <p:pic>
+        <p:nvPicPr>
           <p:cNvPr id="3" name="그림 2">
             <a:extLst>
               <a:ext uri="{FF2B5EF4-FFF2-40B4-BE49-F238E27FC236}">
@@ -10864,7 +11346,7 @@
           <p:nvPr/>
         </p:nvPicPr>
         <p:blipFill>
-          <a:blip r:embed="rId3">
+          <a:blip r:embed="rId4">
             <a:extLst>
               <a:ext uri="{28A0092B-C50C-407E-A947-70E740481C1C}">
                 <a14:useLocalDpi xmlns:a14="http://schemas.microsoft.com/office/drawing/2010/main" val="0"/>
@@ -10901,8 +11383,8 @@
             </p:nvSpPr>
             <p:spPr>
               <a:xfrm>
-                <a:off x="5062209" y="1826079"/>
-                <a:ext cx="6999710" cy="3477875"/>
+                <a:off x="5062208" y="1826079"/>
+                <a:ext cx="7129791" cy="4154984"/>
               </a:xfrm>
               <a:prstGeom prst="rect">
                 <a:avLst/>
@@ -10920,7 +11402,7 @@
                   <a:buChar char="•"/>
                 </a:pPr>
                 <a:r>
-                  <a:rPr lang="en-US" altLang="ko-KR" sz="2200" dirty="0">
+                  <a:rPr lang="en-US" altLang="ko-KR" sz="2400" dirty="0">
                     <a:solidFill>
                       <a:srgbClr val="072A60"/>
                     </a:solidFill>
@@ -10933,7 +11415,7 @@
                     <m:sSup>
                       <m:sSupPr>
                         <m:ctrlPr>
-                          <a:rPr lang="en-US" altLang="ko-KR" sz="2200" b="0" i="1" smtClean="0">
+                          <a:rPr lang="en-US" altLang="ko-KR" sz="2400" b="0" i="1" smtClean="0">
                             <a:solidFill>
                               <a:srgbClr val="072A60"/>
                             </a:solidFill>
@@ -10946,7 +11428,7 @@
                           <m:rPr>
                             <m:sty m:val="p"/>
                           </m:rPr>
-                          <a:rPr lang="en-US" altLang="ko-KR" sz="2200" b="0" i="0" smtClean="0">
+                          <a:rPr lang="en-US" altLang="ko-KR" sz="2400" b="0" i="0" smtClean="0">
                             <a:solidFill>
                               <a:srgbClr val="072A60"/>
                             </a:solidFill>
@@ -10957,7 +11439,7 @@
                       </m:e>
                       <m:sup>
                         <m:r>
-                          <a:rPr lang="en-US" altLang="ko-KR" sz="2200" b="0" i="0" smtClean="0">
+                          <a:rPr lang="en-US" altLang="ko-KR" sz="2400" b="0" i="0" smtClean="0">
                             <a:solidFill>
                               <a:srgbClr val="072A60"/>
                             </a:solidFill>
@@ -10969,7 +11451,7 @@
                     </m:sSup>
                   </m:oMath>
                 </a14:m>
-                <a:endParaRPr lang="en-US" altLang="ko-KR" sz="2200" dirty="0">
+                <a:endParaRPr lang="en-US" altLang="ko-KR" sz="2400" dirty="0">
                   <a:solidFill>
                     <a:srgbClr val="072A60"/>
                   </a:solidFill>
@@ -10979,44 +11461,23 @@
               <a:p>
                 <a:pPr lvl="1"/>
                 <a:r>
-                  <a:rPr lang="en-US" altLang="ko-KR" sz="2200" dirty="0">
-                    <a:solidFill>
-                      <a:srgbClr val="072A60"/>
-                    </a:solidFill>
-                    <a:latin typeface="Garamond" panose="02020404030301010803" pitchFamily="18" charset="0"/>
-                  </a:rPr>
-                  <a:t>       </a:t>
-                </a:r>
-                <a:r>
-                  <a:rPr lang="en-US" altLang="ko-KR" sz="2200" dirty="0">
+                  <a:rPr lang="en-US" altLang="ko-KR" sz="2400" dirty="0">
                     <a:solidFill>
                       <a:srgbClr val="072A60"/>
                     </a:solidFill>
                     <a:latin typeface="맑은 고딕" panose="020B0503020000020004" pitchFamily="50" charset="-127"/>
                     <a:ea typeface="맑은 고딕" panose="020B0503020000020004" pitchFamily="50" charset="-127"/>
                   </a:rPr>
-                  <a:t>→ </a:t>
+                  <a:t>→</a:t>
                 </a:r>
                 <a:r>
-                  <a:rPr lang="en-US" altLang="ko-KR" sz="2200" dirty="0">
+                  <a:rPr lang="en-US" altLang="ko-KR" sz="2400" dirty="0">
                     <a:solidFill>
                       <a:srgbClr val="072A60"/>
                     </a:solidFill>
                     <a:latin typeface="Garamond" panose="02020404030301010803" pitchFamily="18" charset="0"/>
                   </a:rPr>
-                  <a:t>It is found near the edges and defects in graphene</a:t>
-                </a:r>
-              </a:p>
-              <a:p>
-                <a:pPr lvl="1"/>
-                <a:r>
-                  <a:rPr lang="en-US" altLang="ko-KR" sz="2200" dirty="0">
-                    <a:solidFill>
-                      <a:srgbClr val="072A60"/>
-                    </a:solidFill>
-                    <a:latin typeface="Garamond" panose="02020404030301010803" pitchFamily="18" charset="0"/>
-                  </a:rPr>
-                  <a:t>		Breathing modes of six-atoms ring with a defect</a:t>
+                  <a:t>   It is found near the edges and defects in graphene 	Breathing modes of six atoms ring with a defect</a:t>
                 </a:r>
               </a:p>
               <a:p>
@@ -11028,7 +11489,7 @@
                   <a:buChar char="•"/>
                 </a:pPr>
                 <a:r>
-                  <a:rPr lang="en-US" altLang="ko-KR" sz="2200" dirty="0">
+                  <a:rPr lang="en-US" altLang="ko-KR" sz="2400" dirty="0">
                     <a:solidFill>
                       <a:srgbClr val="072A60"/>
                     </a:solidFill>
@@ -11041,7 +11502,7 @@
                     <m:sSup>
                       <m:sSupPr>
                         <m:ctrlPr>
-                          <a:rPr lang="en-US" altLang="ko-KR" sz="2200" i="1" smtClean="0">
+                          <a:rPr lang="en-US" altLang="ko-KR" sz="2400" i="1" smtClean="0">
                             <a:solidFill>
                               <a:srgbClr val="072A60"/>
                             </a:solidFill>
@@ -11054,7 +11515,7 @@
                           <m:rPr>
                             <m:sty m:val="p"/>
                           </m:rPr>
-                          <a:rPr lang="en-US" altLang="ko-KR" sz="2200" i="0">
+                          <a:rPr lang="en-US" altLang="ko-KR" sz="2400" i="0">
                             <a:solidFill>
                               <a:srgbClr val="072A60"/>
                             </a:solidFill>
@@ -11065,7 +11526,7 @@
                       </m:e>
                       <m:sup>
                         <m:r>
-                          <a:rPr lang="en-US" altLang="ko-KR" sz="2200" i="1">
+                          <a:rPr lang="en-US" altLang="ko-KR" sz="2400" i="1">
                             <a:solidFill>
                               <a:srgbClr val="072A60"/>
                             </a:solidFill>
@@ -11077,7 +11538,7 @@
                     </m:sSup>
                   </m:oMath>
                 </a14:m>
-                <a:endParaRPr lang="en-US" altLang="ko-KR" sz="2200" dirty="0">
+                <a:endParaRPr lang="en-US" altLang="ko-KR" sz="2400" dirty="0">
                   <a:solidFill>
                     <a:srgbClr val="072A60"/>
                   </a:solidFill>
@@ -11085,31 +11546,31 @@
                 </a:endParaRPr>
               </a:p>
               <a:p>
-                <a:pPr lvl="2"/>
+                <a:pPr lvl="1"/>
                 <a:r>
-                  <a:rPr lang="en-US" altLang="ko-KR" sz="2200" dirty="0">
+                  <a:rPr lang="en-US" altLang="ko-KR" sz="2400" dirty="0">
                     <a:solidFill>
                       <a:srgbClr val="072A60"/>
                     </a:solidFill>
                     <a:latin typeface="맑은 고딕" panose="020B0503020000020004" pitchFamily="50" charset="-127"/>
                     <a:ea typeface="맑은 고딕" panose="020B0503020000020004" pitchFamily="50" charset="-127"/>
                   </a:rPr>
-                  <a:t>→ </a:t>
+                  <a:t>→</a:t>
                 </a:r>
                 <a:r>
-                  <a:rPr lang="en-US" altLang="ko-KR" sz="2200" dirty="0">
+                  <a:rPr lang="en-US" altLang="ko-KR" sz="2400" dirty="0">
                     <a:solidFill>
                       <a:srgbClr val="072A60"/>
                     </a:solidFill>
                     <a:latin typeface="Garamond" panose="02020404030301010803" pitchFamily="18" charset="0"/>
                   </a:rPr>
-                  <a:t>	It is commonly found in graphite material </a:t>
+                  <a:t>   It is commonly found in graphite material</a:t>
                 </a:r>
               </a:p>
               <a:p>
-                <a:pPr lvl="2"/>
+                <a:pPr lvl="1"/>
                 <a:r>
-                  <a:rPr lang="en-US" altLang="ko-KR" sz="2200" dirty="0">
+                  <a:rPr lang="en-US" altLang="ko-KR" sz="2400" dirty="0">
                     <a:solidFill>
                       <a:srgbClr val="072A60"/>
                     </a:solidFill>
@@ -11127,20 +11588,20 @@
                   <a:buChar char="•"/>
                 </a:pPr>
                 <a:r>
-                  <a:rPr lang="en-US" altLang="ko-KR" sz="2200" dirty="0">
+                  <a:rPr lang="en-US" altLang="ko-KR" sz="2400" dirty="0">
                     <a:solidFill>
                       <a:srgbClr val="072A60"/>
                     </a:solidFill>
                     <a:latin typeface="Garamond" panose="02020404030301010803" pitchFamily="18" charset="0"/>
                   </a:rPr>
-                  <a:t>2D peak : 2685</a:t>
+                  <a:t>2D peak : ~2685</a:t>
                 </a:r>
                 <a14:m>
                   <m:oMath xmlns:m="http://schemas.openxmlformats.org/officeDocument/2006/math">
                     <m:sSup>
                       <m:sSupPr>
                         <m:ctrlPr>
-                          <a:rPr lang="en-US" altLang="ko-KR" sz="2200" i="1" smtClean="0">
+                          <a:rPr lang="en-US" altLang="ko-KR" sz="2400" i="1" smtClean="0">
                             <a:solidFill>
                               <a:srgbClr val="072A60"/>
                             </a:solidFill>
@@ -11153,7 +11614,7 @@
                           <m:rPr>
                             <m:sty m:val="p"/>
                           </m:rPr>
-                          <a:rPr lang="en-US" altLang="ko-KR" sz="2200" i="0">
+                          <a:rPr lang="en-US" altLang="ko-KR" sz="2400" i="0">
                             <a:solidFill>
                               <a:srgbClr val="072A60"/>
                             </a:solidFill>
@@ -11164,7 +11625,7 @@
                       </m:e>
                       <m:sup>
                         <m:r>
-                          <a:rPr lang="en-US" altLang="ko-KR" sz="2200" i="1">
+                          <a:rPr lang="en-US" altLang="ko-KR" sz="2400" i="1">
                             <a:solidFill>
                               <a:srgbClr val="072A60"/>
                             </a:solidFill>
@@ -11176,7 +11637,7 @@
                     </m:sSup>
                   </m:oMath>
                 </a14:m>
-                <a:endParaRPr lang="en-US" altLang="ko-KR" sz="2200" dirty="0">
+                <a:endParaRPr lang="en-US" altLang="ko-KR" sz="2400" dirty="0">
                   <a:solidFill>
                     <a:srgbClr val="072A60"/>
                   </a:solidFill>
@@ -11186,62 +11647,47 @@
               <a:p>
                 <a:pPr lvl="1"/>
                 <a:r>
-                  <a:rPr lang="en-US" altLang="ko-KR" sz="2200" dirty="0">
-                    <a:solidFill>
-                      <a:srgbClr val="072A60"/>
-                    </a:solidFill>
-                    <a:latin typeface="Garamond" panose="02020404030301010803" pitchFamily="18" charset="0"/>
-                    <a:ea typeface="맑은 고딕" panose="020B0503020000020004" pitchFamily="50" charset="-127"/>
-                  </a:rPr>
-                  <a:t>	</a:t>
-                </a:r>
-                <a:r>
-                  <a:rPr lang="en-US" altLang="ko-KR" sz="2200" dirty="0">
+                  <a:rPr lang="en-US" altLang="ko-KR" sz="2400" dirty="0">
                     <a:solidFill>
                       <a:srgbClr val="072A60"/>
                     </a:solidFill>
                     <a:latin typeface="맑은 고딕" panose="020B0503020000020004" pitchFamily="50" charset="-127"/>
                     <a:ea typeface="맑은 고딕" panose="020B0503020000020004" pitchFamily="50" charset="-127"/>
                   </a:rPr>
-                  <a:t>→ 	</a:t>
+                  <a:t>→</a:t>
                 </a:r>
                 <a:r>
-                  <a:rPr lang="en-US" altLang="ko-KR" sz="2200" dirty="0">
+                  <a:rPr lang="en-US" altLang="ko-KR" sz="2400" dirty="0">
                     <a:solidFill>
                       <a:srgbClr val="072A60"/>
                     </a:solidFill>
                     <a:latin typeface="Garamond" panose="02020404030301010803" pitchFamily="18" charset="0"/>
                   </a:rPr>
-                  <a:t>It is always found in graphene </a:t>
+                  <a:t>   It is always found in graphene </a:t>
                 </a:r>
-                <a:endParaRPr lang="en-US" altLang="ko-KR" sz="2200" dirty="0">
-                  <a:solidFill>
-                    <a:srgbClr val="072A60"/>
-                  </a:solidFill>
-                  <a:latin typeface="맑은 고딕" panose="020B0503020000020004" pitchFamily="50" charset="-127"/>
-                  <a:ea typeface="맑은 고딕" panose="020B0503020000020004" pitchFamily="50" charset="-127"/>
-                </a:endParaRPr>
               </a:p>
               <a:p>
                 <a:pPr lvl="1"/>
                 <a:r>
-                  <a:rPr lang="en-US" altLang="ko-KR" sz="2200" dirty="0">
-                    <a:solidFill>
-                      <a:srgbClr val="072A60"/>
-                    </a:solidFill>
-                    <a:latin typeface="맑은 고딕" panose="020B0503020000020004" pitchFamily="50" charset="-127"/>
-                    <a:ea typeface="맑은 고딕" panose="020B0503020000020004" pitchFamily="50" charset="-127"/>
-                  </a:rPr>
-                  <a:t>		</a:t>
-                </a:r>
-                <a:r>
-                  <a:rPr lang="en-US" altLang="ko-KR" sz="2200" dirty="0">
+                  <a:rPr lang="en-US" altLang="ko-KR" sz="2400" dirty="0">
                     <a:solidFill>
                       <a:srgbClr val="072A60"/>
                     </a:solidFill>
                     <a:latin typeface="Garamond" panose="02020404030301010803" pitchFamily="18" charset="0"/>
                   </a:rPr>
-                  <a:t>There are two emitted phonons of D mode</a:t>
+                  <a:t>	There are two emitted phonons of D mode</a:t>
+                </a:r>
+              </a:p>
+              <a:p>
+                <a:pPr lvl="1"/>
+                <a:r>
+                  <a:rPr lang="en-US" altLang="ko-KR" sz="2400" dirty="0">
+                    <a:solidFill>
+                      <a:srgbClr val="072A60"/>
+                    </a:solidFill>
+                    <a:latin typeface="Garamond" panose="02020404030301010803" pitchFamily="18" charset="0"/>
+                  </a:rPr>
+                  <a:t>	sensitive to the number of layers</a:t>
                 </a:r>
               </a:p>
             </p:txBody>
@@ -11264,16 +11710,16 @@
             </p:nvSpPr>
             <p:spPr>
               <a:xfrm>
-                <a:off x="5062209" y="1826079"/>
-                <a:ext cx="6999710" cy="3477875"/>
+                <a:off x="5062208" y="1826079"/>
+                <a:ext cx="7129791" cy="4154984"/>
               </a:xfrm>
               <a:prstGeom prst="rect">
                 <a:avLst/>
               </a:prstGeom>
               <a:blipFill>
-                <a:blip r:embed="rId4"/>
+                <a:blip r:embed="rId5"/>
                 <a:stretch>
-                  <a:fillRect l="-957" t="-1053" b="-2807"/>
+                  <a:fillRect l="-1111" t="-1028" r="-1282" b="-2496"/>
                 </a:stretch>
               </a:blipFill>
             </p:spPr>
@@ -11307,11 +11753,11 @@
           <p:nvPr/>
         </p:nvPicPr>
         <p:blipFill rotWithShape="1">
-          <a:blip r:embed="rId5">
+          <a:blip r:embed="rId6">
             <a:extLst>
               <a:ext uri="{BEBA8EAE-BF5A-486C-A8C5-ECC9F3942E4B}">
                 <a14:imgProps xmlns:a14="http://schemas.microsoft.com/office/drawing/2010/main">
-                  <a14:imgLayer r:embed="rId6">
+                  <a14:imgLayer r:embed="rId7">
                     <a14:imgEffect>
                       <a14:backgroundRemoval t="3911" b="41341" l="1914" r="92344">
                         <a14:foregroundMark x1="40191" y1="32030" x2="72727" y2="33333"/>
@@ -11381,11 +11827,11 @@
           <p:nvPr/>
         </p:nvPicPr>
         <p:blipFill rotWithShape="1">
-          <a:blip r:embed="rId7">
+          <a:blip r:embed="rId8">
             <a:extLst>
               <a:ext uri="{BEBA8EAE-BF5A-486C-A8C5-ECC9F3942E4B}">
                 <a14:imgProps xmlns:a14="http://schemas.microsoft.com/office/drawing/2010/main">
-                  <a14:imgLayer r:embed="rId6">
+                  <a14:imgLayer r:embed="rId7">
                     <a14:imgEffect>
                       <a14:backgroundRemoval t="47300" b="99441" l="9091" r="99761">
                         <a14:foregroundMark x1="58852" y1="75791" x2="58852" y2="75791"/>
@@ -11483,11 +11929,11 @@
           <p:nvPr/>
         </p:nvPicPr>
         <p:blipFill rotWithShape="1">
-          <a:blip r:embed="rId7">
+          <a:blip r:embed="rId8">
             <a:extLst>
               <a:ext uri="{BEBA8EAE-BF5A-486C-A8C5-ECC9F3942E4B}">
                 <a14:imgProps xmlns:a14="http://schemas.microsoft.com/office/drawing/2010/main">
-                  <a14:imgLayer r:embed="rId6">
+                  <a14:imgLayer r:embed="rId7">
                     <a14:imgEffect>
                       <a14:backgroundRemoval t="47300" b="99441" l="9091" r="99761">
                         <a14:foregroundMark x1="58852" y1="75791" x2="58852" y2="75791"/>
@@ -11585,11 +12031,11 @@
           <p:nvPr/>
         </p:nvPicPr>
         <p:blipFill rotWithShape="1">
-          <a:blip r:embed="rId5">
+          <a:blip r:embed="rId6">
             <a:extLst>
               <a:ext uri="{BEBA8EAE-BF5A-486C-A8C5-ECC9F3942E4B}">
                 <a14:imgProps xmlns:a14="http://schemas.microsoft.com/office/drawing/2010/main">
-                  <a14:imgLayer r:embed="rId6">
+                  <a14:imgLayer r:embed="rId7">
                     <a14:imgEffect>
                       <a14:backgroundRemoval t="3911" b="41341" l="1914" r="92344">
                         <a14:foregroundMark x1="40191" y1="32030" x2="72727" y2="33333"/>
@@ -11732,6 +12178,42 @@
           </a:p>
         </p:txBody>
       </p:sp>
+      <p:pic>
+        <p:nvPicPr>
+          <p:cNvPr id="35" name="그림 34">
+            <a:extLst>
+              <a:ext uri="{FF2B5EF4-FFF2-40B4-BE49-F238E27FC236}">
+                <a16:creationId xmlns:a16="http://schemas.microsoft.com/office/drawing/2014/main" id="{DDEB1AC9-E417-4576-9B02-5668C69DB0D7}"/>
+              </a:ext>
+            </a:extLst>
+          </p:cNvPr>
+          <p:cNvPicPr>
+            <a:picLocks noChangeAspect="1"/>
+          </p:cNvPicPr>
+          <p:nvPr/>
+        </p:nvPicPr>
+        <p:blipFill>
+          <a:blip r:embed="rId3">
+            <a:extLst>
+              <a:ext uri="{28A0092B-C50C-407E-A947-70E740481C1C}">
+                <a14:useLocalDpi xmlns:a14="http://schemas.microsoft.com/office/drawing/2010/main" val="0"/>
+              </a:ext>
+            </a:extLst>
+          </a:blip>
+          <a:stretch>
+            <a:fillRect/>
+          </a:stretch>
+        </p:blipFill>
+        <p:spPr>
+          <a:xfrm>
+            <a:off x="479376" y="308463"/>
+            <a:ext cx="72008" cy="96201"/>
+          </a:xfrm>
+          <a:prstGeom prst="rect">
+            <a:avLst/>
+          </a:prstGeom>
+        </p:spPr>
+      </p:pic>
       <mc:AlternateContent xmlns:mc="http://schemas.openxmlformats.org/markup-compatibility/2006" xmlns:a14="http://schemas.microsoft.com/office/drawing/2010/main">
         <mc:Choice Requires="a14">
           <p:sp>

--- a/Raman_Final Presentation.pptx
+++ b/Raman_Final Presentation.pptx
@@ -4033,8 +4033,8 @@
         </p:blipFill>
         <p:spPr>
           <a:xfrm>
-            <a:off x="-18096" y="-1479910"/>
-            <a:ext cx="12192000" cy="8725334"/>
+            <a:off x="-2" y="-1539552"/>
+            <a:ext cx="12288690" cy="8725334"/>
           </a:xfrm>
           <a:prstGeom prst="rect">
             <a:avLst/>
@@ -5042,8 +5042,8 @@
           </p:txBody>
         </p:sp>
       </p:grpSp>
-      <mc:AlternateContent xmlns:mc="http://schemas.openxmlformats.org/markup-compatibility/2006">
-        <mc:Choice xmlns:a14="http://schemas.microsoft.com/office/drawing/2010/main" Requires="a14">
+      <mc:AlternateContent xmlns:mc="http://schemas.openxmlformats.org/markup-compatibility/2006" xmlns:a14="http://schemas.microsoft.com/office/drawing/2010/main">
+        <mc:Choice Requires="a14">
           <p:sp>
             <p:nvSpPr>
               <p:cNvPr id="5" name="TextBox 4">
@@ -5599,7 +5599,7 @@
             </p:txBody>
           </p:sp>
         </mc:Choice>
-        <mc:Fallback>
+        <mc:Fallback xmlns="">
           <p:sp>
             <p:nvSpPr>
               <p:cNvPr id="5" name="TextBox 4">
@@ -5726,8 +5726,8 @@
           </a:p>
         </p:txBody>
       </p:sp>
-      <mc:AlternateContent xmlns:mc="http://schemas.openxmlformats.org/markup-compatibility/2006">
-        <mc:Choice xmlns:a14="http://schemas.microsoft.com/office/drawing/2010/main" Requires="a14">
+      <mc:AlternateContent xmlns:mc="http://schemas.openxmlformats.org/markup-compatibility/2006" xmlns:a14="http://schemas.microsoft.com/office/drawing/2010/main">
+        <mc:Choice Requires="a14">
           <p:sp>
             <p:nvSpPr>
               <p:cNvPr id="5" name="TextBox 4">
@@ -5876,7 +5876,7 @@
             </p:txBody>
           </p:sp>
         </mc:Choice>
-        <mc:Fallback>
+        <mc:Fallback xmlns="">
           <p:sp>
             <p:nvSpPr>
               <p:cNvPr id="5" name="TextBox 4">
@@ -5967,13 +5967,13 @@
   <p:clrMapOvr>
     <a:masterClrMapping/>
   </p:clrMapOvr>
-  <mc:AlternateContent xmlns:mc="http://schemas.openxmlformats.org/markup-compatibility/2006">
-    <mc:Choice xmlns:p14="http://schemas.microsoft.com/office/powerpoint/2010/main" Requires="p14">
+  <mc:AlternateContent xmlns:mc="http://schemas.openxmlformats.org/markup-compatibility/2006" xmlns:p14="http://schemas.microsoft.com/office/powerpoint/2010/main">
+    <mc:Choice Requires="p14">
       <p:transition spd="med" p14:dur="700">
         <p:fade/>
       </p:transition>
     </mc:Choice>
-    <mc:Fallback>
+    <mc:Fallback xmlns="">
       <p:transition spd="med">
         <p:fade/>
       </p:transition>
@@ -7385,7 +7385,7 @@
         </p:nvSpPr>
         <p:spPr>
           <a:xfrm>
-            <a:off x="1631504" y="764704"/>
+            <a:off x="1487488" y="783859"/>
             <a:ext cx="10053718" cy="677108"/>
           </a:xfrm>
           <a:prstGeom prst="rect">
@@ -7882,7 +7882,7 @@
                 </a:solidFill>
                 <a:latin typeface="Garamond" panose="02020404030301010803" pitchFamily="18" charset="0"/>
               </a:rPr>
-              <a:t>Defect increases -&gt; I(D) / I(G)</a:t>
+              <a:t>Defect increases, Crystal size decreases -&gt; I(D) / I(G)</a:t>
             </a:r>
           </a:p>
           <a:p>
@@ -7972,25 +7972,7 @@
                 </a:solidFill>
                 <a:latin typeface="Garamond" panose="02020404030301010803" pitchFamily="18" charset="0"/>
               </a:rPr>
-              <a:t>Using Raman Spectroscopy in this manner, change in chemical structure can be well detected. Also, there are more calculatable physical quantities. However, in this way, it is hard to see the band structure of electrons and phonons or the symmetry of the system. Raman spectroscopy is the result of them, the reverse process is quite different. To analyze the material, not only can Raman be used in a different manners, but there are many complementary methods such as FT-IR, TEM, STEM, that makes it possible to see </a:t>
-            </a:r>
-            <a:r>
-              <a:rPr lang="en-US" altLang="ko-KR" sz="2400" dirty="0" err="1">
-                <a:solidFill>
-                  <a:srgbClr val="072A60"/>
-                </a:solidFill>
-                <a:latin typeface="Garamond" panose="02020404030301010803" pitchFamily="18" charset="0"/>
-              </a:rPr>
-              <a:t>raman</a:t>
-            </a:r>
-            <a:r>
-              <a:rPr lang="en-US" altLang="ko-KR" sz="2400" dirty="0">
-                <a:solidFill>
-                  <a:srgbClr val="072A60"/>
-                </a:solidFill>
-                <a:latin typeface="Garamond" panose="02020404030301010803" pitchFamily="18" charset="0"/>
-              </a:rPr>
-              <a:t> inactive modes.</a:t>
+              <a:t>Using Raman Spectroscopy in this manner, change in chemical structure can be well detected. Also, there are more calculatable physical quantities. However, in this way, it is hard to see the band structure of electrons and phonons or the symmetry of the system. Raman spectroscopy is the result of them, the reverse process is quite different. To analyze the material, not only can Raman be used in a different manners, but there are many complementary methods such as FT-IR, TEM, STEM, that makes it possible to see Raman inactive modes.</a:t>
             </a:r>
           </a:p>
         </p:txBody>
@@ -10287,8 +10269,8 @@
           </a:prstGeom>
         </p:spPr>
       </p:pic>
-      <mc:AlternateContent xmlns:mc="http://schemas.openxmlformats.org/markup-compatibility/2006">
-        <mc:Choice xmlns:a14="http://schemas.microsoft.com/office/drawing/2010/main" Requires="a14">
+      <mc:AlternateContent xmlns:mc="http://schemas.openxmlformats.org/markup-compatibility/2006" xmlns:a14="http://schemas.microsoft.com/office/drawing/2010/main">
+        <mc:Choice Requires="a14">
           <p:sp>
             <p:nvSpPr>
               <p:cNvPr id="9" name="TextBox 8">
@@ -10493,7 +10475,7 @@
             </p:txBody>
           </p:sp>
         </mc:Choice>
-        <mc:Fallback>
+        <mc:Fallback xmlns="">
           <p:sp>
             <p:nvSpPr>
               <p:cNvPr id="9" name="TextBox 8">
@@ -10657,10 +10639,10 @@
       </p:sp>
       <p:pic>
         <p:nvPicPr>
-          <p:cNvPr id="35" name="그림 34">
+          <p:cNvPr id="6" name="그림 5">
             <a:extLst>
               <a:ext uri="{FF2B5EF4-FFF2-40B4-BE49-F238E27FC236}">
-                <a16:creationId xmlns:a16="http://schemas.microsoft.com/office/drawing/2014/main" id="{DDEB1AC9-E417-4576-9B02-5668C69DB0D7}"/>
+                <a16:creationId xmlns:a16="http://schemas.microsoft.com/office/drawing/2014/main" id="{0949F2CE-381F-D9B2-0D7F-3A84B1B98228}"/>
               </a:ext>
             </a:extLst>
           </p:cNvPr>
@@ -10683,42 +10665,6 @@
         </p:blipFill>
         <p:spPr>
           <a:xfrm>
-            <a:off x="479376" y="308463"/>
-            <a:ext cx="72008" cy="96201"/>
-          </a:xfrm>
-          <a:prstGeom prst="rect">
-            <a:avLst/>
-          </a:prstGeom>
-        </p:spPr>
-      </p:pic>
-      <p:pic>
-        <p:nvPicPr>
-          <p:cNvPr id="6" name="그림 5">
-            <a:extLst>
-              <a:ext uri="{FF2B5EF4-FFF2-40B4-BE49-F238E27FC236}">
-                <a16:creationId xmlns:a16="http://schemas.microsoft.com/office/drawing/2014/main" id="{0949F2CE-381F-D9B2-0D7F-3A84B1B98228}"/>
-              </a:ext>
-            </a:extLst>
-          </p:cNvPr>
-          <p:cNvPicPr>
-            <a:picLocks noChangeAspect="1"/>
-          </p:cNvPicPr>
-          <p:nvPr/>
-        </p:nvPicPr>
-        <p:blipFill>
-          <a:blip r:embed="rId4">
-            <a:extLst>
-              <a:ext uri="{28A0092B-C50C-407E-A947-70E740481C1C}">
-                <a14:useLocalDpi xmlns:a14="http://schemas.microsoft.com/office/drawing/2010/main" val="0"/>
-              </a:ext>
-            </a:extLst>
-          </a:blip>
-          <a:stretch>
-            <a:fillRect/>
-          </a:stretch>
-        </p:blipFill>
-        <p:spPr>
-          <a:xfrm>
             <a:off x="1442621" y="1400582"/>
             <a:ext cx="3457131" cy="5311481"/>
           </a:xfrm>
@@ -10727,8 +10673,8 @@
           </a:prstGeom>
         </p:spPr>
       </p:pic>
-      <mc:AlternateContent xmlns:mc="http://schemas.openxmlformats.org/markup-compatibility/2006">
-        <mc:Choice xmlns:a14="http://schemas.microsoft.com/office/drawing/2010/main" Requires="a14">
+      <mc:AlternateContent xmlns:mc="http://schemas.openxmlformats.org/markup-compatibility/2006" xmlns:a14="http://schemas.microsoft.com/office/drawing/2010/main">
+        <mc:Choice Requires="a14">
           <p:sp>
             <p:nvSpPr>
               <p:cNvPr id="9" name="TextBox 8">
@@ -11168,7 +11114,7 @@
             </p:txBody>
           </p:sp>
         </mc:Choice>
-        <mc:Fallback>
+        <mc:Fallback xmlns="">
           <p:sp>
             <p:nvSpPr>
               <p:cNvPr id="9" name="TextBox 8">
@@ -11269,7 +11215,7 @@
         </p:nvSpPr>
         <p:spPr>
           <a:xfrm>
-            <a:off x="1442882" y="764704"/>
+            <a:off x="1442882" y="692696"/>
             <a:ext cx="10053718" cy="707886"/>
           </a:xfrm>
           <a:prstGeom prst="rect">
@@ -11297,10 +11243,10 @@
       </p:sp>
       <p:pic>
         <p:nvPicPr>
-          <p:cNvPr id="35" name="그림 34">
+          <p:cNvPr id="3" name="그림 2">
             <a:extLst>
               <a:ext uri="{FF2B5EF4-FFF2-40B4-BE49-F238E27FC236}">
-                <a16:creationId xmlns:a16="http://schemas.microsoft.com/office/drawing/2014/main" id="{DDEB1AC9-E417-4576-9B02-5668C69DB0D7}"/>
+                <a16:creationId xmlns:a16="http://schemas.microsoft.com/office/drawing/2014/main" id="{75CA956C-EB64-CC28-9CAF-AD65505E1D4F}"/>
               </a:ext>
             </a:extLst>
           </p:cNvPr>
@@ -11323,42 +11269,6 @@
         </p:blipFill>
         <p:spPr>
           <a:xfrm>
-            <a:off x="479376" y="308463"/>
-            <a:ext cx="72008" cy="96201"/>
-          </a:xfrm>
-          <a:prstGeom prst="rect">
-            <a:avLst/>
-          </a:prstGeom>
-        </p:spPr>
-      </p:pic>
-      <p:pic>
-        <p:nvPicPr>
-          <p:cNvPr id="3" name="그림 2">
-            <a:extLst>
-              <a:ext uri="{FF2B5EF4-FFF2-40B4-BE49-F238E27FC236}">
-                <a16:creationId xmlns:a16="http://schemas.microsoft.com/office/drawing/2014/main" id="{75CA956C-EB64-CC28-9CAF-AD65505E1D4F}"/>
-              </a:ext>
-            </a:extLst>
-          </p:cNvPr>
-          <p:cNvPicPr>
-            <a:picLocks noChangeAspect="1"/>
-          </p:cNvPicPr>
-          <p:nvPr/>
-        </p:nvPicPr>
-        <p:blipFill>
-          <a:blip r:embed="rId4">
-            <a:extLst>
-              <a:ext uri="{28A0092B-C50C-407E-A947-70E740481C1C}">
-                <a14:useLocalDpi xmlns:a14="http://schemas.microsoft.com/office/drawing/2010/main" val="0"/>
-              </a:ext>
-            </a:extLst>
-          </a:blip>
-          <a:stretch>
-            <a:fillRect/>
-          </a:stretch>
-        </p:blipFill>
-        <p:spPr>
-          <a:xfrm>
             <a:off x="-24680" y="1628800"/>
             <a:ext cx="5231904" cy="4126107"/>
           </a:xfrm>
@@ -11367,8 +11277,8 @@
           </a:prstGeom>
         </p:spPr>
       </p:pic>
-      <mc:AlternateContent xmlns:mc="http://schemas.openxmlformats.org/markup-compatibility/2006">
-        <mc:Choice xmlns:a14="http://schemas.microsoft.com/office/drawing/2010/main" Requires="a14">
+      <mc:AlternateContent xmlns:mc="http://schemas.openxmlformats.org/markup-compatibility/2006" xmlns:a14="http://schemas.microsoft.com/office/drawing/2010/main">
+        <mc:Choice Requires="a14">
           <p:sp>
             <p:nvSpPr>
               <p:cNvPr id="9" name="TextBox 8">
@@ -11693,7 +11603,7 @@
             </p:txBody>
           </p:sp>
         </mc:Choice>
-        <mc:Fallback>
+        <mc:Fallback xmlns="">
           <p:sp>
             <p:nvSpPr>
               <p:cNvPr id="9" name="TextBox 8">
@@ -12178,42 +12088,6 @@
           </a:p>
         </p:txBody>
       </p:sp>
-      <p:pic>
-        <p:nvPicPr>
-          <p:cNvPr id="35" name="그림 34">
-            <a:extLst>
-              <a:ext uri="{FF2B5EF4-FFF2-40B4-BE49-F238E27FC236}">
-                <a16:creationId xmlns:a16="http://schemas.microsoft.com/office/drawing/2014/main" id="{DDEB1AC9-E417-4576-9B02-5668C69DB0D7}"/>
-              </a:ext>
-            </a:extLst>
-          </p:cNvPr>
-          <p:cNvPicPr>
-            <a:picLocks noChangeAspect="1"/>
-          </p:cNvPicPr>
-          <p:nvPr/>
-        </p:nvPicPr>
-        <p:blipFill>
-          <a:blip r:embed="rId3">
-            <a:extLst>
-              <a:ext uri="{28A0092B-C50C-407E-A947-70E740481C1C}">
-                <a14:useLocalDpi xmlns:a14="http://schemas.microsoft.com/office/drawing/2010/main" val="0"/>
-              </a:ext>
-            </a:extLst>
-          </a:blip>
-          <a:stretch>
-            <a:fillRect/>
-          </a:stretch>
-        </p:blipFill>
-        <p:spPr>
-          <a:xfrm>
-            <a:off x="479376" y="308463"/>
-            <a:ext cx="72008" cy="96201"/>
-          </a:xfrm>
-          <a:prstGeom prst="rect">
-            <a:avLst/>
-          </a:prstGeom>
-        </p:spPr>
-      </p:pic>
       <mc:AlternateContent xmlns:mc="http://schemas.openxmlformats.org/markup-compatibility/2006" xmlns:a14="http://schemas.microsoft.com/office/drawing/2010/main">
         <mc:Choice Requires="a14">
           <p:sp>
